--- a/src/main/resources/ChatApp API.pptx
+++ b/src/main/resources/ChatApp API.pptx
@@ -7,17 +7,17 @@
   <p:sldIdLst>
     <p:sldId id="256" r:id="rId2"/>
     <p:sldId id="262" r:id="rId3"/>
-    <p:sldId id="267" r:id="rId4"/>
-    <p:sldId id="271" r:id="rId5"/>
-    <p:sldId id="272" r:id="rId6"/>
-    <p:sldId id="263" r:id="rId7"/>
-    <p:sldId id="279" r:id="rId8"/>
-    <p:sldId id="277" r:id="rId9"/>
-    <p:sldId id="278" r:id="rId10"/>
-    <p:sldId id="273" r:id="rId11"/>
-    <p:sldId id="261" r:id="rId12"/>
-    <p:sldId id="260" r:id="rId13"/>
-    <p:sldId id="274" r:id="rId14"/>
+    <p:sldId id="281" r:id="rId4"/>
+    <p:sldId id="267" r:id="rId5"/>
+    <p:sldId id="271" r:id="rId6"/>
+    <p:sldId id="272" r:id="rId7"/>
+    <p:sldId id="263" r:id="rId8"/>
+    <p:sldId id="279" r:id="rId9"/>
+    <p:sldId id="277" r:id="rId10"/>
+    <p:sldId id="278" r:id="rId11"/>
+    <p:sldId id="273" r:id="rId12"/>
+    <p:sldId id="261" r:id="rId13"/>
+    <p:sldId id="260" r:id="rId14"/>
     <p:sldId id="257" r:id="rId15"/>
     <p:sldId id="258" r:id="rId16"/>
     <p:sldId id="275" r:id="rId17"/>
@@ -120,6 +120,11 @@
       </a:defRPr>
     </a:lvl9pPr>
   </p:defaultTextStyle>
+  <p:extLst>
+    <p:ext uri="{EFAFB233-063F-42B5-8137-9DF3F51BA10A}">
+      <p15:sldGuideLst xmlns:p15="http://schemas.microsoft.com/office/powerpoint/2012/main"/>
+    </p:ext>
+  </p:extLst>
 </p:presentation>
 </file>
 
@@ -845,7 +850,7 @@
           <a:p>
             <a:fld id="{1388CE8F-C105-436C-98E6-F477B4A62BDF}" type="datetimeFigureOut">
               <a:rPr lang="en-US" smtClean="0"/>
-              <a:t>11/13/2018</a:t>
+              <a:t>11/14/2018</a:t>
             </a:fld>
             <a:endParaRPr lang="en-US"/>
           </a:p>
@@ -1096,7 +1101,7 @@
           <a:p>
             <a:fld id="{1388CE8F-C105-436C-98E6-F477B4A62BDF}" type="datetimeFigureOut">
               <a:rPr lang="en-US" smtClean="0"/>
-              <a:t>11/13/2018</a:t>
+              <a:t>11/14/2018</a:t>
             </a:fld>
             <a:endParaRPr lang="en-US"/>
           </a:p>
@@ -1410,7 +1415,7 @@
           <a:p>
             <a:fld id="{1388CE8F-C105-436C-98E6-F477B4A62BDF}" type="datetimeFigureOut">
               <a:rPr lang="en-US" smtClean="0"/>
-              <a:t>11/13/2018</a:t>
+              <a:t>11/14/2018</a:t>
             </a:fld>
             <a:endParaRPr lang="en-US"/>
           </a:p>
@@ -1751,7 +1756,7 @@
           <a:p>
             <a:fld id="{1388CE8F-C105-436C-98E6-F477B4A62BDF}" type="datetimeFigureOut">
               <a:rPr lang="en-US" smtClean="0"/>
-              <a:t>11/13/2018</a:t>
+              <a:t>11/14/2018</a:t>
             </a:fld>
             <a:endParaRPr lang="en-US"/>
           </a:p>
@@ -2065,7 +2070,7 @@
           <a:p>
             <a:fld id="{1388CE8F-C105-436C-98E6-F477B4A62BDF}" type="datetimeFigureOut">
               <a:rPr lang="en-US" smtClean="0"/>
-              <a:t>11/13/2018</a:t>
+              <a:t>11/14/2018</a:t>
             </a:fld>
             <a:endParaRPr lang="en-US"/>
           </a:p>
@@ -2458,7 +2463,7 @@
           <a:p>
             <a:fld id="{1388CE8F-C105-436C-98E6-F477B4A62BDF}" type="datetimeFigureOut">
               <a:rPr lang="en-US" smtClean="0"/>
-              <a:t>11/13/2018</a:t>
+              <a:t>11/14/2018</a:t>
             </a:fld>
             <a:endParaRPr lang="en-US"/>
           </a:p>
@@ -2628,7 +2633,7 @@
           <a:p>
             <a:fld id="{1388CE8F-C105-436C-98E6-F477B4A62BDF}" type="datetimeFigureOut">
               <a:rPr lang="en-US" smtClean="0"/>
-              <a:t>11/13/2018</a:t>
+              <a:t>11/14/2018</a:t>
             </a:fld>
             <a:endParaRPr lang="en-US"/>
           </a:p>
@@ -2808,7 +2813,7 @@
           <a:p>
             <a:fld id="{1388CE8F-C105-436C-98E6-F477B4A62BDF}" type="datetimeFigureOut">
               <a:rPr lang="en-US" smtClean="0"/>
-              <a:t>11/13/2018</a:t>
+              <a:t>11/14/2018</a:t>
             </a:fld>
             <a:endParaRPr lang="en-US"/>
           </a:p>
@@ -2984,7 +2989,7 @@
           <a:p>
             <a:fld id="{1388CE8F-C105-436C-98E6-F477B4A62BDF}" type="datetimeFigureOut">
               <a:rPr lang="en-US" smtClean="0"/>
-              <a:t>11/13/2018</a:t>
+              <a:t>11/14/2018</a:t>
             </a:fld>
             <a:endParaRPr lang="en-US"/>
           </a:p>
@@ -3231,7 +3236,7 @@
           <a:p>
             <a:fld id="{1388CE8F-C105-436C-98E6-F477B4A62BDF}" type="datetimeFigureOut">
               <a:rPr lang="en-US" smtClean="0"/>
-              <a:t>11/13/2018</a:t>
+              <a:t>11/14/2018</a:t>
             </a:fld>
             <a:endParaRPr lang="en-US"/>
           </a:p>
@@ -3463,7 +3468,7 @@
           <a:p>
             <a:fld id="{1388CE8F-C105-436C-98E6-F477B4A62BDF}" type="datetimeFigureOut">
               <a:rPr lang="en-US" smtClean="0"/>
-              <a:t>11/13/2018</a:t>
+              <a:t>11/14/2018</a:t>
             </a:fld>
             <a:endParaRPr lang="en-US"/>
           </a:p>
@@ -3837,7 +3842,7 @@
           <a:p>
             <a:fld id="{1388CE8F-C105-436C-98E6-F477B4A62BDF}" type="datetimeFigureOut">
               <a:rPr lang="en-US" smtClean="0"/>
-              <a:t>11/13/2018</a:t>
+              <a:t>11/14/2018</a:t>
             </a:fld>
             <a:endParaRPr lang="en-US"/>
           </a:p>
@@ -3960,7 +3965,7 @@
           <a:p>
             <a:fld id="{1388CE8F-C105-436C-98E6-F477B4A62BDF}" type="datetimeFigureOut">
               <a:rPr lang="en-US" smtClean="0"/>
-              <a:t>11/13/2018</a:t>
+              <a:t>11/14/2018</a:t>
             </a:fld>
             <a:endParaRPr lang="en-US"/>
           </a:p>
@@ -4055,7 +4060,7 @@
           <a:p>
             <a:fld id="{1388CE8F-C105-436C-98E6-F477B4A62BDF}" type="datetimeFigureOut">
               <a:rPr lang="en-US" smtClean="0"/>
-              <a:t>11/13/2018</a:t>
+              <a:t>11/14/2018</a:t>
             </a:fld>
             <a:endParaRPr lang="en-US"/>
           </a:p>
@@ -4310,7 +4315,7 @@
           <a:p>
             <a:fld id="{1388CE8F-C105-436C-98E6-F477B4A62BDF}" type="datetimeFigureOut">
               <a:rPr lang="en-US" smtClean="0"/>
-              <a:t>11/13/2018</a:t>
+              <a:t>11/14/2018</a:t>
             </a:fld>
             <a:endParaRPr lang="en-US"/>
           </a:p>
@@ -4573,7 +4578,7 @@
           <a:p>
             <a:fld id="{1388CE8F-C105-436C-98E6-F477B4A62BDF}" type="datetimeFigureOut">
               <a:rPr lang="en-US" smtClean="0"/>
-              <a:t>11/13/2018</a:t>
+              <a:t>11/14/2018</a:t>
             </a:fld>
             <a:endParaRPr lang="en-US"/>
           </a:p>
@@ -5316,7 +5321,7 @@
           <a:p>
             <a:fld id="{1388CE8F-C105-436C-98E6-F477B4A62BDF}" type="datetimeFigureOut">
               <a:rPr lang="en-US" smtClean="0"/>
-              <a:t>11/13/2018</a:t>
+              <a:t>11/14/2018</a:t>
             </a:fld>
             <a:endParaRPr lang="en-US"/>
           </a:p>
@@ -6047,7 +6052,7 @@
           <p:cNvPr id="2" name="标题 1">
             <a:extLst>
               <a:ext uri="{FF2B5EF4-FFF2-40B4-BE49-F238E27FC236}">
-                <a16:creationId xmlns:a16="http://schemas.microsoft.com/office/drawing/2014/main" id="{6DC8A6ED-9AE1-48D3-832C-7B2D41BD2F8C}"/>
+                <a16:creationId xmlns:a16="http://schemas.microsoft.com/office/drawing/2014/main" id="{9EB50EDD-DE98-4348-87BB-49DBD146D085}"/>
               </a:ext>
             </a:extLst>
           </p:cNvPr>
@@ -6060,142 +6065,745 @@
         </p:nvSpPr>
         <p:spPr/>
         <p:txBody>
-          <a:bodyPr/>
-          <a:lstStyle/>
-          <a:p>
-            <a:r>
-              <a:rPr lang="en-US" sz="6000" dirty="0"/>
-              <a:t>API + UML</a:t>
-            </a:r>
-            <a:endParaRPr lang="en-US" dirty="0"/>
-          </a:p>
-        </p:txBody>
-      </p:sp>
-      <p:sp>
-        <p:nvSpPr>
-          <p:cNvPr id="3" name="内容占位符 2">
+          <a:bodyPr>
+            <a:normAutofit/>
+          </a:bodyPr>
+          <a:lstStyle/>
+          <a:p>
+            <a:r>
+              <a:rPr lang="en-US" dirty="0"/>
+              <a:t>Some communication protocol</a:t>
+            </a:r>
+          </a:p>
+        </p:txBody>
+      </p:sp>
+      <p:graphicFrame>
+        <p:nvGraphicFramePr>
+          <p:cNvPr id="4" name="内容占位符 3">
             <a:extLst>
               <a:ext uri="{FF2B5EF4-FFF2-40B4-BE49-F238E27FC236}">
-                <a16:creationId xmlns:a16="http://schemas.microsoft.com/office/drawing/2014/main" id="{712825F1-6264-42A9-B135-C3FABD7C8C06}"/>
+                <a16:creationId xmlns:a16="http://schemas.microsoft.com/office/drawing/2014/main" id="{213B0D4A-54EA-4B55-AEAB-007FD32F36F8}"/>
               </a:ext>
             </a:extLst>
           </p:cNvPr>
-          <p:cNvSpPr>
-            <a:spLocks noGrp="1"/>
-          </p:cNvSpPr>
+          <p:cNvGraphicFramePr>
+            <a:graphicFrameLocks noGrp="1"/>
+          </p:cNvGraphicFramePr>
           <p:nvPr>
             <p:ph idx="1"/>
+            <p:extLst>
+              <p:ext uri="{D42A27DB-BD31-4B8C-83A1-F6EECF244321}">
+                <p14:modId xmlns:p14="http://schemas.microsoft.com/office/powerpoint/2010/main" val="3470456686"/>
+              </p:ext>
+            </p:extLst>
           </p:nvPr>
-        </p:nvSpPr>
-        <p:spPr>
-          <a:xfrm>
-            <a:off x="836360" y="2128784"/>
-            <a:ext cx="8596668" cy="3880773"/>
-          </a:xfrm>
-        </p:spPr>
-        <p:txBody>
-          <a:bodyPr/>
-          <a:lstStyle/>
-          <a:p>
-            <a:r>
-              <a:rPr lang="en-US" dirty="0"/>
-              <a:t>Controller</a:t>
-            </a:r>
-          </a:p>
-          <a:p>
-            <a:pPr lvl="1"/>
-            <a:r>
-              <a:rPr lang="en-US" dirty="0" err="1"/>
-              <a:t>ChatAppController</a:t>
-            </a:r>
-            <a:endParaRPr lang="en-US" dirty="0"/>
-          </a:p>
-          <a:p>
-            <a:pPr lvl="1"/>
-            <a:r>
-              <a:rPr lang="en-US" dirty="0" err="1"/>
-              <a:t>WebSocketController</a:t>
-            </a:r>
-            <a:endParaRPr lang="en-US" dirty="0"/>
-          </a:p>
-          <a:p>
-            <a:r>
-              <a:rPr lang="en-US" dirty="0"/>
-              <a:t>Obj</a:t>
-            </a:r>
-          </a:p>
-          <a:p>
-            <a:pPr lvl="1"/>
-            <a:r>
-              <a:rPr lang="en-US" dirty="0" err="1"/>
-              <a:t>ChatRoom</a:t>
-            </a:r>
-            <a:endParaRPr lang="en-US" dirty="0"/>
-          </a:p>
-          <a:p>
-            <a:pPr lvl="1"/>
-            <a:r>
-              <a:rPr lang="en-US" dirty="0"/>
-              <a:t>User</a:t>
-            </a:r>
-          </a:p>
-          <a:p>
-            <a:r>
-              <a:rPr lang="en-US" dirty="0" err="1"/>
-              <a:t>Cmd</a:t>
-            </a:r>
-            <a:endParaRPr lang="en-US" dirty="0"/>
-          </a:p>
-          <a:p>
-            <a:pPr lvl="1"/>
-            <a:r>
-              <a:rPr lang="en-US" dirty="0"/>
-              <a:t>5 commands</a:t>
-            </a:r>
-          </a:p>
-          <a:p>
-            <a:r>
-              <a:rPr lang="en-US" dirty="0" err="1"/>
-              <a:t>DispatcherAdapter</a:t>
-            </a:r>
-            <a:endParaRPr lang="en-US" dirty="0"/>
-          </a:p>
-        </p:txBody>
-      </p:sp>
-      <p:pic>
-        <p:nvPicPr>
-          <p:cNvPr id="4" name="图片 3">
+        </p:nvGraphicFramePr>
+        <p:xfrm>
+          <a:off x="677334" y="2430931"/>
+          <a:ext cx="10461915" cy="4061516"/>
+        </p:xfrm>
+        <a:graphic>
+          <a:graphicData uri="http://schemas.openxmlformats.org/drawingml/2006/table">
+            <a:tbl>
+              <a:tblPr firstRow="1" bandRow="1">
+                <a:tableStyleId>{5C22544A-7EE6-4342-B048-85BDC9FD1C3A}</a:tableStyleId>
+              </a:tblPr>
+              <a:tblGrid>
+                <a:gridCol w="2383389">
+                  <a:extLst>
+                    <a:ext uri="{9D8B030D-6E8A-4147-A177-3AD203B41FA5}">
+                      <a16:colId xmlns:a16="http://schemas.microsoft.com/office/drawing/2014/main" val="179182386"/>
+                    </a:ext>
+                  </a:extLst>
+                </a:gridCol>
+                <a:gridCol w="3856383">
+                  <a:extLst>
+                    <a:ext uri="{9D8B030D-6E8A-4147-A177-3AD203B41FA5}">
+                      <a16:colId xmlns:a16="http://schemas.microsoft.com/office/drawing/2014/main" val="3278587875"/>
+                    </a:ext>
+                  </a:extLst>
+                </a:gridCol>
+                <a:gridCol w="4222143">
+                  <a:extLst>
+                    <a:ext uri="{9D8B030D-6E8A-4147-A177-3AD203B41FA5}">
+                      <a16:colId xmlns:a16="http://schemas.microsoft.com/office/drawing/2014/main" val="967600494"/>
+                    </a:ext>
+                  </a:extLst>
+                </a:gridCol>
+              </a:tblGrid>
+              <a:tr h="535319">
+                <a:tc>
+                  <a:txBody>
+                    <a:bodyPr/>
+                    <a:lstStyle/>
+                    <a:p>
+                      <a:r>
+                        <a:rPr lang="en-US" dirty="0"/>
+                        <a:t>Command type</a:t>
+                      </a:r>
+                    </a:p>
+                  </a:txBody>
+                  <a:tcPr/>
+                </a:tc>
+                <a:tc>
+                  <a:txBody>
+                    <a:bodyPr/>
+                    <a:lstStyle/>
+                    <a:p>
+                      <a:r>
+                        <a:rPr lang="en-US" dirty="0"/>
+                        <a:t>View sends [Command type] +</a:t>
+                      </a:r>
+                    </a:p>
+                  </a:txBody>
+                  <a:tcPr/>
+                </a:tc>
+                <a:tc>
+                  <a:txBody>
+                    <a:bodyPr/>
+                    <a:lstStyle/>
+                    <a:p>
+                      <a:r>
+                        <a:rPr lang="en-US" dirty="0"/>
+                        <a:t>Model return [Command type] +</a:t>
+                      </a:r>
+                    </a:p>
+                  </a:txBody>
+                  <a:tcPr/>
+                </a:tc>
+                <a:extLst>
+                  <a:ext uri="{0D108BD9-81ED-4DB2-BD59-A6C34878D82A}">
+                    <a16:rowId xmlns:a16="http://schemas.microsoft.com/office/drawing/2014/main" val="1325632616"/>
+                  </a:ext>
+                </a:extLst>
+              </a:tr>
+              <a:tr h="535319">
+                <a:tc>
+                  <a:txBody>
+                    <a:bodyPr/>
+                    <a:lstStyle/>
+                    <a:p>
+                      <a:r>
+                        <a:rPr lang="en-US" dirty="0"/>
+                        <a:t>login</a:t>
+                      </a:r>
+                    </a:p>
+                  </a:txBody>
+                  <a:tcPr/>
+                </a:tc>
+                <a:tc>
+                  <a:txBody>
+                    <a:bodyPr/>
+                    <a:lstStyle/>
+                    <a:p>
+                      <a:r>
+                        <a:rPr lang="en-US" dirty="0"/>
+                        <a:t>username age location school</a:t>
+                      </a:r>
+                    </a:p>
+                  </a:txBody>
+                  <a:tcPr/>
+                </a:tc>
+                <a:tc>
+                  <a:txBody>
+                    <a:bodyPr/>
+                    <a:lstStyle/>
+                    <a:p>
+                      <a:r>
+                        <a:rPr lang="en-US" dirty="0"/>
+                        <a:t>{User Json}</a:t>
+                      </a:r>
+                    </a:p>
+                  </a:txBody>
+                  <a:tcPr/>
+                </a:tc>
+                <a:extLst>
+                  <a:ext uri="{0D108BD9-81ED-4DB2-BD59-A6C34878D82A}">
+                    <a16:rowId xmlns:a16="http://schemas.microsoft.com/office/drawing/2014/main" val="4287770539"/>
+                  </a:ext>
+                </a:extLst>
+              </a:tr>
+              <a:tr h="535319">
+                <a:tc>
+                  <a:txBody>
+                    <a:bodyPr/>
+                    <a:lstStyle/>
+                    <a:p>
+                      <a:r>
+                        <a:rPr lang="en-US" dirty="0" err="1"/>
+                        <a:t>createroom</a:t>
+                      </a:r>
+                      <a:endParaRPr lang="en-US" dirty="0"/>
+                    </a:p>
+                  </a:txBody>
+                  <a:tcPr/>
+                </a:tc>
+                <a:tc>
+                  <a:txBody>
+                    <a:bodyPr/>
+                    <a:lstStyle/>
+                    <a:p>
+                      <a:r>
+                        <a:rPr lang="en-US" dirty="0" err="1"/>
+                        <a:t>roomname</a:t>
+                      </a:r>
+                      <a:r>
+                        <a:rPr lang="en-US" dirty="0"/>
+                        <a:t> </a:t>
+                      </a:r>
+                      <a:r>
+                        <a:rPr lang="en-US" dirty="0" err="1"/>
+                        <a:t>roomrulestring</a:t>
+                      </a:r>
+                      <a:endParaRPr lang="en-US" dirty="0"/>
+                    </a:p>
+                  </a:txBody>
+                  <a:tcPr/>
+                </a:tc>
+                <a:tc>
+                  <a:txBody>
+                    <a:bodyPr/>
+                    <a:lstStyle/>
+                    <a:p>
+                      <a:r>
+                        <a:rPr lang="en-US" dirty="0"/>
+                        <a:t>{User Json} with one more room</a:t>
+                      </a:r>
+                    </a:p>
+                  </a:txBody>
+                  <a:tcPr/>
+                </a:tc>
+                <a:extLst>
+                  <a:ext uri="{0D108BD9-81ED-4DB2-BD59-A6C34878D82A}">
+                    <a16:rowId xmlns:a16="http://schemas.microsoft.com/office/drawing/2014/main" val="694886136"/>
+                  </a:ext>
+                </a:extLst>
+              </a:tr>
+              <a:tr h="535319">
+                <a:tc>
+                  <a:txBody>
+                    <a:bodyPr/>
+                    <a:lstStyle/>
+                    <a:p>
+                      <a:r>
+                        <a:rPr lang="en-US" dirty="0" err="1"/>
+                        <a:t>joinroom</a:t>
+                      </a:r>
+                      <a:endParaRPr lang="en-US" dirty="0"/>
+                    </a:p>
+                  </a:txBody>
+                  <a:tcPr/>
+                </a:tc>
+                <a:tc>
+                  <a:txBody>
+                    <a:bodyPr/>
+                    <a:lstStyle/>
+                    <a:p>
+                      <a:r>
+                        <a:rPr lang="en-US" dirty="0" err="1"/>
+                        <a:t>roomid</a:t>
+                      </a:r>
+                      <a:endParaRPr lang="en-US" dirty="0"/>
+                    </a:p>
+                  </a:txBody>
+                  <a:tcPr/>
+                </a:tc>
+                <a:tc>
+                  <a:txBody>
+                    <a:bodyPr/>
+                    <a:lstStyle/>
+                    <a:p>
+                      <a:r>
+                        <a:rPr lang="en-US" dirty="0"/>
+                        <a:t>{User Json} with one room moved from available to joined</a:t>
+                      </a:r>
+                    </a:p>
+                  </a:txBody>
+                  <a:tcPr/>
+                </a:tc>
+                <a:extLst>
+                  <a:ext uri="{0D108BD9-81ED-4DB2-BD59-A6C34878D82A}">
+                    <a16:rowId xmlns:a16="http://schemas.microsoft.com/office/drawing/2014/main" val="672358080"/>
+                  </a:ext>
+                </a:extLst>
+              </a:tr>
+              <a:tr h="535319">
+                <a:tc>
+                  <a:txBody>
+                    <a:bodyPr/>
+                    <a:lstStyle/>
+                    <a:p>
+                      <a:r>
+                        <a:rPr lang="en-US" dirty="0" err="1"/>
+                        <a:t>leaveroom</a:t>
+                      </a:r>
+                      <a:endParaRPr lang="en-US" dirty="0"/>
+                    </a:p>
+                  </a:txBody>
+                  <a:tcPr/>
+                </a:tc>
+                <a:tc>
+                  <a:txBody>
+                    <a:bodyPr/>
+                    <a:lstStyle/>
+                    <a:p>
+                      <a:r>
+                        <a:rPr lang="en-US" dirty="0" err="1"/>
+                        <a:t>roomid</a:t>
+                      </a:r>
+                      <a:endParaRPr lang="en-US" dirty="0"/>
+                    </a:p>
+                  </a:txBody>
+                  <a:tcPr/>
+                </a:tc>
+                <a:tc>
+                  <a:txBody>
+                    <a:bodyPr/>
+                    <a:lstStyle/>
+                    <a:p>
+                      <a:r>
+                        <a:rPr lang="en-US" dirty="0"/>
+                        <a:t>{User Json} with one room moved from joined to available</a:t>
+                      </a:r>
+                    </a:p>
+                  </a:txBody>
+                  <a:tcPr/>
+                </a:tc>
+                <a:extLst>
+                  <a:ext uri="{0D108BD9-81ED-4DB2-BD59-A6C34878D82A}">
+                    <a16:rowId xmlns:a16="http://schemas.microsoft.com/office/drawing/2014/main" val="378277150"/>
+                  </a:ext>
+                </a:extLst>
+              </a:tr>
+              <a:tr h="535319">
+                <a:tc>
+                  <a:txBody>
+                    <a:bodyPr/>
+                    <a:lstStyle/>
+                    <a:p>
+                      <a:r>
+                        <a:rPr lang="en-US" dirty="0"/>
+                        <a:t>send</a:t>
+                      </a:r>
+                    </a:p>
+                  </a:txBody>
+                  <a:tcPr/>
+                </a:tc>
+                <a:tc>
+                  <a:txBody>
+                    <a:bodyPr/>
+                    <a:lstStyle/>
+                    <a:p>
+                      <a:r>
+                        <a:rPr lang="en-US" dirty="0" err="1"/>
+                        <a:t>roomid</a:t>
+                      </a:r>
+                      <a:r>
+                        <a:rPr lang="en-US" dirty="0"/>
+                        <a:t> </a:t>
+                      </a:r>
+                      <a:r>
+                        <a:rPr lang="en-US" dirty="0" err="1"/>
+                        <a:t>userid</a:t>
+                      </a:r>
+                      <a:r>
+                        <a:rPr lang="en-US" dirty="0"/>
+                        <a:t> </a:t>
+                      </a:r>
+                      <a:r>
+                        <a:rPr lang="en-US" dirty="0" err="1"/>
+                        <a:t>msgstring</a:t>
+                      </a:r>
+                      <a:endParaRPr lang="en-US" dirty="0"/>
+                    </a:p>
+                  </a:txBody>
+                  <a:tcPr/>
+                </a:tc>
+                <a:tc>
+                  <a:txBody>
+                    <a:bodyPr/>
+                    <a:lstStyle/>
+                    <a:p>
+                      <a:r>
+                        <a:rPr lang="en-US" dirty="0"/>
+                        <a:t>{</a:t>
+                      </a:r>
+                      <a:r>
+                        <a:rPr lang="en-US" dirty="0" err="1"/>
+                        <a:t>ChatMsgHistory</a:t>
+                      </a:r>
+                      <a:r>
+                        <a:rPr lang="en-US" dirty="0"/>
+                        <a:t> Json/array} with one more line of message</a:t>
+                      </a:r>
+                    </a:p>
+                  </a:txBody>
+                  <a:tcPr/>
+                </a:tc>
+                <a:extLst>
+                  <a:ext uri="{0D108BD9-81ED-4DB2-BD59-A6C34878D82A}">
+                    <a16:rowId xmlns:a16="http://schemas.microsoft.com/office/drawing/2014/main" val="1346091761"/>
+                  </a:ext>
+                </a:extLst>
+              </a:tr>
+              <a:tr h="535319">
+                <a:tc>
+                  <a:txBody>
+                    <a:bodyPr/>
+                    <a:lstStyle/>
+                    <a:p>
+                      <a:r>
+                        <a:rPr lang="en-US" dirty="0" err="1"/>
+                        <a:t>Etc</a:t>
+                      </a:r>
+                      <a:endParaRPr lang="en-US" dirty="0"/>
+                    </a:p>
+                  </a:txBody>
+                  <a:tcPr/>
+                </a:tc>
+                <a:tc>
+                  <a:txBody>
+                    <a:bodyPr/>
+                    <a:lstStyle/>
+                    <a:p>
+                      <a:r>
+                        <a:rPr lang="en-US" dirty="0"/>
+                        <a:t>…</a:t>
+                      </a:r>
+                    </a:p>
+                  </a:txBody>
+                  <a:tcPr/>
+                </a:tc>
+                <a:tc>
+                  <a:txBody>
+                    <a:bodyPr/>
+                    <a:lstStyle/>
+                    <a:p>
+                      <a:r>
+                        <a:rPr lang="en-US" dirty="0"/>
+                        <a:t>…</a:t>
+                      </a:r>
+                    </a:p>
+                  </a:txBody>
+                  <a:tcPr/>
+                </a:tc>
+                <a:extLst>
+                  <a:ext uri="{0D108BD9-81ED-4DB2-BD59-A6C34878D82A}">
+                    <a16:rowId xmlns:a16="http://schemas.microsoft.com/office/drawing/2014/main" val="1081753768"/>
+                  </a:ext>
+                </a:extLst>
+              </a:tr>
+            </a:tbl>
+          </a:graphicData>
+        </a:graphic>
+      </p:graphicFrame>
+      <p:sp>
+        <p:nvSpPr>
+          <p:cNvPr id="5" name="内容占位符 2">
             <a:extLst>
               <a:ext uri="{FF2B5EF4-FFF2-40B4-BE49-F238E27FC236}">
-                <a16:creationId xmlns:a16="http://schemas.microsoft.com/office/drawing/2014/main" id="{DD69B1D4-13C4-4CFD-8506-13195838F5CD}"/>
+                <a16:creationId xmlns:a16="http://schemas.microsoft.com/office/drawing/2014/main" id="{AD811C64-2D29-4A41-BF21-8165219768E7}"/>
               </a:ext>
             </a:extLst>
           </p:cNvPr>
-          <p:cNvPicPr>
-            <a:picLocks noChangeAspect="1"/>
-          </p:cNvPicPr>
+          <p:cNvSpPr txBox="1">
+            <a:spLocks/>
+          </p:cNvSpPr>
           <p:nvPr/>
-        </p:nvPicPr>
-        <p:blipFill>
-          <a:blip r:embed="rId2"/>
-          <a:stretch>
-            <a:fillRect/>
-          </a:stretch>
-        </p:blipFill>
+        </p:nvSpPr>
         <p:spPr>
           <a:xfrm>
-            <a:off x="4824412" y="1722636"/>
-            <a:ext cx="2805420" cy="4234398"/>
+            <a:off x="544663" y="1566406"/>
+            <a:ext cx="11795762" cy="596349"/>
           </a:xfrm>
           <a:prstGeom prst="rect">
             <a:avLst/>
           </a:prstGeom>
         </p:spPr>
-      </p:pic>
+        <p:txBody>
+          <a:bodyPr vert="horz" lIns="91440" tIns="45720" rIns="91440" bIns="45720" rtlCol="0">
+            <a:normAutofit/>
+          </a:bodyPr>
+          <a:lstStyle>
+            <a:lvl1pPr marL="342900" indent="-342900" algn="l" defTabSz="457200" rtl="0" eaLnBrk="1" latinLnBrk="0" hangingPunct="1">
+              <a:spcBef>
+                <a:spcPts val="1000"/>
+              </a:spcBef>
+              <a:spcAft>
+                <a:spcPts val="0"/>
+              </a:spcAft>
+              <a:buClr>
+                <a:schemeClr val="accent1"/>
+              </a:buClr>
+              <a:buSzPct val="80000"/>
+              <a:buFont typeface="Wingdings 3" charset="2"/>
+              <a:buChar char=""/>
+              <a:defRPr sz="1800" kern="1200">
+                <a:solidFill>
+                  <a:schemeClr val="tx1">
+                    <a:lumMod val="75000"/>
+                    <a:lumOff val="25000"/>
+                  </a:schemeClr>
+                </a:solidFill>
+                <a:latin typeface="+mn-lt"/>
+                <a:ea typeface="+mn-ea"/>
+                <a:cs typeface="+mn-cs"/>
+              </a:defRPr>
+            </a:lvl1pPr>
+            <a:lvl2pPr marL="742950" indent="-285750" algn="l" defTabSz="457200" rtl="0" eaLnBrk="1" latinLnBrk="0" hangingPunct="1">
+              <a:spcBef>
+                <a:spcPts val="1000"/>
+              </a:spcBef>
+              <a:spcAft>
+                <a:spcPts val="0"/>
+              </a:spcAft>
+              <a:buClr>
+                <a:schemeClr val="accent1"/>
+              </a:buClr>
+              <a:buSzPct val="80000"/>
+              <a:buFont typeface="Wingdings 3" charset="2"/>
+              <a:buChar char=""/>
+              <a:defRPr sz="1600" kern="1200">
+                <a:solidFill>
+                  <a:schemeClr val="tx1">
+                    <a:lumMod val="75000"/>
+                    <a:lumOff val="25000"/>
+                  </a:schemeClr>
+                </a:solidFill>
+                <a:latin typeface="+mn-lt"/>
+                <a:ea typeface="+mn-ea"/>
+                <a:cs typeface="+mn-cs"/>
+              </a:defRPr>
+            </a:lvl2pPr>
+            <a:lvl3pPr marL="1143000" indent="-228600" algn="l" defTabSz="457200" rtl="0" eaLnBrk="1" latinLnBrk="0" hangingPunct="1">
+              <a:spcBef>
+                <a:spcPts val="1000"/>
+              </a:spcBef>
+              <a:spcAft>
+                <a:spcPts val="0"/>
+              </a:spcAft>
+              <a:buClr>
+                <a:schemeClr val="accent1"/>
+              </a:buClr>
+              <a:buSzPct val="80000"/>
+              <a:buFont typeface="Wingdings 3" charset="2"/>
+              <a:buChar char=""/>
+              <a:defRPr sz="1400" kern="1200">
+                <a:solidFill>
+                  <a:schemeClr val="tx1">
+                    <a:lumMod val="75000"/>
+                    <a:lumOff val="25000"/>
+                  </a:schemeClr>
+                </a:solidFill>
+                <a:latin typeface="+mn-lt"/>
+                <a:ea typeface="+mn-ea"/>
+                <a:cs typeface="+mn-cs"/>
+              </a:defRPr>
+            </a:lvl3pPr>
+            <a:lvl4pPr marL="1600200" indent="-228600" algn="l" defTabSz="457200" rtl="0" eaLnBrk="1" latinLnBrk="0" hangingPunct="1">
+              <a:spcBef>
+                <a:spcPts val="1000"/>
+              </a:spcBef>
+              <a:spcAft>
+                <a:spcPts val="0"/>
+              </a:spcAft>
+              <a:buClr>
+                <a:schemeClr val="accent1"/>
+              </a:buClr>
+              <a:buSzPct val="80000"/>
+              <a:buFont typeface="Wingdings 3" charset="2"/>
+              <a:buChar char=""/>
+              <a:defRPr sz="1200" kern="1200">
+                <a:solidFill>
+                  <a:schemeClr val="tx1">
+                    <a:lumMod val="75000"/>
+                    <a:lumOff val="25000"/>
+                  </a:schemeClr>
+                </a:solidFill>
+                <a:latin typeface="+mn-lt"/>
+                <a:ea typeface="+mn-ea"/>
+                <a:cs typeface="+mn-cs"/>
+              </a:defRPr>
+            </a:lvl4pPr>
+            <a:lvl5pPr marL="2057400" indent="-228600" algn="l" defTabSz="457200" rtl="0" eaLnBrk="1" latinLnBrk="0" hangingPunct="1">
+              <a:spcBef>
+                <a:spcPts val="1000"/>
+              </a:spcBef>
+              <a:spcAft>
+                <a:spcPts val="0"/>
+              </a:spcAft>
+              <a:buClr>
+                <a:schemeClr val="accent1"/>
+              </a:buClr>
+              <a:buSzPct val="80000"/>
+              <a:buFont typeface="Wingdings 3" charset="2"/>
+              <a:buChar char=""/>
+              <a:defRPr sz="1200" kern="1200">
+                <a:solidFill>
+                  <a:schemeClr val="tx1">
+                    <a:lumMod val="75000"/>
+                    <a:lumOff val="25000"/>
+                  </a:schemeClr>
+                </a:solidFill>
+                <a:latin typeface="+mn-lt"/>
+                <a:ea typeface="+mn-ea"/>
+                <a:cs typeface="+mn-cs"/>
+              </a:defRPr>
+            </a:lvl5pPr>
+            <a:lvl6pPr marL="2514600" indent="-228600" algn="l" defTabSz="457200" rtl="0" eaLnBrk="1" latinLnBrk="0" hangingPunct="1">
+              <a:spcBef>
+                <a:spcPts val="1000"/>
+              </a:spcBef>
+              <a:spcAft>
+                <a:spcPts val="0"/>
+              </a:spcAft>
+              <a:buClr>
+                <a:schemeClr val="accent1"/>
+              </a:buClr>
+              <a:buSzPct val="80000"/>
+              <a:buFont typeface="Wingdings 3" charset="2"/>
+              <a:buChar char=""/>
+              <a:defRPr sz="1200" kern="1200">
+                <a:solidFill>
+                  <a:schemeClr val="tx1">
+                    <a:lumMod val="75000"/>
+                    <a:lumOff val="25000"/>
+                  </a:schemeClr>
+                </a:solidFill>
+                <a:latin typeface="+mn-lt"/>
+                <a:ea typeface="+mn-ea"/>
+                <a:cs typeface="+mn-cs"/>
+              </a:defRPr>
+            </a:lvl6pPr>
+            <a:lvl7pPr marL="2971800" indent="-228600" algn="l" defTabSz="457200" rtl="0" eaLnBrk="1" latinLnBrk="0" hangingPunct="1">
+              <a:spcBef>
+                <a:spcPts val="1000"/>
+              </a:spcBef>
+              <a:spcAft>
+                <a:spcPts val="0"/>
+              </a:spcAft>
+              <a:buClr>
+                <a:schemeClr val="accent1"/>
+              </a:buClr>
+              <a:buSzPct val="80000"/>
+              <a:buFont typeface="Wingdings 3" charset="2"/>
+              <a:buChar char=""/>
+              <a:defRPr sz="1200" kern="1200">
+                <a:solidFill>
+                  <a:schemeClr val="tx1">
+                    <a:lumMod val="75000"/>
+                    <a:lumOff val="25000"/>
+                  </a:schemeClr>
+                </a:solidFill>
+                <a:latin typeface="+mn-lt"/>
+                <a:ea typeface="+mn-ea"/>
+                <a:cs typeface="+mn-cs"/>
+              </a:defRPr>
+            </a:lvl7pPr>
+            <a:lvl8pPr marL="3429000" indent="-228600" algn="l" defTabSz="457200" rtl="0" eaLnBrk="1" latinLnBrk="0" hangingPunct="1">
+              <a:spcBef>
+                <a:spcPts val="1000"/>
+              </a:spcBef>
+              <a:spcAft>
+                <a:spcPts val="0"/>
+              </a:spcAft>
+              <a:buClr>
+                <a:schemeClr val="accent1"/>
+              </a:buClr>
+              <a:buSzPct val="80000"/>
+              <a:buFont typeface="Wingdings 3" charset="2"/>
+              <a:buChar char=""/>
+              <a:defRPr sz="1200" kern="1200">
+                <a:solidFill>
+                  <a:schemeClr val="tx1">
+                    <a:lumMod val="75000"/>
+                    <a:lumOff val="25000"/>
+                  </a:schemeClr>
+                </a:solidFill>
+                <a:latin typeface="+mn-lt"/>
+                <a:ea typeface="+mn-ea"/>
+                <a:cs typeface="+mn-cs"/>
+              </a:defRPr>
+            </a:lvl8pPr>
+            <a:lvl9pPr marL="3886200" indent="-228600" algn="l" defTabSz="457200" rtl="0" eaLnBrk="1" latinLnBrk="0" hangingPunct="1">
+              <a:spcBef>
+                <a:spcPts val="1000"/>
+              </a:spcBef>
+              <a:spcAft>
+                <a:spcPts val="0"/>
+              </a:spcAft>
+              <a:buClr>
+                <a:schemeClr val="accent1"/>
+              </a:buClr>
+              <a:buSzPct val="80000"/>
+              <a:buFont typeface="Wingdings 3" charset="2"/>
+              <a:buChar char=""/>
+              <a:defRPr sz="1200" kern="1200">
+                <a:solidFill>
+                  <a:schemeClr val="tx1">
+                    <a:lumMod val="75000"/>
+                    <a:lumOff val="25000"/>
+                  </a:schemeClr>
+                </a:solidFill>
+                <a:latin typeface="+mn-lt"/>
+                <a:ea typeface="+mn-ea"/>
+                <a:cs typeface="+mn-cs"/>
+              </a:defRPr>
+            </a:lvl9pPr>
+          </a:lstStyle>
+          <a:p>
+            <a:r>
+              <a:rPr lang="en-US" sz="2400" dirty="0"/>
+              <a:t>We implemented some of below command types and it </a:t>
+            </a:r>
+            <a:r>
+              <a:rPr lang="en-US" altLang="zh-CN" sz="2400" dirty="0"/>
+              <a:t>was easy!</a:t>
+            </a:r>
+            <a:endParaRPr lang="en-US" sz="1800" dirty="0"/>
+          </a:p>
+          <a:p>
+            <a:pPr lvl="2"/>
+            <a:endParaRPr lang="en-US" sz="1800" dirty="0"/>
+          </a:p>
+          <a:p>
+            <a:pPr lvl="2"/>
+            <a:endParaRPr lang="en-US" sz="2000" dirty="0"/>
+          </a:p>
+          <a:p>
+            <a:pPr marL="0" indent="0">
+              <a:buFont typeface="Wingdings 3" charset="2"/>
+              <a:buNone/>
+            </a:pPr>
+            <a:endParaRPr lang="en-US" dirty="0"/>
+          </a:p>
+          <a:p>
+            <a:pPr marL="0" indent="0">
+              <a:buFont typeface="Wingdings 3" charset="2"/>
+              <a:buNone/>
+            </a:pPr>
+            <a:endParaRPr lang="en-US" dirty="0"/>
+          </a:p>
+          <a:p>
+            <a:pPr marL="0" indent="0">
+              <a:buFont typeface="Wingdings 3" charset="2"/>
+              <a:buNone/>
+            </a:pPr>
+            <a:endParaRPr lang="en-US" dirty="0"/>
+          </a:p>
+          <a:p>
+            <a:pPr marL="0" indent="0">
+              <a:buFont typeface="Wingdings 3" charset="2"/>
+              <a:buNone/>
+            </a:pPr>
+            <a:endParaRPr lang="en-US" dirty="0"/>
+          </a:p>
+        </p:txBody>
+      </p:sp>
     </p:spTree>
     <p:extLst>
       <p:ext uri="{BB962C8B-B14F-4D97-AF65-F5344CB8AC3E}">
-        <p14:creationId xmlns:p14="http://schemas.microsoft.com/office/powerpoint/2010/main" val="416537754"/>
+        <p14:creationId xmlns:p14="http://schemas.microsoft.com/office/powerpoint/2010/main" val="2490538845"/>
       </p:ext>
     </p:extLst>
   </p:cSld>
@@ -6227,7 +6835,7 @@
           <p:cNvPr id="2" name="标题 1">
             <a:extLst>
               <a:ext uri="{FF2B5EF4-FFF2-40B4-BE49-F238E27FC236}">
-                <a16:creationId xmlns:a16="http://schemas.microsoft.com/office/drawing/2014/main" id="{2866B383-DDC6-4E92-825B-64FC60B40B3E}"/>
+                <a16:creationId xmlns:a16="http://schemas.microsoft.com/office/drawing/2014/main" id="{6DC8A6ED-9AE1-48D3-832C-7B2D41BD2F8C}"/>
               </a:ext>
             </a:extLst>
           </p:cNvPr>
@@ -6238,15 +6846,21 @@
             <p:ph type="title"/>
           </p:nvPr>
         </p:nvSpPr>
-        <p:spPr/>
+        <p:spPr>
+          <a:xfrm>
+            <a:off x="598676" y="351554"/>
+            <a:ext cx="8596668" cy="1320800"/>
+          </a:xfrm>
+        </p:spPr>
         <p:txBody>
           <a:bodyPr/>
           <a:lstStyle/>
           <a:p>
             <a:r>
-              <a:rPr lang="en-US" dirty="0"/>
-              <a:t>Dispatcher Adapter</a:t>
-            </a:r>
+              <a:rPr lang="en-US" sz="6000" dirty="0"/>
+              <a:t>API + UML</a:t>
+            </a:r>
+            <a:endParaRPr lang="en-US" dirty="0"/>
           </a:p>
         </p:txBody>
       </p:sp>
@@ -6255,7 +6869,7 @@
           <p:cNvPr id="3" name="内容占位符 2">
             <a:extLst>
               <a:ext uri="{FF2B5EF4-FFF2-40B4-BE49-F238E27FC236}">
-                <a16:creationId xmlns:a16="http://schemas.microsoft.com/office/drawing/2014/main" id="{EFA3A5AA-8BAB-41F6-A5C2-48A05EAFE36E}"/>
+                <a16:creationId xmlns:a16="http://schemas.microsoft.com/office/drawing/2014/main" id="{712825F1-6264-42A9-B135-C3FABD7C8C06}"/>
               </a:ext>
             </a:extLst>
           </p:cNvPr>
@@ -6268,74 +6882,94 @@
         </p:nvSpPr>
         <p:spPr>
           <a:xfrm>
-            <a:off x="677334" y="1270000"/>
-            <a:ext cx="7267726" cy="3880773"/>
-          </a:xfrm>
-        </p:spPr>
-        <p:txBody>
-          <a:bodyPr/>
-          <a:lstStyle/>
-          <a:p>
-            <a:endParaRPr lang="en-US" dirty="0"/>
-          </a:p>
-          <a:p>
-            <a:r>
-              <a:rPr lang="en-US" dirty="0"/>
-              <a:t>The global storage for all chatrooms and sessions(users)</a:t>
+            <a:off x="836359" y="1796995"/>
+            <a:ext cx="9142527" cy="4648675"/>
+          </a:xfrm>
+        </p:spPr>
+        <p:txBody>
+          <a:bodyPr>
+            <a:normAutofit/>
+          </a:bodyPr>
+          <a:lstStyle/>
+          <a:p>
+            <a:r>
+              <a:rPr lang="en-US" sz="2400" dirty="0"/>
+              <a:t>Controller</a:t>
             </a:r>
           </a:p>
           <a:p>
             <a:pPr lvl="1"/>
             <a:r>
-              <a:rPr lang="en-US" dirty="0"/>
-              <a:t>In HashMap</a:t>
-            </a:r>
-          </a:p>
-          <a:p>
-            <a:r>
-              <a:rPr lang="en-US" dirty="0"/>
-              <a:t>Functions called from </a:t>
-            </a:r>
-            <a:r>
-              <a:rPr lang="en-US" dirty="0" err="1"/>
+              <a:rPr lang="en-US" sz="2000" dirty="0" err="1"/>
+              <a:t>ChatAppController</a:t>
+            </a:r>
+            <a:endParaRPr lang="en-US" sz="2000" dirty="0"/>
+          </a:p>
+          <a:p>
+            <a:pPr lvl="1"/>
+            <a:r>
+              <a:rPr lang="en-US" sz="2000" dirty="0" err="1"/>
               <a:t>WebSocketController</a:t>
             </a:r>
-            <a:r>
-              <a:rPr lang="en-US" dirty="0"/>
-              <a:t> to handle different input message processing from client</a:t>
-            </a:r>
+            <a:endParaRPr lang="en-US" sz="2000" dirty="0"/>
+          </a:p>
+          <a:p>
+            <a:r>
+              <a:rPr lang="en-US" sz="2400" dirty="0" err="1"/>
+              <a:t>Cmd</a:t>
+            </a:r>
+            <a:endParaRPr lang="en-US" sz="2400" dirty="0"/>
           </a:p>
           <a:p>
             <a:pPr lvl="1"/>
             <a:r>
-              <a:rPr lang="en-US" dirty="0"/>
-              <a:t>login msg, </a:t>
-            </a:r>
-            <a:r>
-              <a:rPr lang="en-US" dirty="0" err="1"/>
-              <a:t>createroom</a:t>
-            </a:r>
-            <a:r>
-              <a:rPr lang="en-US" dirty="0"/>
-              <a:t> msg, analogous to endpoint in 504 </a:t>
-            </a:r>
-            <a:r>
-              <a:rPr lang="en-US" dirty="0" err="1"/>
-              <a:t>hw</a:t>
-            </a:r>
-            <a:endParaRPr lang="en-US" dirty="0"/>
-          </a:p>
-          <a:p>
-            <a:endParaRPr lang="en-US" dirty="0"/>
+              <a:rPr lang="en-US" sz="2000" dirty="0"/>
+              <a:t>5 concrete commands</a:t>
+            </a:r>
+          </a:p>
+          <a:p>
+            <a:r>
+              <a:rPr lang="en-US" sz="2400" dirty="0"/>
+              <a:t>Obj</a:t>
+            </a:r>
+          </a:p>
+          <a:p>
+            <a:pPr lvl="1"/>
+            <a:r>
+              <a:rPr lang="en-US" sz="2000" dirty="0" err="1"/>
+              <a:t>ChatRoom</a:t>
+            </a:r>
+            <a:endParaRPr lang="en-US" sz="2000" dirty="0"/>
+          </a:p>
+          <a:p>
+            <a:pPr lvl="1"/>
+            <a:r>
+              <a:rPr lang="en-US" sz="2000" dirty="0"/>
+              <a:t>Message</a:t>
+            </a:r>
+          </a:p>
+          <a:p>
+            <a:pPr lvl="1"/>
+            <a:r>
+              <a:rPr lang="en-US" sz="2000" dirty="0"/>
+              <a:t>User</a:t>
+            </a:r>
+          </a:p>
+          <a:p>
+            <a:r>
+              <a:rPr lang="en-US" sz="2400" dirty="0" err="1"/>
+              <a:t>DispatcherAdapter</a:t>
+            </a:r>
+            <a:endParaRPr lang="en-US" sz="2400" dirty="0"/>
           </a:p>
         </p:txBody>
       </p:sp>
       <p:pic>
         <p:nvPicPr>
-          <p:cNvPr id="4" name="图片 3">
+          <p:cNvPr id="6" name="图片 5">
             <a:extLst>
               <a:ext uri="{FF2B5EF4-FFF2-40B4-BE49-F238E27FC236}">
-                <a16:creationId xmlns:a16="http://schemas.microsoft.com/office/drawing/2014/main" id="{4B9E4865-D3D1-46D0-907E-9BA9CC9B1CF5}"/>
+                <a16:creationId xmlns:a16="http://schemas.microsoft.com/office/drawing/2014/main" id="{04F1A9C5-ACDD-4019-B7E0-073EC270B3BA}"/>
               </a:ext>
             </a:extLst>
           </p:cNvPr>
@@ -6352,14 +6986,182 @@
         </p:blipFill>
         <p:spPr>
           <a:xfrm>
-            <a:off x="7945060" y="1930400"/>
-            <a:ext cx="4246940" cy="4927600"/>
+            <a:off x="5934279" y="1011954"/>
+            <a:ext cx="3498748" cy="5616411"/>
           </a:xfrm>
           <a:prstGeom prst="rect">
             <a:avLst/>
           </a:prstGeom>
         </p:spPr>
       </p:pic>
+    </p:spTree>
+    <p:extLst>
+      <p:ext uri="{BB962C8B-B14F-4D97-AF65-F5344CB8AC3E}">
+        <p14:creationId xmlns:p14="http://schemas.microsoft.com/office/powerpoint/2010/main" val="416537754"/>
+      </p:ext>
+    </p:extLst>
+  </p:cSld>
+  <p:clrMapOvr>
+    <a:masterClrMapping/>
+  </p:clrMapOvr>
+</p:sld>
+</file>
+
+<file path=ppt/slides/slide12.xml><?xml version="1.0" encoding="utf-8"?>
+<p:sld xmlns:a="http://schemas.openxmlformats.org/drawingml/2006/main" xmlns:r="http://schemas.openxmlformats.org/officeDocument/2006/relationships" xmlns:p="http://schemas.openxmlformats.org/presentationml/2006/main">
+  <p:cSld>
+    <p:spTree>
+      <p:nvGrpSpPr>
+        <p:cNvPr id="1" name=""/>
+        <p:cNvGrpSpPr/>
+        <p:nvPr/>
+      </p:nvGrpSpPr>
+      <p:grpSpPr>
+        <a:xfrm>
+          <a:off x="0" y="0"/>
+          <a:ext cx="0" cy="0"/>
+          <a:chOff x="0" y="0"/>
+          <a:chExt cx="0" cy="0"/>
+        </a:xfrm>
+      </p:grpSpPr>
+      <p:pic>
+        <p:nvPicPr>
+          <p:cNvPr id="5" name="图片 4">
+            <a:extLst>
+              <a:ext uri="{FF2B5EF4-FFF2-40B4-BE49-F238E27FC236}">
+                <a16:creationId xmlns:a16="http://schemas.microsoft.com/office/drawing/2014/main" id="{8FD0AE7D-7DC1-483D-89AB-54EB0CD648DC}"/>
+              </a:ext>
+            </a:extLst>
+          </p:cNvPr>
+          <p:cNvPicPr>
+            <a:picLocks noChangeAspect="1"/>
+          </p:cNvPicPr>
+          <p:nvPr/>
+        </p:nvPicPr>
+        <p:blipFill>
+          <a:blip r:embed="rId2"/>
+          <a:stretch>
+            <a:fillRect/>
+          </a:stretch>
+        </p:blipFill>
+        <p:spPr>
+          <a:xfrm>
+            <a:off x="7934992" y="1727098"/>
+            <a:ext cx="4032688" cy="5050842"/>
+          </a:xfrm>
+          <a:prstGeom prst="rect">
+            <a:avLst/>
+          </a:prstGeom>
+        </p:spPr>
+      </p:pic>
+      <p:sp>
+        <p:nvSpPr>
+          <p:cNvPr id="2" name="标题 1">
+            <a:extLst>
+              <a:ext uri="{FF2B5EF4-FFF2-40B4-BE49-F238E27FC236}">
+                <a16:creationId xmlns:a16="http://schemas.microsoft.com/office/drawing/2014/main" id="{2866B383-DDC6-4E92-825B-64FC60B40B3E}"/>
+              </a:ext>
+            </a:extLst>
+          </p:cNvPr>
+          <p:cNvSpPr>
+            <a:spLocks noGrp="1"/>
+          </p:cNvSpPr>
+          <p:nvPr>
+            <p:ph type="title"/>
+          </p:nvPr>
+        </p:nvSpPr>
+        <p:spPr/>
+        <p:txBody>
+          <a:bodyPr/>
+          <a:lstStyle/>
+          <a:p>
+            <a:r>
+              <a:rPr lang="en-US" dirty="0"/>
+              <a:t>Dispatcher Adapter</a:t>
+            </a:r>
+          </a:p>
+        </p:txBody>
+      </p:sp>
+      <p:sp>
+        <p:nvSpPr>
+          <p:cNvPr id="3" name="内容占位符 2">
+            <a:extLst>
+              <a:ext uri="{FF2B5EF4-FFF2-40B4-BE49-F238E27FC236}">
+                <a16:creationId xmlns:a16="http://schemas.microsoft.com/office/drawing/2014/main" id="{EFA3A5AA-8BAB-41F6-A5C2-48A05EAFE36E}"/>
+              </a:ext>
+            </a:extLst>
+          </p:cNvPr>
+          <p:cNvSpPr>
+            <a:spLocks noGrp="1"/>
+          </p:cNvSpPr>
+          <p:nvPr>
+            <p:ph idx="1"/>
+          </p:nvPr>
+        </p:nvSpPr>
+        <p:spPr>
+          <a:xfrm>
+            <a:off x="677334" y="1270000"/>
+            <a:ext cx="7267726" cy="3880773"/>
+          </a:xfrm>
+        </p:spPr>
+        <p:txBody>
+          <a:bodyPr/>
+          <a:lstStyle/>
+          <a:p>
+            <a:endParaRPr lang="en-US" dirty="0"/>
+          </a:p>
+          <a:p>
+            <a:r>
+              <a:rPr lang="en-US" dirty="0"/>
+              <a:t>The global storage for all chatrooms and sessions(users)</a:t>
+            </a:r>
+          </a:p>
+          <a:p>
+            <a:pPr lvl="1"/>
+            <a:r>
+              <a:rPr lang="en-US" dirty="0"/>
+              <a:t>In HashMap</a:t>
+            </a:r>
+          </a:p>
+          <a:p>
+            <a:r>
+              <a:rPr lang="en-US" dirty="0"/>
+              <a:t>Functions called from </a:t>
+            </a:r>
+            <a:r>
+              <a:rPr lang="en-US" dirty="0" err="1"/>
+              <a:t>WebSocketController</a:t>
+            </a:r>
+            <a:r>
+              <a:rPr lang="en-US" dirty="0"/>
+              <a:t> to handle different input message processing from client</a:t>
+            </a:r>
+          </a:p>
+          <a:p>
+            <a:pPr lvl="1"/>
+            <a:r>
+              <a:rPr lang="en-US" dirty="0"/>
+              <a:t>login msg, </a:t>
+            </a:r>
+            <a:r>
+              <a:rPr lang="en-US" dirty="0" err="1"/>
+              <a:t>createroom</a:t>
+            </a:r>
+            <a:r>
+              <a:rPr lang="en-US" dirty="0"/>
+              <a:t> msg, analogous to endpoint in 504 </a:t>
+            </a:r>
+            <a:r>
+              <a:rPr lang="en-US" dirty="0" err="1"/>
+              <a:t>hw</a:t>
+            </a:r>
+            <a:endParaRPr lang="en-US" dirty="0"/>
+          </a:p>
+          <a:p>
+            <a:endParaRPr lang="en-US" dirty="0"/>
+          </a:p>
+        </p:txBody>
+      </p:sp>
       <p:pic>
         <p:nvPicPr>
           <p:cNvPr id="6" name="图片 5">
@@ -6456,7 +7258,7 @@
         </p:nvSpPr>
         <p:spPr>
           <a:xfrm>
-            <a:off x="8013462" y="4475730"/>
+            <a:off x="8013462" y="3648691"/>
             <a:ext cx="4080472" cy="256173"/>
           </a:xfrm>
           <a:prstGeom prst="rect">
@@ -6511,8 +7313,8 @@
         </p:nvCxnSpPr>
         <p:spPr>
           <a:xfrm flipV="1">
-            <a:off x="3844413" y="4603817"/>
-            <a:ext cx="4169049" cy="941310"/>
+            <a:off x="3844413" y="3776778"/>
+            <a:ext cx="4169049" cy="1768349"/>
           </a:xfrm>
           <a:prstGeom prst="curvedConnector3">
             <a:avLst/>
@@ -6549,349 +7351,6 @@
 </p:sld>
 </file>
 
-<file path=ppt/slides/slide12.xml><?xml version="1.0" encoding="utf-8"?>
-<p:sld xmlns:a="http://schemas.openxmlformats.org/drawingml/2006/main" xmlns:r="http://schemas.openxmlformats.org/officeDocument/2006/relationships" xmlns:p="http://schemas.openxmlformats.org/presentationml/2006/main">
-  <p:cSld>
-    <p:spTree>
-      <p:nvGrpSpPr>
-        <p:cNvPr id="1" name=""/>
-        <p:cNvGrpSpPr/>
-        <p:nvPr/>
-      </p:nvGrpSpPr>
-      <p:grpSpPr>
-        <a:xfrm>
-          <a:off x="0" y="0"/>
-          <a:ext cx="0" cy="0"/>
-          <a:chOff x="0" y="0"/>
-          <a:chExt cx="0" cy="0"/>
-        </a:xfrm>
-      </p:grpSpPr>
-      <p:sp>
-        <p:nvSpPr>
-          <p:cNvPr id="2" name="标题 1">
-            <a:extLst>
-              <a:ext uri="{FF2B5EF4-FFF2-40B4-BE49-F238E27FC236}">
-                <a16:creationId xmlns:a16="http://schemas.microsoft.com/office/drawing/2014/main" id="{A1714A89-0C14-4146-8662-1B480DC62B6F}"/>
-              </a:ext>
-            </a:extLst>
-          </p:cNvPr>
-          <p:cNvSpPr>
-            <a:spLocks noGrp="1"/>
-          </p:cNvSpPr>
-          <p:nvPr>
-            <p:ph type="title"/>
-          </p:nvPr>
-        </p:nvSpPr>
-        <p:spPr>
-          <a:xfrm>
-            <a:off x="389199" y="396048"/>
-            <a:ext cx="8596668" cy="1320800"/>
-          </a:xfrm>
-        </p:spPr>
-        <p:txBody>
-          <a:bodyPr/>
-          <a:lstStyle/>
-          <a:p>
-            <a:r>
-              <a:rPr lang="en-US" dirty="0"/>
-              <a:t>Obj</a:t>
-            </a:r>
-          </a:p>
-        </p:txBody>
-      </p:sp>
-      <p:sp>
-        <p:nvSpPr>
-          <p:cNvPr id="3" name="内容占位符 2">
-            <a:extLst>
-              <a:ext uri="{FF2B5EF4-FFF2-40B4-BE49-F238E27FC236}">
-                <a16:creationId xmlns:a16="http://schemas.microsoft.com/office/drawing/2014/main" id="{244AFB48-293D-49A4-9F81-732A39E6845E}"/>
-              </a:ext>
-            </a:extLst>
-          </p:cNvPr>
-          <p:cNvSpPr>
-            <a:spLocks noGrp="1"/>
-          </p:cNvSpPr>
-          <p:nvPr>
-            <p:ph idx="1"/>
-          </p:nvPr>
-        </p:nvSpPr>
-        <p:spPr>
-          <a:xfrm>
-            <a:off x="677334" y="1488613"/>
-            <a:ext cx="8596668" cy="3880773"/>
-          </a:xfrm>
-        </p:spPr>
-        <p:txBody>
-          <a:bodyPr/>
-          <a:lstStyle/>
-          <a:p>
-            <a:endParaRPr lang="en-US" dirty="0"/>
-          </a:p>
-        </p:txBody>
-      </p:sp>
-      <p:pic>
-        <p:nvPicPr>
-          <p:cNvPr id="4" name="图片 3">
-            <a:extLst>
-              <a:ext uri="{FF2B5EF4-FFF2-40B4-BE49-F238E27FC236}">
-                <a16:creationId xmlns:a16="http://schemas.microsoft.com/office/drawing/2014/main" id="{D2DA55B4-61EE-463F-A038-4D2722202BB4}"/>
-              </a:ext>
-            </a:extLst>
-          </p:cNvPr>
-          <p:cNvPicPr>
-            <a:picLocks noChangeAspect="1"/>
-          </p:cNvPicPr>
-          <p:nvPr/>
-        </p:nvPicPr>
-        <p:blipFill>
-          <a:blip r:embed="rId2"/>
-          <a:stretch>
-            <a:fillRect/>
-          </a:stretch>
-        </p:blipFill>
-        <p:spPr>
-          <a:xfrm>
-            <a:off x="389199" y="1287692"/>
-            <a:ext cx="11413601" cy="5290791"/>
-          </a:xfrm>
-          <a:prstGeom prst="rect">
-            <a:avLst/>
-          </a:prstGeom>
-        </p:spPr>
-      </p:pic>
-      <p:sp>
-        <p:nvSpPr>
-          <p:cNvPr id="5" name="矩形 4">
-            <a:extLst>
-              <a:ext uri="{FF2B5EF4-FFF2-40B4-BE49-F238E27FC236}">
-                <a16:creationId xmlns:a16="http://schemas.microsoft.com/office/drawing/2014/main" id="{48E9AD08-89D7-4683-A69B-E7A0F2C44BF8}"/>
-              </a:ext>
-            </a:extLst>
-          </p:cNvPr>
-          <p:cNvSpPr/>
-          <p:nvPr/>
-        </p:nvSpPr>
-        <p:spPr>
-          <a:xfrm>
-            <a:off x="677334" y="1854642"/>
-            <a:ext cx="6367522" cy="2343647"/>
-          </a:xfrm>
-          <a:prstGeom prst="rect">
-            <a:avLst/>
-          </a:prstGeom>
-          <a:noFill/>
-          <a:ln w="38100">
-            <a:solidFill>
-              <a:srgbClr val="FF0000"/>
-            </a:solidFill>
-          </a:ln>
-        </p:spPr>
-        <p:style>
-          <a:lnRef idx="2">
-            <a:schemeClr val="accent1">
-              <a:shade val="50000"/>
-            </a:schemeClr>
-          </a:lnRef>
-          <a:fillRef idx="1">
-            <a:schemeClr val="accent1"/>
-          </a:fillRef>
-          <a:effectRef idx="0">
-            <a:schemeClr val="accent1"/>
-          </a:effectRef>
-          <a:fontRef idx="minor">
-            <a:schemeClr val="lt1"/>
-          </a:fontRef>
-        </p:style>
-        <p:txBody>
-          <a:bodyPr rtlCol="0" anchor="ctr"/>
-          <a:lstStyle/>
-          <a:p>
-            <a:pPr algn="ctr"/>
-            <a:r>
-              <a:rPr lang="en-US" dirty="0"/>
-              <a:t>User’s info</a:t>
-            </a:r>
-          </a:p>
-        </p:txBody>
-      </p:sp>
-      <p:sp>
-        <p:nvSpPr>
-          <p:cNvPr id="6" name="矩形 5">
-            <a:extLst>
-              <a:ext uri="{FF2B5EF4-FFF2-40B4-BE49-F238E27FC236}">
-                <a16:creationId xmlns:a16="http://schemas.microsoft.com/office/drawing/2014/main" id="{D737F16D-2F98-4719-AD1D-4D88BC01B812}"/>
-              </a:ext>
-            </a:extLst>
-          </p:cNvPr>
-          <p:cNvSpPr/>
-          <p:nvPr/>
-        </p:nvSpPr>
-        <p:spPr>
-          <a:xfrm>
-            <a:off x="677334" y="4285753"/>
-            <a:ext cx="6367522" cy="1391478"/>
-          </a:xfrm>
-          <a:prstGeom prst="rect">
-            <a:avLst/>
-          </a:prstGeom>
-          <a:noFill/>
-          <a:ln w="38100">
-            <a:solidFill>
-              <a:srgbClr val="FF0000"/>
-            </a:solidFill>
-          </a:ln>
-        </p:spPr>
-        <p:style>
-          <a:lnRef idx="2">
-            <a:schemeClr val="accent1">
-              <a:shade val="50000"/>
-            </a:schemeClr>
-          </a:lnRef>
-          <a:fillRef idx="1">
-            <a:schemeClr val="accent1"/>
-          </a:fillRef>
-          <a:effectRef idx="0">
-            <a:schemeClr val="accent1"/>
-          </a:effectRef>
-          <a:fontRef idx="minor">
-            <a:schemeClr val="lt1"/>
-          </a:fontRef>
-        </p:style>
-        <p:txBody>
-          <a:bodyPr rtlCol="0" anchor="ctr"/>
-          <a:lstStyle/>
-          <a:p>
-            <a:pPr algn="ctr"/>
-            <a:r>
-              <a:rPr lang="en-US" dirty="0"/>
-              <a:t>User’s Action</a:t>
-            </a:r>
-          </a:p>
-        </p:txBody>
-      </p:sp>
-      <p:sp>
-        <p:nvSpPr>
-          <p:cNvPr id="7" name="矩形 6">
-            <a:extLst>
-              <a:ext uri="{FF2B5EF4-FFF2-40B4-BE49-F238E27FC236}">
-                <a16:creationId xmlns:a16="http://schemas.microsoft.com/office/drawing/2014/main" id="{A4FBF8A3-6A04-47C6-B0A7-D58241C70C98}"/>
-              </a:ext>
-            </a:extLst>
-          </p:cNvPr>
-          <p:cNvSpPr/>
-          <p:nvPr/>
-        </p:nvSpPr>
-        <p:spPr>
-          <a:xfrm>
-            <a:off x="7688912" y="2733260"/>
-            <a:ext cx="3888188" cy="1139025"/>
-          </a:xfrm>
-          <a:prstGeom prst="rect">
-            <a:avLst/>
-          </a:prstGeom>
-          <a:noFill/>
-          <a:ln w="38100">
-            <a:solidFill>
-              <a:srgbClr val="FF0000"/>
-            </a:solidFill>
-          </a:ln>
-        </p:spPr>
-        <p:style>
-          <a:lnRef idx="2">
-            <a:schemeClr val="accent1">
-              <a:shade val="50000"/>
-            </a:schemeClr>
-          </a:lnRef>
-          <a:fillRef idx="1">
-            <a:schemeClr val="accent1"/>
-          </a:fillRef>
-          <a:effectRef idx="0">
-            <a:schemeClr val="accent1"/>
-          </a:effectRef>
-          <a:fontRef idx="minor">
-            <a:schemeClr val="lt1"/>
-          </a:fontRef>
-        </p:style>
-        <p:txBody>
-          <a:bodyPr rtlCol="0" anchor="ctr"/>
-          <a:lstStyle/>
-          <a:p>
-            <a:pPr algn="ctr"/>
-            <a:r>
-              <a:rPr lang="en-US" dirty="0"/>
-              <a:t>Room’s info</a:t>
-            </a:r>
-          </a:p>
-        </p:txBody>
-      </p:sp>
-      <p:sp>
-        <p:nvSpPr>
-          <p:cNvPr id="9" name="矩形 8">
-            <a:extLst>
-              <a:ext uri="{FF2B5EF4-FFF2-40B4-BE49-F238E27FC236}">
-                <a16:creationId xmlns:a16="http://schemas.microsoft.com/office/drawing/2014/main" id="{5377AE0D-A29D-4029-8BC1-1D42EFF902AE}"/>
-              </a:ext>
-            </a:extLst>
-          </p:cNvPr>
-          <p:cNvSpPr/>
-          <p:nvPr/>
-        </p:nvSpPr>
-        <p:spPr>
-          <a:xfrm>
-            <a:off x="7688912" y="3980864"/>
-            <a:ext cx="3888188" cy="1139025"/>
-          </a:xfrm>
-          <a:prstGeom prst="rect">
-            <a:avLst/>
-          </a:prstGeom>
-          <a:noFill/>
-          <a:ln w="38100">
-            <a:solidFill>
-              <a:srgbClr val="FF0000"/>
-            </a:solidFill>
-          </a:ln>
-        </p:spPr>
-        <p:style>
-          <a:lnRef idx="2">
-            <a:schemeClr val="accent1">
-              <a:shade val="50000"/>
-            </a:schemeClr>
-          </a:lnRef>
-          <a:fillRef idx="1">
-            <a:schemeClr val="accent1"/>
-          </a:fillRef>
-          <a:effectRef idx="0">
-            <a:schemeClr val="accent1"/>
-          </a:effectRef>
-          <a:fontRef idx="minor">
-            <a:schemeClr val="lt1"/>
-          </a:fontRef>
-        </p:style>
-        <p:txBody>
-          <a:bodyPr rtlCol="0" anchor="ctr"/>
-          <a:lstStyle/>
-          <a:p>
-            <a:pPr algn="ctr"/>
-            <a:r>
-              <a:rPr lang="en-US" dirty="0"/>
-              <a:t>Room’s Response to User Action</a:t>
-            </a:r>
-          </a:p>
-        </p:txBody>
-      </p:sp>
-    </p:spTree>
-    <p:extLst>
-      <p:ext uri="{BB962C8B-B14F-4D97-AF65-F5344CB8AC3E}">
-        <p14:creationId xmlns:p14="http://schemas.microsoft.com/office/powerpoint/2010/main" val="801271339"/>
-      </p:ext>
-    </p:extLst>
-  </p:cSld>
-  <p:clrMapOvr>
-    <a:masterClrMapping/>
-  </p:clrMapOvr>
-</p:sld>
-</file>
-
 <file path=ppt/slides/slide13.xml><?xml version="1.0" encoding="utf-8"?>
 <p:sld xmlns:a="http://schemas.openxmlformats.org/drawingml/2006/main" xmlns:r="http://schemas.openxmlformats.org/officeDocument/2006/relationships" xmlns:p="http://schemas.openxmlformats.org/presentationml/2006/main">
   <p:cSld>
@@ -6909,12 +7368,42 @@
           <a:chExt cx="0" cy="0"/>
         </a:xfrm>
       </p:grpSpPr>
+      <p:pic>
+        <p:nvPicPr>
+          <p:cNvPr id="8" name="图片 7">
+            <a:extLst>
+              <a:ext uri="{FF2B5EF4-FFF2-40B4-BE49-F238E27FC236}">
+                <a16:creationId xmlns:a16="http://schemas.microsoft.com/office/drawing/2014/main" id="{8C128D99-4C1A-4AE2-98EF-6CFE24525545}"/>
+              </a:ext>
+            </a:extLst>
+          </p:cNvPr>
+          <p:cNvPicPr>
+            <a:picLocks noChangeAspect="1"/>
+          </p:cNvPicPr>
+          <p:nvPr/>
+        </p:nvPicPr>
+        <p:blipFill>
+          <a:blip r:embed="rId2"/>
+          <a:stretch>
+            <a:fillRect/>
+          </a:stretch>
+        </p:blipFill>
+        <p:spPr>
+          <a:xfrm>
+            <a:off x="-17447" y="1186441"/>
+            <a:ext cx="12209447" cy="5671559"/>
+          </a:xfrm>
+          <a:prstGeom prst="rect">
+            <a:avLst/>
+          </a:prstGeom>
+        </p:spPr>
+      </p:pic>
       <p:sp>
         <p:nvSpPr>
           <p:cNvPr id="2" name="标题 1">
             <a:extLst>
               <a:ext uri="{FF2B5EF4-FFF2-40B4-BE49-F238E27FC236}">
-                <a16:creationId xmlns:a16="http://schemas.microsoft.com/office/drawing/2014/main" id="{E3947546-A02D-42B2-BC7E-ADD3101E1846}"/>
+                <a16:creationId xmlns:a16="http://schemas.microsoft.com/office/drawing/2014/main" id="{A1714A89-0C14-4146-8662-1B480DC62B6F}"/>
               </a:ext>
             </a:extLst>
           </p:cNvPr>
@@ -6927,7 +7416,7 @@
         </p:nvSpPr>
         <p:spPr>
           <a:xfrm>
-            <a:off x="667501" y="462116"/>
+            <a:off x="389199" y="396048"/>
             <a:ext cx="8596668" cy="1320800"/>
           </a:xfrm>
         </p:spPr>
@@ -6936,113 +7425,291 @@
           <a:lstStyle/>
           <a:p>
             <a:r>
-              <a:rPr lang="en-US" dirty="0" err="1"/>
-              <a:t>C</a:t>
-            </a:r>
-            <a:r>
-              <a:rPr lang="en-US" altLang="zh-CN" dirty="0" err="1"/>
-              <a:t>md</a:t>
-            </a:r>
-            <a:endParaRPr lang="en-US" dirty="0"/>
-          </a:p>
-        </p:txBody>
-      </p:sp>
-      <p:sp>
-        <p:nvSpPr>
-          <p:cNvPr id="3" name="内容占位符 2">
+              <a:rPr lang="en-US" dirty="0"/>
+              <a:t>Obj</a:t>
+            </a:r>
+          </a:p>
+        </p:txBody>
+      </p:sp>
+      <p:sp>
+        <p:nvSpPr>
+          <p:cNvPr id="5" name="矩形 4">
             <a:extLst>
               <a:ext uri="{FF2B5EF4-FFF2-40B4-BE49-F238E27FC236}">
-                <a16:creationId xmlns:a16="http://schemas.microsoft.com/office/drawing/2014/main" id="{8C70BBD2-0436-4C4D-9FC1-0DC1BD833E80}"/>
+                <a16:creationId xmlns:a16="http://schemas.microsoft.com/office/drawing/2014/main" id="{48E9AD08-89D7-4683-A69B-E7A0F2C44BF8}"/>
               </a:ext>
             </a:extLst>
           </p:cNvPr>
-          <p:cNvSpPr>
-            <a:spLocks noGrp="1"/>
-          </p:cNvSpPr>
-          <p:nvPr>
-            <p:ph idx="1"/>
-          </p:nvPr>
+          <p:cNvSpPr/>
+          <p:nvPr/>
         </p:nvSpPr>
         <p:spPr>
           <a:xfrm>
-            <a:off x="765824" y="1194312"/>
-            <a:ext cx="8596668" cy="3880773"/>
-          </a:xfrm>
-        </p:spPr>
-        <p:txBody>
-          <a:bodyPr/>
-          <a:lstStyle/>
-          <a:p>
+            <a:off x="175889" y="1791020"/>
+            <a:ext cx="3717685" cy="2554838"/>
+          </a:xfrm>
+          <a:prstGeom prst="rect">
+            <a:avLst/>
+          </a:prstGeom>
+          <a:noFill/>
+          <a:ln w="38100">
+            <a:solidFill>
+              <a:srgbClr val="FF0000"/>
+            </a:solidFill>
+          </a:ln>
+        </p:spPr>
+        <p:style>
+          <a:lnRef idx="2">
+            <a:schemeClr val="accent1">
+              <a:shade val="50000"/>
+            </a:schemeClr>
+          </a:lnRef>
+          <a:fillRef idx="1">
+            <a:schemeClr val="accent1"/>
+          </a:fillRef>
+          <a:effectRef idx="0">
+            <a:schemeClr val="accent1"/>
+          </a:effectRef>
+          <a:fontRef idx="minor">
+            <a:schemeClr val="lt1"/>
+          </a:fontRef>
+        </p:style>
+        <p:txBody>
+          <a:bodyPr rtlCol="0" anchor="ctr"/>
+          <a:lstStyle/>
+          <a:p>
+            <a:pPr algn="ctr"/>
             <a:r>
               <a:rPr lang="en-US" dirty="0"/>
-              <a:t>Interface </a:t>
-            </a:r>
-            <a:r>
-              <a:rPr lang="en-US" dirty="0" err="1"/>
-              <a:t>IUserCmd</a:t>
-            </a:r>
-            <a:endParaRPr lang="en-US" dirty="0"/>
-          </a:p>
-          <a:p>
-            <a:r>
-              <a:rPr lang="en-US" dirty="0"/>
-              <a:t>execute() will operate on User &amp; </a:t>
-            </a:r>
-            <a:r>
-              <a:rPr lang="en-US" dirty="0" err="1"/>
-              <a:t>ChatRoom</a:t>
-            </a:r>
-            <a:endParaRPr lang="en-US" dirty="0"/>
-          </a:p>
-          <a:p>
-            <a:pPr lvl="1"/>
-            <a:r>
-              <a:rPr lang="en-US" dirty="0"/>
-              <a:t>Add new chatroom into user’s available chat room</a:t>
-            </a:r>
-          </a:p>
-          <a:p>
-            <a:pPr lvl="1"/>
-            <a:r>
-              <a:rPr lang="en-US" dirty="0"/>
-              <a:t>Add/remove user(s) in a chatroom</a:t>
-            </a:r>
-          </a:p>
-        </p:txBody>
-      </p:sp>
-      <p:pic>
-        <p:nvPicPr>
-          <p:cNvPr id="4" name="图片 3">
+              <a:t>User’s info</a:t>
+            </a:r>
+          </a:p>
+        </p:txBody>
+      </p:sp>
+      <p:sp>
+        <p:nvSpPr>
+          <p:cNvPr id="6" name="矩形 5">
             <a:extLst>
               <a:ext uri="{FF2B5EF4-FFF2-40B4-BE49-F238E27FC236}">
-                <a16:creationId xmlns:a16="http://schemas.microsoft.com/office/drawing/2014/main" id="{FDB79669-394A-4A68-9264-194500D8A5F4}"/>
+                <a16:creationId xmlns:a16="http://schemas.microsoft.com/office/drawing/2014/main" id="{D737F16D-2F98-4719-AD1D-4D88BC01B812}"/>
               </a:ext>
             </a:extLst>
           </p:cNvPr>
-          <p:cNvPicPr>
-            <a:picLocks noChangeAspect="1"/>
-          </p:cNvPicPr>
+          <p:cNvSpPr/>
           <p:nvPr/>
-        </p:nvPicPr>
-        <p:blipFill rotWithShape="1">
-          <a:blip r:embed="rId2"/>
-          <a:srcRect t="4317" b="6310"/>
-          <a:stretch/>
-        </p:blipFill>
+        </p:nvSpPr>
         <p:spPr>
           <a:xfrm>
-            <a:off x="0" y="3028028"/>
-            <a:ext cx="12192000" cy="3880773"/>
+            <a:off x="175889" y="4445413"/>
+            <a:ext cx="3717685" cy="2142199"/>
           </a:xfrm>
           <a:prstGeom prst="rect">
             <a:avLst/>
           </a:prstGeom>
-        </p:spPr>
-      </p:pic>
+          <a:noFill/>
+          <a:ln w="38100">
+            <a:solidFill>
+              <a:srgbClr val="FF0000"/>
+            </a:solidFill>
+          </a:ln>
+        </p:spPr>
+        <p:style>
+          <a:lnRef idx="2">
+            <a:schemeClr val="accent1">
+              <a:shade val="50000"/>
+            </a:schemeClr>
+          </a:lnRef>
+          <a:fillRef idx="1">
+            <a:schemeClr val="accent1"/>
+          </a:fillRef>
+          <a:effectRef idx="0">
+            <a:schemeClr val="accent1"/>
+          </a:effectRef>
+          <a:fontRef idx="minor">
+            <a:schemeClr val="lt1"/>
+          </a:fontRef>
+        </p:style>
+        <p:txBody>
+          <a:bodyPr rtlCol="0" anchor="ctr"/>
+          <a:lstStyle/>
+          <a:p>
+            <a:pPr algn="ctr"/>
+            <a:r>
+              <a:rPr lang="en-US" dirty="0"/>
+              <a:t>User’s Action</a:t>
+            </a:r>
+          </a:p>
+        </p:txBody>
+      </p:sp>
+      <p:sp>
+        <p:nvSpPr>
+          <p:cNvPr id="7" name="矩形 6">
+            <a:extLst>
+              <a:ext uri="{FF2B5EF4-FFF2-40B4-BE49-F238E27FC236}">
+                <a16:creationId xmlns:a16="http://schemas.microsoft.com/office/drawing/2014/main" id="{A4FBF8A3-6A04-47C6-B0A7-D58241C70C98}"/>
+              </a:ext>
+            </a:extLst>
+          </p:cNvPr>
+          <p:cNvSpPr/>
+          <p:nvPr/>
+        </p:nvSpPr>
+        <p:spPr>
+          <a:xfrm>
+            <a:off x="4395020" y="1791020"/>
+            <a:ext cx="4208206" cy="1926891"/>
+          </a:xfrm>
+          <a:prstGeom prst="rect">
+            <a:avLst/>
+          </a:prstGeom>
+          <a:noFill/>
+          <a:ln w="38100">
+            <a:solidFill>
+              <a:srgbClr val="FF0000"/>
+            </a:solidFill>
+          </a:ln>
+        </p:spPr>
+        <p:style>
+          <a:lnRef idx="2">
+            <a:schemeClr val="accent1">
+              <a:shade val="50000"/>
+            </a:schemeClr>
+          </a:lnRef>
+          <a:fillRef idx="1">
+            <a:schemeClr val="accent1"/>
+          </a:fillRef>
+          <a:effectRef idx="0">
+            <a:schemeClr val="accent1"/>
+          </a:effectRef>
+          <a:fontRef idx="minor">
+            <a:schemeClr val="lt1"/>
+          </a:fontRef>
+        </p:style>
+        <p:txBody>
+          <a:bodyPr rtlCol="0" anchor="ctr"/>
+          <a:lstStyle/>
+          <a:p>
+            <a:pPr algn="ctr"/>
+            <a:r>
+              <a:rPr lang="en-US" dirty="0"/>
+              <a:t>Room’s info</a:t>
+            </a:r>
+          </a:p>
+        </p:txBody>
+      </p:sp>
+      <p:sp>
+        <p:nvSpPr>
+          <p:cNvPr id="9" name="矩形 8">
+            <a:extLst>
+              <a:ext uri="{FF2B5EF4-FFF2-40B4-BE49-F238E27FC236}">
+                <a16:creationId xmlns:a16="http://schemas.microsoft.com/office/drawing/2014/main" id="{5377AE0D-A29D-4029-8BC1-1D42EFF902AE}"/>
+              </a:ext>
+            </a:extLst>
+          </p:cNvPr>
+          <p:cNvSpPr/>
+          <p:nvPr/>
+        </p:nvSpPr>
+        <p:spPr>
+          <a:xfrm>
+            <a:off x="4395020" y="3806317"/>
+            <a:ext cx="4208206" cy="2142199"/>
+          </a:xfrm>
+          <a:prstGeom prst="rect">
+            <a:avLst/>
+          </a:prstGeom>
+          <a:noFill/>
+          <a:ln w="38100">
+            <a:solidFill>
+              <a:srgbClr val="FF0000"/>
+            </a:solidFill>
+          </a:ln>
+        </p:spPr>
+        <p:style>
+          <a:lnRef idx="2">
+            <a:schemeClr val="accent1">
+              <a:shade val="50000"/>
+            </a:schemeClr>
+          </a:lnRef>
+          <a:fillRef idx="1">
+            <a:schemeClr val="accent1"/>
+          </a:fillRef>
+          <a:effectRef idx="0">
+            <a:schemeClr val="accent1"/>
+          </a:effectRef>
+          <a:fontRef idx="minor">
+            <a:schemeClr val="lt1"/>
+          </a:fontRef>
+        </p:style>
+        <p:txBody>
+          <a:bodyPr rtlCol="0" anchor="ctr"/>
+          <a:lstStyle/>
+          <a:p>
+            <a:pPr algn="ctr"/>
+            <a:r>
+              <a:rPr lang="en-US" dirty="0"/>
+              <a:t>Room’s Response to User Action</a:t>
+            </a:r>
+          </a:p>
+        </p:txBody>
+      </p:sp>
+      <p:sp>
+        <p:nvSpPr>
+          <p:cNvPr id="10" name="矩形 9">
+            <a:extLst>
+              <a:ext uri="{FF2B5EF4-FFF2-40B4-BE49-F238E27FC236}">
+                <a16:creationId xmlns:a16="http://schemas.microsoft.com/office/drawing/2014/main" id="{DDE72D1F-CD11-46B9-911C-EE03D62DD97D}"/>
+              </a:ext>
+            </a:extLst>
+          </p:cNvPr>
+          <p:cNvSpPr/>
+          <p:nvPr/>
+        </p:nvSpPr>
+        <p:spPr>
+          <a:xfrm>
+            <a:off x="8985867" y="1791020"/>
+            <a:ext cx="3030244" cy="2216437"/>
+          </a:xfrm>
+          <a:prstGeom prst="rect">
+            <a:avLst/>
+          </a:prstGeom>
+          <a:noFill/>
+          <a:ln w="38100">
+            <a:solidFill>
+              <a:srgbClr val="FF0000"/>
+            </a:solidFill>
+          </a:ln>
+        </p:spPr>
+        <p:style>
+          <a:lnRef idx="2">
+            <a:schemeClr val="accent1">
+              <a:shade val="50000"/>
+            </a:schemeClr>
+          </a:lnRef>
+          <a:fillRef idx="1">
+            <a:schemeClr val="accent1"/>
+          </a:fillRef>
+          <a:effectRef idx="0">
+            <a:schemeClr val="accent1"/>
+          </a:effectRef>
+          <a:fontRef idx="minor">
+            <a:schemeClr val="lt1"/>
+          </a:fontRef>
+        </p:style>
+        <p:txBody>
+          <a:bodyPr rtlCol="0" anchor="ctr"/>
+          <a:lstStyle/>
+          <a:p>
+            <a:pPr algn="ctr"/>
+            <a:r>
+              <a:rPr lang="en-US" dirty="0"/>
+              <a:t>Message’s info</a:t>
+            </a:r>
+          </a:p>
+        </p:txBody>
+      </p:sp>
     </p:spTree>
     <p:extLst>
       <p:ext uri="{BB962C8B-B14F-4D97-AF65-F5344CB8AC3E}">
-        <p14:creationId xmlns:p14="http://schemas.microsoft.com/office/powerpoint/2010/main" val="1486217616"/>
+        <p14:creationId xmlns:p14="http://schemas.microsoft.com/office/powerpoint/2010/main" val="801271339"/>
       </p:ext>
     </p:extLst>
   </p:cSld>
@@ -7256,10 +7923,10 @@
       </p:grpSpPr>
       <p:pic>
         <p:nvPicPr>
-          <p:cNvPr id="5" name="图片 4">
+          <p:cNvPr id="4" name="图片 3">
             <a:extLst>
               <a:ext uri="{FF2B5EF4-FFF2-40B4-BE49-F238E27FC236}">
-                <a16:creationId xmlns:a16="http://schemas.microsoft.com/office/drawing/2014/main" id="{B8DCFED5-7217-4339-A034-DA2F387AC9FF}"/>
+                <a16:creationId xmlns:a16="http://schemas.microsoft.com/office/drawing/2014/main" id="{284824C8-FC3B-48FD-8451-7E41A82391C5}"/>
               </a:ext>
             </a:extLst>
           </p:cNvPr>
@@ -7276,8 +7943,8 @@
         </p:blipFill>
         <p:spPr>
           <a:xfrm>
-            <a:off x="3333750" y="865596"/>
-            <a:ext cx="8858250" cy="1638300"/>
+            <a:off x="0" y="-1"/>
+            <a:ext cx="12192000" cy="2015809"/>
           </a:xfrm>
           <a:prstGeom prst="rect">
             <a:avLst/>
@@ -7302,7 +7969,7 @@
         </p:nvSpPr>
         <p:spPr>
           <a:xfrm>
-            <a:off x="588843" y="169785"/>
+            <a:off x="254546" y="32774"/>
             <a:ext cx="8596668" cy="1320800"/>
           </a:xfrm>
         </p:spPr>
@@ -7337,8 +8004,8 @@
         </p:nvSpPr>
         <p:spPr>
           <a:xfrm>
-            <a:off x="588842" y="2212819"/>
-            <a:ext cx="11219699" cy="4645181"/>
+            <a:off x="254546" y="2180045"/>
+            <a:ext cx="11937454" cy="4645181"/>
           </a:xfrm>
         </p:spPr>
         <p:txBody>
@@ -7374,7 +8041,18 @@
             </a:r>
             <a:r>
               <a:rPr lang="en-US" sz="2000" dirty="0"/>
-              <a:t>		- A new room is created</a:t>
+              <a:t>		- All global users - a new room is created</a:t>
+            </a:r>
+          </a:p>
+          <a:p>
+            <a:pPr lvl="2"/>
+            <a:r>
+              <a:rPr lang="en-US" sz="2000" dirty="0" err="1"/>
+              <a:t>DeleteRoomCmd</a:t>
+            </a:r>
+            <a:r>
+              <a:rPr lang="en-US" sz="2000" dirty="0"/>
+              <a:t>		- All global users a existing room is deleted (owner left)</a:t>
             </a:r>
           </a:p>
           <a:p>
@@ -7389,44 +8067,33 @@
             <a:pPr lvl="2"/>
             <a:r>
               <a:rPr lang="en-US" sz="2000" dirty="0" err="1"/>
-              <a:t>FilterCmd</a:t>
+              <a:t>EnforceFilterCmd</a:t>
             </a:r>
             <a:r>
               <a:rPr lang="en-US" sz="2000" dirty="0"/>
-              <a:t> 			- Owner changes the room qualification</a:t>
+              <a:t> 	- All room users - Owner changes the room qualification</a:t>
             </a:r>
           </a:p>
           <a:p>
             <a:pPr lvl="2"/>
             <a:r>
               <a:rPr lang="en-US" sz="2000" dirty="0" err="1"/>
-              <a:t>SendToAllCmd</a:t>
+              <a:t>CollectNamesCmd</a:t>
             </a:r>
             <a:r>
               <a:rPr lang="en-US" sz="2000" dirty="0"/>
-              <a:t> 		- Owner send a message to all users in the room</a:t>
+              <a:t>		- All room users – collect all user names upon user joining/leaving</a:t>
             </a:r>
           </a:p>
           <a:p>
             <a:pPr lvl="2"/>
             <a:r>
               <a:rPr lang="en-US" sz="2000" dirty="0" err="1"/>
-              <a:t>UserJoinRoomCmd</a:t>
+              <a:t>NotifyClientCmd</a:t>
             </a:r>
             <a:r>
               <a:rPr lang="en-US" sz="2000" dirty="0"/>
-              <a:t> 	- A new user join the room</a:t>
-            </a:r>
-          </a:p>
-          <a:p>
-            <a:pPr lvl="2"/>
-            <a:r>
-              <a:rPr lang="en-US" sz="2000" dirty="0" err="1"/>
-              <a:t>EvictUserCmd</a:t>
-            </a:r>
-            <a:r>
-              <a:rPr lang="en-US" sz="2000" dirty="0"/>
-              <a:t> 		- A existing user is evicted from the room</a:t>
+              <a:t> 		- All room users – send to all room user info &amp; group info to view</a:t>
             </a:r>
           </a:p>
           <a:p>
@@ -7505,10 +8172,10 @@
       </p:sp>
       <p:sp>
         <p:nvSpPr>
-          <p:cNvPr id="3" name="内容占位符 2">
+          <p:cNvPr id="8" name="内容占位符 7">
             <a:extLst>
               <a:ext uri="{FF2B5EF4-FFF2-40B4-BE49-F238E27FC236}">
-                <a16:creationId xmlns:a16="http://schemas.microsoft.com/office/drawing/2014/main" id="{EDB7F13B-E791-46B0-ABD6-0B038E3D89EA}"/>
+                <a16:creationId xmlns:a16="http://schemas.microsoft.com/office/drawing/2014/main" id="{B5CCE3A9-483E-412D-BAA6-66930FD2DCDC}"/>
               </a:ext>
             </a:extLst>
           </p:cNvPr>
@@ -7521,8 +8188,8 @@
         </p:nvSpPr>
         <p:spPr>
           <a:xfrm>
-            <a:off x="1620215" y="6145324"/>
-            <a:ext cx="8596668" cy="476304"/>
+            <a:off x="1797665" y="6113486"/>
+            <a:ext cx="8596668" cy="584459"/>
           </a:xfrm>
         </p:spPr>
         <p:txBody>
@@ -7535,10 +8202,10 @@
       </p:sp>
       <p:pic>
         <p:nvPicPr>
-          <p:cNvPr id="4" name="内容占位符 4">
+          <p:cNvPr id="9" name="内容占位符 8">
             <a:extLst>
               <a:ext uri="{FF2B5EF4-FFF2-40B4-BE49-F238E27FC236}">
-                <a16:creationId xmlns:a16="http://schemas.microsoft.com/office/drawing/2014/main" id="{1246C23A-5C48-4B93-A54C-8903F3B6873D}"/>
+                <a16:creationId xmlns:a16="http://schemas.microsoft.com/office/drawing/2014/main" id="{7E5938A6-2CD1-4681-8244-FBBFD71866D0}"/>
               </a:ext>
             </a:extLst>
           </p:cNvPr>
@@ -7561,7 +8228,7 @@
         </p:blipFill>
         <p:spPr>
           <a:xfrm>
-            <a:off x="1326415" y="1219363"/>
+            <a:off x="1503865" y="1271258"/>
             <a:ext cx="9184269" cy="4635186"/>
           </a:xfrm>
           <a:prstGeom prst="rect">
@@ -7725,7 +8392,13 @@
           <a:p>
             <a:r>
               <a:rPr lang="en-US" sz="2800" dirty="0"/>
-              <a:t>Use Case + GUI</a:t>
+              <a:t>Use Case</a:t>
+            </a:r>
+          </a:p>
+          <a:p>
+            <a:r>
+              <a:rPr lang="en-US" sz="2800" dirty="0"/>
+              <a:t>GUI</a:t>
             </a:r>
           </a:p>
           <a:p>
@@ -7770,6 +8443,14 @@
 <file path=ppt/slides/slide3.xml><?xml version="1.0" encoding="utf-8"?>
 <p:sld xmlns:a="http://schemas.openxmlformats.org/drawingml/2006/main" xmlns:r="http://schemas.openxmlformats.org/officeDocument/2006/relationships" xmlns:p="http://schemas.openxmlformats.org/presentationml/2006/main">
   <p:cSld>
+    <p:bg>
+      <p:bgPr>
+        <a:solidFill>
+          <a:schemeClr val="bg1"/>
+        </a:solidFill>
+        <a:effectLst/>
+      </p:bgPr>
+    </p:bg>
     <p:spTree>
       <p:nvGrpSpPr>
         <p:cNvPr id="1" name=""/>
@@ -7784,102 +8465,39 @@
           <a:chExt cx="0" cy="0"/>
         </a:xfrm>
       </p:grpSpPr>
-      <p:sp>
-        <p:nvSpPr>
-          <p:cNvPr id="2" name="标题 1">
+      <p:sp useBgFill="1">
+        <p:nvSpPr>
+          <p:cNvPr id="8" name="Rectangle 7">
             <a:extLst>
               <a:ext uri="{FF2B5EF4-FFF2-40B4-BE49-F238E27FC236}">
-                <a16:creationId xmlns:a16="http://schemas.microsoft.com/office/drawing/2014/main" id="{F785C875-F746-42D8-AE87-33FCEC9D61FD}"/>
+                <a16:creationId xmlns:a16="http://schemas.microsoft.com/office/drawing/2014/main" id="{E80B86A7-A1EC-475B-9166-88902B033A38}"/>
+              </a:ext>
+              <a:ext uri="{C183D7F6-B498-43B3-948B-1728B52AA6E4}">
+                <adec:decorative xmlns:adec="http://schemas.microsoft.com/office/drawing/2017/decorative" val="1"/>
               </a:ext>
             </a:extLst>
           </p:cNvPr>
           <p:cNvSpPr>
-            <a:spLocks noGrp="1"/>
+            <a:spLocks noGrp="1" noRot="1" noChangeAspect="1" noMove="1" noResize="1" noEditPoints="1" noAdjustHandles="1" noChangeArrowheads="1" noChangeShapeType="1" noTextEdit="1"/>
           </p:cNvSpPr>
           <p:nvPr>
-            <p:ph type="title"/>
+            <p:extLst>
+              <p:ext uri="{386F3935-93C4-4BCD-93E2-E3B085C9AB24}">
+                <p16:designElem xmlns:p16="http://schemas.microsoft.com/office/powerpoint/2015/main" val="1"/>
+              </p:ext>
+            </p:extLst>
           </p:nvPr>
         </p:nvSpPr>
         <p:spPr>
           <a:xfrm>
-            <a:off x="910506" y="452284"/>
-            <a:ext cx="8596668" cy="1320800"/>
-          </a:xfrm>
-        </p:spPr>
-        <p:txBody>
-          <a:bodyPr>
-            <a:normAutofit/>
-          </a:bodyPr>
-          <a:lstStyle/>
-          <a:p>
-            <a:r>
-              <a:rPr lang="en-US" sz="4800" dirty="0"/>
-              <a:t>GUI Overview (Post user login)</a:t>
-            </a:r>
-          </a:p>
-        </p:txBody>
-      </p:sp>
-      <p:pic>
-        <p:nvPicPr>
-          <p:cNvPr id="5" name="内容占位符 4">
-            <a:extLst>
-              <a:ext uri="{FF2B5EF4-FFF2-40B4-BE49-F238E27FC236}">
-                <a16:creationId xmlns:a16="http://schemas.microsoft.com/office/drawing/2014/main" id="{DB4527E0-DD67-463F-9E6E-E5F065ED84BB}"/>
-              </a:ext>
-            </a:extLst>
-          </p:cNvPr>
-          <p:cNvPicPr>
-            <a:picLocks noGrp="1" noChangeAspect="1"/>
-          </p:cNvPicPr>
-          <p:nvPr>
-            <p:ph idx="1"/>
-          </p:nvPr>
-        </p:nvPicPr>
-        <p:blipFill>
-          <a:blip r:embed="rId2">
-            <a:extLst>
-              <a:ext uri="{28A0092B-C50C-407E-A947-70E740481C1C}">
-                <a14:useLocalDpi xmlns:a14="http://schemas.microsoft.com/office/drawing/2010/main" val="0"/>
-              </a:ext>
-            </a:extLst>
-          </a:blip>
-          <a:stretch>
-            <a:fillRect/>
-          </a:stretch>
-        </p:blipFill>
-        <p:spPr>
-          <a:xfrm>
-            <a:off x="1375576" y="1712455"/>
-            <a:ext cx="9184269" cy="4635186"/>
-          </a:xfrm>
-        </p:spPr>
-      </p:pic>
-      <p:sp>
-        <p:nvSpPr>
-          <p:cNvPr id="4" name="矩形 3">
-            <a:extLst>
-              <a:ext uri="{FF2B5EF4-FFF2-40B4-BE49-F238E27FC236}">
-                <a16:creationId xmlns:a16="http://schemas.microsoft.com/office/drawing/2014/main" id="{51539AC2-2A6D-400D-B238-D4D1FA0C19BB}"/>
-              </a:ext>
-            </a:extLst>
-          </p:cNvPr>
-          <p:cNvSpPr/>
-          <p:nvPr/>
-        </p:nvSpPr>
-        <p:spPr>
-          <a:xfrm>
-            <a:off x="1375576" y="1712455"/>
-            <a:ext cx="2274073" cy="4635186"/>
+            <a:off x="0" y="0"/>
+            <a:ext cx="12192000" cy="6858000"/>
           </a:xfrm>
           <a:prstGeom prst="rect">
             <a:avLst/>
           </a:prstGeom>
-          <a:noFill/>
-          <a:ln w="57150">
-            <a:solidFill>
-              <a:srgbClr val="FF0000"/>
-            </a:solidFill>
-            <a:prstDash val="dash"/>
+          <a:ln>
+            <a:noFill/>
           </a:ln>
         </p:spPr>
         <p:style>
@@ -7903,39 +8521,167 @@
           <a:lstStyle/>
           <a:p>
             <a:pPr algn="ctr"/>
-            <a:r>
-              <a:rPr lang="en-US" sz="2800" b="1" dirty="0">
-                <a:solidFill>
-                  <a:srgbClr val="FF0000"/>
-                </a:solidFill>
-              </a:rPr>
-              <a:t>Part 1</a:t>
-            </a:r>
-          </a:p>
-          <a:p>
-            <a:pPr algn="ctr"/>
-            <a:r>
-              <a:rPr lang="en-US" altLang="zh-CN" sz="2800" b="1" dirty="0">
-                <a:solidFill>
-                  <a:srgbClr val="FF0000"/>
-                </a:solidFill>
-              </a:rPr>
-              <a:t>All rooms</a:t>
-            </a:r>
-            <a:endParaRPr lang="en-US" b="1" dirty="0">
-              <a:solidFill>
-                <a:srgbClr val="FF0000"/>
-              </a:solidFill>
-            </a:endParaRPr>
-          </a:p>
-        </p:txBody>
-      </p:sp>
-      <p:sp>
-        <p:nvSpPr>
-          <p:cNvPr id="6" name="矩形 5">
+            <a:endParaRPr lang="en-US"/>
+          </a:p>
+        </p:txBody>
+      </p:sp>
+      <p:sp>
+        <p:nvSpPr>
+          <p:cNvPr id="2" name="标题 1">
             <a:extLst>
               <a:ext uri="{FF2B5EF4-FFF2-40B4-BE49-F238E27FC236}">
-                <a16:creationId xmlns:a16="http://schemas.microsoft.com/office/drawing/2014/main" id="{55FF5F3D-5F7A-47EB-8870-449E82140073}"/>
+                <a16:creationId xmlns:a16="http://schemas.microsoft.com/office/drawing/2014/main" id="{B356C1E5-FF91-4C7C-BC70-F511B41F702B}"/>
+              </a:ext>
+            </a:extLst>
+          </p:cNvPr>
+          <p:cNvSpPr>
+            <a:spLocks noGrp="1"/>
+          </p:cNvSpPr>
+          <p:nvPr>
+            <p:ph type="title"/>
+          </p:nvPr>
+        </p:nvSpPr>
+        <p:spPr>
+          <a:xfrm>
+            <a:off x="842597" y="303407"/>
+            <a:ext cx="8596668" cy="707923"/>
+          </a:xfrm>
+        </p:spPr>
+        <p:txBody>
+          <a:bodyPr>
+            <a:normAutofit/>
+          </a:bodyPr>
+          <a:lstStyle/>
+          <a:p>
+            <a:r>
+              <a:rPr lang="en-US" dirty="0"/>
+              <a:t>Use Case Diagram</a:t>
+            </a:r>
+          </a:p>
+        </p:txBody>
+      </p:sp>
+      <p:sp>
+        <p:nvSpPr>
+          <p:cNvPr id="10" name="Isosceles Triangle 9">
+            <a:extLst>
+              <a:ext uri="{FF2B5EF4-FFF2-40B4-BE49-F238E27FC236}">
+                <a16:creationId xmlns:a16="http://schemas.microsoft.com/office/drawing/2014/main" id="{C2C29CB1-9F74-4879-A6AF-AEA67B6F1F4D}"/>
+              </a:ext>
+              <a:ext uri="{C183D7F6-B498-43B3-948B-1728B52AA6E4}">
+                <adec:decorative xmlns:adec="http://schemas.microsoft.com/office/drawing/2017/decorative" val="1"/>
+              </a:ext>
+            </a:extLst>
+          </p:cNvPr>
+          <p:cNvSpPr>
+            <a:spLocks noGrp="1" noRot="1" noChangeAspect="1" noMove="1" noResize="1" noEditPoints="1" noAdjustHandles="1" noChangeArrowheads="1" noChangeShapeType="1" noTextEdit="1"/>
+          </p:cNvSpPr>
+          <p:nvPr>
+            <p:extLst>
+              <p:ext uri="{386F3935-93C4-4BCD-93E2-E3B085C9AB24}">
+                <p16:designElem xmlns:p16="http://schemas.microsoft.com/office/powerpoint/2015/main" val="1"/>
+              </p:ext>
+            </p:extLst>
+          </p:nvPr>
+        </p:nvSpPr>
+        <p:spPr>
+          <a:xfrm rot="10800000">
+            <a:off x="0" y="0"/>
+            <a:ext cx="842596" cy="5666154"/>
+          </a:xfrm>
+          <a:prstGeom prst="triangle">
+            <a:avLst>
+              <a:gd name="adj" fmla="val 100000"/>
+            </a:avLst>
+          </a:prstGeom>
+          <a:solidFill>
+            <a:schemeClr val="accent1">
+              <a:alpha val="85000"/>
+            </a:schemeClr>
+          </a:solidFill>
+          <a:ln>
+            <a:noFill/>
+          </a:ln>
+          <a:effectLst/>
+        </p:spPr>
+        <p:style>
+          <a:lnRef idx="1">
+            <a:schemeClr val="accent1"/>
+          </a:lnRef>
+          <a:fillRef idx="3">
+            <a:schemeClr val="accent1"/>
+          </a:fillRef>
+          <a:effectRef idx="2">
+            <a:schemeClr val="accent1"/>
+          </a:effectRef>
+          <a:fontRef idx="minor">
+            <a:schemeClr val="lt1"/>
+          </a:fontRef>
+        </p:style>
+      </p:sp>
+      <p:sp>
+        <p:nvSpPr>
+          <p:cNvPr id="12" name="Isosceles Triangle 11">
+            <a:extLst>
+              <a:ext uri="{FF2B5EF4-FFF2-40B4-BE49-F238E27FC236}">
+                <a16:creationId xmlns:a16="http://schemas.microsoft.com/office/drawing/2014/main" id="{7E2C7115-5336-410C-AD71-0F0952A2E5A7}"/>
+              </a:ext>
+              <a:ext uri="{C183D7F6-B498-43B3-948B-1728B52AA6E4}">
+                <adec:decorative xmlns:adec="http://schemas.microsoft.com/office/drawing/2017/decorative" val="1"/>
+              </a:ext>
+            </a:extLst>
+          </p:cNvPr>
+          <p:cNvSpPr>
+            <a:spLocks noGrp="1" noRot="1" noChangeAspect="1" noMove="1" noResize="1" noEditPoints="1" noAdjustHandles="1" noChangeArrowheads="1" noChangeShapeType="1" noTextEdit="1"/>
+          </p:cNvSpPr>
+          <p:nvPr>
+            <p:extLst>
+              <p:ext uri="{386F3935-93C4-4BCD-93E2-E3B085C9AB24}">
+                <p16:designElem xmlns:p16="http://schemas.microsoft.com/office/powerpoint/2015/main" val="1"/>
+              </p:ext>
+            </p:extLst>
+          </p:nvPr>
+        </p:nvSpPr>
+        <p:spPr>
+          <a:xfrm flipH="1">
+            <a:off x="11743267" y="4013200"/>
+            <a:ext cx="448733" cy="2844800"/>
+          </a:xfrm>
+          <a:prstGeom prst="triangle">
+            <a:avLst>
+              <a:gd name="adj" fmla="val 0"/>
+            </a:avLst>
+          </a:prstGeom>
+          <a:solidFill>
+            <a:schemeClr val="accent1">
+              <a:alpha val="85000"/>
+            </a:schemeClr>
+          </a:solidFill>
+          <a:ln>
+            <a:noFill/>
+          </a:ln>
+          <a:effectLst/>
+        </p:spPr>
+        <p:style>
+          <a:lnRef idx="1">
+            <a:schemeClr val="accent1"/>
+          </a:lnRef>
+          <a:fillRef idx="3">
+            <a:schemeClr val="accent1"/>
+          </a:fillRef>
+          <a:effectRef idx="2">
+            <a:schemeClr val="accent1"/>
+          </a:effectRef>
+          <a:fontRef idx="minor">
+            <a:schemeClr val="lt1"/>
+          </a:fontRef>
+        </p:style>
+      </p:sp>
+      <p:sp>
+        <p:nvSpPr>
+          <p:cNvPr id="7" name="矩形 6">
+            <a:extLst>
+              <a:ext uri="{FF2B5EF4-FFF2-40B4-BE49-F238E27FC236}">
+                <a16:creationId xmlns:a16="http://schemas.microsoft.com/office/drawing/2014/main" id="{AE694BD2-4B65-4C31-9C97-2420EFB930D2}"/>
               </a:ext>
             </a:extLst>
           </p:cNvPr>
@@ -7944,21 +8690,12 @@
         </p:nvSpPr>
         <p:spPr>
           <a:xfrm>
-            <a:off x="3821927" y="1712455"/>
-            <a:ext cx="6737918" cy="4635186"/>
+            <a:off x="842597" y="3147636"/>
+            <a:ext cx="1614115" cy="739471"/>
           </a:xfrm>
           <a:prstGeom prst="rect">
             <a:avLst/>
           </a:prstGeom>
-          <a:noFill/>
-          <a:ln w="57150">
-            <a:solidFill>
-              <a:schemeClr val="accent3">
-                <a:lumMod val="75000"/>
-              </a:schemeClr>
-            </a:solidFill>
-            <a:prstDash val="dash"/>
-          </a:ln>
         </p:spPr>
         <p:style>
           <a:lnRef idx="2">
@@ -7982,55 +8719,1128 @@
           <a:p>
             <a:pPr algn="ctr"/>
             <a:r>
-              <a:rPr lang="en-US" sz="2800" b="1" dirty="0">
+              <a:rPr lang="en-US" dirty="0"/>
+              <a:t>Login</a:t>
+            </a:r>
+          </a:p>
+        </p:txBody>
+      </p:sp>
+      <p:sp>
+        <p:nvSpPr>
+          <p:cNvPr id="9" name="矩形 8">
+            <a:extLst>
+              <a:ext uri="{FF2B5EF4-FFF2-40B4-BE49-F238E27FC236}">
+                <a16:creationId xmlns:a16="http://schemas.microsoft.com/office/drawing/2014/main" id="{962103D8-6EC2-42E1-8C94-2C70F6E45C6B}"/>
+              </a:ext>
+            </a:extLst>
+          </p:cNvPr>
+          <p:cNvSpPr/>
+          <p:nvPr/>
+        </p:nvSpPr>
+        <p:spPr>
+          <a:xfrm>
+            <a:off x="4078647" y="3147636"/>
+            <a:ext cx="1614115" cy="739471"/>
+          </a:xfrm>
+          <a:prstGeom prst="rect">
+            <a:avLst/>
+          </a:prstGeom>
+        </p:spPr>
+        <p:style>
+          <a:lnRef idx="2">
+            <a:schemeClr val="accent1">
+              <a:shade val="50000"/>
+            </a:schemeClr>
+          </a:lnRef>
+          <a:fillRef idx="1">
+            <a:schemeClr val="accent1"/>
+          </a:fillRef>
+          <a:effectRef idx="0">
+            <a:schemeClr val="accent1"/>
+          </a:effectRef>
+          <a:fontRef idx="minor">
+            <a:schemeClr val="lt1"/>
+          </a:fontRef>
+        </p:style>
+        <p:txBody>
+          <a:bodyPr rtlCol="0" anchor="ctr"/>
+          <a:lstStyle/>
+          <a:p>
+            <a:pPr algn="ctr"/>
+            <a:r>
+              <a:rPr lang="en-US" dirty="0"/>
+              <a:t>Join Room</a:t>
+            </a:r>
+          </a:p>
+          <a:p>
+            <a:pPr algn="ctr"/>
+            <a:r>
+              <a:rPr lang="en-US" dirty="0"/>
+              <a:t>(</a:t>
+            </a:r>
+            <a:r>
+              <a:rPr lang="en-US" dirty="0">
                 <a:solidFill>
-                  <a:schemeClr val="accent3">
-                    <a:lumMod val="75000"/>
-                  </a:schemeClr>
+                  <a:schemeClr val="accent3"/>
                 </a:solidFill>
               </a:rPr>
-              <a:t>Part 2</a:t>
-            </a:r>
-          </a:p>
+              <a:t>User</a:t>
+            </a:r>
+            <a:r>
+              <a:rPr lang="en-US" dirty="0"/>
+              <a:t>)</a:t>
+            </a:r>
+          </a:p>
+        </p:txBody>
+      </p:sp>
+      <p:sp>
+        <p:nvSpPr>
+          <p:cNvPr id="11" name="矩形 10">
+            <a:extLst>
+              <a:ext uri="{FF2B5EF4-FFF2-40B4-BE49-F238E27FC236}">
+                <a16:creationId xmlns:a16="http://schemas.microsoft.com/office/drawing/2014/main" id="{C9ED7F2C-23C0-4407-BBC8-DE8DCE4E7673}"/>
+              </a:ext>
+            </a:extLst>
+          </p:cNvPr>
+          <p:cNvSpPr/>
+          <p:nvPr/>
+        </p:nvSpPr>
+        <p:spPr>
+          <a:xfrm>
+            <a:off x="4078645" y="1344826"/>
+            <a:ext cx="1614115" cy="739471"/>
+          </a:xfrm>
+          <a:prstGeom prst="rect">
+            <a:avLst/>
+          </a:prstGeom>
+        </p:spPr>
+        <p:style>
+          <a:lnRef idx="2">
+            <a:schemeClr val="accent1">
+              <a:shade val="50000"/>
+            </a:schemeClr>
+          </a:lnRef>
+          <a:fillRef idx="1">
+            <a:schemeClr val="accent1"/>
+          </a:fillRef>
+          <a:effectRef idx="0">
+            <a:schemeClr val="accent1"/>
+          </a:effectRef>
+          <a:fontRef idx="minor">
+            <a:schemeClr val="lt1"/>
+          </a:fontRef>
+        </p:style>
+        <p:txBody>
+          <a:bodyPr rtlCol="0" anchor="ctr"/>
+          <a:lstStyle/>
           <a:p>
             <a:pPr algn="ctr"/>
             <a:r>
-              <a:rPr lang="en-US" sz="2800" b="1" dirty="0">
+              <a:rPr lang="en-US" dirty="0"/>
+              <a:t>Leave Room</a:t>
+            </a:r>
+          </a:p>
+        </p:txBody>
+      </p:sp>
+      <p:sp>
+        <p:nvSpPr>
+          <p:cNvPr id="13" name="矩形 12">
+            <a:extLst>
+              <a:ext uri="{FF2B5EF4-FFF2-40B4-BE49-F238E27FC236}">
+                <a16:creationId xmlns:a16="http://schemas.microsoft.com/office/drawing/2014/main" id="{AA81EEC5-2678-4832-AFFB-F8C9FC10D6D0}"/>
+              </a:ext>
+            </a:extLst>
+          </p:cNvPr>
+          <p:cNvSpPr/>
+          <p:nvPr/>
+        </p:nvSpPr>
+        <p:spPr>
+          <a:xfrm>
+            <a:off x="4078646" y="4510177"/>
+            <a:ext cx="1614115" cy="739471"/>
+          </a:xfrm>
+          <a:prstGeom prst="rect">
+            <a:avLst/>
+          </a:prstGeom>
+        </p:spPr>
+        <p:style>
+          <a:lnRef idx="2">
+            <a:schemeClr val="accent1">
+              <a:shade val="50000"/>
+            </a:schemeClr>
+          </a:lnRef>
+          <a:fillRef idx="1">
+            <a:schemeClr val="accent1"/>
+          </a:fillRef>
+          <a:effectRef idx="0">
+            <a:schemeClr val="accent1"/>
+          </a:effectRef>
+          <a:fontRef idx="minor">
+            <a:schemeClr val="lt1"/>
+          </a:fontRef>
+        </p:style>
+        <p:txBody>
+          <a:bodyPr rtlCol="0" anchor="ctr"/>
+          <a:lstStyle/>
+          <a:p>
+            <a:pPr algn="ctr"/>
+            <a:r>
+              <a:rPr lang="en-US" dirty="0"/>
+              <a:t>Create Room</a:t>
+            </a:r>
+          </a:p>
+          <a:p>
+            <a:pPr algn="ctr"/>
+            <a:r>
+              <a:rPr lang="en-US" dirty="0"/>
+              <a:t>(</a:t>
+            </a:r>
+            <a:r>
+              <a:rPr lang="en-US" dirty="0">
                 <a:solidFill>
-                  <a:schemeClr val="accent3">
-                    <a:lumMod val="75000"/>
-                  </a:schemeClr>
+                  <a:schemeClr val="accent3"/>
                 </a:solidFill>
               </a:rPr>
-              <a:t>A Single Chat Room Info</a:t>
-            </a:r>
-          </a:p>
+              <a:t>Owner</a:t>
+            </a:r>
+            <a:r>
+              <a:rPr lang="en-US" dirty="0"/>
+              <a:t>)</a:t>
+            </a:r>
+          </a:p>
+        </p:txBody>
+      </p:sp>
+      <p:sp>
+        <p:nvSpPr>
+          <p:cNvPr id="14" name="矩形 13">
+            <a:extLst>
+              <a:ext uri="{FF2B5EF4-FFF2-40B4-BE49-F238E27FC236}">
+                <a16:creationId xmlns:a16="http://schemas.microsoft.com/office/drawing/2014/main" id="{80ED3621-53BF-4070-8F30-47E51AF97A3D}"/>
+              </a:ext>
+            </a:extLst>
+          </p:cNvPr>
+          <p:cNvSpPr/>
+          <p:nvPr/>
+        </p:nvSpPr>
+        <p:spPr>
+          <a:xfrm>
+            <a:off x="7521564" y="3147633"/>
+            <a:ext cx="2171076" cy="739471"/>
+          </a:xfrm>
+          <a:prstGeom prst="rect">
+            <a:avLst/>
+          </a:prstGeom>
+        </p:spPr>
+        <p:style>
+          <a:lnRef idx="2">
+            <a:schemeClr val="accent1">
+              <a:shade val="50000"/>
+            </a:schemeClr>
+          </a:lnRef>
+          <a:fillRef idx="1">
+            <a:schemeClr val="accent1"/>
+          </a:fillRef>
+          <a:effectRef idx="0">
+            <a:schemeClr val="accent1"/>
+          </a:effectRef>
+          <a:fontRef idx="minor">
+            <a:schemeClr val="lt1"/>
+          </a:fontRef>
+        </p:style>
+        <p:txBody>
+          <a:bodyPr rtlCol="0" anchor="ctr"/>
+          <a:lstStyle/>
           <a:p>
             <a:pPr algn="ctr"/>
             <a:r>
-              <a:rPr lang="en-US" sz="2800" b="1" dirty="0">
+              <a:rPr lang="en-US" dirty="0"/>
+              <a:t>Chat with users in the room</a:t>
+            </a:r>
+          </a:p>
+        </p:txBody>
+      </p:sp>
+      <p:sp>
+        <p:nvSpPr>
+          <p:cNvPr id="15" name="矩形 14">
+            <a:extLst>
+              <a:ext uri="{FF2B5EF4-FFF2-40B4-BE49-F238E27FC236}">
+                <a16:creationId xmlns:a16="http://schemas.microsoft.com/office/drawing/2014/main" id="{1276B612-B244-44EA-82E5-B557A83BF940}"/>
+              </a:ext>
+            </a:extLst>
+          </p:cNvPr>
+          <p:cNvSpPr/>
+          <p:nvPr/>
+        </p:nvSpPr>
+        <p:spPr>
+          <a:xfrm>
+            <a:off x="7521564" y="4510178"/>
+            <a:ext cx="2171076" cy="739471"/>
+          </a:xfrm>
+          <a:prstGeom prst="rect">
+            <a:avLst/>
+          </a:prstGeom>
+        </p:spPr>
+        <p:style>
+          <a:lnRef idx="2">
+            <a:schemeClr val="accent1">
+              <a:shade val="50000"/>
+            </a:schemeClr>
+          </a:lnRef>
+          <a:fillRef idx="1">
+            <a:schemeClr val="accent1"/>
+          </a:fillRef>
+          <a:effectRef idx="0">
+            <a:schemeClr val="accent1"/>
+          </a:effectRef>
+          <a:fontRef idx="minor">
+            <a:schemeClr val="lt1"/>
+          </a:fontRef>
+        </p:style>
+        <p:txBody>
+          <a:bodyPr rtlCol="0" anchor="ctr"/>
+          <a:lstStyle/>
+          <a:p>
+            <a:pPr algn="ctr"/>
+            <a:r>
+              <a:rPr lang="en-US" dirty="0"/>
+              <a:t>Send to all users in the room</a:t>
+            </a:r>
+          </a:p>
+        </p:txBody>
+      </p:sp>
+      <p:sp>
+        <p:nvSpPr>
+          <p:cNvPr id="16" name="矩形 15">
+            <a:extLst>
+              <a:ext uri="{FF2B5EF4-FFF2-40B4-BE49-F238E27FC236}">
+                <a16:creationId xmlns:a16="http://schemas.microsoft.com/office/drawing/2014/main" id="{034CF944-AE8B-4839-9222-E71506B9EFE7}"/>
+              </a:ext>
+            </a:extLst>
+          </p:cNvPr>
+          <p:cNvSpPr/>
+          <p:nvPr/>
+        </p:nvSpPr>
+        <p:spPr>
+          <a:xfrm>
+            <a:off x="7521564" y="5872722"/>
+            <a:ext cx="2171076" cy="739471"/>
+          </a:xfrm>
+          <a:prstGeom prst="rect">
+            <a:avLst/>
+          </a:prstGeom>
+        </p:spPr>
+        <p:style>
+          <a:lnRef idx="2">
+            <a:schemeClr val="accent1">
+              <a:shade val="50000"/>
+            </a:schemeClr>
+          </a:lnRef>
+          <a:fillRef idx="1">
+            <a:schemeClr val="accent1"/>
+          </a:fillRef>
+          <a:effectRef idx="0">
+            <a:schemeClr val="accent1"/>
+          </a:effectRef>
+          <a:fontRef idx="minor">
+            <a:schemeClr val="lt1"/>
+          </a:fontRef>
+        </p:style>
+        <p:txBody>
+          <a:bodyPr rtlCol="0" anchor="ctr"/>
+          <a:lstStyle/>
+          <a:p>
+            <a:pPr algn="ctr"/>
+            <a:r>
+              <a:rPr lang="en-US" dirty="0"/>
+              <a:t>Change Qualification</a:t>
+            </a:r>
+          </a:p>
+        </p:txBody>
+      </p:sp>
+      <p:cxnSp>
+        <p:nvCxnSpPr>
+          <p:cNvPr id="17" name="直接箭头连接符 16">
+            <a:extLst>
+              <a:ext uri="{FF2B5EF4-FFF2-40B4-BE49-F238E27FC236}">
+                <a16:creationId xmlns:a16="http://schemas.microsoft.com/office/drawing/2014/main" id="{096806F7-3B5E-4D42-8F23-8273CCA1DFC0}"/>
+              </a:ext>
+            </a:extLst>
+          </p:cNvPr>
+          <p:cNvCxnSpPr>
+            <a:stCxn id="7" idx="3"/>
+            <a:endCxn id="9" idx="1"/>
+          </p:cNvCxnSpPr>
+          <p:nvPr/>
+        </p:nvCxnSpPr>
+        <p:spPr>
+          <a:xfrm>
+            <a:off x="2456712" y="3517372"/>
+            <a:ext cx="1621935" cy="0"/>
+          </a:xfrm>
+          <a:prstGeom prst="straightConnector1">
+            <a:avLst/>
+          </a:prstGeom>
+          <a:ln w="38100">
+            <a:headEnd type="none" w="med" len="med"/>
+            <a:tailEnd type="arrow" w="med" len="med"/>
+          </a:ln>
+        </p:spPr>
+        <p:style>
+          <a:lnRef idx="1">
+            <a:schemeClr val="accent1"/>
+          </a:lnRef>
+          <a:fillRef idx="0">
+            <a:schemeClr val="accent1"/>
+          </a:fillRef>
+          <a:effectRef idx="0">
+            <a:schemeClr val="accent1"/>
+          </a:effectRef>
+          <a:fontRef idx="minor">
+            <a:schemeClr val="tx1"/>
+          </a:fontRef>
+        </p:style>
+      </p:cxnSp>
+      <p:cxnSp>
+        <p:nvCxnSpPr>
+          <p:cNvPr id="18" name="直接箭头连接符 17">
+            <a:extLst>
+              <a:ext uri="{FF2B5EF4-FFF2-40B4-BE49-F238E27FC236}">
+                <a16:creationId xmlns:a16="http://schemas.microsoft.com/office/drawing/2014/main" id="{66C61228-1FB5-4F87-AF89-6DE64D71C4E8}"/>
+              </a:ext>
+            </a:extLst>
+          </p:cNvPr>
+          <p:cNvCxnSpPr>
+            <a:cxnSpLocks/>
+            <a:stCxn id="7" idx="3"/>
+            <a:endCxn id="11" idx="1"/>
+          </p:cNvCxnSpPr>
+          <p:nvPr/>
+        </p:nvCxnSpPr>
+        <p:spPr>
+          <a:xfrm flipV="1">
+            <a:off x="2456712" y="1714562"/>
+            <a:ext cx="1621933" cy="1802810"/>
+          </a:xfrm>
+          <a:prstGeom prst="straightConnector1">
+            <a:avLst/>
+          </a:prstGeom>
+          <a:ln w="38100">
+            <a:headEnd type="none" w="med" len="med"/>
+            <a:tailEnd type="arrow" w="med" len="med"/>
+          </a:ln>
+        </p:spPr>
+        <p:style>
+          <a:lnRef idx="1">
+            <a:schemeClr val="accent1"/>
+          </a:lnRef>
+          <a:fillRef idx="0">
+            <a:schemeClr val="accent1"/>
+          </a:fillRef>
+          <a:effectRef idx="0">
+            <a:schemeClr val="accent1"/>
+          </a:effectRef>
+          <a:fontRef idx="minor">
+            <a:schemeClr val="tx1"/>
+          </a:fontRef>
+        </p:style>
+      </p:cxnSp>
+      <p:cxnSp>
+        <p:nvCxnSpPr>
+          <p:cNvPr id="19" name="直接箭头连接符 18">
+            <a:extLst>
+              <a:ext uri="{FF2B5EF4-FFF2-40B4-BE49-F238E27FC236}">
+                <a16:creationId xmlns:a16="http://schemas.microsoft.com/office/drawing/2014/main" id="{108635AF-FA0E-47B8-B1DF-7778914568B1}"/>
+              </a:ext>
+            </a:extLst>
+          </p:cNvPr>
+          <p:cNvCxnSpPr>
+            <a:cxnSpLocks/>
+            <a:stCxn id="7" idx="3"/>
+            <a:endCxn id="13" idx="1"/>
+          </p:cNvCxnSpPr>
+          <p:nvPr/>
+        </p:nvCxnSpPr>
+        <p:spPr>
+          <a:xfrm>
+            <a:off x="2456712" y="3517372"/>
+            <a:ext cx="1621934" cy="1362541"/>
+          </a:xfrm>
+          <a:prstGeom prst="straightConnector1">
+            <a:avLst/>
+          </a:prstGeom>
+          <a:ln w="38100">
+            <a:headEnd type="none" w="med" len="med"/>
+            <a:tailEnd type="arrow" w="med" len="med"/>
+          </a:ln>
+        </p:spPr>
+        <p:style>
+          <a:lnRef idx="1">
+            <a:schemeClr val="accent1"/>
+          </a:lnRef>
+          <a:fillRef idx="0">
+            <a:schemeClr val="accent1"/>
+          </a:fillRef>
+          <a:effectRef idx="0">
+            <a:schemeClr val="accent1"/>
+          </a:effectRef>
+          <a:fontRef idx="minor">
+            <a:schemeClr val="tx1"/>
+          </a:fontRef>
+        </p:style>
+      </p:cxnSp>
+      <p:sp>
+        <p:nvSpPr>
+          <p:cNvPr id="20" name="矩形 19">
+            <a:extLst>
+              <a:ext uri="{FF2B5EF4-FFF2-40B4-BE49-F238E27FC236}">
+                <a16:creationId xmlns:a16="http://schemas.microsoft.com/office/drawing/2014/main" id="{CD4B5D2D-E746-4371-8939-592555BE73CD}"/>
+              </a:ext>
+            </a:extLst>
+          </p:cNvPr>
+          <p:cNvSpPr/>
+          <p:nvPr/>
+        </p:nvSpPr>
+        <p:spPr>
+          <a:xfrm>
+            <a:off x="2722948" y="3284131"/>
+            <a:ext cx="1248355" cy="466474"/>
+          </a:xfrm>
+          <a:prstGeom prst="rect">
+            <a:avLst/>
+          </a:prstGeom>
+          <a:noFill/>
+          <a:ln>
+            <a:noFill/>
+          </a:ln>
+        </p:spPr>
+        <p:style>
+          <a:lnRef idx="2">
+            <a:schemeClr val="accent1">
+              <a:shade val="50000"/>
+            </a:schemeClr>
+          </a:lnRef>
+          <a:fillRef idx="1">
+            <a:schemeClr val="accent1"/>
+          </a:fillRef>
+          <a:effectRef idx="0">
+            <a:schemeClr val="accent1"/>
+          </a:effectRef>
+          <a:fontRef idx="minor">
+            <a:schemeClr val="lt1"/>
+          </a:fontRef>
+        </p:style>
+        <p:txBody>
+          <a:bodyPr rtlCol="0" anchor="ctr"/>
+          <a:lstStyle/>
+          <a:p>
+            <a:pPr algn="ctr"/>
+            <a:r>
+              <a:rPr lang="en-US" sz="1400" dirty="0">
                 <a:solidFill>
-                  <a:schemeClr val="accent3">
-                    <a:lumMod val="75000"/>
-                  </a:schemeClr>
+                  <a:schemeClr val="tx1"/>
                 </a:solidFill>
               </a:rPr>
-              <a:t>&amp; Message Box</a:t>
-            </a:r>
-            <a:endParaRPr lang="en-US" b="1" dirty="0">
-              <a:solidFill>
-                <a:schemeClr val="accent3">
-                  <a:lumMod val="75000"/>
-                </a:schemeClr>
-              </a:solidFill>
-            </a:endParaRPr>
+              <a:t>Qualification Check</a:t>
+            </a:r>
+          </a:p>
+        </p:txBody>
+      </p:sp>
+      <p:sp>
+        <p:nvSpPr>
+          <p:cNvPr id="21" name="矩形 20">
+            <a:extLst>
+              <a:ext uri="{FF2B5EF4-FFF2-40B4-BE49-F238E27FC236}">
+                <a16:creationId xmlns:a16="http://schemas.microsoft.com/office/drawing/2014/main" id="{1F9946F7-CCB6-4403-9549-01AD595BA3A5}"/>
+              </a:ext>
+            </a:extLst>
+          </p:cNvPr>
+          <p:cNvSpPr/>
+          <p:nvPr/>
+        </p:nvSpPr>
+        <p:spPr>
+          <a:xfrm>
+            <a:off x="2373682" y="4134056"/>
+            <a:ext cx="1946886" cy="466474"/>
+          </a:xfrm>
+          <a:prstGeom prst="rect">
+            <a:avLst/>
+          </a:prstGeom>
+          <a:noFill/>
+          <a:ln>
+            <a:noFill/>
+          </a:ln>
+        </p:spPr>
+        <p:style>
+          <a:lnRef idx="2">
+            <a:schemeClr val="accent1">
+              <a:shade val="50000"/>
+            </a:schemeClr>
+          </a:lnRef>
+          <a:fillRef idx="1">
+            <a:schemeClr val="accent1"/>
+          </a:fillRef>
+          <a:effectRef idx="0">
+            <a:schemeClr val="accent1"/>
+          </a:effectRef>
+          <a:fontRef idx="minor">
+            <a:schemeClr val="lt1"/>
+          </a:fontRef>
+        </p:style>
+        <p:txBody>
+          <a:bodyPr rtlCol="0" anchor="ctr"/>
+          <a:lstStyle/>
+          <a:p>
+            <a:pPr algn="ctr"/>
+            <a:r>
+              <a:rPr lang="en-US" sz="1400" dirty="0">
+                <a:solidFill>
+                  <a:schemeClr val="tx1"/>
+                </a:solidFill>
+              </a:rPr>
+              <a:t>Set Qualification</a:t>
+            </a:r>
+          </a:p>
+          <a:p>
+            <a:pPr algn="ctr"/>
+            <a:r>
+              <a:rPr lang="en-US" sz="1400" dirty="0">
+                <a:solidFill>
+                  <a:schemeClr val="tx1"/>
+                </a:solidFill>
+              </a:rPr>
+              <a:t>Owner must qualify</a:t>
+            </a:r>
+          </a:p>
+        </p:txBody>
+      </p:sp>
+      <p:cxnSp>
+        <p:nvCxnSpPr>
+          <p:cNvPr id="22" name="直接箭头连接符 21">
+            <a:extLst>
+              <a:ext uri="{FF2B5EF4-FFF2-40B4-BE49-F238E27FC236}">
+                <a16:creationId xmlns:a16="http://schemas.microsoft.com/office/drawing/2014/main" id="{402A8D68-91C2-4B48-A9FE-67C4B046AE43}"/>
+              </a:ext>
+            </a:extLst>
+          </p:cNvPr>
+          <p:cNvCxnSpPr>
+            <a:cxnSpLocks/>
+            <a:stCxn id="9" idx="3"/>
+            <a:endCxn id="14" idx="1"/>
+          </p:cNvCxnSpPr>
+          <p:nvPr/>
+        </p:nvCxnSpPr>
+        <p:spPr>
+          <a:xfrm flipV="1">
+            <a:off x="5692762" y="3517369"/>
+            <a:ext cx="1828802" cy="3"/>
+          </a:xfrm>
+          <a:prstGeom prst="straightConnector1">
+            <a:avLst/>
+          </a:prstGeom>
+          <a:ln w="38100">
+            <a:headEnd type="none" w="med" len="med"/>
+            <a:tailEnd type="arrow" w="med" len="med"/>
+          </a:ln>
+        </p:spPr>
+        <p:style>
+          <a:lnRef idx="1">
+            <a:schemeClr val="accent1"/>
+          </a:lnRef>
+          <a:fillRef idx="0">
+            <a:schemeClr val="accent1"/>
+          </a:fillRef>
+          <a:effectRef idx="0">
+            <a:schemeClr val="accent1"/>
+          </a:effectRef>
+          <a:fontRef idx="minor">
+            <a:schemeClr val="tx1"/>
+          </a:fontRef>
+        </p:style>
+      </p:cxnSp>
+      <p:cxnSp>
+        <p:nvCxnSpPr>
+          <p:cNvPr id="23" name="直接箭头连接符 22">
+            <a:extLst>
+              <a:ext uri="{FF2B5EF4-FFF2-40B4-BE49-F238E27FC236}">
+                <a16:creationId xmlns:a16="http://schemas.microsoft.com/office/drawing/2014/main" id="{0AAABA43-643A-4854-BE1D-9C9CBD1CCF1D}"/>
+              </a:ext>
+            </a:extLst>
+          </p:cNvPr>
+          <p:cNvCxnSpPr>
+            <a:cxnSpLocks/>
+            <a:stCxn id="13" idx="3"/>
+            <a:endCxn id="14" idx="1"/>
+          </p:cNvCxnSpPr>
+          <p:nvPr/>
+        </p:nvCxnSpPr>
+        <p:spPr>
+          <a:xfrm flipV="1">
+            <a:off x="5692761" y="3517369"/>
+            <a:ext cx="1828803" cy="1362544"/>
+          </a:xfrm>
+          <a:prstGeom prst="straightConnector1">
+            <a:avLst/>
+          </a:prstGeom>
+          <a:ln w="38100">
+            <a:headEnd type="none" w="med" len="med"/>
+            <a:tailEnd type="arrow" w="med" len="med"/>
+          </a:ln>
+        </p:spPr>
+        <p:style>
+          <a:lnRef idx="1">
+            <a:schemeClr val="accent1"/>
+          </a:lnRef>
+          <a:fillRef idx="0">
+            <a:schemeClr val="accent1"/>
+          </a:fillRef>
+          <a:effectRef idx="0">
+            <a:schemeClr val="accent1"/>
+          </a:effectRef>
+          <a:fontRef idx="minor">
+            <a:schemeClr val="tx1"/>
+          </a:fontRef>
+        </p:style>
+      </p:cxnSp>
+      <p:cxnSp>
+        <p:nvCxnSpPr>
+          <p:cNvPr id="24" name="直接箭头连接符 23">
+            <a:extLst>
+              <a:ext uri="{FF2B5EF4-FFF2-40B4-BE49-F238E27FC236}">
+                <a16:creationId xmlns:a16="http://schemas.microsoft.com/office/drawing/2014/main" id="{D040F34C-5B43-453D-AFDE-EB63346123C6}"/>
+              </a:ext>
+            </a:extLst>
+          </p:cNvPr>
+          <p:cNvCxnSpPr>
+            <a:cxnSpLocks/>
+            <a:stCxn id="13" idx="3"/>
+            <a:endCxn id="15" idx="1"/>
+          </p:cNvCxnSpPr>
+          <p:nvPr/>
+        </p:nvCxnSpPr>
+        <p:spPr>
+          <a:xfrm>
+            <a:off x="5692761" y="4879913"/>
+            <a:ext cx="1828803" cy="1"/>
+          </a:xfrm>
+          <a:prstGeom prst="straightConnector1">
+            <a:avLst/>
+          </a:prstGeom>
+          <a:ln w="38100">
+            <a:headEnd type="none" w="med" len="med"/>
+            <a:tailEnd type="arrow" w="med" len="med"/>
+          </a:ln>
+        </p:spPr>
+        <p:style>
+          <a:lnRef idx="1">
+            <a:schemeClr val="accent1"/>
+          </a:lnRef>
+          <a:fillRef idx="0">
+            <a:schemeClr val="accent1"/>
+          </a:fillRef>
+          <a:effectRef idx="0">
+            <a:schemeClr val="accent1"/>
+          </a:effectRef>
+          <a:fontRef idx="minor">
+            <a:schemeClr val="tx1"/>
+          </a:fontRef>
+        </p:style>
+      </p:cxnSp>
+      <p:cxnSp>
+        <p:nvCxnSpPr>
+          <p:cNvPr id="25" name="直接箭头连接符 24">
+            <a:extLst>
+              <a:ext uri="{FF2B5EF4-FFF2-40B4-BE49-F238E27FC236}">
+                <a16:creationId xmlns:a16="http://schemas.microsoft.com/office/drawing/2014/main" id="{F3C9E927-2800-4A5A-8AA8-542A93D265F7}"/>
+              </a:ext>
+            </a:extLst>
+          </p:cNvPr>
+          <p:cNvCxnSpPr>
+            <a:cxnSpLocks/>
+            <a:stCxn id="13" idx="3"/>
+            <a:endCxn id="16" idx="1"/>
+          </p:cNvCxnSpPr>
+          <p:nvPr/>
+        </p:nvCxnSpPr>
+        <p:spPr>
+          <a:xfrm>
+            <a:off x="5692761" y="4879913"/>
+            <a:ext cx="1828803" cy="1362545"/>
+          </a:xfrm>
+          <a:prstGeom prst="straightConnector1">
+            <a:avLst/>
+          </a:prstGeom>
+          <a:ln w="38100">
+            <a:headEnd type="none" w="med" len="med"/>
+            <a:tailEnd type="arrow" w="med" len="med"/>
+          </a:ln>
+        </p:spPr>
+        <p:style>
+          <a:lnRef idx="1">
+            <a:schemeClr val="accent1"/>
+          </a:lnRef>
+          <a:fillRef idx="0">
+            <a:schemeClr val="accent1"/>
+          </a:fillRef>
+          <a:effectRef idx="0">
+            <a:schemeClr val="accent1"/>
+          </a:effectRef>
+          <a:fontRef idx="minor">
+            <a:schemeClr val="tx1"/>
+          </a:fontRef>
+        </p:style>
+      </p:cxnSp>
+      <p:sp>
+        <p:nvSpPr>
+          <p:cNvPr id="26" name="矩形 25">
+            <a:extLst>
+              <a:ext uri="{FF2B5EF4-FFF2-40B4-BE49-F238E27FC236}">
+                <a16:creationId xmlns:a16="http://schemas.microsoft.com/office/drawing/2014/main" id="{077F725E-7FA2-4766-8BEB-4A1486770126}"/>
+              </a:ext>
+            </a:extLst>
+          </p:cNvPr>
+          <p:cNvSpPr/>
+          <p:nvPr/>
+        </p:nvSpPr>
+        <p:spPr>
+          <a:xfrm>
+            <a:off x="7529177" y="1344826"/>
+            <a:ext cx="2171076" cy="739471"/>
+          </a:xfrm>
+          <a:prstGeom prst="rect">
+            <a:avLst/>
+          </a:prstGeom>
+        </p:spPr>
+        <p:style>
+          <a:lnRef idx="2">
+            <a:schemeClr val="accent1">
+              <a:shade val="50000"/>
+            </a:schemeClr>
+          </a:lnRef>
+          <a:fillRef idx="1">
+            <a:schemeClr val="accent1"/>
+          </a:fillRef>
+          <a:effectRef idx="0">
+            <a:schemeClr val="accent1"/>
+          </a:effectRef>
+          <a:fontRef idx="minor">
+            <a:schemeClr val="lt1"/>
+          </a:fontRef>
+        </p:style>
+        <p:txBody>
+          <a:bodyPr rtlCol="0" anchor="ctr"/>
+          <a:lstStyle/>
+          <a:p>
+            <a:pPr algn="ctr"/>
+            <a:r>
+              <a:rPr lang="en-US" dirty="0"/>
+              <a:t>Notify users in the room why/who left</a:t>
+            </a:r>
+          </a:p>
+        </p:txBody>
+      </p:sp>
+      <p:cxnSp>
+        <p:nvCxnSpPr>
+          <p:cNvPr id="27" name="直接箭头连接符 26">
+            <a:extLst>
+              <a:ext uri="{FF2B5EF4-FFF2-40B4-BE49-F238E27FC236}">
+                <a16:creationId xmlns:a16="http://schemas.microsoft.com/office/drawing/2014/main" id="{3825874E-2245-4CD9-BDE1-64FDA75B777E}"/>
+              </a:ext>
+            </a:extLst>
+          </p:cNvPr>
+          <p:cNvCxnSpPr>
+            <a:cxnSpLocks/>
+            <a:stCxn id="11" idx="3"/>
+            <a:endCxn id="26" idx="1"/>
+          </p:cNvCxnSpPr>
+          <p:nvPr/>
+        </p:nvCxnSpPr>
+        <p:spPr>
+          <a:xfrm>
+            <a:off x="5692760" y="1714562"/>
+            <a:ext cx="1836417" cy="0"/>
+          </a:xfrm>
+          <a:prstGeom prst="straightConnector1">
+            <a:avLst/>
+          </a:prstGeom>
+          <a:ln w="38100">
+            <a:headEnd type="none" w="med" len="med"/>
+            <a:tailEnd type="arrow" w="med" len="med"/>
+          </a:ln>
+        </p:spPr>
+        <p:style>
+          <a:lnRef idx="1">
+            <a:schemeClr val="accent1"/>
+          </a:lnRef>
+          <a:fillRef idx="0">
+            <a:schemeClr val="accent1"/>
+          </a:fillRef>
+          <a:effectRef idx="0">
+            <a:schemeClr val="accent1"/>
+          </a:effectRef>
+          <a:fontRef idx="minor">
+            <a:schemeClr val="tx1"/>
+          </a:fontRef>
+        </p:style>
+      </p:cxnSp>
+      <p:cxnSp>
+        <p:nvCxnSpPr>
+          <p:cNvPr id="33" name="连接符: 肘形 32">
+            <a:extLst>
+              <a:ext uri="{FF2B5EF4-FFF2-40B4-BE49-F238E27FC236}">
+                <a16:creationId xmlns:a16="http://schemas.microsoft.com/office/drawing/2014/main" id="{B2F064AC-C33B-4326-BB98-63A9AB43708A}"/>
+              </a:ext>
+            </a:extLst>
+          </p:cNvPr>
+          <p:cNvCxnSpPr>
+            <a:cxnSpLocks/>
+            <a:stCxn id="16" idx="3"/>
+            <a:endCxn id="11" idx="0"/>
+          </p:cNvCxnSpPr>
+          <p:nvPr/>
+        </p:nvCxnSpPr>
+        <p:spPr>
+          <a:xfrm flipH="1" flipV="1">
+            <a:off x="4885703" y="1344826"/>
+            <a:ext cx="4806937" cy="4897632"/>
+          </a:xfrm>
+          <a:prstGeom prst="bentConnector4">
+            <a:avLst>
+              <a:gd name="adj1" fmla="val -42470"/>
+              <a:gd name="adj2" fmla="val 119767"/>
+            </a:avLst>
+          </a:prstGeom>
+          <a:ln w="38100">
+            <a:headEnd type="none" w="med" len="med"/>
+            <a:tailEnd type="arrow" w="med" len="med"/>
+          </a:ln>
+        </p:spPr>
+        <p:style>
+          <a:lnRef idx="1">
+            <a:schemeClr val="accent1"/>
+          </a:lnRef>
+          <a:fillRef idx="0">
+            <a:schemeClr val="accent1"/>
+          </a:fillRef>
+          <a:effectRef idx="0">
+            <a:schemeClr val="accent1"/>
+          </a:effectRef>
+          <a:fontRef idx="minor">
+            <a:schemeClr val="tx1"/>
+          </a:fontRef>
+        </p:style>
+      </p:cxnSp>
+      <p:sp>
+        <p:nvSpPr>
+          <p:cNvPr id="44" name="矩形 43">
+            <a:extLst>
+              <a:ext uri="{FF2B5EF4-FFF2-40B4-BE49-F238E27FC236}">
+                <a16:creationId xmlns:a16="http://schemas.microsoft.com/office/drawing/2014/main" id="{A5641054-39D4-4086-B44E-01B9ADC021D8}"/>
+              </a:ext>
+            </a:extLst>
+          </p:cNvPr>
+          <p:cNvSpPr/>
+          <p:nvPr/>
+        </p:nvSpPr>
+        <p:spPr>
+          <a:xfrm>
+            <a:off x="5852273" y="1351367"/>
+            <a:ext cx="1801478" cy="682466"/>
+          </a:xfrm>
+          <a:prstGeom prst="rect">
+            <a:avLst/>
+          </a:prstGeom>
+          <a:noFill/>
+          <a:ln>
+            <a:noFill/>
+          </a:ln>
+        </p:spPr>
+        <p:style>
+          <a:lnRef idx="2">
+            <a:schemeClr val="accent1">
+              <a:shade val="50000"/>
+            </a:schemeClr>
+          </a:lnRef>
+          <a:fillRef idx="1">
+            <a:schemeClr val="accent1"/>
+          </a:fillRef>
+          <a:effectRef idx="0">
+            <a:schemeClr val="accent1"/>
+          </a:effectRef>
+          <a:fontRef idx="minor">
+            <a:schemeClr val="lt1"/>
+          </a:fontRef>
+        </p:style>
+        <p:txBody>
+          <a:bodyPr rtlCol="0" anchor="ctr"/>
+          <a:lstStyle/>
+          <a:p>
+            <a:pPr marL="285750" indent="-285750">
+              <a:buFont typeface="Arial" panose="020B0604020202020204" pitchFamily="34" charset="0"/>
+              <a:buChar char="•"/>
+            </a:pPr>
+            <a:r>
+              <a:rPr lang="en-US" sz="1400" dirty="0">
+                <a:solidFill>
+                  <a:schemeClr val="tx1"/>
+                </a:solidFill>
+              </a:rPr>
+              <a:t>Voluntarily</a:t>
+            </a:r>
+          </a:p>
+          <a:p>
+            <a:pPr marL="285750" indent="-285750">
+              <a:buFont typeface="Arial" panose="020B0604020202020204" pitchFamily="34" charset="0"/>
+              <a:buChar char="•"/>
+            </a:pPr>
+            <a:r>
+              <a:rPr lang="en-US" sz="1400" dirty="0">
+                <a:solidFill>
+                  <a:schemeClr val="tx1"/>
+                </a:solidFill>
+              </a:rPr>
+              <a:t>Evicted</a:t>
+            </a:r>
+          </a:p>
+          <a:p>
+            <a:pPr marL="285750" indent="-285750">
+              <a:buFont typeface="Arial" panose="020B0604020202020204" pitchFamily="34" charset="0"/>
+              <a:buChar char="•"/>
+            </a:pPr>
+            <a:r>
+              <a:rPr lang="en-US" sz="1400" dirty="0">
+                <a:solidFill>
+                  <a:schemeClr val="tx1"/>
+                </a:solidFill>
+              </a:rPr>
+              <a:t>Disconnected</a:t>
+            </a:r>
+          </a:p>
+        </p:txBody>
+      </p:sp>
+      <p:sp>
+        <p:nvSpPr>
+          <p:cNvPr id="45" name="矩形 44">
+            <a:extLst>
+              <a:ext uri="{FF2B5EF4-FFF2-40B4-BE49-F238E27FC236}">
+                <a16:creationId xmlns:a16="http://schemas.microsoft.com/office/drawing/2014/main" id="{B91A2C18-2D25-4CAD-A1F5-5473FA20E6C3}"/>
+              </a:ext>
+            </a:extLst>
+          </p:cNvPr>
+          <p:cNvSpPr/>
+          <p:nvPr/>
+        </p:nvSpPr>
+        <p:spPr>
+          <a:xfrm>
+            <a:off x="5852273" y="172497"/>
+            <a:ext cx="5724088" cy="682466"/>
+          </a:xfrm>
+          <a:prstGeom prst="rect">
+            <a:avLst/>
+          </a:prstGeom>
+          <a:noFill/>
+          <a:ln>
+            <a:noFill/>
+          </a:ln>
+        </p:spPr>
+        <p:style>
+          <a:lnRef idx="2">
+            <a:schemeClr val="accent1">
+              <a:shade val="50000"/>
+            </a:schemeClr>
+          </a:lnRef>
+          <a:fillRef idx="1">
+            <a:schemeClr val="accent1"/>
+          </a:fillRef>
+          <a:effectRef idx="0">
+            <a:schemeClr val="accent1"/>
+          </a:effectRef>
+          <a:fontRef idx="minor">
+            <a:schemeClr val="lt1"/>
+          </a:fontRef>
+        </p:style>
+        <p:txBody>
+          <a:bodyPr rtlCol="0" anchor="ctr"/>
+          <a:lstStyle/>
+          <a:p>
+            <a:pPr marL="285750" indent="-285750">
+              <a:buFont typeface="Arial" panose="020B0604020202020204" pitchFamily="34" charset="0"/>
+              <a:buChar char="•"/>
+            </a:pPr>
+            <a:r>
+              <a:rPr lang="en-US" sz="1400" dirty="0">
+                <a:solidFill>
+                  <a:schemeClr val="tx1"/>
+                </a:solidFill>
+              </a:rPr>
+              <a:t>The Owner might be unqualified post qualification change</a:t>
+            </a:r>
+          </a:p>
+        </p:txBody>
+      </p:sp>
+      <p:sp>
+        <p:nvSpPr>
+          <p:cNvPr id="62" name="矩形 61">
+            <a:extLst>
+              <a:ext uri="{FF2B5EF4-FFF2-40B4-BE49-F238E27FC236}">
+                <a16:creationId xmlns:a16="http://schemas.microsoft.com/office/drawing/2014/main" id="{510CEEFF-F50D-4EFB-91CE-896DD1B29EEC}"/>
+              </a:ext>
+            </a:extLst>
+          </p:cNvPr>
+          <p:cNvSpPr/>
+          <p:nvPr/>
+        </p:nvSpPr>
+        <p:spPr>
+          <a:xfrm>
+            <a:off x="7043393" y="1996403"/>
+            <a:ext cx="3127417" cy="682466"/>
+          </a:xfrm>
+          <a:prstGeom prst="rect">
+            <a:avLst/>
+          </a:prstGeom>
+          <a:noFill/>
+          <a:ln>
+            <a:noFill/>
+          </a:ln>
+        </p:spPr>
+        <p:style>
+          <a:lnRef idx="2">
+            <a:schemeClr val="accent1">
+              <a:shade val="50000"/>
+            </a:schemeClr>
+          </a:lnRef>
+          <a:fillRef idx="1">
+            <a:schemeClr val="accent1"/>
+          </a:fillRef>
+          <a:effectRef idx="0">
+            <a:schemeClr val="accent1"/>
+          </a:effectRef>
+          <a:fontRef idx="minor">
+            <a:schemeClr val="lt1"/>
+          </a:fontRef>
+        </p:style>
+        <p:txBody>
+          <a:bodyPr rtlCol="0" anchor="ctr"/>
+          <a:lstStyle/>
+          <a:p>
+            <a:pPr marL="285750" indent="-285750">
+              <a:buFont typeface="Arial" panose="020B0604020202020204" pitchFamily="34" charset="0"/>
+              <a:buChar char="•"/>
+            </a:pPr>
+            <a:r>
+              <a:rPr lang="en-US" sz="1400" dirty="0">
+                <a:solidFill>
+                  <a:schemeClr val="tx1"/>
+                </a:solidFill>
+              </a:rPr>
+              <a:t>If the owner leaves, notify all users in the room and close room </a:t>
+            </a:r>
           </a:p>
         </p:txBody>
       </p:sp>
     </p:spTree>
     <p:extLst>
       <p:ext uri="{BB962C8B-B14F-4D97-AF65-F5344CB8AC3E}">
-        <p14:creationId xmlns:p14="http://schemas.microsoft.com/office/powerpoint/2010/main" val="1943292435"/>
+        <p14:creationId xmlns:p14="http://schemas.microsoft.com/office/powerpoint/2010/main" val="205952414"/>
       </p:ext>
     </p:extLst>
   </p:cSld>
@@ -8057,12 +9867,47 @@
           <a:chExt cx="0" cy="0"/>
         </a:xfrm>
       </p:grpSpPr>
+      <p:pic>
+        <p:nvPicPr>
+          <p:cNvPr id="9" name="内容占位符 8">
+            <a:extLst>
+              <a:ext uri="{FF2B5EF4-FFF2-40B4-BE49-F238E27FC236}">
+                <a16:creationId xmlns:a16="http://schemas.microsoft.com/office/drawing/2014/main" id="{3C615ED3-B1BA-4B8B-B14D-53A5707C9D4D}"/>
+              </a:ext>
+            </a:extLst>
+          </p:cNvPr>
+          <p:cNvPicPr>
+            <a:picLocks noGrp="1" noChangeAspect="1"/>
+          </p:cNvPicPr>
+          <p:nvPr>
+            <p:ph idx="1"/>
+          </p:nvPr>
+        </p:nvPicPr>
+        <p:blipFill>
+          <a:blip r:embed="rId2">
+            <a:extLst>
+              <a:ext uri="{28A0092B-C50C-407E-A947-70E740481C1C}">
+                <a14:useLocalDpi xmlns:a14="http://schemas.microsoft.com/office/drawing/2010/main" val="0"/>
+              </a:ext>
+            </a:extLst>
+          </a:blip>
+          <a:stretch>
+            <a:fillRect/>
+          </a:stretch>
+        </p:blipFill>
+        <p:spPr>
+          <a:xfrm>
+            <a:off x="1375576" y="1712455"/>
+            <a:ext cx="9184269" cy="4635186"/>
+          </a:xfrm>
+        </p:spPr>
+      </p:pic>
       <p:sp>
         <p:nvSpPr>
           <p:cNvPr id="2" name="标题 1">
             <a:extLst>
               <a:ext uri="{FF2B5EF4-FFF2-40B4-BE49-F238E27FC236}">
-                <a16:creationId xmlns:a16="http://schemas.microsoft.com/office/drawing/2014/main" id="{40630DA7-41B3-4FEC-B080-06D32414C52C}"/>
+                <a16:creationId xmlns:a16="http://schemas.microsoft.com/office/drawing/2014/main" id="{F785C875-F746-42D8-AE87-33FCEC9D61FD}"/>
               </a:ext>
             </a:extLst>
           </p:cNvPr>
@@ -8075,41 +9920,8 @@
         </p:nvSpPr>
         <p:spPr>
           <a:xfrm>
-            <a:off x="510801" y="341858"/>
+            <a:off x="910506" y="452284"/>
             <a:ext cx="8596668" cy="1320800"/>
-          </a:xfrm>
-        </p:spPr>
-        <p:txBody>
-          <a:bodyPr/>
-          <a:lstStyle/>
-          <a:p>
-            <a:r>
-              <a:rPr lang="en-US" dirty="0"/>
-              <a:t>Use Case &amp; GUI Part 1</a:t>
-            </a:r>
-          </a:p>
-        </p:txBody>
-      </p:sp>
-      <p:sp>
-        <p:nvSpPr>
-          <p:cNvPr id="3" name="内容占位符 2">
-            <a:extLst>
-              <a:ext uri="{FF2B5EF4-FFF2-40B4-BE49-F238E27FC236}">
-                <a16:creationId xmlns:a16="http://schemas.microsoft.com/office/drawing/2014/main" id="{F826DEBD-C93A-434B-AD20-82ADE8B8D4D1}"/>
-              </a:ext>
-            </a:extLst>
-          </p:cNvPr>
-          <p:cNvSpPr>
-            <a:spLocks noGrp="1"/>
-          </p:cNvSpPr>
-          <p:nvPr>
-            <p:ph idx="1"/>
-          </p:nvPr>
-        </p:nvSpPr>
-        <p:spPr>
-          <a:xfrm>
-            <a:off x="510801" y="1591836"/>
-            <a:ext cx="9826339" cy="4681994"/>
           </a:xfrm>
         </p:spPr>
         <p:txBody>
@@ -8119,128 +9931,18 @@
           <a:lstStyle/>
           <a:p>
             <a:r>
-              <a:rPr lang="en-US" sz="2400" dirty="0"/>
-              <a:t>Users’ interaction with room</a:t>
-            </a:r>
-          </a:p>
-          <a:p>
-            <a:pPr lvl="1"/>
-            <a:r>
-              <a:rPr lang="en-US" sz="2000" dirty="0"/>
-              <a:t>Exit/Exit All</a:t>
-            </a:r>
-          </a:p>
-          <a:p>
-            <a:pPr lvl="2"/>
-            <a:r>
-              <a:rPr lang="en-US" sz="1800" dirty="0"/>
-              <a:t>Voluntarily – click “exit”</a:t>
-            </a:r>
-          </a:p>
-          <a:p>
-            <a:pPr lvl="2"/>
-            <a:r>
-              <a:rPr lang="en-US" sz="1800" dirty="0"/>
-              <a:t>evicted – “hate” detected</a:t>
-            </a:r>
-          </a:p>
-          <a:p>
-            <a:pPr lvl="2"/>
-            <a:r>
-              <a:rPr lang="en-US" sz="1800" dirty="0"/>
-              <a:t>Disconnected – close browser</a:t>
-            </a:r>
-          </a:p>
-          <a:p>
-            <a:pPr lvl="1"/>
-            <a:r>
-              <a:rPr lang="en-US" sz="2000" dirty="0"/>
-              <a:t>Join – click room name</a:t>
-            </a:r>
-          </a:p>
-          <a:p>
-            <a:pPr lvl="2"/>
-            <a:r>
-              <a:rPr lang="en-US" sz="1800" dirty="0"/>
-              <a:t>Qualification check</a:t>
-            </a:r>
-          </a:p>
-          <a:p>
-            <a:pPr lvl="1"/>
-            <a:r>
-              <a:rPr lang="en-US" sz="2000" dirty="0"/>
-              <a:t>Create</a:t>
-            </a:r>
-          </a:p>
-          <a:p>
-            <a:pPr lvl="2"/>
-            <a:r>
-              <a:rPr lang="en-US" sz="1800" dirty="0"/>
-              <a:t>Set qualification</a:t>
-            </a:r>
-          </a:p>
-          <a:p>
-            <a:pPr lvl="2"/>
-            <a:r>
-              <a:rPr lang="en-US" sz="1800" dirty="0"/>
-              <a:t>Click “create”</a:t>
-            </a:r>
-          </a:p>
-          <a:p>
-            <a:pPr marL="0" indent="0">
-              <a:buNone/>
-            </a:pPr>
-            <a:endParaRPr lang="en-US" dirty="0"/>
-          </a:p>
-          <a:p>
-            <a:pPr marL="0" indent="0">
-              <a:buNone/>
-            </a:pPr>
-            <a:endParaRPr lang="en-US" dirty="0"/>
-          </a:p>
-        </p:txBody>
-      </p:sp>
-      <p:pic>
-        <p:nvPicPr>
-          <p:cNvPr id="4" name="内容占位符 4">
+              <a:rPr lang="en-US" sz="4800" dirty="0"/>
+              <a:t>GUI Overview (Post user login)</a:t>
+            </a:r>
+          </a:p>
+        </p:txBody>
+      </p:sp>
+      <p:sp>
+        <p:nvSpPr>
+          <p:cNvPr id="4" name="矩形 3">
             <a:extLst>
               <a:ext uri="{FF2B5EF4-FFF2-40B4-BE49-F238E27FC236}">
-                <a16:creationId xmlns:a16="http://schemas.microsoft.com/office/drawing/2014/main" id="{55D967F5-FE58-4AB5-B9C0-5A834123A832}"/>
-              </a:ext>
-            </a:extLst>
-          </p:cNvPr>
-          <p:cNvPicPr>
-            <a:picLocks noChangeAspect="1"/>
-          </p:cNvPicPr>
-          <p:nvPr/>
-        </p:nvPicPr>
-        <p:blipFill rotWithShape="1">
-          <a:blip r:embed="rId2">
-            <a:extLst>
-              <a:ext uri="{28A0092B-C50C-407E-A947-70E740481C1C}">
-                <a14:useLocalDpi xmlns:a14="http://schemas.microsoft.com/office/drawing/2010/main" val="0"/>
-              </a:ext>
-            </a:extLst>
-          </a:blip>
-          <a:srcRect r="75201"/>
-          <a:stretch/>
-        </p:blipFill>
-        <p:spPr>
-          <a:xfrm>
-            <a:off x="8838263" y="-13642"/>
-            <a:ext cx="3365624" cy="6849501"/>
-          </a:xfrm>
-          <a:prstGeom prst="rect">
-            <a:avLst/>
-          </a:prstGeom>
-        </p:spPr>
-      </p:pic>
-      <p:sp>
-        <p:nvSpPr>
-          <p:cNvPr id="5" name="标注: 线形 4">
-            <a:extLst>
-              <a:ext uri="{FF2B5EF4-FFF2-40B4-BE49-F238E27FC236}">
-                <a16:creationId xmlns:a16="http://schemas.microsoft.com/office/drawing/2014/main" id="{697B61BE-D9BB-4B76-8992-3218056B630F}"/>
+                <a16:creationId xmlns:a16="http://schemas.microsoft.com/office/drawing/2014/main" id="{51539AC2-2A6D-400D-B238-D4D1FA0C19BB}"/>
               </a:ext>
             </a:extLst>
           </p:cNvPr>
@@ -8249,17 +9951,19 @@
         </p:nvSpPr>
         <p:spPr>
           <a:xfrm>
-            <a:off x="6096000" y="3188379"/>
-            <a:ext cx="1626001" cy="865239"/>
-          </a:xfrm>
-          <a:prstGeom prst="borderCallout1">
-            <a:avLst>
-              <a:gd name="adj1" fmla="val 49076"/>
-              <a:gd name="adj2" fmla="val 100593"/>
-              <a:gd name="adj3" fmla="val 36225"/>
-              <a:gd name="adj4" fmla="val 247553"/>
-            </a:avLst>
+            <a:off x="389614" y="1712455"/>
+            <a:ext cx="1439187" cy="4635186"/>
+          </a:xfrm>
+          <a:prstGeom prst="rect">
+            <a:avLst/>
           </a:prstGeom>
+          <a:noFill/>
+          <a:ln w="57150">
+            <a:solidFill>
+              <a:srgbClr val="FF0000"/>
+            </a:solidFill>
+            <a:prstDash val="dash"/>
+          </a:ln>
         </p:spPr>
         <p:style>
           <a:lnRef idx="2">
@@ -8283,9 +9987,29 @@
           <a:p>
             <a:pPr algn="ctr"/>
             <a:r>
-              <a:rPr lang="en-US" dirty="0"/>
-              <a:t>All other rooms list</a:t>
-            </a:r>
+              <a:rPr lang="en-US" sz="2800" b="1" dirty="0">
+                <a:solidFill>
+                  <a:srgbClr val="FF0000"/>
+                </a:solidFill>
+              </a:rPr>
+              <a:t>Part 1</a:t>
+            </a:r>
+          </a:p>
+          <a:p>
+            <a:pPr algn="ctr"/>
+            <a:r>
+              <a:rPr lang="en-US" altLang="zh-CN" sz="2800" b="1" dirty="0">
+                <a:solidFill>
+                  <a:srgbClr val="FF0000"/>
+                </a:solidFill>
+              </a:rPr>
+              <a:t>All rooms</a:t>
+            </a:r>
+            <a:endParaRPr lang="en-US" b="1" dirty="0">
+              <a:solidFill>
+                <a:srgbClr val="FF0000"/>
+              </a:solidFill>
+            </a:endParaRPr>
           </a:p>
         </p:txBody>
       </p:sp>
@@ -8294,7 +10018,7 @@
           <p:cNvPr id="6" name="矩形 5">
             <a:extLst>
               <a:ext uri="{FF2B5EF4-FFF2-40B4-BE49-F238E27FC236}">
-                <a16:creationId xmlns:a16="http://schemas.microsoft.com/office/drawing/2014/main" id="{8F0CD859-130F-4B1A-8E87-AE530A8B828C}"/>
+                <a16:creationId xmlns:a16="http://schemas.microsoft.com/office/drawing/2014/main" id="{55FF5F3D-5F7A-47EB-8870-449E82140073}"/>
               </a:ext>
             </a:extLst>
           </p:cNvPr>
@@ -8303,17 +10027,20 @@
         </p:nvSpPr>
         <p:spPr>
           <a:xfrm>
-            <a:off x="9504435" y="5091879"/>
-            <a:ext cx="2366862" cy="1577470"/>
+            <a:off x="1900361" y="1712455"/>
+            <a:ext cx="8659483" cy="4635186"/>
           </a:xfrm>
           <a:prstGeom prst="rect">
             <a:avLst/>
           </a:prstGeom>
           <a:noFill/>
-          <a:ln w="38100">
+          <a:ln w="57150">
             <a:solidFill>
-              <a:srgbClr val="FF0000"/>
+              <a:schemeClr val="accent3">
+                <a:lumMod val="75000"/>
+              </a:schemeClr>
             </a:solidFill>
+            <a:prstDash val="dash"/>
           </a:ln>
         </p:spPr>
         <p:style>
@@ -8337,230 +10064,56 @@
           <a:lstStyle/>
           <a:p>
             <a:pPr algn="ctr"/>
-            <a:endParaRPr lang="en-US"/>
-          </a:p>
-        </p:txBody>
-      </p:sp>
-      <p:sp>
-        <p:nvSpPr>
-          <p:cNvPr id="7" name="矩形 6">
-            <a:extLst>
-              <a:ext uri="{FF2B5EF4-FFF2-40B4-BE49-F238E27FC236}">
-                <a16:creationId xmlns:a16="http://schemas.microsoft.com/office/drawing/2014/main" id="{BF9320B6-F2F4-4103-A4AE-270B1659B14E}"/>
-              </a:ext>
-            </a:extLst>
-          </p:cNvPr>
-          <p:cNvSpPr/>
-          <p:nvPr/>
-        </p:nvSpPr>
-        <p:spPr>
-          <a:xfrm>
-            <a:off x="9658957" y="402866"/>
-            <a:ext cx="930304" cy="1457739"/>
-          </a:xfrm>
-          <a:prstGeom prst="rect">
-            <a:avLst/>
-          </a:prstGeom>
-          <a:noFill/>
-          <a:ln w="38100">
-            <a:solidFill>
-              <a:srgbClr val="FF0000"/>
-            </a:solidFill>
-          </a:ln>
-        </p:spPr>
-        <p:style>
-          <a:lnRef idx="2">
-            <a:schemeClr val="accent1">
-              <a:shade val="50000"/>
-            </a:schemeClr>
-          </a:lnRef>
-          <a:fillRef idx="1">
-            <a:schemeClr val="accent1"/>
-          </a:fillRef>
-          <a:effectRef idx="0">
-            <a:schemeClr val="accent1"/>
-          </a:effectRef>
-          <a:fontRef idx="minor">
-            <a:schemeClr val="lt1"/>
-          </a:fontRef>
-        </p:style>
-        <p:txBody>
-          <a:bodyPr rtlCol="0" anchor="ctr"/>
-          <a:lstStyle/>
+            <a:r>
+              <a:rPr lang="en-US" sz="2800" b="1" dirty="0">
+                <a:solidFill>
+                  <a:schemeClr val="accent3">
+                    <a:lumMod val="75000"/>
+                  </a:schemeClr>
+                </a:solidFill>
+              </a:rPr>
+              <a:t>Part 2</a:t>
+            </a:r>
+          </a:p>
           <a:p>
             <a:pPr algn="ctr"/>
-            <a:endParaRPr lang="en-US"/>
-          </a:p>
-        </p:txBody>
-      </p:sp>
-      <p:sp>
-        <p:nvSpPr>
-          <p:cNvPr id="8" name="标注: 线形 7">
-            <a:extLst>
-              <a:ext uri="{FF2B5EF4-FFF2-40B4-BE49-F238E27FC236}">
-                <a16:creationId xmlns:a16="http://schemas.microsoft.com/office/drawing/2014/main" id="{DBCBE3C6-3EFB-498C-BED0-624EED4EA2C8}"/>
-              </a:ext>
-            </a:extLst>
-          </p:cNvPr>
-          <p:cNvSpPr/>
-          <p:nvPr/>
-        </p:nvSpPr>
-        <p:spPr>
-          <a:xfrm>
-            <a:off x="6096000" y="1105625"/>
-            <a:ext cx="1626001" cy="865239"/>
-          </a:xfrm>
-          <a:prstGeom prst="borderCallout1">
-            <a:avLst>
-              <a:gd name="adj1" fmla="val 49076"/>
-              <a:gd name="adj2" fmla="val 100593"/>
-              <a:gd name="adj3" fmla="val -20751"/>
-              <a:gd name="adj4" fmla="val 230683"/>
-            </a:avLst>
-          </a:prstGeom>
-        </p:spPr>
-        <p:style>
-          <a:lnRef idx="2">
-            <a:schemeClr val="accent1">
-              <a:shade val="50000"/>
-            </a:schemeClr>
-          </a:lnRef>
-          <a:fillRef idx="1">
-            <a:schemeClr val="accent1"/>
-          </a:fillRef>
-          <a:effectRef idx="0">
-            <a:schemeClr val="accent1"/>
-          </a:effectRef>
-          <a:fontRef idx="minor">
-            <a:schemeClr val="lt1"/>
-          </a:fontRef>
-        </p:style>
-        <p:txBody>
-          <a:bodyPr rtlCol="0" anchor="ctr"/>
-          <a:lstStyle/>
+            <a:r>
+              <a:rPr lang="en-US" sz="2800" b="1" dirty="0">
+                <a:solidFill>
+                  <a:schemeClr val="accent3">
+                    <a:lumMod val="75000"/>
+                  </a:schemeClr>
+                </a:solidFill>
+              </a:rPr>
+              <a:t>A Single Chat Room Info</a:t>
+            </a:r>
+          </a:p>
           <a:p>
             <a:pPr algn="ctr"/>
             <a:r>
-              <a:rPr lang="en-US" dirty="0"/>
-              <a:t>Joined </a:t>
-            </a:r>
-            <a:r>
-              <a:rPr lang="en-US" altLang="zh-CN" dirty="0"/>
-              <a:t>rooms list</a:t>
-            </a:r>
-          </a:p>
-        </p:txBody>
-      </p:sp>
-      <p:sp>
-        <p:nvSpPr>
-          <p:cNvPr id="9" name="标注: 线形 8">
-            <a:extLst>
-              <a:ext uri="{FF2B5EF4-FFF2-40B4-BE49-F238E27FC236}">
-                <a16:creationId xmlns:a16="http://schemas.microsoft.com/office/drawing/2014/main" id="{3E898F0E-6448-4E72-9363-E75030EC39DB}"/>
-              </a:ext>
-            </a:extLst>
-          </p:cNvPr>
-          <p:cNvSpPr/>
-          <p:nvPr/>
-        </p:nvSpPr>
-        <p:spPr>
-          <a:xfrm>
-            <a:off x="6096000" y="5220593"/>
-            <a:ext cx="1626001" cy="865239"/>
-          </a:xfrm>
-          <a:prstGeom prst="borderCallout1">
-            <a:avLst>
-              <a:gd name="adj1" fmla="val 49076"/>
-              <a:gd name="adj2" fmla="val 100593"/>
-              <a:gd name="adj3" fmla="val 83093"/>
-              <a:gd name="adj4" fmla="val 208555"/>
-            </a:avLst>
-          </a:prstGeom>
-        </p:spPr>
-        <p:style>
-          <a:lnRef idx="2">
-            <a:schemeClr val="accent1">
-              <a:shade val="50000"/>
-            </a:schemeClr>
-          </a:lnRef>
-          <a:fillRef idx="1">
-            <a:schemeClr val="accent1"/>
-          </a:fillRef>
-          <a:effectRef idx="0">
-            <a:schemeClr val="accent1"/>
-          </a:effectRef>
-          <a:fontRef idx="minor">
-            <a:schemeClr val="lt1"/>
-          </a:fontRef>
-        </p:style>
-        <p:txBody>
-          <a:bodyPr rtlCol="0" anchor="ctr"/>
-          <a:lstStyle/>
-          <a:p>
-            <a:pPr algn="ctr"/>
-            <a:r>
-              <a:rPr lang="en-US" dirty="0"/>
-              <a:t>Create new room with qualification</a:t>
-            </a:r>
-          </a:p>
-        </p:txBody>
-      </p:sp>
-      <p:sp>
-        <p:nvSpPr>
-          <p:cNvPr id="16" name="矩形 15">
-            <a:extLst>
-              <a:ext uri="{FF2B5EF4-FFF2-40B4-BE49-F238E27FC236}">
-                <a16:creationId xmlns:a16="http://schemas.microsoft.com/office/drawing/2014/main" id="{9FB746D9-DFEB-43DB-90B2-B23CE494FF67}"/>
-              </a:ext>
-            </a:extLst>
-          </p:cNvPr>
-          <p:cNvSpPr/>
-          <p:nvPr/>
-        </p:nvSpPr>
-        <p:spPr>
-          <a:xfrm>
-            <a:off x="10114059" y="2682238"/>
-            <a:ext cx="1049572" cy="1516051"/>
-          </a:xfrm>
-          <a:prstGeom prst="rect">
-            <a:avLst/>
-          </a:prstGeom>
-          <a:noFill/>
-          <a:ln w="38100">
-            <a:solidFill>
-              <a:srgbClr val="FF0000"/>
-            </a:solidFill>
-          </a:ln>
-        </p:spPr>
-        <p:style>
-          <a:lnRef idx="2">
-            <a:schemeClr val="accent1">
-              <a:shade val="50000"/>
-            </a:schemeClr>
-          </a:lnRef>
-          <a:fillRef idx="1">
-            <a:schemeClr val="accent1"/>
-          </a:fillRef>
-          <a:effectRef idx="0">
-            <a:schemeClr val="accent1"/>
-          </a:effectRef>
-          <a:fontRef idx="minor">
-            <a:schemeClr val="lt1"/>
-          </a:fontRef>
-        </p:style>
-        <p:txBody>
-          <a:bodyPr rtlCol="0" anchor="ctr"/>
-          <a:lstStyle/>
-          <a:p>
-            <a:pPr algn="ctr"/>
-            <a:endParaRPr lang="en-US"/>
+              <a:rPr lang="en-US" sz="2800" b="1" dirty="0">
+                <a:solidFill>
+                  <a:schemeClr val="accent3">
+                    <a:lumMod val="75000"/>
+                  </a:schemeClr>
+                </a:solidFill>
+              </a:rPr>
+              <a:t>&amp; Message Box</a:t>
+            </a:r>
+            <a:endParaRPr lang="en-US" b="1" dirty="0">
+              <a:solidFill>
+                <a:schemeClr val="accent3">
+                  <a:lumMod val="75000"/>
+                </a:schemeClr>
+              </a:solidFill>
+            </a:endParaRPr>
           </a:p>
         </p:txBody>
       </p:sp>
     </p:spTree>
     <p:extLst>
       <p:ext uri="{BB962C8B-B14F-4D97-AF65-F5344CB8AC3E}">
-        <p14:creationId xmlns:p14="http://schemas.microsoft.com/office/powerpoint/2010/main" val="502422253"/>
+        <p14:creationId xmlns:p14="http://schemas.microsoft.com/office/powerpoint/2010/main" val="1943292435"/>
       </p:ext>
     </p:extLst>
   </p:cSld>
@@ -8587,12 +10140,47 @@
           <a:chExt cx="0" cy="0"/>
         </a:xfrm>
       </p:grpSpPr>
+      <p:pic>
+        <p:nvPicPr>
+          <p:cNvPr id="11" name="内容占位符 8">
+            <a:extLst>
+              <a:ext uri="{FF2B5EF4-FFF2-40B4-BE49-F238E27FC236}">
+                <a16:creationId xmlns:a16="http://schemas.microsoft.com/office/drawing/2014/main" id="{8BD97C83-885A-4928-9EEA-297D98C65296}"/>
+              </a:ext>
+            </a:extLst>
+          </p:cNvPr>
+          <p:cNvPicPr>
+            <a:picLocks noChangeAspect="1"/>
+          </p:cNvPicPr>
+          <p:nvPr/>
+        </p:nvPicPr>
+        <p:blipFill rotWithShape="1">
+          <a:blip r:embed="rId2">
+            <a:extLst>
+              <a:ext uri="{28A0092B-C50C-407E-A947-70E740481C1C}">
+                <a14:useLocalDpi xmlns:a14="http://schemas.microsoft.com/office/drawing/2010/main" val="0"/>
+              </a:ext>
+            </a:extLst>
+          </a:blip>
+          <a:srcRect r="94781"/>
+          <a:stretch/>
+        </p:blipFill>
+        <p:spPr>
+          <a:xfrm>
+            <a:off x="9824213" y="0"/>
+            <a:ext cx="765047" cy="6858000"/>
+          </a:xfrm>
+          <a:prstGeom prst="rect">
+            <a:avLst/>
+          </a:prstGeom>
+        </p:spPr>
+      </p:pic>
       <p:sp>
         <p:nvSpPr>
           <p:cNvPr id="2" name="标题 1">
             <a:extLst>
               <a:ext uri="{FF2B5EF4-FFF2-40B4-BE49-F238E27FC236}">
-                <a16:creationId xmlns:a16="http://schemas.microsoft.com/office/drawing/2014/main" id="{F785C875-F746-42D8-AE87-33FCEC9D61FD}"/>
+                <a16:creationId xmlns:a16="http://schemas.microsoft.com/office/drawing/2014/main" id="{40630DA7-41B3-4FEC-B080-06D32414C52C}"/>
               </a:ext>
             </a:extLst>
           </p:cNvPr>
@@ -8605,7 +10193,7 @@
         </p:nvSpPr>
         <p:spPr>
           <a:xfrm>
-            <a:off x="910506" y="452284"/>
+            <a:off x="510801" y="341858"/>
             <a:ext cx="8596668" cy="1320800"/>
           </a:xfrm>
         </p:spPr>
@@ -8615,57 +10203,132 @@
           <a:p>
             <a:r>
               <a:rPr lang="en-US" dirty="0"/>
-              <a:t>GUI – </a:t>
-            </a:r>
-            <a:r>
-              <a:rPr lang="en-US" altLang="zh-CN" dirty="0"/>
-              <a:t>From Part 1 to Part 2</a:t>
-            </a:r>
-            <a:endParaRPr lang="en-US" dirty="0"/>
-          </a:p>
-        </p:txBody>
-      </p:sp>
-      <p:pic>
-        <p:nvPicPr>
-          <p:cNvPr id="5" name="内容占位符 4">
+              <a:t>GUI Part 1</a:t>
+            </a:r>
+          </a:p>
+        </p:txBody>
+      </p:sp>
+      <p:sp>
+        <p:nvSpPr>
+          <p:cNvPr id="3" name="内容占位符 2">
             <a:extLst>
               <a:ext uri="{FF2B5EF4-FFF2-40B4-BE49-F238E27FC236}">
-                <a16:creationId xmlns:a16="http://schemas.microsoft.com/office/drawing/2014/main" id="{DB4527E0-DD67-463F-9E6E-E5F065ED84BB}"/>
+                <a16:creationId xmlns:a16="http://schemas.microsoft.com/office/drawing/2014/main" id="{F826DEBD-C93A-434B-AD20-82ADE8B8D4D1}"/>
               </a:ext>
             </a:extLst>
           </p:cNvPr>
-          <p:cNvPicPr>
-            <a:picLocks noGrp="1" noChangeAspect="1"/>
-          </p:cNvPicPr>
+          <p:cNvSpPr>
+            <a:spLocks noGrp="1"/>
+          </p:cNvSpPr>
           <p:nvPr>
             <p:ph idx="1"/>
           </p:nvPr>
-        </p:nvPicPr>
-        <p:blipFill>
-          <a:blip r:embed="rId2">
-            <a:extLst>
-              <a:ext uri="{28A0092B-C50C-407E-A947-70E740481C1C}">
-                <a14:useLocalDpi xmlns:a14="http://schemas.microsoft.com/office/drawing/2010/main" val="0"/>
-              </a:ext>
-            </a:extLst>
-          </a:blip>
-          <a:stretch>
-            <a:fillRect/>
-          </a:stretch>
-        </p:blipFill>
+        </p:nvSpPr>
         <p:spPr>
           <a:xfrm>
-            <a:off x="1454576" y="2222814"/>
-            <a:ext cx="9184269" cy="4635186"/>
-          </a:xfrm>
-        </p:spPr>
-      </p:pic>
-      <p:sp>
-        <p:nvSpPr>
-          <p:cNvPr id="9" name="矩形 8">
+            <a:off x="510801" y="1591836"/>
+            <a:ext cx="9826339" cy="4681994"/>
+          </a:xfrm>
+        </p:spPr>
+        <p:txBody>
+          <a:bodyPr>
+            <a:normAutofit/>
+          </a:bodyPr>
+          <a:lstStyle/>
+          <a:p>
+            <a:r>
+              <a:rPr lang="en-US" sz="2400" dirty="0"/>
+              <a:t>Users’ interaction with room</a:t>
+            </a:r>
+          </a:p>
+          <a:p>
+            <a:pPr lvl="1"/>
+            <a:r>
+              <a:rPr lang="en-US" sz="2000" dirty="0"/>
+              <a:t>Leave/Leave All</a:t>
+            </a:r>
+          </a:p>
+          <a:p>
+            <a:pPr lvl="2"/>
+            <a:r>
+              <a:rPr lang="en-US" sz="1800" dirty="0"/>
+              <a:t>Voluntarily – hover on the room initial and opt to leave</a:t>
+            </a:r>
+          </a:p>
+          <a:p>
+            <a:pPr lvl="2"/>
+            <a:r>
+              <a:rPr lang="en-US" sz="1800" dirty="0"/>
+              <a:t>Evicted – “hate” detected or no longer qualified</a:t>
+            </a:r>
+          </a:p>
+          <a:p>
+            <a:pPr lvl="2"/>
+            <a:r>
+              <a:rPr lang="en-US" sz="1800" dirty="0"/>
+              <a:t>Disconnected – close browser </a:t>
+            </a:r>
+            <a:r>
+              <a:rPr lang="en-US" sz="1800" dirty="0" err="1"/>
+              <a:t>etc</a:t>
+            </a:r>
+            <a:endParaRPr lang="en-US" sz="1800" dirty="0"/>
+          </a:p>
+          <a:p>
+            <a:pPr lvl="1"/>
+            <a:r>
+              <a:rPr lang="en-US" sz="2000" dirty="0"/>
+              <a:t>Join – click room initial to join</a:t>
+            </a:r>
+          </a:p>
+          <a:p>
+            <a:pPr lvl="2"/>
+            <a:r>
+              <a:rPr lang="en-US" sz="1800" dirty="0"/>
+              <a:t>Qualification check</a:t>
+            </a:r>
+          </a:p>
+          <a:p>
+            <a:pPr lvl="1"/>
+            <a:r>
+              <a:rPr lang="en-US" sz="2000" dirty="0"/>
+              <a:t>Create</a:t>
+            </a:r>
+          </a:p>
+          <a:p>
+            <a:pPr lvl="2"/>
+            <a:r>
+              <a:rPr lang="en-US" sz="1800" dirty="0"/>
+              <a:t>Click “+”</a:t>
+            </a:r>
+          </a:p>
+          <a:p>
+            <a:pPr lvl="2"/>
+            <a:r>
+              <a:rPr lang="en-US" sz="1800" dirty="0"/>
+              <a:t>Set qualification to create</a:t>
+            </a:r>
+          </a:p>
+          <a:p>
+            <a:pPr marL="0" indent="0">
+              <a:buNone/>
+            </a:pPr>
+            <a:endParaRPr lang="en-US" dirty="0"/>
+          </a:p>
+          <a:p>
+            <a:pPr marL="0" indent="0">
+              <a:buNone/>
+            </a:pPr>
+            <a:endParaRPr lang="en-US" dirty="0"/>
+          </a:p>
+        </p:txBody>
+      </p:sp>
+      <p:sp>
+        <p:nvSpPr>
+          <p:cNvPr id="5" name="标注: 线形 4">
             <a:extLst>
               <a:ext uri="{FF2B5EF4-FFF2-40B4-BE49-F238E27FC236}">
-                <a16:creationId xmlns:a16="http://schemas.microsoft.com/office/drawing/2014/main" id="{10C1CB93-821F-40F9-A100-988AC4F6DC8E}"/>
+                <a16:creationId xmlns:a16="http://schemas.microsoft.com/office/drawing/2014/main" id="{697B61BE-D9BB-4B76-8992-3218056B630F}"/>
               </a:ext>
             </a:extLst>
           </p:cNvPr>
@@ -8674,18 +10337,17 @@
         </p:nvSpPr>
         <p:spPr>
           <a:xfrm>
-            <a:off x="1733384" y="2531163"/>
-            <a:ext cx="1049572" cy="251793"/>
-          </a:xfrm>
-          <a:prstGeom prst="rect">
-            <a:avLst/>
+            <a:off x="6096000" y="3474626"/>
+            <a:ext cx="1626001" cy="865239"/>
+          </a:xfrm>
+          <a:prstGeom prst="borderCallout1">
+            <a:avLst>
+              <a:gd name="adj1" fmla="val 49076"/>
+              <a:gd name="adj2" fmla="val 100593"/>
+              <a:gd name="adj3" fmla="val 44496"/>
+              <a:gd name="adj4" fmla="val 230438"/>
+            </a:avLst>
           </a:prstGeom>
-          <a:noFill/>
-          <a:ln w="38100">
-            <a:solidFill>
-              <a:srgbClr val="FF0000"/>
-            </a:solidFill>
-          </a:ln>
         </p:spPr>
         <p:style>
           <a:lnRef idx="2">
@@ -8708,16 +10370,19 @@
           <a:lstStyle/>
           <a:p>
             <a:pPr algn="ctr"/>
-            <a:endParaRPr lang="en-US" dirty="0"/>
-          </a:p>
-        </p:txBody>
-      </p:sp>
-      <p:sp>
-        <p:nvSpPr>
-          <p:cNvPr id="10" name="箭头: 上弧形 9">
+            <a:r>
+              <a:rPr lang="en-US" dirty="0"/>
+              <a:t>All other rooms list</a:t>
+            </a:r>
+          </a:p>
+        </p:txBody>
+      </p:sp>
+      <p:sp>
+        <p:nvSpPr>
+          <p:cNvPr id="6" name="矩形 5">
             <a:extLst>
               <a:ext uri="{FF2B5EF4-FFF2-40B4-BE49-F238E27FC236}">
-                <a16:creationId xmlns:a16="http://schemas.microsoft.com/office/drawing/2014/main" id="{D7218C61-FBB1-4D2E-8151-060E5C4C4DB1}"/>
+                <a16:creationId xmlns:a16="http://schemas.microsoft.com/office/drawing/2014/main" id="{8F0CD859-130F-4B1A-8E87-AE530A8B828C}"/>
               </a:ext>
             </a:extLst>
           </p:cNvPr>
@@ -8726,12 +10391,18 @@
         </p:nvSpPr>
         <p:spPr>
           <a:xfrm>
-            <a:off x="2162754" y="1375576"/>
-            <a:ext cx="7847937" cy="1155587"/>
-          </a:xfrm>
-          <a:prstGeom prst="curvedDownArrow">
+            <a:off x="9824212" y="5220593"/>
+            <a:ext cx="765048" cy="1260442"/>
+          </a:xfrm>
+          <a:prstGeom prst="rect">
             <a:avLst/>
           </a:prstGeom>
+          <a:noFill/>
+          <a:ln w="38100">
+            <a:solidFill>
+              <a:srgbClr val="FF0000"/>
+            </a:solidFill>
+          </a:ln>
         </p:spPr>
         <p:style>
           <a:lnRef idx="2">
@@ -8754,20 +10425,16 @@
           <a:lstStyle/>
           <a:p>
             <a:pPr algn="ctr"/>
-            <a:endParaRPr lang="en-US">
-              <a:solidFill>
-                <a:schemeClr val="tx1"/>
-              </a:solidFill>
-            </a:endParaRPr>
-          </a:p>
-        </p:txBody>
-      </p:sp>
-      <p:sp>
-        <p:nvSpPr>
-          <p:cNvPr id="11" name="矩形 10">
+            <a:endParaRPr lang="en-US"/>
+          </a:p>
+        </p:txBody>
+      </p:sp>
+      <p:sp>
+        <p:nvSpPr>
+          <p:cNvPr id="7" name="矩形 6">
             <a:extLst>
               <a:ext uri="{FF2B5EF4-FFF2-40B4-BE49-F238E27FC236}">
-                <a16:creationId xmlns:a16="http://schemas.microsoft.com/office/drawing/2014/main" id="{C74E1217-84C4-42CC-8314-9DA81B14C2B9}"/>
+                <a16:creationId xmlns:a16="http://schemas.microsoft.com/office/drawing/2014/main" id="{BF9320B6-F2F4-4103-A4AE-270B1659B14E}"/>
               </a:ext>
             </a:extLst>
           </p:cNvPr>
@@ -8776,15 +10443,17 @@
         </p:nvSpPr>
         <p:spPr>
           <a:xfrm>
-            <a:off x="4188324" y="1585747"/>
-            <a:ext cx="3637979" cy="587712"/>
+            <a:off x="9824213" y="188652"/>
+            <a:ext cx="765048" cy="2304936"/>
           </a:xfrm>
           <a:prstGeom prst="rect">
             <a:avLst/>
           </a:prstGeom>
           <a:noFill/>
           <a:ln w="38100">
-            <a:noFill/>
+            <a:solidFill>
+              <a:srgbClr val="FF0000"/>
+            </a:solidFill>
           </a:ln>
         </p:spPr>
         <p:style>
@@ -8807,26 +10476,17 @@
           <a:bodyPr rtlCol="0" anchor="ctr"/>
           <a:lstStyle/>
           <a:p>
-            <a:pPr marL="342900" indent="-342900" algn="ctr">
-              <a:buAutoNum type="arabicPeriod"/>
-            </a:pPr>
-            <a:r>
-              <a:rPr lang="en-US" dirty="0">
-                <a:solidFill>
-                  <a:schemeClr val="tx1"/>
-                </a:solidFill>
-              </a:rPr>
-              <a:t>Click the room name to show room info (room user list)</a:t>
-            </a:r>
-          </a:p>
-        </p:txBody>
-      </p:sp>
-      <p:sp>
-        <p:nvSpPr>
-          <p:cNvPr id="12" name="箭头: 上弧形 11">
+            <a:pPr algn="ctr"/>
+            <a:endParaRPr lang="en-US"/>
+          </a:p>
+        </p:txBody>
+      </p:sp>
+      <p:sp>
+        <p:nvSpPr>
+          <p:cNvPr id="8" name="标注: 线形 7">
             <a:extLst>
               <a:ext uri="{FF2B5EF4-FFF2-40B4-BE49-F238E27FC236}">
-                <a16:creationId xmlns:a16="http://schemas.microsoft.com/office/drawing/2014/main" id="{607427C2-1809-4A2C-87C3-75A5F2E05531}"/>
+                <a16:creationId xmlns:a16="http://schemas.microsoft.com/office/drawing/2014/main" id="{DBCBE3C6-3EFB-498C-BED0-624EED4EA2C8}"/>
               </a:ext>
             </a:extLst>
           </p:cNvPr>
@@ -8834,12 +10494,17 @@
           <p:nvPr/>
         </p:nvSpPr>
         <p:spPr>
-          <a:xfrm rot="11274684">
-            <a:off x="6682308" y="2718813"/>
-            <a:ext cx="3281544" cy="907514"/>
-          </a:xfrm>
-          <a:prstGeom prst="curvedDownArrow">
-            <a:avLst/>
+          <a:xfrm>
+            <a:off x="6096000" y="1105625"/>
+            <a:ext cx="1626001" cy="865239"/>
+          </a:xfrm>
+          <a:prstGeom prst="borderCallout1">
+            <a:avLst>
+              <a:gd name="adj1" fmla="val 49076"/>
+              <a:gd name="adj2" fmla="val 100593"/>
+              <a:gd name="adj3" fmla="val -20751"/>
+              <a:gd name="adj4" fmla="val 230683"/>
+            </a:avLst>
           </a:prstGeom>
         </p:spPr>
         <p:style>
@@ -8863,20 +10528,23 @@
           <a:lstStyle/>
           <a:p>
             <a:pPr algn="ctr"/>
-            <a:endParaRPr lang="en-US">
-              <a:solidFill>
-                <a:schemeClr val="tx1"/>
-              </a:solidFill>
-            </a:endParaRPr>
-          </a:p>
-        </p:txBody>
-      </p:sp>
-      <p:sp>
-        <p:nvSpPr>
-          <p:cNvPr id="13" name="矩形 12">
+            <a:r>
+              <a:rPr lang="en-US" dirty="0"/>
+              <a:t>Joined </a:t>
+            </a:r>
+            <a:r>
+              <a:rPr lang="en-US" altLang="zh-CN" dirty="0"/>
+              <a:t>rooms list</a:t>
+            </a:r>
+          </a:p>
+        </p:txBody>
+      </p:sp>
+      <p:sp>
+        <p:nvSpPr>
+          <p:cNvPr id="9" name="标注: 线形 8">
             <a:extLst>
               <a:ext uri="{FF2B5EF4-FFF2-40B4-BE49-F238E27FC236}">
-                <a16:creationId xmlns:a16="http://schemas.microsoft.com/office/drawing/2014/main" id="{976B81AC-5B18-4095-87C3-34C613CF36C1}"/>
+                <a16:creationId xmlns:a16="http://schemas.microsoft.com/office/drawing/2014/main" id="{3E898F0E-6448-4E72-9363-E75030EC39DB}"/>
               </a:ext>
             </a:extLst>
           </p:cNvPr>
@@ -8885,18 +10553,17 @@
         </p:nvSpPr>
         <p:spPr>
           <a:xfrm>
-            <a:off x="8778239" y="2854997"/>
-            <a:ext cx="1860605" cy="317573"/>
-          </a:xfrm>
-          <a:prstGeom prst="rect">
-            <a:avLst/>
+            <a:off x="6096000" y="5220593"/>
+            <a:ext cx="1626001" cy="865239"/>
+          </a:xfrm>
+          <a:prstGeom prst="borderCallout1">
+            <a:avLst>
+              <a:gd name="adj1" fmla="val 49076"/>
+              <a:gd name="adj2" fmla="val 100593"/>
+              <a:gd name="adj3" fmla="val 69308"/>
+              <a:gd name="adj4" fmla="val 228604"/>
+            </a:avLst>
           </a:prstGeom>
-          <a:noFill/>
-          <a:ln w="38100">
-            <a:solidFill>
-              <a:srgbClr val="FF0000"/>
-            </a:solidFill>
-          </a:ln>
         </p:spPr>
         <p:style>
           <a:lnRef idx="2">
@@ -8919,16 +10586,19 @@
           <a:lstStyle/>
           <a:p>
             <a:pPr algn="ctr"/>
-            <a:endParaRPr lang="en-US" dirty="0"/>
-          </a:p>
-        </p:txBody>
-      </p:sp>
-      <p:sp>
-        <p:nvSpPr>
-          <p:cNvPr id="14" name="矩形 13">
+            <a:r>
+              <a:rPr lang="en-US" dirty="0"/>
+              <a:t>Create new room with qualification</a:t>
+            </a:r>
+          </a:p>
+        </p:txBody>
+      </p:sp>
+      <p:sp>
+        <p:nvSpPr>
+          <p:cNvPr id="16" name="矩形 15">
             <a:extLst>
               <a:ext uri="{FF2B5EF4-FFF2-40B4-BE49-F238E27FC236}">
-                <a16:creationId xmlns:a16="http://schemas.microsoft.com/office/drawing/2014/main" id="{85F47E8C-351D-4541-B448-72FAE3C88D2E}"/>
+                <a16:creationId xmlns:a16="http://schemas.microsoft.com/office/drawing/2014/main" id="{9FB746D9-DFEB-43DB-90B2-B23CE494FF67}"/>
               </a:ext>
             </a:extLst>
           </p:cNvPr>
@@ -8936,16 +10606,18 @@
           <p:nvPr/>
         </p:nvSpPr>
         <p:spPr>
-          <a:xfrm rot="520143">
-            <a:off x="6030790" y="3575181"/>
-            <a:ext cx="3085108" cy="545332"/>
+          <a:xfrm>
+            <a:off x="9824212" y="2751151"/>
+            <a:ext cx="765048" cy="2152077"/>
           </a:xfrm>
           <a:prstGeom prst="rect">
             <a:avLst/>
           </a:prstGeom>
           <a:noFill/>
           <a:ln w="38100">
-            <a:noFill/>
+            <a:solidFill>
+              <a:srgbClr val="FF0000"/>
+            </a:solidFill>
           </a:ln>
         </p:spPr>
         <p:style>
@@ -8969,21 +10641,14 @@
           <a:lstStyle/>
           <a:p>
             <a:pPr algn="ctr"/>
-            <a:r>
-              <a:rPr lang="en-US" dirty="0">
-                <a:solidFill>
-                  <a:schemeClr val="tx1"/>
-                </a:solidFill>
-              </a:rPr>
-              <a:t>2. Click the username to open message box</a:t>
-            </a:r>
+            <a:endParaRPr lang="en-US"/>
           </a:p>
         </p:txBody>
       </p:sp>
     </p:spTree>
     <p:extLst>
       <p:ext uri="{BB962C8B-B14F-4D97-AF65-F5344CB8AC3E}">
-        <p14:creationId xmlns:p14="http://schemas.microsoft.com/office/powerpoint/2010/main" val="2868291099"/>
+        <p14:creationId xmlns:p14="http://schemas.microsoft.com/office/powerpoint/2010/main" val="502422253"/>
       </p:ext>
     </p:extLst>
   </p:cSld>
@@ -9012,10 +10677,10 @@
       </p:grpSpPr>
       <p:pic>
         <p:nvPicPr>
-          <p:cNvPr id="17" name="内容占位符 4">
+          <p:cNvPr id="15" name="内容占位符 8">
             <a:extLst>
               <a:ext uri="{FF2B5EF4-FFF2-40B4-BE49-F238E27FC236}">
-                <a16:creationId xmlns:a16="http://schemas.microsoft.com/office/drawing/2014/main" id="{39875EB5-0948-4628-8546-A2896830FFF1}"/>
+                <a16:creationId xmlns:a16="http://schemas.microsoft.com/office/drawing/2014/main" id="{C923EFB8-296D-4574-AE6E-54AE3493ED9A}"/>
               </a:ext>
             </a:extLst>
           </p:cNvPr>
@@ -9024,7 +10689,7 @@
           </p:cNvPicPr>
           <p:nvPr/>
         </p:nvPicPr>
-        <p:blipFill rotWithShape="1">
+        <p:blipFill>
           <a:blip r:embed="rId2">
             <a:extLst>
               <a:ext uri="{28A0092B-C50C-407E-A947-70E740481C1C}">
@@ -9032,13 +10697,14 @@
               </a:ext>
             </a:extLst>
           </a:blip>
-          <a:srcRect l="34521"/>
-          <a:stretch/>
+          <a:stretch>
+            <a:fillRect/>
+          </a:stretch>
         </p:blipFill>
         <p:spPr>
           <a:xfrm>
-            <a:off x="6170211" y="2109707"/>
-            <a:ext cx="6013747" cy="4635186"/>
+            <a:off x="1553156" y="2032310"/>
+            <a:ext cx="9184269" cy="4635186"/>
           </a:xfrm>
           <a:prstGeom prst="rect">
             <a:avLst/>
@@ -9050,7 +10716,7 @@
           <p:cNvPr id="2" name="标题 1">
             <a:extLst>
               <a:ext uri="{FF2B5EF4-FFF2-40B4-BE49-F238E27FC236}">
-                <a16:creationId xmlns:a16="http://schemas.microsoft.com/office/drawing/2014/main" id="{40630DA7-41B3-4FEC-B080-06D32414C52C}"/>
+                <a16:creationId xmlns:a16="http://schemas.microsoft.com/office/drawing/2014/main" id="{F785C875-F746-42D8-AE87-33FCEC9D61FD}"/>
               </a:ext>
             </a:extLst>
           </p:cNvPr>
@@ -9063,7 +10729,7 @@
         </p:nvSpPr>
         <p:spPr>
           <a:xfrm>
-            <a:off x="317459" y="191466"/>
+            <a:off x="910506" y="452284"/>
             <a:ext cx="8596668" cy="1320800"/>
           </a:xfrm>
         </p:spPr>
@@ -9073,125 +10739,22 @@
           <a:p>
             <a:r>
               <a:rPr lang="en-US" dirty="0"/>
-              <a:t>Use Case &amp; GUI Part 2</a:t>
-            </a:r>
-          </a:p>
-        </p:txBody>
-      </p:sp>
-      <p:sp>
-        <p:nvSpPr>
-          <p:cNvPr id="3" name="内容占位符 2">
+              <a:t>GUI – </a:t>
+            </a:r>
+            <a:r>
+              <a:rPr lang="en-US" altLang="zh-CN" dirty="0"/>
+              <a:t>From Part 1 to Part 2</a:t>
+            </a:r>
+            <a:endParaRPr lang="en-US" dirty="0"/>
+          </a:p>
+        </p:txBody>
+      </p:sp>
+      <p:sp>
+        <p:nvSpPr>
+          <p:cNvPr id="9" name="矩形 8">
             <a:extLst>
               <a:ext uri="{FF2B5EF4-FFF2-40B4-BE49-F238E27FC236}">
-                <a16:creationId xmlns:a16="http://schemas.microsoft.com/office/drawing/2014/main" id="{F826DEBD-C93A-434B-AD20-82ADE8B8D4D1}"/>
-              </a:ext>
-            </a:extLst>
-          </p:cNvPr>
-          <p:cNvSpPr>
-            <a:spLocks noGrp="1"/>
-          </p:cNvSpPr>
-          <p:nvPr>
-            <p:ph idx="1"/>
-          </p:nvPr>
-        </p:nvSpPr>
-        <p:spPr>
-          <a:xfrm>
-            <a:off x="27828" y="1444230"/>
-            <a:ext cx="6084024" cy="4681994"/>
-          </a:xfrm>
-        </p:spPr>
-        <p:txBody>
-          <a:bodyPr>
-            <a:normAutofit lnSpcReduction="10000"/>
-          </a:bodyPr>
-          <a:lstStyle/>
-          <a:p>
-            <a:r>
-              <a:rPr lang="en-US" sz="2400" dirty="0"/>
-              <a:t>User chat with others</a:t>
-            </a:r>
-          </a:p>
-          <a:p>
-            <a:pPr lvl="1"/>
-            <a:r>
-              <a:rPr lang="en-US" sz="2000" dirty="0"/>
-              <a:t>Click “Send” to send message to another user</a:t>
-            </a:r>
-          </a:p>
-          <a:p>
-            <a:pPr marL="914400" lvl="2" indent="0">
-              <a:buNone/>
-            </a:pPr>
-            <a:endParaRPr lang="en-US" sz="1800" dirty="0"/>
-          </a:p>
-          <a:p>
-            <a:pPr lvl="2"/>
-            <a:endParaRPr lang="en-US" sz="1800" dirty="0"/>
-          </a:p>
-          <a:p>
-            <a:pPr lvl="2"/>
-            <a:endParaRPr lang="en-US" sz="2000" dirty="0"/>
-          </a:p>
-          <a:p>
-            <a:r>
-              <a:rPr lang="en-US" sz="2400" dirty="0"/>
-              <a:t>If the user is the owner of the room, the user will have the option to</a:t>
-            </a:r>
-          </a:p>
-          <a:p>
-            <a:pPr lvl="1"/>
-            <a:r>
-              <a:rPr lang="en-US" sz="2200" dirty="0"/>
-              <a:t>Click “Send All” to send message to all users in the room</a:t>
-            </a:r>
-          </a:p>
-          <a:p>
-            <a:pPr lvl="1"/>
-            <a:r>
-              <a:rPr lang="en-US" sz="2200" dirty="0"/>
-              <a:t>Click “</a:t>
-            </a:r>
-            <a:r>
-              <a:rPr lang="en-US" altLang="zh-CN" sz="2200" dirty="0"/>
-              <a:t>Update Qualification</a:t>
-            </a:r>
-            <a:r>
-              <a:rPr lang="en-US" sz="2200" dirty="0"/>
-              <a:t>” to change the room qualification</a:t>
-            </a:r>
-          </a:p>
-          <a:p>
-            <a:pPr marL="0" indent="0">
-              <a:buNone/>
-            </a:pPr>
-            <a:endParaRPr lang="en-US" dirty="0"/>
-          </a:p>
-          <a:p>
-            <a:pPr marL="0" indent="0">
-              <a:buNone/>
-            </a:pPr>
-            <a:endParaRPr lang="en-US" dirty="0"/>
-          </a:p>
-          <a:p>
-            <a:pPr marL="0" indent="0">
-              <a:buNone/>
-            </a:pPr>
-            <a:endParaRPr lang="en-US" dirty="0"/>
-          </a:p>
-          <a:p>
-            <a:pPr marL="0" indent="0">
-              <a:buNone/>
-            </a:pPr>
-            <a:endParaRPr lang="en-US" dirty="0"/>
-          </a:p>
-        </p:txBody>
-      </p:sp>
-      <p:sp>
-        <p:nvSpPr>
-          <p:cNvPr id="5" name="标注: 线形 4">
-            <a:extLst>
-              <a:ext uri="{FF2B5EF4-FFF2-40B4-BE49-F238E27FC236}">
-                <a16:creationId xmlns:a16="http://schemas.microsoft.com/office/drawing/2014/main" id="{697B61BE-D9BB-4B76-8992-3218056B630F}"/>
+                <a16:creationId xmlns:a16="http://schemas.microsoft.com/office/drawing/2014/main" id="{10C1CB93-821F-40F9-A100-988AC4F6DC8E}"/>
               </a:ext>
             </a:extLst>
           </p:cNvPr>
@@ -9200,17 +10763,18 @@
         </p:nvSpPr>
         <p:spPr>
           <a:xfrm>
-            <a:off x="6265628" y="5792777"/>
-            <a:ext cx="1626001" cy="865239"/>
-          </a:xfrm>
-          <a:prstGeom prst="borderCallout1">
-            <a:avLst>
-              <a:gd name="adj1" fmla="val 49076"/>
-              <a:gd name="adj2" fmla="val 100593"/>
-              <a:gd name="adj3" fmla="val 80335"/>
-              <a:gd name="adj4" fmla="val 191806"/>
-            </a:avLst>
+            <a:off x="1553156" y="2603204"/>
+            <a:ext cx="434670" cy="354681"/>
+          </a:xfrm>
+          <a:prstGeom prst="rect">
+            <a:avLst/>
           </a:prstGeom>
+          <a:noFill/>
+          <a:ln w="38100">
+            <a:solidFill>
+              <a:srgbClr val="FF0000"/>
+            </a:solidFill>
+          </a:ln>
         </p:spPr>
         <p:style>
           <a:lnRef idx="2">
@@ -9233,19 +10797,16 @@
           <a:lstStyle/>
           <a:p>
             <a:pPr algn="ctr"/>
-            <a:r>
-              <a:rPr lang="en-US" dirty="0"/>
-              <a:t>Send Message</a:t>
-            </a:r>
-          </a:p>
-        </p:txBody>
-      </p:sp>
-      <p:sp>
-        <p:nvSpPr>
-          <p:cNvPr id="6" name="矩形 5">
+            <a:endParaRPr lang="en-US" dirty="0"/>
+          </a:p>
+        </p:txBody>
+      </p:sp>
+      <p:sp>
+        <p:nvSpPr>
+          <p:cNvPr id="10" name="箭头: 上弧形 9">
             <a:extLst>
               <a:ext uri="{FF2B5EF4-FFF2-40B4-BE49-F238E27FC236}">
-                <a16:creationId xmlns:a16="http://schemas.microsoft.com/office/drawing/2014/main" id="{8F0CD859-130F-4B1A-8E87-AE530A8B828C}"/>
+                <a16:creationId xmlns:a16="http://schemas.microsoft.com/office/drawing/2014/main" id="{D7218C61-FBB1-4D2E-8151-060E5C4C4DB1}"/>
               </a:ext>
             </a:extLst>
           </p:cNvPr>
@@ -9253,19 +10814,13 @@
           <p:nvPr/>
         </p:nvSpPr>
         <p:spPr>
-          <a:xfrm>
-            <a:off x="10336696" y="5175423"/>
-            <a:ext cx="1843328" cy="1577470"/>
-          </a:xfrm>
-          <a:prstGeom prst="rect">
+          <a:xfrm rot="20265876">
+            <a:off x="1399459" y="1441634"/>
+            <a:ext cx="1656457" cy="880910"/>
+          </a:xfrm>
+          <a:prstGeom prst="curvedDownArrow">
             <a:avLst/>
           </a:prstGeom>
-          <a:noFill/>
-          <a:ln w="38100">
-            <a:solidFill>
-              <a:srgbClr val="FF0000"/>
-            </a:solidFill>
-          </a:ln>
         </p:spPr>
         <p:style>
           <a:lnRef idx="2">
@@ -9288,16 +10843,20 @@
           <a:lstStyle/>
           <a:p>
             <a:pPr algn="ctr"/>
-            <a:endParaRPr lang="en-US"/>
-          </a:p>
-        </p:txBody>
-      </p:sp>
-      <p:sp>
-        <p:nvSpPr>
-          <p:cNvPr id="7" name="矩形 6">
+            <a:endParaRPr lang="en-US">
+              <a:solidFill>
+                <a:schemeClr val="tx1"/>
+              </a:solidFill>
+            </a:endParaRPr>
+          </a:p>
+        </p:txBody>
+      </p:sp>
+      <p:sp>
+        <p:nvSpPr>
+          <p:cNvPr id="11" name="矩形 10">
             <a:extLst>
               <a:ext uri="{FF2B5EF4-FFF2-40B4-BE49-F238E27FC236}">
-                <a16:creationId xmlns:a16="http://schemas.microsoft.com/office/drawing/2014/main" id="{BF9320B6-F2F4-4103-A4AE-270B1659B14E}"/>
+                <a16:creationId xmlns:a16="http://schemas.microsoft.com/office/drawing/2014/main" id="{C74E1217-84C4-42CC-8314-9DA81B14C2B9}"/>
               </a:ext>
             </a:extLst>
           </p:cNvPr>
@@ -9306,17 +10865,15 @@
         </p:nvSpPr>
         <p:spPr>
           <a:xfrm>
-            <a:off x="10336696" y="2101708"/>
-            <a:ext cx="1843328" cy="315490"/>
+            <a:off x="2684826" y="1282618"/>
+            <a:ext cx="4709887" cy="587712"/>
           </a:xfrm>
           <a:prstGeom prst="rect">
             <a:avLst/>
           </a:prstGeom>
           <a:noFill/>
           <a:ln w="38100">
-            <a:solidFill>
-              <a:srgbClr val="FF0000"/>
-            </a:solidFill>
+            <a:noFill/>
           </a:ln>
         </p:spPr>
         <p:style>
@@ -9339,17 +10896,26 @@
           <a:bodyPr rtlCol="0" anchor="ctr"/>
           <a:lstStyle/>
           <a:p>
-            <a:pPr algn="ctr"/>
-            <a:endParaRPr lang="en-US"/>
-          </a:p>
-        </p:txBody>
-      </p:sp>
-      <p:sp>
-        <p:nvSpPr>
-          <p:cNvPr id="9" name="标注: 线形 8">
+            <a:pPr marL="342900" indent="-342900" algn="ctr">
+              <a:buAutoNum type="arabicPeriod"/>
+            </a:pPr>
+            <a:r>
+              <a:rPr lang="en-US" dirty="0">
+                <a:solidFill>
+                  <a:schemeClr val="tx1"/>
+                </a:solidFill>
+              </a:rPr>
+              <a:t>Click the room name to show room info (room name &amp; owner &amp; user list)</a:t>
+            </a:r>
+          </a:p>
+        </p:txBody>
+      </p:sp>
+      <p:sp>
+        <p:nvSpPr>
+          <p:cNvPr id="12" name="箭头: 上弧形 11">
             <a:extLst>
               <a:ext uri="{FF2B5EF4-FFF2-40B4-BE49-F238E27FC236}">
-                <a16:creationId xmlns:a16="http://schemas.microsoft.com/office/drawing/2014/main" id="{3E898F0E-6448-4E72-9363-E75030EC39DB}"/>
+                <a16:creationId xmlns:a16="http://schemas.microsoft.com/office/drawing/2014/main" id="{607427C2-1809-4A2C-87C3-75A5F2E05531}"/>
               </a:ext>
             </a:extLst>
           </p:cNvPr>
@@ -9357,17 +10923,12 @@
           <p:nvPr/>
         </p:nvSpPr>
         <p:spPr>
-          <a:xfrm>
-            <a:off x="8212313" y="4064609"/>
-            <a:ext cx="1626001" cy="865239"/>
-          </a:xfrm>
-          <a:prstGeom prst="borderCallout1">
-            <a:avLst>
-              <a:gd name="adj1" fmla="val 49076"/>
-              <a:gd name="adj2" fmla="val 100593"/>
-              <a:gd name="adj3" fmla="val 125367"/>
-              <a:gd name="adj4" fmla="val 143516"/>
-            </a:avLst>
+          <a:xfrm rot="10590764" flipH="1">
+            <a:off x="2624252" y="3091835"/>
+            <a:ext cx="2011763" cy="907514"/>
+          </a:xfrm>
+          <a:prstGeom prst="curvedDownArrow">
+            <a:avLst/>
           </a:prstGeom>
         </p:spPr>
         <p:style>
@@ -9391,19 +10952,20 @@
           <a:lstStyle/>
           <a:p>
             <a:pPr algn="ctr"/>
-            <a:r>
-              <a:rPr lang="en-US" dirty="0"/>
-              <a:t>Left user status</a:t>
-            </a:r>
-          </a:p>
-        </p:txBody>
-      </p:sp>
-      <p:sp>
-        <p:nvSpPr>
-          <p:cNvPr id="16" name="矩形 15">
+            <a:endParaRPr lang="en-US">
+              <a:solidFill>
+                <a:schemeClr val="tx1"/>
+              </a:solidFill>
+            </a:endParaRPr>
+          </a:p>
+        </p:txBody>
+      </p:sp>
+      <p:sp>
+        <p:nvSpPr>
+          <p:cNvPr id="13" name="矩形 12">
             <a:extLst>
               <a:ext uri="{FF2B5EF4-FFF2-40B4-BE49-F238E27FC236}">
-                <a16:creationId xmlns:a16="http://schemas.microsoft.com/office/drawing/2014/main" id="{9FB746D9-DFEB-43DB-90B2-B23CE494FF67}"/>
+                <a16:creationId xmlns:a16="http://schemas.microsoft.com/office/drawing/2014/main" id="{976B81AC-5B18-4095-87C3-34C613CF36C1}"/>
               </a:ext>
             </a:extLst>
           </p:cNvPr>
@@ -9412,8 +10974,8 @@
         </p:nvSpPr>
         <p:spPr>
           <a:xfrm>
-            <a:off x="9456652" y="6482568"/>
-            <a:ext cx="763325" cy="270325"/>
+            <a:off x="2013840" y="2828360"/>
+            <a:ext cx="1357513" cy="317573"/>
           </a:xfrm>
           <a:prstGeom prst="rect">
             <a:avLst/>
@@ -9446,16 +11008,16 @@
           <a:lstStyle/>
           <a:p>
             <a:pPr algn="ctr"/>
-            <a:endParaRPr lang="en-US"/>
-          </a:p>
-        </p:txBody>
-      </p:sp>
-      <p:sp>
-        <p:nvSpPr>
-          <p:cNvPr id="18" name="标注: 线形 17">
+            <a:endParaRPr lang="en-US" dirty="0"/>
+          </a:p>
+        </p:txBody>
+      </p:sp>
+      <p:sp>
+        <p:nvSpPr>
+          <p:cNvPr id="14" name="矩形 13">
             <a:extLst>
               <a:ext uri="{FF2B5EF4-FFF2-40B4-BE49-F238E27FC236}">
-                <a16:creationId xmlns:a16="http://schemas.microsoft.com/office/drawing/2014/main" id="{23D0BBDC-D4FB-4667-934B-7C0284E9332C}"/>
+                <a16:creationId xmlns:a16="http://schemas.microsoft.com/office/drawing/2014/main" id="{85F47E8C-351D-4541-B448-72FAE3C88D2E}"/>
               </a:ext>
             </a:extLst>
           </p:cNvPr>
@@ -9464,17 +11026,16 @@
         </p:nvSpPr>
         <p:spPr>
           <a:xfrm>
-            <a:off x="7576208" y="982733"/>
-            <a:ext cx="1626001" cy="865239"/>
-          </a:xfrm>
-          <a:prstGeom prst="borderCallout1">
-            <a:avLst>
-              <a:gd name="adj1" fmla="val 49076"/>
-              <a:gd name="adj2" fmla="val 100593"/>
-              <a:gd name="adj3" fmla="val 132719"/>
-              <a:gd name="adj4" fmla="val 168945"/>
-            </a:avLst>
+            <a:off x="4477173" y="3514362"/>
+            <a:ext cx="3814466" cy="545332"/>
+          </a:xfrm>
+          <a:prstGeom prst="rect">
+            <a:avLst/>
           </a:prstGeom>
+          <a:noFill/>
+          <a:ln w="38100">
+            <a:noFill/>
+          </a:ln>
         </p:spPr>
         <p:style>
           <a:lnRef idx="2">
@@ -9498,8 +11059,12 @@
           <a:p>
             <a:pPr algn="ctr"/>
             <a:r>
-              <a:rPr lang="en-US" dirty="0"/>
-              <a:t>Display current user profile</a:t>
+              <a:rPr lang="en-US" dirty="0">
+                <a:solidFill>
+                  <a:schemeClr val="tx1"/>
+                </a:solidFill>
+              </a:rPr>
+              <a:t>2. Click the username to show the message box with certain user</a:t>
             </a:r>
           </a:p>
         </p:txBody>
@@ -9507,7 +11072,7 @@
     </p:spTree>
     <p:extLst>
       <p:ext uri="{BB962C8B-B14F-4D97-AF65-F5344CB8AC3E}">
-        <p14:creationId xmlns:p14="http://schemas.microsoft.com/office/powerpoint/2010/main" val="1414999017"/>
+        <p14:creationId xmlns:p14="http://schemas.microsoft.com/office/powerpoint/2010/main" val="2868291099"/>
       </p:ext>
     </p:extLst>
   </p:cSld>
@@ -9534,6 +11099,709 @@
           <a:chExt cx="0" cy="0"/>
         </a:xfrm>
       </p:grpSpPr>
+      <p:grpSp>
+        <p:nvGrpSpPr>
+          <p:cNvPr id="4" name="组合 3">
+            <a:extLst>
+              <a:ext uri="{FF2B5EF4-FFF2-40B4-BE49-F238E27FC236}">
+                <a16:creationId xmlns:a16="http://schemas.microsoft.com/office/drawing/2014/main" id="{E2AECC6A-5015-4A46-93B1-29FF511FB0CF}"/>
+              </a:ext>
+            </a:extLst>
+          </p:cNvPr>
+          <p:cNvGrpSpPr/>
+          <p:nvPr/>
+        </p:nvGrpSpPr>
+        <p:grpSpPr>
+          <a:xfrm>
+            <a:off x="7440760" y="2222814"/>
+            <a:ext cx="4795107" cy="4635186"/>
+            <a:chOff x="1045085" y="1157591"/>
+            <a:chExt cx="4795107" cy="4635186"/>
+          </a:xfrm>
+        </p:grpSpPr>
+        <p:pic>
+          <p:nvPicPr>
+            <p:cNvPr id="11" name="内容占位符 8">
+              <a:extLst>
+                <a:ext uri="{FF2B5EF4-FFF2-40B4-BE49-F238E27FC236}">
+                  <a16:creationId xmlns:a16="http://schemas.microsoft.com/office/drawing/2014/main" id="{14BCA5D3-7727-4499-A402-589C253DF3EE}"/>
+                </a:ext>
+              </a:extLst>
+            </p:cNvPr>
+            <p:cNvPicPr>
+              <a:picLocks noChangeAspect="1"/>
+            </p:cNvPicPr>
+            <p:nvPr/>
+          </p:nvPicPr>
+          <p:blipFill rotWithShape="1">
+            <a:blip r:embed="rId2">
+              <a:extLst>
+                <a:ext uri="{28A0092B-C50C-407E-A947-70E740481C1C}">
+                  <a14:useLocalDpi xmlns:a14="http://schemas.microsoft.com/office/drawing/2010/main" val="0"/>
+                </a:ext>
+              </a:extLst>
+            </a:blip>
+            <a:srcRect l="5425" r="60069"/>
+            <a:stretch/>
+          </p:blipFill>
+          <p:spPr>
+            <a:xfrm>
+              <a:off x="1045085" y="1157591"/>
+              <a:ext cx="3169106" cy="4635186"/>
+            </a:xfrm>
+            <a:prstGeom prst="rect">
+              <a:avLst/>
+            </a:prstGeom>
+          </p:spPr>
+        </p:pic>
+        <p:pic>
+          <p:nvPicPr>
+            <p:cNvPr id="12" name="内容占位符 8">
+              <a:extLst>
+                <a:ext uri="{FF2B5EF4-FFF2-40B4-BE49-F238E27FC236}">
+                  <a16:creationId xmlns:a16="http://schemas.microsoft.com/office/drawing/2014/main" id="{4BE65242-EC6F-40C8-8847-4D4FE21346EC}"/>
+                </a:ext>
+              </a:extLst>
+            </p:cNvPr>
+            <p:cNvPicPr>
+              <a:picLocks noChangeAspect="1"/>
+            </p:cNvPicPr>
+            <p:nvPr/>
+          </p:nvPicPr>
+          <p:blipFill rotWithShape="1">
+            <a:blip r:embed="rId2">
+              <a:extLst>
+                <a:ext uri="{28A0092B-C50C-407E-A947-70E740481C1C}">
+                  <a14:useLocalDpi xmlns:a14="http://schemas.microsoft.com/office/drawing/2010/main" val="0"/>
+                </a:ext>
+              </a:extLst>
+            </a:blip>
+            <a:srcRect l="82296"/>
+            <a:stretch/>
+          </p:blipFill>
+          <p:spPr>
+            <a:xfrm>
+              <a:off x="4214191" y="1157591"/>
+              <a:ext cx="1626001" cy="4635186"/>
+            </a:xfrm>
+            <a:prstGeom prst="rect">
+              <a:avLst/>
+            </a:prstGeom>
+          </p:spPr>
+        </p:pic>
+      </p:grpSp>
+      <p:sp>
+        <p:nvSpPr>
+          <p:cNvPr id="2" name="标题 1">
+            <a:extLst>
+              <a:ext uri="{FF2B5EF4-FFF2-40B4-BE49-F238E27FC236}">
+                <a16:creationId xmlns:a16="http://schemas.microsoft.com/office/drawing/2014/main" id="{40630DA7-41B3-4FEC-B080-06D32414C52C}"/>
+              </a:ext>
+            </a:extLst>
+          </p:cNvPr>
+          <p:cNvSpPr>
+            <a:spLocks noGrp="1"/>
+          </p:cNvSpPr>
+          <p:nvPr>
+            <p:ph type="title"/>
+          </p:nvPr>
+        </p:nvSpPr>
+        <p:spPr>
+          <a:xfrm>
+            <a:off x="317459" y="191466"/>
+            <a:ext cx="8596668" cy="1320800"/>
+          </a:xfrm>
+        </p:spPr>
+        <p:txBody>
+          <a:bodyPr/>
+          <a:lstStyle/>
+          <a:p>
+            <a:r>
+              <a:rPr lang="en-US" dirty="0"/>
+              <a:t>GUI Part 2</a:t>
+            </a:r>
+          </a:p>
+        </p:txBody>
+      </p:sp>
+      <p:sp>
+        <p:nvSpPr>
+          <p:cNvPr id="3" name="内容占位符 2">
+            <a:extLst>
+              <a:ext uri="{FF2B5EF4-FFF2-40B4-BE49-F238E27FC236}">
+                <a16:creationId xmlns:a16="http://schemas.microsoft.com/office/drawing/2014/main" id="{F826DEBD-C93A-434B-AD20-82ADE8B8D4D1}"/>
+              </a:ext>
+            </a:extLst>
+          </p:cNvPr>
+          <p:cNvSpPr>
+            <a:spLocks noGrp="1"/>
+          </p:cNvSpPr>
+          <p:nvPr>
+            <p:ph idx="1"/>
+          </p:nvPr>
+        </p:nvSpPr>
+        <p:spPr>
+          <a:xfrm>
+            <a:off x="27828" y="1444230"/>
+            <a:ext cx="6084024" cy="4681994"/>
+          </a:xfrm>
+        </p:spPr>
+        <p:txBody>
+          <a:bodyPr>
+            <a:normAutofit lnSpcReduction="10000"/>
+          </a:bodyPr>
+          <a:lstStyle/>
+          <a:p>
+            <a:r>
+              <a:rPr lang="en-US" sz="2400" dirty="0"/>
+              <a:t>User chat with others</a:t>
+            </a:r>
+          </a:p>
+          <a:p>
+            <a:pPr lvl="1"/>
+            <a:r>
+              <a:rPr lang="en-US" sz="2000" dirty="0"/>
+              <a:t>Click “Send” to send message to another user</a:t>
+            </a:r>
+          </a:p>
+          <a:p>
+            <a:pPr marL="914400" lvl="2" indent="0">
+              <a:buNone/>
+            </a:pPr>
+            <a:endParaRPr lang="en-US" sz="1800" dirty="0"/>
+          </a:p>
+          <a:p>
+            <a:pPr lvl="2"/>
+            <a:endParaRPr lang="en-US" sz="1800" dirty="0"/>
+          </a:p>
+          <a:p>
+            <a:pPr lvl="2"/>
+            <a:endParaRPr lang="en-US" sz="2000" dirty="0"/>
+          </a:p>
+          <a:p>
+            <a:r>
+              <a:rPr lang="en-US" sz="2400" dirty="0"/>
+              <a:t>If the user is the owner of the room, the user can</a:t>
+            </a:r>
+          </a:p>
+          <a:p>
+            <a:pPr lvl="1"/>
+            <a:r>
+              <a:rPr lang="en-US" sz="2200" dirty="0"/>
+              <a:t>Click “Send All” option to send message to all users in the room</a:t>
+            </a:r>
+          </a:p>
+          <a:p>
+            <a:pPr lvl="1"/>
+            <a:r>
+              <a:rPr lang="en-US" sz="2200" dirty="0"/>
+              <a:t>Click “Chat Group” name to change the room qualification</a:t>
+            </a:r>
+          </a:p>
+          <a:p>
+            <a:pPr marL="0" indent="0">
+              <a:buNone/>
+            </a:pPr>
+            <a:endParaRPr lang="en-US" dirty="0"/>
+          </a:p>
+          <a:p>
+            <a:pPr marL="0" indent="0">
+              <a:buNone/>
+            </a:pPr>
+            <a:endParaRPr lang="en-US" dirty="0"/>
+          </a:p>
+          <a:p>
+            <a:pPr marL="0" indent="0">
+              <a:buNone/>
+            </a:pPr>
+            <a:endParaRPr lang="en-US" dirty="0"/>
+          </a:p>
+          <a:p>
+            <a:pPr marL="0" indent="0">
+              <a:buNone/>
+            </a:pPr>
+            <a:endParaRPr lang="en-US" dirty="0"/>
+          </a:p>
+        </p:txBody>
+      </p:sp>
+      <p:sp>
+        <p:nvSpPr>
+          <p:cNvPr id="5" name="标注: 线形 4">
+            <a:extLst>
+              <a:ext uri="{FF2B5EF4-FFF2-40B4-BE49-F238E27FC236}">
+                <a16:creationId xmlns:a16="http://schemas.microsoft.com/office/drawing/2014/main" id="{697B61BE-D9BB-4B76-8992-3218056B630F}"/>
+              </a:ext>
+            </a:extLst>
+          </p:cNvPr>
+          <p:cNvSpPr/>
+          <p:nvPr/>
+        </p:nvSpPr>
+        <p:spPr>
+          <a:xfrm>
+            <a:off x="9097249" y="4440803"/>
+            <a:ext cx="1626001" cy="865239"/>
+          </a:xfrm>
+          <a:prstGeom prst="borderCallout1">
+            <a:avLst>
+              <a:gd name="adj1" fmla="val 49076"/>
+              <a:gd name="adj2" fmla="val 100593"/>
+              <a:gd name="adj3" fmla="val 234722"/>
+              <a:gd name="adj4" fmla="val 147795"/>
+            </a:avLst>
+          </a:prstGeom>
+        </p:spPr>
+        <p:style>
+          <a:lnRef idx="2">
+            <a:schemeClr val="accent1">
+              <a:shade val="50000"/>
+            </a:schemeClr>
+          </a:lnRef>
+          <a:fillRef idx="1">
+            <a:schemeClr val="accent1"/>
+          </a:fillRef>
+          <a:effectRef idx="0">
+            <a:schemeClr val="accent1"/>
+          </a:effectRef>
+          <a:fontRef idx="minor">
+            <a:schemeClr val="lt1"/>
+          </a:fontRef>
+        </p:style>
+        <p:txBody>
+          <a:bodyPr rtlCol="0" anchor="ctr"/>
+          <a:lstStyle/>
+          <a:p>
+            <a:pPr algn="ctr"/>
+            <a:r>
+              <a:rPr lang="en-US" dirty="0"/>
+              <a:t>Send Message</a:t>
+            </a:r>
+          </a:p>
+          <a:p>
+            <a:pPr algn="ctr"/>
+            <a:r>
+              <a:rPr lang="en-US" dirty="0"/>
+              <a:t>/ Send All</a:t>
+            </a:r>
+          </a:p>
+        </p:txBody>
+      </p:sp>
+      <p:sp>
+        <p:nvSpPr>
+          <p:cNvPr id="6" name="矩形 5">
+            <a:extLst>
+              <a:ext uri="{FF2B5EF4-FFF2-40B4-BE49-F238E27FC236}">
+                <a16:creationId xmlns:a16="http://schemas.microsoft.com/office/drawing/2014/main" id="{8F0CD859-130F-4B1A-8E87-AE530A8B828C}"/>
+              </a:ext>
+            </a:extLst>
+          </p:cNvPr>
+          <p:cNvSpPr/>
+          <p:nvPr/>
+        </p:nvSpPr>
+        <p:spPr>
+          <a:xfrm>
+            <a:off x="8766538" y="1284485"/>
+            <a:ext cx="3397634" cy="904607"/>
+          </a:xfrm>
+          <a:prstGeom prst="rect">
+            <a:avLst/>
+          </a:prstGeom>
+          <a:noFill/>
+          <a:ln w="38100">
+            <a:solidFill>
+              <a:srgbClr val="FF0000"/>
+            </a:solidFill>
+          </a:ln>
+        </p:spPr>
+        <p:style>
+          <a:lnRef idx="2">
+            <a:schemeClr val="accent1">
+              <a:shade val="50000"/>
+            </a:schemeClr>
+          </a:lnRef>
+          <a:fillRef idx="1">
+            <a:schemeClr val="accent1"/>
+          </a:fillRef>
+          <a:effectRef idx="0">
+            <a:schemeClr val="accent1"/>
+          </a:effectRef>
+          <a:fontRef idx="minor">
+            <a:schemeClr val="lt1"/>
+          </a:fontRef>
+        </p:style>
+        <p:txBody>
+          <a:bodyPr rtlCol="0" anchor="ctr"/>
+          <a:lstStyle/>
+          <a:p>
+            <a:pPr algn="ctr"/>
+            <a:r>
+              <a:rPr lang="en-US" sz="2000" dirty="0">
+                <a:solidFill>
+                  <a:schemeClr val="tx1"/>
+                </a:solidFill>
+              </a:rPr>
+              <a:t>(Hidden if no user leaves)</a:t>
+            </a:r>
+          </a:p>
+          <a:p>
+            <a:pPr algn="ctr"/>
+            <a:r>
+              <a:rPr lang="en-US" sz="2000" dirty="0">
+                <a:solidFill>
+                  <a:schemeClr val="tx1"/>
+                </a:solidFill>
+              </a:rPr>
+              <a:t>(pop up user info &amp; reason if user leaves)</a:t>
+            </a:r>
+          </a:p>
+        </p:txBody>
+      </p:sp>
+      <p:sp>
+        <p:nvSpPr>
+          <p:cNvPr id="7" name="矩形 6">
+            <a:extLst>
+              <a:ext uri="{FF2B5EF4-FFF2-40B4-BE49-F238E27FC236}">
+                <a16:creationId xmlns:a16="http://schemas.microsoft.com/office/drawing/2014/main" id="{BF9320B6-F2F4-4103-A4AE-270B1659B14E}"/>
+              </a:ext>
+            </a:extLst>
+          </p:cNvPr>
+          <p:cNvSpPr/>
+          <p:nvPr/>
+        </p:nvSpPr>
+        <p:spPr>
+          <a:xfrm>
+            <a:off x="7440760" y="6508789"/>
+            <a:ext cx="1345431" cy="315490"/>
+          </a:xfrm>
+          <a:prstGeom prst="rect">
+            <a:avLst/>
+          </a:prstGeom>
+          <a:noFill/>
+          <a:ln w="38100">
+            <a:solidFill>
+              <a:srgbClr val="FF0000"/>
+            </a:solidFill>
+          </a:ln>
+        </p:spPr>
+        <p:style>
+          <a:lnRef idx="2">
+            <a:schemeClr val="accent1">
+              <a:shade val="50000"/>
+            </a:schemeClr>
+          </a:lnRef>
+          <a:fillRef idx="1">
+            <a:schemeClr val="accent1"/>
+          </a:fillRef>
+          <a:effectRef idx="0">
+            <a:schemeClr val="accent1"/>
+          </a:effectRef>
+          <a:fontRef idx="minor">
+            <a:schemeClr val="lt1"/>
+          </a:fontRef>
+        </p:style>
+        <p:txBody>
+          <a:bodyPr rtlCol="0" anchor="ctr"/>
+          <a:lstStyle/>
+          <a:p>
+            <a:pPr algn="ctr"/>
+            <a:endParaRPr lang="en-US"/>
+          </a:p>
+        </p:txBody>
+      </p:sp>
+      <p:sp>
+        <p:nvSpPr>
+          <p:cNvPr id="9" name="标注: 线形 8">
+            <a:extLst>
+              <a:ext uri="{FF2B5EF4-FFF2-40B4-BE49-F238E27FC236}">
+                <a16:creationId xmlns:a16="http://schemas.microsoft.com/office/drawing/2014/main" id="{3E898F0E-6448-4E72-9363-E75030EC39DB}"/>
+              </a:ext>
+            </a:extLst>
+          </p:cNvPr>
+          <p:cNvSpPr/>
+          <p:nvPr/>
+        </p:nvSpPr>
+        <p:spPr>
+          <a:xfrm>
+            <a:off x="6892417" y="419246"/>
+            <a:ext cx="1626001" cy="865239"/>
+          </a:xfrm>
+          <a:prstGeom prst="borderCallout1">
+            <a:avLst>
+              <a:gd name="adj1" fmla="val 49076"/>
+              <a:gd name="adj2" fmla="val 100593"/>
+              <a:gd name="adj3" fmla="val 98717"/>
+              <a:gd name="adj4" fmla="val 146939"/>
+            </a:avLst>
+          </a:prstGeom>
+        </p:spPr>
+        <p:style>
+          <a:lnRef idx="2">
+            <a:schemeClr val="accent1">
+              <a:shade val="50000"/>
+            </a:schemeClr>
+          </a:lnRef>
+          <a:fillRef idx="1">
+            <a:schemeClr val="accent1"/>
+          </a:fillRef>
+          <a:effectRef idx="0">
+            <a:schemeClr val="accent1"/>
+          </a:effectRef>
+          <a:fontRef idx="minor">
+            <a:schemeClr val="lt1"/>
+          </a:fontRef>
+        </p:style>
+        <p:txBody>
+          <a:bodyPr rtlCol="0" anchor="ctr"/>
+          <a:lstStyle/>
+          <a:p>
+            <a:pPr algn="ctr"/>
+            <a:r>
+              <a:rPr lang="en-US" dirty="0"/>
+              <a:t>Left user status</a:t>
+            </a:r>
+          </a:p>
+        </p:txBody>
+      </p:sp>
+      <p:sp>
+        <p:nvSpPr>
+          <p:cNvPr id="16" name="矩形 15">
+            <a:extLst>
+              <a:ext uri="{FF2B5EF4-FFF2-40B4-BE49-F238E27FC236}">
+                <a16:creationId xmlns:a16="http://schemas.microsoft.com/office/drawing/2014/main" id="{9FB746D9-DFEB-43DB-90B2-B23CE494FF67}"/>
+              </a:ext>
+            </a:extLst>
+          </p:cNvPr>
+          <p:cNvSpPr/>
+          <p:nvPr/>
+        </p:nvSpPr>
+        <p:spPr>
+          <a:xfrm>
+            <a:off x="11160960" y="6418957"/>
+            <a:ext cx="763325" cy="270325"/>
+          </a:xfrm>
+          <a:prstGeom prst="rect">
+            <a:avLst/>
+          </a:prstGeom>
+          <a:noFill/>
+          <a:ln w="38100">
+            <a:solidFill>
+              <a:srgbClr val="FF0000"/>
+            </a:solidFill>
+          </a:ln>
+        </p:spPr>
+        <p:style>
+          <a:lnRef idx="2">
+            <a:schemeClr val="accent1">
+              <a:shade val="50000"/>
+            </a:schemeClr>
+          </a:lnRef>
+          <a:fillRef idx="1">
+            <a:schemeClr val="accent1"/>
+          </a:fillRef>
+          <a:effectRef idx="0">
+            <a:schemeClr val="accent1"/>
+          </a:effectRef>
+          <a:fontRef idx="minor">
+            <a:schemeClr val="lt1"/>
+          </a:fontRef>
+        </p:style>
+        <p:txBody>
+          <a:bodyPr rtlCol="0" anchor="ctr"/>
+          <a:lstStyle/>
+          <a:p>
+            <a:pPr algn="ctr"/>
+            <a:endParaRPr lang="en-US"/>
+          </a:p>
+        </p:txBody>
+      </p:sp>
+      <p:sp>
+        <p:nvSpPr>
+          <p:cNvPr id="18" name="标注: 线形 17">
+            <a:extLst>
+              <a:ext uri="{FF2B5EF4-FFF2-40B4-BE49-F238E27FC236}">
+                <a16:creationId xmlns:a16="http://schemas.microsoft.com/office/drawing/2014/main" id="{23D0BBDC-D4FB-4667-934B-7C0284E9332C}"/>
+              </a:ext>
+            </a:extLst>
+          </p:cNvPr>
+          <p:cNvSpPr/>
+          <p:nvPr/>
+        </p:nvSpPr>
+        <p:spPr>
+          <a:xfrm>
+            <a:off x="5001758" y="5775180"/>
+            <a:ext cx="1626001" cy="865239"/>
+          </a:xfrm>
+          <a:prstGeom prst="borderCallout1">
+            <a:avLst>
+              <a:gd name="adj1" fmla="val 49076"/>
+              <a:gd name="adj2" fmla="val 100593"/>
+              <a:gd name="adj3" fmla="val 85852"/>
+              <a:gd name="adj4" fmla="val 148407"/>
+            </a:avLst>
+          </a:prstGeom>
+        </p:spPr>
+        <p:style>
+          <a:lnRef idx="2">
+            <a:schemeClr val="accent1">
+              <a:shade val="50000"/>
+            </a:schemeClr>
+          </a:lnRef>
+          <a:fillRef idx="1">
+            <a:schemeClr val="accent1"/>
+          </a:fillRef>
+          <a:effectRef idx="0">
+            <a:schemeClr val="accent1"/>
+          </a:effectRef>
+          <a:fontRef idx="minor">
+            <a:schemeClr val="lt1"/>
+          </a:fontRef>
+        </p:style>
+        <p:txBody>
+          <a:bodyPr rtlCol="0" anchor="ctr"/>
+          <a:lstStyle/>
+          <a:p>
+            <a:pPr algn="ctr"/>
+            <a:r>
+              <a:rPr lang="en-US" dirty="0"/>
+              <a:t>Display current user profile</a:t>
+            </a:r>
+          </a:p>
+        </p:txBody>
+      </p:sp>
+      <p:sp>
+        <p:nvSpPr>
+          <p:cNvPr id="14" name="标注: 线形 13">
+            <a:extLst>
+              <a:ext uri="{FF2B5EF4-FFF2-40B4-BE49-F238E27FC236}">
+                <a16:creationId xmlns:a16="http://schemas.microsoft.com/office/drawing/2014/main" id="{637F8D41-AC32-4D08-A27E-3F905AA5659F}"/>
+              </a:ext>
+            </a:extLst>
+          </p:cNvPr>
+          <p:cNvSpPr/>
+          <p:nvPr/>
+        </p:nvSpPr>
+        <p:spPr>
+          <a:xfrm>
+            <a:off x="5033176" y="2563761"/>
+            <a:ext cx="1594583" cy="865239"/>
+          </a:xfrm>
+          <a:prstGeom prst="borderCallout1">
+            <a:avLst>
+              <a:gd name="adj1" fmla="val 49076"/>
+              <a:gd name="adj2" fmla="val 100593"/>
+              <a:gd name="adj3" fmla="val -23506"/>
+              <a:gd name="adj4" fmla="val 148896"/>
+            </a:avLst>
+          </a:prstGeom>
+        </p:spPr>
+        <p:style>
+          <a:lnRef idx="2">
+            <a:schemeClr val="accent1">
+              <a:shade val="50000"/>
+            </a:schemeClr>
+          </a:lnRef>
+          <a:fillRef idx="1">
+            <a:schemeClr val="accent1"/>
+          </a:fillRef>
+          <a:effectRef idx="0">
+            <a:schemeClr val="accent1"/>
+          </a:effectRef>
+          <a:fontRef idx="minor">
+            <a:schemeClr val="lt1"/>
+          </a:fontRef>
+        </p:style>
+        <p:txBody>
+          <a:bodyPr rtlCol="0" anchor="ctr"/>
+          <a:lstStyle/>
+          <a:p>
+            <a:pPr algn="ctr"/>
+            <a:r>
+              <a:rPr lang="en-US" dirty="0"/>
+              <a:t>Display / Update room qualification</a:t>
+            </a:r>
+          </a:p>
+        </p:txBody>
+      </p:sp>
+      <p:sp>
+        <p:nvSpPr>
+          <p:cNvPr id="15" name="矩形 14">
+            <a:extLst>
+              <a:ext uri="{FF2B5EF4-FFF2-40B4-BE49-F238E27FC236}">
+                <a16:creationId xmlns:a16="http://schemas.microsoft.com/office/drawing/2014/main" id="{CD760606-276D-4F3D-863A-8AF7A640EBE7}"/>
+              </a:ext>
+            </a:extLst>
+          </p:cNvPr>
+          <p:cNvSpPr/>
+          <p:nvPr/>
+        </p:nvSpPr>
+        <p:spPr>
+          <a:xfrm>
+            <a:off x="7440760" y="2203582"/>
+            <a:ext cx="1345431" cy="315490"/>
+          </a:xfrm>
+          <a:prstGeom prst="rect">
+            <a:avLst/>
+          </a:prstGeom>
+          <a:noFill/>
+          <a:ln w="38100">
+            <a:solidFill>
+              <a:srgbClr val="FF0000"/>
+            </a:solidFill>
+          </a:ln>
+        </p:spPr>
+        <p:style>
+          <a:lnRef idx="2">
+            <a:schemeClr val="accent1">
+              <a:shade val="50000"/>
+            </a:schemeClr>
+          </a:lnRef>
+          <a:fillRef idx="1">
+            <a:schemeClr val="accent1"/>
+          </a:fillRef>
+          <a:effectRef idx="0">
+            <a:schemeClr val="accent1"/>
+          </a:effectRef>
+          <a:fontRef idx="minor">
+            <a:schemeClr val="lt1"/>
+          </a:fontRef>
+        </p:style>
+        <p:txBody>
+          <a:bodyPr rtlCol="0" anchor="ctr"/>
+          <a:lstStyle/>
+          <a:p>
+            <a:pPr algn="ctr"/>
+            <a:endParaRPr lang="en-US"/>
+          </a:p>
+        </p:txBody>
+      </p:sp>
+    </p:spTree>
+    <p:extLst>
+      <p:ext uri="{BB962C8B-B14F-4D97-AF65-F5344CB8AC3E}">
+        <p14:creationId xmlns:p14="http://schemas.microsoft.com/office/powerpoint/2010/main" val="1414999017"/>
+      </p:ext>
+    </p:extLst>
+  </p:cSld>
+  <p:clrMapOvr>
+    <a:masterClrMapping/>
+  </p:clrMapOvr>
+</p:sld>
+</file>
+
+<file path=ppt/slides/slide8.xml><?xml version="1.0" encoding="utf-8"?>
+<p:sld xmlns:a="http://schemas.openxmlformats.org/drawingml/2006/main" xmlns:r="http://schemas.openxmlformats.org/officeDocument/2006/relationships" xmlns:p="http://schemas.openxmlformats.org/presentationml/2006/main">
+  <p:cSld>
+    <p:spTree>
+      <p:nvGrpSpPr>
+        <p:cNvPr id="1" name=""/>
+        <p:cNvGrpSpPr/>
+        <p:nvPr/>
+      </p:nvGrpSpPr>
+      <p:grpSpPr>
+        <a:xfrm>
+          <a:off x="0" y="0"/>
+          <a:ext cx="0" cy="0"/>
+          <a:chOff x="0" y="0"/>
+          <a:chExt cx="0" cy="0"/>
+        </a:xfrm>
+      </p:grpSpPr>
       <p:sp>
         <p:nvSpPr>
           <p:cNvPr id="2" name="标题 1">
@@ -9664,7 +11932,7 @@
 </p:sld>
 </file>
 
-<file path=ppt/slides/slide8.xml><?xml version="1.0" encoding="utf-8"?>
+<file path=ppt/slides/slide9.xml><?xml version="1.0" encoding="utf-8"?>
 <p:sld xmlns:a="http://schemas.openxmlformats.org/drawingml/2006/main" xmlns:r="http://schemas.openxmlformats.org/officeDocument/2006/relationships" xmlns:p="http://schemas.openxmlformats.org/presentationml/2006/main">
   <p:cSld>
     <p:spTree>
@@ -10818,789 +13086,6 @@
 </p:sld>
 </file>
 
-<file path=ppt/slides/slide9.xml><?xml version="1.0" encoding="utf-8"?>
-<p:sld xmlns:a="http://schemas.openxmlformats.org/drawingml/2006/main" xmlns:r="http://schemas.openxmlformats.org/officeDocument/2006/relationships" xmlns:p="http://schemas.openxmlformats.org/presentationml/2006/main">
-  <p:cSld>
-    <p:spTree>
-      <p:nvGrpSpPr>
-        <p:cNvPr id="1" name=""/>
-        <p:cNvGrpSpPr/>
-        <p:nvPr/>
-      </p:nvGrpSpPr>
-      <p:grpSpPr>
-        <a:xfrm>
-          <a:off x="0" y="0"/>
-          <a:ext cx="0" cy="0"/>
-          <a:chOff x="0" y="0"/>
-          <a:chExt cx="0" cy="0"/>
-        </a:xfrm>
-      </p:grpSpPr>
-      <p:sp>
-        <p:nvSpPr>
-          <p:cNvPr id="2" name="标题 1">
-            <a:extLst>
-              <a:ext uri="{FF2B5EF4-FFF2-40B4-BE49-F238E27FC236}">
-                <a16:creationId xmlns:a16="http://schemas.microsoft.com/office/drawing/2014/main" id="{9EB50EDD-DE98-4348-87BB-49DBD146D085}"/>
-              </a:ext>
-            </a:extLst>
-          </p:cNvPr>
-          <p:cNvSpPr>
-            <a:spLocks noGrp="1"/>
-          </p:cNvSpPr>
-          <p:nvPr>
-            <p:ph type="title"/>
-          </p:nvPr>
-        </p:nvSpPr>
-        <p:spPr/>
-        <p:txBody>
-          <a:bodyPr>
-            <a:normAutofit/>
-          </a:bodyPr>
-          <a:lstStyle/>
-          <a:p>
-            <a:r>
-              <a:rPr lang="en-US" dirty="0"/>
-              <a:t>Some communication protocol</a:t>
-            </a:r>
-          </a:p>
-        </p:txBody>
-      </p:sp>
-      <p:graphicFrame>
-        <p:nvGraphicFramePr>
-          <p:cNvPr id="4" name="内容占位符 3">
-            <a:extLst>
-              <a:ext uri="{FF2B5EF4-FFF2-40B4-BE49-F238E27FC236}">
-                <a16:creationId xmlns:a16="http://schemas.microsoft.com/office/drawing/2014/main" id="{213B0D4A-54EA-4B55-AEAB-007FD32F36F8}"/>
-              </a:ext>
-            </a:extLst>
-          </p:cNvPr>
-          <p:cNvGraphicFramePr>
-            <a:graphicFrameLocks noGrp="1"/>
-          </p:cNvGraphicFramePr>
-          <p:nvPr>
-            <p:ph idx="1"/>
-            <p:extLst>
-              <p:ext uri="{D42A27DB-BD31-4B8C-83A1-F6EECF244321}">
-                <p14:modId xmlns:p14="http://schemas.microsoft.com/office/powerpoint/2010/main" val="3764723677"/>
-              </p:ext>
-            </p:extLst>
-          </p:nvPr>
-        </p:nvGraphicFramePr>
-        <p:xfrm>
-          <a:off x="677334" y="2438882"/>
-          <a:ext cx="10461915" cy="4061516"/>
-        </p:xfrm>
-        <a:graphic>
-          <a:graphicData uri="http://schemas.openxmlformats.org/drawingml/2006/table">
-            <a:tbl>
-              <a:tblPr firstRow="1" bandRow="1">
-                <a:tableStyleId>{5C22544A-7EE6-4342-B048-85BDC9FD1C3A}</a:tableStyleId>
-              </a:tblPr>
-              <a:tblGrid>
-                <a:gridCol w="2383389">
-                  <a:extLst>
-                    <a:ext uri="{9D8B030D-6E8A-4147-A177-3AD203B41FA5}">
-                      <a16:colId xmlns:a16="http://schemas.microsoft.com/office/drawing/2014/main" val="179182386"/>
-                    </a:ext>
-                  </a:extLst>
-                </a:gridCol>
-                <a:gridCol w="3856383">
-                  <a:extLst>
-                    <a:ext uri="{9D8B030D-6E8A-4147-A177-3AD203B41FA5}">
-                      <a16:colId xmlns:a16="http://schemas.microsoft.com/office/drawing/2014/main" val="3278587875"/>
-                    </a:ext>
-                  </a:extLst>
-                </a:gridCol>
-                <a:gridCol w="4222143">
-                  <a:extLst>
-                    <a:ext uri="{9D8B030D-6E8A-4147-A177-3AD203B41FA5}">
-                      <a16:colId xmlns:a16="http://schemas.microsoft.com/office/drawing/2014/main" val="967600494"/>
-                    </a:ext>
-                  </a:extLst>
-                </a:gridCol>
-              </a:tblGrid>
-              <a:tr h="535319">
-                <a:tc>
-                  <a:txBody>
-                    <a:bodyPr/>
-                    <a:lstStyle/>
-                    <a:p>
-                      <a:r>
-                        <a:rPr lang="en-US" dirty="0"/>
-                        <a:t>Command type</a:t>
-                      </a:r>
-                    </a:p>
-                  </a:txBody>
-                  <a:tcPr/>
-                </a:tc>
-                <a:tc>
-                  <a:txBody>
-                    <a:bodyPr/>
-                    <a:lstStyle/>
-                    <a:p>
-                      <a:r>
-                        <a:rPr lang="en-US" dirty="0"/>
-                        <a:t>View send</a:t>
-                      </a:r>
-                    </a:p>
-                  </a:txBody>
-                  <a:tcPr/>
-                </a:tc>
-                <a:tc>
-                  <a:txBody>
-                    <a:bodyPr/>
-                    <a:lstStyle/>
-                    <a:p>
-                      <a:r>
-                        <a:rPr lang="en-US" dirty="0"/>
-                        <a:t>Model return</a:t>
-                      </a:r>
-                    </a:p>
-                  </a:txBody>
-                  <a:tcPr/>
-                </a:tc>
-                <a:extLst>
-                  <a:ext uri="{0D108BD9-81ED-4DB2-BD59-A6C34878D82A}">
-                    <a16:rowId xmlns:a16="http://schemas.microsoft.com/office/drawing/2014/main" val="1325632616"/>
-                  </a:ext>
-                </a:extLst>
-              </a:tr>
-              <a:tr h="535319">
-                <a:tc>
-                  <a:txBody>
-                    <a:bodyPr/>
-                    <a:lstStyle/>
-                    <a:p>
-                      <a:r>
-                        <a:rPr lang="en-US" dirty="0"/>
-                        <a:t>login</a:t>
-                      </a:r>
-                    </a:p>
-                  </a:txBody>
-                  <a:tcPr/>
-                </a:tc>
-                <a:tc>
-                  <a:txBody>
-                    <a:bodyPr/>
-                    <a:lstStyle/>
-                    <a:p>
-                      <a:r>
-                        <a:rPr lang="en-US" dirty="0"/>
-                        <a:t>username age location school</a:t>
-                      </a:r>
-                    </a:p>
-                  </a:txBody>
-                  <a:tcPr/>
-                </a:tc>
-                <a:tc>
-                  <a:txBody>
-                    <a:bodyPr/>
-                    <a:lstStyle/>
-                    <a:p>
-                      <a:r>
-                        <a:rPr lang="en-US" dirty="0"/>
-                        <a:t>{User Json}</a:t>
-                      </a:r>
-                    </a:p>
-                  </a:txBody>
-                  <a:tcPr/>
-                </a:tc>
-                <a:extLst>
-                  <a:ext uri="{0D108BD9-81ED-4DB2-BD59-A6C34878D82A}">
-                    <a16:rowId xmlns:a16="http://schemas.microsoft.com/office/drawing/2014/main" val="4287770539"/>
-                  </a:ext>
-                </a:extLst>
-              </a:tr>
-              <a:tr h="535319">
-                <a:tc>
-                  <a:txBody>
-                    <a:bodyPr/>
-                    <a:lstStyle/>
-                    <a:p>
-                      <a:r>
-                        <a:rPr lang="en-US" dirty="0" err="1"/>
-                        <a:t>createroom</a:t>
-                      </a:r>
-                      <a:endParaRPr lang="en-US" dirty="0"/>
-                    </a:p>
-                  </a:txBody>
-                  <a:tcPr/>
-                </a:tc>
-                <a:tc>
-                  <a:txBody>
-                    <a:bodyPr/>
-                    <a:lstStyle/>
-                    <a:p>
-                      <a:r>
-                        <a:rPr lang="en-US" dirty="0" err="1"/>
-                        <a:t>roomname</a:t>
-                      </a:r>
-                      <a:r>
-                        <a:rPr lang="en-US" dirty="0"/>
-                        <a:t> </a:t>
-                      </a:r>
-                      <a:r>
-                        <a:rPr lang="en-US" dirty="0" err="1"/>
-                        <a:t>roomrulestring</a:t>
-                      </a:r>
-                      <a:endParaRPr lang="en-US" dirty="0"/>
-                    </a:p>
-                  </a:txBody>
-                  <a:tcPr/>
-                </a:tc>
-                <a:tc>
-                  <a:txBody>
-                    <a:bodyPr/>
-                    <a:lstStyle/>
-                    <a:p>
-                      <a:r>
-                        <a:rPr lang="en-US" dirty="0"/>
-                        <a:t>{User Json} with one more room</a:t>
-                      </a:r>
-                    </a:p>
-                  </a:txBody>
-                  <a:tcPr/>
-                </a:tc>
-                <a:extLst>
-                  <a:ext uri="{0D108BD9-81ED-4DB2-BD59-A6C34878D82A}">
-                    <a16:rowId xmlns:a16="http://schemas.microsoft.com/office/drawing/2014/main" val="694886136"/>
-                  </a:ext>
-                </a:extLst>
-              </a:tr>
-              <a:tr h="535319">
-                <a:tc>
-                  <a:txBody>
-                    <a:bodyPr/>
-                    <a:lstStyle/>
-                    <a:p>
-                      <a:r>
-                        <a:rPr lang="en-US" dirty="0" err="1"/>
-                        <a:t>joinroom</a:t>
-                      </a:r>
-                      <a:endParaRPr lang="en-US" dirty="0"/>
-                    </a:p>
-                  </a:txBody>
-                  <a:tcPr/>
-                </a:tc>
-                <a:tc>
-                  <a:txBody>
-                    <a:bodyPr/>
-                    <a:lstStyle/>
-                    <a:p>
-                      <a:r>
-                        <a:rPr lang="en-US" dirty="0" err="1"/>
-                        <a:t>roomname</a:t>
-                      </a:r>
-                      <a:endParaRPr lang="en-US" dirty="0"/>
-                    </a:p>
-                  </a:txBody>
-                  <a:tcPr/>
-                </a:tc>
-                <a:tc>
-                  <a:txBody>
-                    <a:bodyPr/>
-                    <a:lstStyle/>
-                    <a:p>
-                      <a:r>
-                        <a:rPr lang="en-US" dirty="0"/>
-                        <a:t>{User Json} with one room moved from available to joined</a:t>
-                      </a:r>
-                    </a:p>
-                  </a:txBody>
-                  <a:tcPr/>
-                </a:tc>
-                <a:extLst>
-                  <a:ext uri="{0D108BD9-81ED-4DB2-BD59-A6C34878D82A}">
-                    <a16:rowId xmlns:a16="http://schemas.microsoft.com/office/drawing/2014/main" val="672358080"/>
-                  </a:ext>
-                </a:extLst>
-              </a:tr>
-              <a:tr h="535319">
-                <a:tc>
-                  <a:txBody>
-                    <a:bodyPr/>
-                    <a:lstStyle/>
-                    <a:p>
-                      <a:r>
-                        <a:rPr lang="en-US" dirty="0" err="1"/>
-                        <a:t>leaveroom</a:t>
-                      </a:r>
-                      <a:endParaRPr lang="en-US" dirty="0"/>
-                    </a:p>
-                  </a:txBody>
-                  <a:tcPr/>
-                </a:tc>
-                <a:tc>
-                  <a:txBody>
-                    <a:bodyPr/>
-                    <a:lstStyle/>
-                    <a:p>
-                      <a:r>
-                        <a:rPr lang="en-US" dirty="0" err="1"/>
-                        <a:t>roomname</a:t>
-                      </a:r>
-                      <a:endParaRPr lang="en-US" dirty="0"/>
-                    </a:p>
-                  </a:txBody>
-                  <a:tcPr/>
-                </a:tc>
-                <a:tc>
-                  <a:txBody>
-                    <a:bodyPr/>
-                    <a:lstStyle/>
-                    <a:p>
-                      <a:r>
-                        <a:rPr lang="en-US" dirty="0"/>
-                        <a:t>{User Json} with one room moved from joined to available</a:t>
-                      </a:r>
-                    </a:p>
-                  </a:txBody>
-                  <a:tcPr/>
-                </a:tc>
-                <a:extLst>
-                  <a:ext uri="{0D108BD9-81ED-4DB2-BD59-A6C34878D82A}">
-                    <a16:rowId xmlns:a16="http://schemas.microsoft.com/office/drawing/2014/main" val="378277150"/>
-                  </a:ext>
-                </a:extLst>
-              </a:tr>
-              <a:tr h="535319">
-                <a:tc>
-                  <a:txBody>
-                    <a:bodyPr/>
-                    <a:lstStyle/>
-                    <a:p>
-                      <a:r>
-                        <a:rPr lang="en-US" dirty="0"/>
-                        <a:t>chat</a:t>
-                      </a:r>
-                    </a:p>
-                  </a:txBody>
-                  <a:tcPr/>
-                </a:tc>
-                <a:tc>
-                  <a:txBody>
-                    <a:bodyPr/>
-                    <a:lstStyle/>
-                    <a:p>
-                      <a:r>
-                        <a:rPr lang="en-US" dirty="0" err="1"/>
-                        <a:t>roomname</a:t>
-                      </a:r>
-                      <a:r>
-                        <a:rPr lang="en-US" dirty="0"/>
-                        <a:t> username </a:t>
-                      </a:r>
-                      <a:r>
-                        <a:rPr lang="en-US" dirty="0" err="1"/>
-                        <a:t>msgstring</a:t>
-                      </a:r>
-                      <a:endParaRPr lang="en-US" dirty="0"/>
-                    </a:p>
-                  </a:txBody>
-                  <a:tcPr/>
-                </a:tc>
-                <a:tc>
-                  <a:txBody>
-                    <a:bodyPr/>
-                    <a:lstStyle/>
-                    <a:p>
-                      <a:r>
-                        <a:rPr lang="en-US" dirty="0"/>
-                        <a:t>{</a:t>
-                      </a:r>
-                      <a:r>
-                        <a:rPr lang="en-US" dirty="0" err="1"/>
-                        <a:t>ChatMsgHistory</a:t>
-                      </a:r>
-                      <a:r>
-                        <a:rPr lang="en-US" dirty="0"/>
-                        <a:t> Json/</a:t>
-                      </a:r>
-                      <a:r>
-                        <a:rPr lang="en-US" dirty="0" err="1"/>
-                        <a:t>arrya</a:t>
-                      </a:r>
-                      <a:r>
-                        <a:rPr lang="en-US" dirty="0"/>
-                        <a:t>} with one more line of message</a:t>
-                      </a:r>
-                    </a:p>
-                  </a:txBody>
-                  <a:tcPr/>
-                </a:tc>
-                <a:extLst>
-                  <a:ext uri="{0D108BD9-81ED-4DB2-BD59-A6C34878D82A}">
-                    <a16:rowId xmlns:a16="http://schemas.microsoft.com/office/drawing/2014/main" val="1346091761"/>
-                  </a:ext>
-                </a:extLst>
-              </a:tr>
-              <a:tr h="535319">
-                <a:tc>
-                  <a:txBody>
-                    <a:bodyPr/>
-                    <a:lstStyle/>
-                    <a:p>
-                      <a:r>
-                        <a:rPr lang="en-US" dirty="0" err="1"/>
-                        <a:t>Etc</a:t>
-                      </a:r>
-                      <a:endParaRPr lang="en-US" dirty="0"/>
-                    </a:p>
-                  </a:txBody>
-                  <a:tcPr/>
-                </a:tc>
-                <a:tc>
-                  <a:txBody>
-                    <a:bodyPr/>
-                    <a:lstStyle/>
-                    <a:p>
-                      <a:r>
-                        <a:rPr lang="en-US" dirty="0"/>
-                        <a:t>…</a:t>
-                      </a:r>
-                    </a:p>
-                  </a:txBody>
-                  <a:tcPr/>
-                </a:tc>
-                <a:tc>
-                  <a:txBody>
-                    <a:bodyPr/>
-                    <a:lstStyle/>
-                    <a:p>
-                      <a:r>
-                        <a:rPr lang="en-US" dirty="0"/>
-                        <a:t>…</a:t>
-                      </a:r>
-                    </a:p>
-                  </a:txBody>
-                  <a:tcPr/>
-                </a:tc>
-                <a:extLst>
-                  <a:ext uri="{0D108BD9-81ED-4DB2-BD59-A6C34878D82A}">
-                    <a16:rowId xmlns:a16="http://schemas.microsoft.com/office/drawing/2014/main" val="1081753768"/>
-                  </a:ext>
-                </a:extLst>
-              </a:tr>
-            </a:tbl>
-          </a:graphicData>
-        </a:graphic>
-      </p:graphicFrame>
-      <p:sp>
-        <p:nvSpPr>
-          <p:cNvPr id="5" name="内容占位符 2">
-            <a:extLst>
-              <a:ext uri="{FF2B5EF4-FFF2-40B4-BE49-F238E27FC236}">
-                <a16:creationId xmlns:a16="http://schemas.microsoft.com/office/drawing/2014/main" id="{AD811C64-2D29-4A41-BF21-8165219768E7}"/>
-              </a:ext>
-            </a:extLst>
-          </p:cNvPr>
-          <p:cNvSpPr txBox="1">
-            <a:spLocks/>
-          </p:cNvSpPr>
-          <p:nvPr/>
-        </p:nvSpPr>
-        <p:spPr>
-          <a:xfrm>
-            <a:off x="544663" y="1566406"/>
-            <a:ext cx="11795762" cy="4681994"/>
-          </a:xfrm>
-          <a:prstGeom prst="rect">
-            <a:avLst/>
-          </a:prstGeom>
-        </p:spPr>
-        <p:txBody>
-          <a:bodyPr vert="horz" lIns="91440" tIns="45720" rIns="91440" bIns="45720" rtlCol="0">
-            <a:normAutofit/>
-          </a:bodyPr>
-          <a:lstStyle>
-            <a:lvl1pPr marL="342900" indent="-342900" algn="l" defTabSz="457200" rtl="0" eaLnBrk="1" latinLnBrk="0" hangingPunct="1">
-              <a:spcBef>
-                <a:spcPts val="1000"/>
-              </a:spcBef>
-              <a:spcAft>
-                <a:spcPts val="0"/>
-              </a:spcAft>
-              <a:buClr>
-                <a:schemeClr val="accent1"/>
-              </a:buClr>
-              <a:buSzPct val="80000"/>
-              <a:buFont typeface="Wingdings 3" charset="2"/>
-              <a:buChar char=""/>
-              <a:defRPr sz="1800" kern="1200">
-                <a:solidFill>
-                  <a:schemeClr val="tx1">
-                    <a:lumMod val="75000"/>
-                    <a:lumOff val="25000"/>
-                  </a:schemeClr>
-                </a:solidFill>
-                <a:latin typeface="+mn-lt"/>
-                <a:ea typeface="+mn-ea"/>
-                <a:cs typeface="+mn-cs"/>
-              </a:defRPr>
-            </a:lvl1pPr>
-            <a:lvl2pPr marL="742950" indent="-285750" algn="l" defTabSz="457200" rtl="0" eaLnBrk="1" latinLnBrk="0" hangingPunct="1">
-              <a:spcBef>
-                <a:spcPts val="1000"/>
-              </a:spcBef>
-              <a:spcAft>
-                <a:spcPts val="0"/>
-              </a:spcAft>
-              <a:buClr>
-                <a:schemeClr val="accent1"/>
-              </a:buClr>
-              <a:buSzPct val="80000"/>
-              <a:buFont typeface="Wingdings 3" charset="2"/>
-              <a:buChar char=""/>
-              <a:defRPr sz="1600" kern="1200">
-                <a:solidFill>
-                  <a:schemeClr val="tx1">
-                    <a:lumMod val="75000"/>
-                    <a:lumOff val="25000"/>
-                  </a:schemeClr>
-                </a:solidFill>
-                <a:latin typeface="+mn-lt"/>
-                <a:ea typeface="+mn-ea"/>
-                <a:cs typeface="+mn-cs"/>
-              </a:defRPr>
-            </a:lvl2pPr>
-            <a:lvl3pPr marL="1143000" indent="-228600" algn="l" defTabSz="457200" rtl="0" eaLnBrk="1" latinLnBrk="0" hangingPunct="1">
-              <a:spcBef>
-                <a:spcPts val="1000"/>
-              </a:spcBef>
-              <a:spcAft>
-                <a:spcPts val="0"/>
-              </a:spcAft>
-              <a:buClr>
-                <a:schemeClr val="accent1"/>
-              </a:buClr>
-              <a:buSzPct val="80000"/>
-              <a:buFont typeface="Wingdings 3" charset="2"/>
-              <a:buChar char=""/>
-              <a:defRPr sz="1400" kern="1200">
-                <a:solidFill>
-                  <a:schemeClr val="tx1">
-                    <a:lumMod val="75000"/>
-                    <a:lumOff val="25000"/>
-                  </a:schemeClr>
-                </a:solidFill>
-                <a:latin typeface="+mn-lt"/>
-                <a:ea typeface="+mn-ea"/>
-                <a:cs typeface="+mn-cs"/>
-              </a:defRPr>
-            </a:lvl3pPr>
-            <a:lvl4pPr marL="1600200" indent="-228600" algn="l" defTabSz="457200" rtl="0" eaLnBrk="1" latinLnBrk="0" hangingPunct="1">
-              <a:spcBef>
-                <a:spcPts val="1000"/>
-              </a:spcBef>
-              <a:spcAft>
-                <a:spcPts val="0"/>
-              </a:spcAft>
-              <a:buClr>
-                <a:schemeClr val="accent1"/>
-              </a:buClr>
-              <a:buSzPct val="80000"/>
-              <a:buFont typeface="Wingdings 3" charset="2"/>
-              <a:buChar char=""/>
-              <a:defRPr sz="1200" kern="1200">
-                <a:solidFill>
-                  <a:schemeClr val="tx1">
-                    <a:lumMod val="75000"/>
-                    <a:lumOff val="25000"/>
-                  </a:schemeClr>
-                </a:solidFill>
-                <a:latin typeface="+mn-lt"/>
-                <a:ea typeface="+mn-ea"/>
-                <a:cs typeface="+mn-cs"/>
-              </a:defRPr>
-            </a:lvl4pPr>
-            <a:lvl5pPr marL="2057400" indent="-228600" algn="l" defTabSz="457200" rtl="0" eaLnBrk="1" latinLnBrk="0" hangingPunct="1">
-              <a:spcBef>
-                <a:spcPts val="1000"/>
-              </a:spcBef>
-              <a:spcAft>
-                <a:spcPts val="0"/>
-              </a:spcAft>
-              <a:buClr>
-                <a:schemeClr val="accent1"/>
-              </a:buClr>
-              <a:buSzPct val="80000"/>
-              <a:buFont typeface="Wingdings 3" charset="2"/>
-              <a:buChar char=""/>
-              <a:defRPr sz="1200" kern="1200">
-                <a:solidFill>
-                  <a:schemeClr val="tx1">
-                    <a:lumMod val="75000"/>
-                    <a:lumOff val="25000"/>
-                  </a:schemeClr>
-                </a:solidFill>
-                <a:latin typeface="+mn-lt"/>
-                <a:ea typeface="+mn-ea"/>
-                <a:cs typeface="+mn-cs"/>
-              </a:defRPr>
-            </a:lvl5pPr>
-            <a:lvl6pPr marL="2514600" indent="-228600" algn="l" defTabSz="457200" rtl="0" eaLnBrk="1" latinLnBrk="0" hangingPunct="1">
-              <a:spcBef>
-                <a:spcPts val="1000"/>
-              </a:spcBef>
-              <a:spcAft>
-                <a:spcPts val="0"/>
-              </a:spcAft>
-              <a:buClr>
-                <a:schemeClr val="accent1"/>
-              </a:buClr>
-              <a:buSzPct val="80000"/>
-              <a:buFont typeface="Wingdings 3" charset="2"/>
-              <a:buChar char=""/>
-              <a:defRPr sz="1200" kern="1200">
-                <a:solidFill>
-                  <a:schemeClr val="tx1">
-                    <a:lumMod val="75000"/>
-                    <a:lumOff val="25000"/>
-                  </a:schemeClr>
-                </a:solidFill>
-                <a:latin typeface="+mn-lt"/>
-                <a:ea typeface="+mn-ea"/>
-                <a:cs typeface="+mn-cs"/>
-              </a:defRPr>
-            </a:lvl6pPr>
-            <a:lvl7pPr marL="2971800" indent="-228600" algn="l" defTabSz="457200" rtl="0" eaLnBrk="1" latinLnBrk="0" hangingPunct="1">
-              <a:spcBef>
-                <a:spcPts val="1000"/>
-              </a:spcBef>
-              <a:spcAft>
-                <a:spcPts val="0"/>
-              </a:spcAft>
-              <a:buClr>
-                <a:schemeClr val="accent1"/>
-              </a:buClr>
-              <a:buSzPct val="80000"/>
-              <a:buFont typeface="Wingdings 3" charset="2"/>
-              <a:buChar char=""/>
-              <a:defRPr sz="1200" kern="1200">
-                <a:solidFill>
-                  <a:schemeClr val="tx1">
-                    <a:lumMod val="75000"/>
-                    <a:lumOff val="25000"/>
-                  </a:schemeClr>
-                </a:solidFill>
-                <a:latin typeface="+mn-lt"/>
-                <a:ea typeface="+mn-ea"/>
-                <a:cs typeface="+mn-cs"/>
-              </a:defRPr>
-            </a:lvl7pPr>
-            <a:lvl8pPr marL="3429000" indent="-228600" algn="l" defTabSz="457200" rtl="0" eaLnBrk="1" latinLnBrk="0" hangingPunct="1">
-              <a:spcBef>
-                <a:spcPts val="1000"/>
-              </a:spcBef>
-              <a:spcAft>
-                <a:spcPts val="0"/>
-              </a:spcAft>
-              <a:buClr>
-                <a:schemeClr val="accent1"/>
-              </a:buClr>
-              <a:buSzPct val="80000"/>
-              <a:buFont typeface="Wingdings 3" charset="2"/>
-              <a:buChar char=""/>
-              <a:defRPr sz="1200" kern="1200">
-                <a:solidFill>
-                  <a:schemeClr val="tx1">
-                    <a:lumMod val="75000"/>
-                    <a:lumOff val="25000"/>
-                  </a:schemeClr>
-                </a:solidFill>
-                <a:latin typeface="+mn-lt"/>
-                <a:ea typeface="+mn-ea"/>
-                <a:cs typeface="+mn-cs"/>
-              </a:defRPr>
-            </a:lvl8pPr>
-            <a:lvl9pPr marL="3886200" indent="-228600" algn="l" defTabSz="457200" rtl="0" eaLnBrk="1" latinLnBrk="0" hangingPunct="1">
-              <a:spcBef>
-                <a:spcPts val="1000"/>
-              </a:spcBef>
-              <a:spcAft>
-                <a:spcPts val="0"/>
-              </a:spcAft>
-              <a:buClr>
-                <a:schemeClr val="accent1"/>
-              </a:buClr>
-              <a:buSzPct val="80000"/>
-              <a:buFont typeface="Wingdings 3" charset="2"/>
-              <a:buChar char=""/>
-              <a:defRPr sz="1200" kern="1200">
-                <a:solidFill>
-                  <a:schemeClr val="tx1">
-                    <a:lumMod val="75000"/>
-                    <a:lumOff val="25000"/>
-                  </a:schemeClr>
-                </a:solidFill>
-                <a:latin typeface="+mn-lt"/>
-                <a:ea typeface="+mn-ea"/>
-                <a:cs typeface="+mn-cs"/>
-              </a:defRPr>
-            </a:lvl9pPr>
-          </a:lstStyle>
-          <a:p>
-            <a:r>
-              <a:rPr lang="en-US" sz="2400" dirty="0"/>
-              <a:t>We implemented some of below command types and it </a:t>
-            </a:r>
-            <a:r>
-              <a:rPr lang="en-US" altLang="zh-CN" sz="2400" dirty="0"/>
-              <a:t>was easy!</a:t>
-            </a:r>
-            <a:endParaRPr lang="en-US" sz="1800" dirty="0"/>
-          </a:p>
-          <a:p>
-            <a:pPr lvl="2"/>
-            <a:endParaRPr lang="en-US" sz="1800" dirty="0"/>
-          </a:p>
-          <a:p>
-            <a:pPr lvl="2"/>
-            <a:endParaRPr lang="en-US" sz="2000" dirty="0"/>
-          </a:p>
-          <a:p>
-            <a:pPr marL="0" indent="0">
-              <a:buFont typeface="Wingdings 3" charset="2"/>
-              <a:buNone/>
-            </a:pPr>
-            <a:endParaRPr lang="en-US" dirty="0"/>
-          </a:p>
-          <a:p>
-            <a:pPr marL="0" indent="0">
-              <a:buFont typeface="Wingdings 3" charset="2"/>
-              <a:buNone/>
-            </a:pPr>
-            <a:endParaRPr lang="en-US" dirty="0"/>
-          </a:p>
-          <a:p>
-            <a:pPr marL="0" indent="0">
-              <a:buFont typeface="Wingdings 3" charset="2"/>
-              <a:buNone/>
-            </a:pPr>
-            <a:endParaRPr lang="en-US" dirty="0"/>
-          </a:p>
-          <a:p>
-            <a:pPr marL="0" indent="0">
-              <a:buFont typeface="Wingdings 3" charset="2"/>
-              <a:buNone/>
-            </a:pPr>
-            <a:endParaRPr lang="en-US" dirty="0"/>
-          </a:p>
-        </p:txBody>
-      </p:sp>
-    </p:spTree>
-    <p:extLst>
-      <p:ext uri="{BB962C8B-B14F-4D97-AF65-F5344CB8AC3E}">
-        <p14:creationId xmlns:p14="http://schemas.microsoft.com/office/powerpoint/2010/main" val="2490538845"/>
-      </p:ext>
-    </p:extLst>
-  </p:cSld>
-  <p:clrMapOvr>
-    <a:masterClrMapping/>
-  </p:clrMapOvr>
-</p:sld>
-</file>
-
 <file path=ppt/theme/theme1.xml><?xml version="1.0" encoding="utf-8"?>
 <a:theme xmlns:a="http://schemas.openxmlformats.org/drawingml/2006/main" name="平面">
   <a:themeElements>

--- a/src/main/resources/ChatApp API.pptx
+++ b/src/main/resources/ChatApp API.pptx
@@ -6093,7 +6093,7 @@
             <p:ph idx="1"/>
             <p:extLst>
               <p:ext uri="{D42A27DB-BD31-4B8C-83A1-F6EECF244321}">
-                <p14:modId xmlns:p14="http://schemas.microsoft.com/office/powerpoint/2010/main" val="3470456686"/>
+                <p14:modId xmlns:p14="http://schemas.microsoft.com/office/powerpoint/2010/main" val="4036395389"/>
               </p:ext>
             </p:extLst>
           </p:nvPr>
@@ -6429,12 +6429,16 @@
                         <a:t>{</a:t>
                       </a:r>
                       <a:r>
-                        <a:rPr lang="en-US" dirty="0" err="1"/>
-                        <a:t>ChatMsgHistory</a:t>
+                        <a:rPr lang="en-US" altLang="zh-CN"/>
+                        <a:t>Message</a:t>
+                      </a:r>
+                      <a:r>
+                        <a:rPr lang="en-US"/>
+                        <a:t> array</a:t>
                       </a:r>
                       <a:r>
                         <a:rPr lang="en-US" dirty="0"/>
-                        <a:t> Json/array} with one more line of message</a:t>
+                        <a:t>} with one more line of message</a:t>
                       </a:r>
                     </a:p>
                   </a:txBody>

--- a/src/main/resources/ChatApp API.pptx
+++ b/src/main/resources/ChatApp API.pptx
@@ -8200,6 +8200,15 @@
           <a:bodyPr/>
           <a:lstStyle/>
           <a:p>
+            <a:r>
+              <a:rPr lang="en-US" dirty="0">
+                <a:hlinkClick r:id="rId2"/>
+              </a:rPr>
+              <a:t>https://chatapp-team-freedom.herokuapp.com/main.html</a:t>
+            </a:r>
+            <a:endParaRPr lang="en-US" dirty="0"/>
+          </a:p>
+          <a:p>
             <a:endParaRPr lang="en-US" dirty="0"/>
           </a:p>
         </p:txBody>
@@ -8219,7 +8228,7 @@
           <p:nvPr/>
         </p:nvPicPr>
         <p:blipFill>
-          <a:blip r:embed="rId2">
+          <a:blip r:embed="rId3">
             <a:extLst>
               <a:ext uri="{28A0092B-C50C-407E-A947-70E740481C1C}">
                 <a14:useLocalDpi xmlns:a14="http://schemas.microsoft.com/office/drawing/2010/main" val="0"/>

--- a/src/main/resources/ChatApp API.pptx
+++ b/src/main/resources/ChatApp API.pptx
@@ -12,15 +12,15 @@
     <p:sldId id="271" r:id="rId6"/>
     <p:sldId id="272" r:id="rId7"/>
     <p:sldId id="263" r:id="rId8"/>
-    <p:sldId id="279" r:id="rId9"/>
-    <p:sldId id="277" r:id="rId10"/>
-    <p:sldId id="278" r:id="rId11"/>
-    <p:sldId id="273" r:id="rId12"/>
-    <p:sldId id="261" r:id="rId13"/>
-    <p:sldId id="260" r:id="rId14"/>
-    <p:sldId id="257" r:id="rId15"/>
-    <p:sldId id="258" r:id="rId16"/>
-    <p:sldId id="275" r:id="rId17"/>
+    <p:sldId id="275" r:id="rId9"/>
+    <p:sldId id="279" r:id="rId10"/>
+    <p:sldId id="277" r:id="rId11"/>
+    <p:sldId id="278" r:id="rId12"/>
+    <p:sldId id="273" r:id="rId13"/>
+    <p:sldId id="261" r:id="rId14"/>
+    <p:sldId id="260" r:id="rId15"/>
+    <p:sldId id="257" r:id="rId16"/>
+    <p:sldId id="258" r:id="rId17"/>
     <p:sldId id="276" r:id="rId18"/>
   </p:sldIdLst>
   <p:sldSz cx="12192000" cy="6858000"/>
@@ -6052,6 +6052,1160 @@
           <p:cNvPr id="2" name="标题 1">
             <a:extLst>
               <a:ext uri="{FF2B5EF4-FFF2-40B4-BE49-F238E27FC236}">
+                <a16:creationId xmlns:a16="http://schemas.microsoft.com/office/drawing/2014/main" id="{C3EBD326-DB7D-4C6A-A222-178EDB714697}"/>
+              </a:ext>
+            </a:extLst>
+          </p:cNvPr>
+          <p:cNvSpPr>
+            <a:spLocks noGrp="1"/>
+          </p:cNvSpPr>
+          <p:nvPr>
+            <p:ph type="title"/>
+          </p:nvPr>
+        </p:nvSpPr>
+        <p:spPr>
+          <a:xfrm>
+            <a:off x="429370" y="278917"/>
+            <a:ext cx="8596668" cy="1320800"/>
+          </a:xfrm>
+        </p:spPr>
+        <p:txBody>
+          <a:bodyPr/>
+          <a:lstStyle/>
+          <a:p>
+            <a:r>
+              <a:rPr lang="en-US" altLang="zh-CN" dirty="0"/>
+              <a:t>A Example</a:t>
+            </a:r>
+            <a:endParaRPr lang="en-US" dirty="0"/>
+          </a:p>
+        </p:txBody>
+      </p:sp>
+      <p:sp>
+        <p:nvSpPr>
+          <p:cNvPr id="4" name="矩形 3">
+            <a:extLst>
+              <a:ext uri="{FF2B5EF4-FFF2-40B4-BE49-F238E27FC236}">
+                <a16:creationId xmlns:a16="http://schemas.microsoft.com/office/drawing/2014/main" id="{4B2327D0-DBE2-43B2-9817-9948CFE37EB2}"/>
+              </a:ext>
+            </a:extLst>
+          </p:cNvPr>
+          <p:cNvSpPr/>
+          <p:nvPr/>
+        </p:nvSpPr>
+        <p:spPr>
+          <a:xfrm>
+            <a:off x="1743507" y="1330079"/>
+            <a:ext cx="4578103" cy="4369242"/>
+          </a:xfrm>
+          <a:prstGeom prst="rect">
+            <a:avLst/>
+          </a:prstGeom>
+        </p:spPr>
+        <p:style>
+          <a:lnRef idx="2">
+            <a:schemeClr val="accent1">
+              <a:shade val="50000"/>
+            </a:schemeClr>
+          </a:lnRef>
+          <a:fillRef idx="1">
+            <a:schemeClr val="accent1"/>
+          </a:fillRef>
+          <a:effectRef idx="0">
+            <a:schemeClr val="accent1"/>
+          </a:effectRef>
+          <a:fontRef idx="minor">
+            <a:schemeClr val="lt1"/>
+          </a:fontRef>
+        </p:style>
+        <p:txBody>
+          <a:bodyPr rtlCol="0" anchor="ctr"/>
+          <a:lstStyle/>
+          <a:p>
+            <a:pPr algn="ctr"/>
+            <a:endParaRPr lang="en-US" dirty="0"/>
+          </a:p>
+          <a:p>
+            <a:pPr algn="ctr"/>
+            <a:endParaRPr lang="en-US" dirty="0"/>
+          </a:p>
+          <a:p>
+            <a:pPr algn="ctr"/>
+            <a:endParaRPr lang="en-US" dirty="0"/>
+          </a:p>
+          <a:p>
+            <a:pPr algn="ctr"/>
+            <a:r>
+              <a:rPr lang="en-US" dirty="0"/>
+              <a:t>FRONTEND VIEW</a:t>
+            </a:r>
+          </a:p>
+          <a:p>
+            <a:pPr algn="ctr"/>
+            <a:endParaRPr lang="en-US" dirty="0"/>
+          </a:p>
+          <a:p>
+            <a:pPr algn="ctr"/>
+            <a:r>
+              <a:rPr lang="en-US" dirty="0"/>
+              <a:t>(1)Send to model “login user1 25 US Rice”</a:t>
+            </a:r>
+          </a:p>
+          <a:p>
+            <a:pPr algn="ctr"/>
+            <a:endParaRPr lang="en-US" dirty="0"/>
+          </a:p>
+          <a:p>
+            <a:pPr algn="ctr"/>
+            <a:endParaRPr lang="en-US" dirty="0"/>
+          </a:p>
+          <a:p>
+            <a:pPr algn="ctr"/>
+            <a:endParaRPr lang="en-US" dirty="0"/>
+          </a:p>
+          <a:p>
+            <a:pPr algn="ctr"/>
+            <a:endParaRPr lang="en-US" dirty="0"/>
+          </a:p>
+          <a:p>
+            <a:pPr algn="ctr"/>
+            <a:r>
+              <a:rPr lang="en-US" dirty="0"/>
+              <a:t>(3)View </a:t>
+            </a:r>
+            <a:r>
+              <a:rPr lang="en-US" dirty="0" err="1"/>
+              <a:t>onMessage</a:t>
+            </a:r>
+            <a:endParaRPr lang="en-US" dirty="0"/>
+          </a:p>
+          <a:p>
+            <a:pPr algn="ctr"/>
+            <a:endParaRPr lang="en-US" dirty="0"/>
+          </a:p>
+          <a:p>
+            <a:pPr marL="285750" indent="-285750">
+              <a:buFont typeface="Arial" panose="020B0604020202020204" pitchFamily="34" charset="0"/>
+              <a:buChar char="•"/>
+            </a:pPr>
+            <a:r>
+              <a:rPr lang="en-US" dirty="0"/>
+              <a:t>Determine message type  - login</a:t>
+            </a:r>
+          </a:p>
+          <a:p>
+            <a:pPr marL="285750" indent="-285750">
+              <a:buFont typeface="Arial" panose="020B0604020202020204" pitchFamily="34" charset="0"/>
+              <a:buChar char="•"/>
+            </a:pPr>
+            <a:r>
+              <a:rPr lang="en-US" dirty="0"/>
+              <a:t>Initialize the GUI based on returned User info - JSON.parse(message).res</a:t>
+            </a:r>
+          </a:p>
+          <a:p>
+            <a:pPr marL="742950" lvl="1" indent="-285750">
+              <a:buFont typeface="Arial" panose="020B0604020202020204" pitchFamily="34" charset="0"/>
+              <a:buChar char="•"/>
+            </a:pPr>
+            <a:r>
+              <a:rPr lang="en-US" dirty="0"/>
+              <a:t>User profile</a:t>
+            </a:r>
+          </a:p>
+          <a:p>
+            <a:pPr marL="742950" lvl="1" indent="-285750">
+              <a:buFont typeface="Arial" panose="020B0604020202020204" pitchFamily="34" charset="0"/>
+              <a:buChar char="•"/>
+            </a:pPr>
+            <a:r>
+              <a:rPr lang="en-US" dirty="0"/>
+              <a:t>User’s joined list, available list </a:t>
+            </a:r>
+          </a:p>
+          <a:p>
+            <a:pPr marL="742950" lvl="1" indent="-285750">
+              <a:buFont typeface="Arial" panose="020B0604020202020204" pitchFamily="34" charset="0"/>
+              <a:buChar char="•"/>
+            </a:pPr>
+            <a:r>
+              <a:rPr lang="en-US" dirty="0" err="1"/>
+              <a:t>etc</a:t>
+            </a:r>
+            <a:endParaRPr lang="en-US" dirty="0"/>
+          </a:p>
+          <a:p>
+            <a:pPr algn="ctr"/>
+            <a:endParaRPr lang="en-US" dirty="0"/>
+          </a:p>
+          <a:p>
+            <a:pPr algn="ctr"/>
+            <a:endParaRPr lang="en-US" dirty="0"/>
+          </a:p>
+        </p:txBody>
+      </p:sp>
+      <p:sp>
+        <p:nvSpPr>
+          <p:cNvPr id="6" name="矩形 5">
+            <a:extLst>
+              <a:ext uri="{FF2B5EF4-FFF2-40B4-BE49-F238E27FC236}">
+                <a16:creationId xmlns:a16="http://schemas.microsoft.com/office/drawing/2014/main" id="{2CD73F3B-4671-4325-A5EB-B239F71EDD04}"/>
+              </a:ext>
+            </a:extLst>
+          </p:cNvPr>
+          <p:cNvSpPr/>
+          <p:nvPr/>
+        </p:nvSpPr>
+        <p:spPr>
+          <a:xfrm>
+            <a:off x="7540532" y="458906"/>
+            <a:ext cx="4449443" cy="3089588"/>
+          </a:xfrm>
+          <a:prstGeom prst="rect">
+            <a:avLst/>
+          </a:prstGeom>
+          <a:solidFill>
+            <a:schemeClr val="accent4">
+              <a:lumMod val="75000"/>
+            </a:schemeClr>
+          </a:solidFill>
+        </p:spPr>
+        <p:style>
+          <a:lnRef idx="2">
+            <a:schemeClr val="accent1">
+              <a:shade val="50000"/>
+            </a:schemeClr>
+          </a:lnRef>
+          <a:fillRef idx="1">
+            <a:schemeClr val="accent1"/>
+          </a:fillRef>
+          <a:effectRef idx="0">
+            <a:schemeClr val="accent1"/>
+          </a:effectRef>
+          <a:fontRef idx="minor">
+            <a:schemeClr val="lt1"/>
+          </a:fontRef>
+        </p:style>
+        <p:txBody>
+          <a:bodyPr rtlCol="0" anchor="ctr"/>
+          <a:lstStyle/>
+          <a:p>
+            <a:pPr algn="ctr"/>
+            <a:r>
+              <a:rPr lang="en-US" dirty="0"/>
+              <a:t>BACKEND MODEL</a:t>
+            </a:r>
+          </a:p>
+          <a:p>
+            <a:pPr algn="ctr"/>
+            <a:endParaRPr lang="en-US" dirty="0"/>
+          </a:p>
+          <a:p>
+            <a:pPr algn="ctr"/>
+            <a:r>
+              <a:rPr lang="en-US" dirty="0"/>
+              <a:t>(2)Server </a:t>
+            </a:r>
+            <a:r>
+              <a:rPr lang="en-US" dirty="0" err="1"/>
+              <a:t>onMessage</a:t>
+            </a:r>
+            <a:endParaRPr lang="en-US" dirty="0"/>
+          </a:p>
+          <a:p>
+            <a:pPr algn="ctr"/>
+            <a:endParaRPr lang="en-US" dirty="0"/>
+          </a:p>
+          <a:p>
+            <a:pPr marL="285750" indent="-285750">
+              <a:buFont typeface="Arial" panose="020B0604020202020204" pitchFamily="34" charset="0"/>
+              <a:buChar char="•"/>
+            </a:pPr>
+            <a:r>
+              <a:rPr lang="en-US" dirty="0"/>
+              <a:t>Determine command type – login</a:t>
+            </a:r>
+          </a:p>
+          <a:p>
+            <a:pPr marL="285750" indent="-285750">
+              <a:buFont typeface="Arial" panose="020B0604020202020204" pitchFamily="34" charset="0"/>
+              <a:buChar char="•"/>
+            </a:pPr>
+            <a:r>
+              <a:rPr lang="en-US" dirty="0"/>
+              <a:t>Create and store the user in backend</a:t>
+            </a:r>
+          </a:p>
+          <a:p>
+            <a:pPr marL="285750" indent="-285750">
+              <a:buFont typeface="Arial" panose="020B0604020202020204" pitchFamily="34" charset="0"/>
+              <a:buChar char="•"/>
+            </a:pPr>
+            <a:r>
+              <a:rPr lang="en-US" dirty="0"/>
+              <a:t>Notify view with below info</a:t>
+            </a:r>
+          </a:p>
+          <a:p>
+            <a:pPr lvl="1"/>
+            <a:r>
+              <a:rPr lang="en-US" dirty="0"/>
+              <a:t>{</a:t>
+            </a:r>
+          </a:p>
+          <a:p>
+            <a:pPr lvl="2"/>
+            <a:r>
+              <a:rPr lang="en-US" dirty="0"/>
+              <a:t>type : “login”,</a:t>
+            </a:r>
+          </a:p>
+          <a:p>
+            <a:pPr lvl="2"/>
+            <a:r>
+              <a:rPr lang="en-US" dirty="0"/>
+              <a:t>res: </a:t>
+            </a:r>
+            <a:r>
+              <a:rPr lang="en-US" dirty="0" err="1"/>
+              <a:t>gson.toJson</a:t>
+            </a:r>
+            <a:r>
+              <a:rPr lang="en-US" dirty="0"/>
+              <a:t>(User)</a:t>
+            </a:r>
+          </a:p>
+          <a:p>
+            <a:pPr lvl="1"/>
+            <a:r>
+              <a:rPr lang="en-US" dirty="0"/>
+              <a:t>}</a:t>
+            </a:r>
+          </a:p>
+        </p:txBody>
+      </p:sp>
+      <p:grpSp>
+        <p:nvGrpSpPr>
+          <p:cNvPr id="14" name="组合 13">
+            <a:extLst>
+              <a:ext uri="{FF2B5EF4-FFF2-40B4-BE49-F238E27FC236}">
+                <a16:creationId xmlns:a16="http://schemas.microsoft.com/office/drawing/2014/main" id="{ED511EA7-EBE7-4B7D-86AE-F0C2EEA2CD3E}"/>
+              </a:ext>
+            </a:extLst>
+          </p:cNvPr>
+          <p:cNvGrpSpPr/>
+          <p:nvPr/>
+        </p:nvGrpSpPr>
+        <p:grpSpPr>
+          <a:xfrm>
+            <a:off x="0" y="1206391"/>
+            <a:ext cx="1854516" cy="1857668"/>
+            <a:chOff x="2232454" y="2787087"/>
+            <a:chExt cx="2924432" cy="2386275"/>
+          </a:xfrm>
+        </p:grpSpPr>
+        <p:sp>
+          <p:nvSpPr>
+            <p:cNvPr id="8" name="矩形: 圆角 7">
+              <a:extLst>
+                <a:ext uri="{FF2B5EF4-FFF2-40B4-BE49-F238E27FC236}">
+                  <a16:creationId xmlns:a16="http://schemas.microsoft.com/office/drawing/2014/main" id="{A6D44077-EC5E-4B71-A494-E433C173EDF3}"/>
+                </a:ext>
+              </a:extLst>
+            </p:cNvPr>
+            <p:cNvSpPr/>
+            <p:nvPr/>
+          </p:nvSpPr>
+          <p:spPr>
+            <a:xfrm>
+              <a:off x="2232454" y="2787087"/>
+              <a:ext cx="2924432" cy="2386275"/>
+            </a:xfrm>
+            <a:prstGeom prst="roundRect">
+              <a:avLst/>
+            </a:prstGeom>
+            <a:solidFill>
+              <a:schemeClr val="bg2"/>
+            </a:solidFill>
+            <a:ln>
+              <a:noFill/>
+            </a:ln>
+          </p:spPr>
+          <p:style>
+            <a:lnRef idx="2">
+              <a:schemeClr val="accent1">
+                <a:shade val="50000"/>
+              </a:schemeClr>
+            </a:lnRef>
+            <a:fillRef idx="1">
+              <a:schemeClr val="accent1"/>
+            </a:fillRef>
+            <a:effectRef idx="0">
+              <a:schemeClr val="accent1"/>
+            </a:effectRef>
+            <a:fontRef idx="minor">
+              <a:schemeClr val="lt1"/>
+            </a:fontRef>
+          </p:style>
+          <p:txBody>
+            <a:bodyPr rtlCol="0" anchor="ctr"/>
+            <a:lstStyle/>
+            <a:p>
+              <a:pPr algn="ctr"/>
+              <a:endParaRPr lang="en-US"/>
+            </a:p>
+          </p:txBody>
+        </p:sp>
+        <p:sp>
+          <p:nvSpPr>
+            <p:cNvPr id="9" name="矩形 8">
+              <a:extLst>
+                <a:ext uri="{FF2B5EF4-FFF2-40B4-BE49-F238E27FC236}">
+                  <a16:creationId xmlns:a16="http://schemas.microsoft.com/office/drawing/2014/main" id="{AF3F03B6-3F60-4B6A-89D4-E4BAB7A54A6D}"/>
+                </a:ext>
+              </a:extLst>
+            </p:cNvPr>
+            <p:cNvSpPr/>
+            <p:nvPr/>
+          </p:nvSpPr>
+          <p:spPr>
+            <a:xfrm>
+              <a:off x="2444578" y="2984801"/>
+              <a:ext cx="2537254" cy="304800"/>
+            </a:xfrm>
+            <a:prstGeom prst="rect">
+              <a:avLst/>
+            </a:prstGeom>
+            <a:solidFill>
+              <a:schemeClr val="bg1"/>
+            </a:solidFill>
+            <a:ln>
+              <a:noFill/>
+            </a:ln>
+          </p:spPr>
+          <p:style>
+            <a:lnRef idx="2">
+              <a:schemeClr val="accent1">
+                <a:shade val="50000"/>
+              </a:schemeClr>
+            </a:lnRef>
+            <a:fillRef idx="1">
+              <a:schemeClr val="accent1"/>
+            </a:fillRef>
+            <a:effectRef idx="0">
+              <a:schemeClr val="accent1"/>
+            </a:effectRef>
+            <a:fontRef idx="minor">
+              <a:schemeClr val="lt1"/>
+            </a:fontRef>
+          </p:style>
+          <p:txBody>
+            <a:bodyPr rtlCol="0" anchor="ctr"/>
+            <a:lstStyle/>
+            <a:p>
+              <a:pPr algn="ctr"/>
+              <a:r>
+                <a:rPr lang="en-US" dirty="0">
+                  <a:solidFill>
+                    <a:schemeClr val="tx1"/>
+                  </a:solidFill>
+                </a:rPr>
+                <a:t>username</a:t>
+              </a:r>
+            </a:p>
+          </p:txBody>
+        </p:sp>
+        <p:sp>
+          <p:nvSpPr>
+            <p:cNvPr id="10" name="矩形 9">
+              <a:extLst>
+                <a:ext uri="{FF2B5EF4-FFF2-40B4-BE49-F238E27FC236}">
+                  <a16:creationId xmlns:a16="http://schemas.microsoft.com/office/drawing/2014/main" id="{22A162B3-8828-4D6B-93B9-843BEA8856D4}"/>
+                </a:ext>
+              </a:extLst>
+            </p:cNvPr>
+            <p:cNvSpPr/>
+            <p:nvPr/>
+          </p:nvSpPr>
+          <p:spPr>
+            <a:xfrm>
+              <a:off x="2444578" y="3435511"/>
+              <a:ext cx="2537254" cy="304800"/>
+            </a:xfrm>
+            <a:prstGeom prst="rect">
+              <a:avLst/>
+            </a:prstGeom>
+            <a:solidFill>
+              <a:schemeClr val="bg1"/>
+            </a:solidFill>
+            <a:ln>
+              <a:noFill/>
+            </a:ln>
+          </p:spPr>
+          <p:style>
+            <a:lnRef idx="2">
+              <a:schemeClr val="accent1">
+                <a:shade val="50000"/>
+              </a:schemeClr>
+            </a:lnRef>
+            <a:fillRef idx="1">
+              <a:schemeClr val="accent1"/>
+            </a:fillRef>
+            <a:effectRef idx="0">
+              <a:schemeClr val="accent1"/>
+            </a:effectRef>
+            <a:fontRef idx="minor">
+              <a:schemeClr val="lt1"/>
+            </a:fontRef>
+          </p:style>
+          <p:txBody>
+            <a:bodyPr rtlCol="0" anchor="ctr"/>
+            <a:lstStyle/>
+            <a:p>
+              <a:pPr algn="ctr"/>
+              <a:r>
+                <a:rPr lang="en-US" altLang="zh-CN" dirty="0">
+                  <a:solidFill>
+                    <a:schemeClr val="tx1"/>
+                  </a:solidFill>
+                </a:rPr>
+                <a:t>age</a:t>
+              </a:r>
+              <a:endParaRPr lang="en-US" dirty="0">
+                <a:solidFill>
+                  <a:schemeClr val="tx1"/>
+                </a:solidFill>
+              </a:endParaRPr>
+            </a:p>
+          </p:txBody>
+        </p:sp>
+        <p:sp>
+          <p:nvSpPr>
+            <p:cNvPr id="11" name="矩形 10">
+              <a:extLst>
+                <a:ext uri="{FF2B5EF4-FFF2-40B4-BE49-F238E27FC236}">
+                  <a16:creationId xmlns:a16="http://schemas.microsoft.com/office/drawing/2014/main" id="{3DA22348-352C-484D-A9A4-CB8D83CFFCF1}"/>
+                </a:ext>
+              </a:extLst>
+            </p:cNvPr>
+            <p:cNvSpPr/>
+            <p:nvPr/>
+          </p:nvSpPr>
+          <p:spPr>
+            <a:xfrm>
+              <a:off x="2444578" y="3900132"/>
+              <a:ext cx="2537254" cy="304800"/>
+            </a:xfrm>
+            <a:prstGeom prst="rect">
+              <a:avLst/>
+            </a:prstGeom>
+            <a:solidFill>
+              <a:schemeClr val="bg1"/>
+            </a:solidFill>
+            <a:ln>
+              <a:noFill/>
+            </a:ln>
+          </p:spPr>
+          <p:style>
+            <a:lnRef idx="2">
+              <a:schemeClr val="accent1">
+                <a:shade val="50000"/>
+              </a:schemeClr>
+            </a:lnRef>
+            <a:fillRef idx="1">
+              <a:schemeClr val="accent1"/>
+            </a:fillRef>
+            <a:effectRef idx="0">
+              <a:schemeClr val="accent1"/>
+            </a:effectRef>
+            <a:fontRef idx="minor">
+              <a:schemeClr val="lt1"/>
+            </a:fontRef>
+          </p:style>
+          <p:txBody>
+            <a:bodyPr rtlCol="0" anchor="ctr"/>
+            <a:lstStyle/>
+            <a:p>
+              <a:pPr algn="ctr"/>
+              <a:r>
+                <a:rPr lang="en-US" dirty="0">
+                  <a:solidFill>
+                    <a:schemeClr val="tx1"/>
+                  </a:solidFill>
+                </a:rPr>
+                <a:t>location</a:t>
+              </a:r>
+            </a:p>
+          </p:txBody>
+        </p:sp>
+        <p:sp>
+          <p:nvSpPr>
+            <p:cNvPr id="12" name="矩形 11">
+              <a:extLst>
+                <a:ext uri="{FF2B5EF4-FFF2-40B4-BE49-F238E27FC236}">
+                  <a16:creationId xmlns:a16="http://schemas.microsoft.com/office/drawing/2014/main" id="{67936BA2-AD72-407F-8805-9647615FB947}"/>
+                </a:ext>
+              </a:extLst>
+            </p:cNvPr>
+            <p:cNvSpPr/>
+            <p:nvPr/>
+          </p:nvSpPr>
+          <p:spPr>
+            <a:xfrm>
+              <a:off x="2444578" y="4360743"/>
+              <a:ext cx="2537254" cy="304800"/>
+            </a:xfrm>
+            <a:prstGeom prst="rect">
+              <a:avLst/>
+            </a:prstGeom>
+            <a:solidFill>
+              <a:schemeClr val="bg1"/>
+            </a:solidFill>
+            <a:ln>
+              <a:noFill/>
+            </a:ln>
+          </p:spPr>
+          <p:style>
+            <a:lnRef idx="2">
+              <a:schemeClr val="accent1">
+                <a:shade val="50000"/>
+              </a:schemeClr>
+            </a:lnRef>
+            <a:fillRef idx="1">
+              <a:schemeClr val="accent1"/>
+            </a:fillRef>
+            <a:effectRef idx="0">
+              <a:schemeClr val="accent1"/>
+            </a:effectRef>
+            <a:fontRef idx="minor">
+              <a:schemeClr val="lt1"/>
+            </a:fontRef>
+          </p:style>
+          <p:txBody>
+            <a:bodyPr rtlCol="0" anchor="ctr"/>
+            <a:lstStyle/>
+            <a:p>
+              <a:pPr algn="ctr"/>
+              <a:r>
+                <a:rPr lang="en-US" dirty="0">
+                  <a:solidFill>
+                    <a:schemeClr val="tx1"/>
+                  </a:solidFill>
+                </a:rPr>
+                <a:t>school</a:t>
+              </a:r>
+            </a:p>
+          </p:txBody>
+        </p:sp>
+        <p:sp>
+          <p:nvSpPr>
+            <p:cNvPr id="13" name="矩形 12">
+              <a:extLst>
+                <a:ext uri="{FF2B5EF4-FFF2-40B4-BE49-F238E27FC236}">
+                  <a16:creationId xmlns:a16="http://schemas.microsoft.com/office/drawing/2014/main" id="{445EC719-58D8-45EE-97AE-398D830B177B}"/>
+                </a:ext>
+              </a:extLst>
+            </p:cNvPr>
+            <p:cNvSpPr/>
+            <p:nvPr/>
+          </p:nvSpPr>
+          <p:spPr>
+            <a:xfrm>
+              <a:off x="2844112" y="4786746"/>
+              <a:ext cx="1705233" cy="304800"/>
+            </a:xfrm>
+            <a:prstGeom prst="rect">
+              <a:avLst/>
+            </a:prstGeom>
+            <a:solidFill>
+              <a:srgbClr val="FFFF00"/>
+            </a:solidFill>
+            <a:ln>
+              <a:noFill/>
+            </a:ln>
+          </p:spPr>
+          <p:style>
+            <a:lnRef idx="2">
+              <a:schemeClr val="accent1">
+                <a:shade val="50000"/>
+              </a:schemeClr>
+            </a:lnRef>
+            <a:fillRef idx="1">
+              <a:schemeClr val="accent1"/>
+            </a:fillRef>
+            <a:effectRef idx="0">
+              <a:schemeClr val="accent1"/>
+            </a:effectRef>
+            <a:fontRef idx="minor">
+              <a:schemeClr val="lt1"/>
+            </a:fontRef>
+          </p:style>
+          <p:txBody>
+            <a:bodyPr rtlCol="0" anchor="ctr"/>
+            <a:lstStyle/>
+            <a:p>
+              <a:pPr algn="ctr"/>
+              <a:r>
+                <a:rPr lang="en-US" dirty="0">
+                  <a:solidFill>
+                    <a:schemeClr val="tx1"/>
+                  </a:solidFill>
+                </a:rPr>
+                <a:t>Login</a:t>
+              </a:r>
+            </a:p>
+          </p:txBody>
+        </p:sp>
+      </p:grpSp>
+      <p:sp>
+        <p:nvSpPr>
+          <p:cNvPr id="15" name="箭头: 上弧形 14">
+            <a:extLst>
+              <a:ext uri="{FF2B5EF4-FFF2-40B4-BE49-F238E27FC236}">
+                <a16:creationId xmlns:a16="http://schemas.microsoft.com/office/drawing/2014/main" id="{537A9C65-645D-4167-B6A2-8EB1071C9546}"/>
+              </a:ext>
+            </a:extLst>
+          </p:cNvPr>
+          <p:cNvSpPr/>
+          <p:nvPr/>
+        </p:nvSpPr>
+        <p:spPr>
+          <a:xfrm rot="20958678">
+            <a:off x="5425856" y="740696"/>
+            <a:ext cx="3116824" cy="835966"/>
+          </a:xfrm>
+          <a:prstGeom prst="curvedDownArrow">
+            <a:avLst/>
+          </a:prstGeom>
+        </p:spPr>
+        <p:style>
+          <a:lnRef idx="2">
+            <a:schemeClr val="accent1">
+              <a:shade val="50000"/>
+            </a:schemeClr>
+          </a:lnRef>
+          <a:fillRef idx="1">
+            <a:schemeClr val="accent1"/>
+          </a:fillRef>
+          <a:effectRef idx="0">
+            <a:schemeClr val="accent1"/>
+          </a:effectRef>
+          <a:fontRef idx="minor">
+            <a:schemeClr val="lt1"/>
+          </a:fontRef>
+        </p:style>
+        <p:txBody>
+          <a:bodyPr rtlCol="0" anchor="ctr"/>
+          <a:lstStyle/>
+          <a:p>
+            <a:pPr algn="ctr"/>
+            <a:endParaRPr lang="en-US">
+              <a:solidFill>
+                <a:schemeClr val="tx1"/>
+              </a:solidFill>
+            </a:endParaRPr>
+          </a:p>
+        </p:txBody>
+      </p:sp>
+      <p:sp>
+        <p:nvSpPr>
+          <p:cNvPr id="16" name="箭头: 上弧形 15">
+            <a:extLst>
+              <a:ext uri="{FF2B5EF4-FFF2-40B4-BE49-F238E27FC236}">
+                <a16:creationId xmlns:a16="http://schemas.microsoft.com/office/drawing/2014/main" id="{525F686D-7290-4DDB-B455-50DEFD9171B8}"/>
+              </a:ext>
+            </a:extLst>
+          </p:cNvPr>
+          <p:cNvSpPr/>
+          <p:nvPr/>
+        </p:nvSpPr>
+        <p:spPr>
+          <a:xfrm rot="9819428">
+            <a:off x="5190283" y="3275921"/>
+            <a:ext cx="2933307" cy="835966"/>
+          </a:xfrm>
+          <a:prstGeom prst="curvedDownArrow">
+            <a:avLst/>
+          </a:prstGeom>
+          <a:solidFill>
+            <a:schemeClr val="accent4">
+              <a:lumMod val="75000"/>
+            </a:schemeClr>
+          </a:solidFill>
+        </p:spPr>
+        <p:style>
+          <a:lnRef idx="2">
+            <a:schemeClr val="accent1">
+              <a:shade val="50000"/>
+            </a:schemeClr>
+          </a:lnRef>
+          <a:fillRef idx="1">
+            <a:schemeClr val="accent1"/>
+          </a:fillRef>
+          <a:effectRef idx="0">
+            <a:schemeClr val="accent1"/>
+          </a:effectRef>
+          <a:fontRef idx="minor">
+            <a:schemeClr val="lt1"/>
+          </a:fontRef>
+        </p:style>
+        <p:txBody>
+          <a:bodyPr rtlCol="0" anchor="ctr"/>
+          <a:lstStyle/>
+          <a:p>
+            <a:pPr algn="ctr"/>
+            <a:endParaRPr lang="en-US">
+              <a:solidFill>
+                <a:schemeClr val="tx1"/>
+              </a:solidFill>
+            </a:endParaRPr>
+          </a:p>
+        </p:txBody>
+      </p:sp>
+      <p:grpSp>
+        <p:nvGrpSpPr>
+          <p:cNvPr id="22" name="组合 21">
+            <a:extLst>
+              <a:ext uri="{FF2B5EF4-FFF2-40B4-BE49-F238E27FC236}">
+                <a16:creationId xmlns:a16="http://schemas.microsoft.com/office/drawing/2014/main" id="{8F646AC1-A268-4927-A515-E58F5CC21052}"/>
+              </a:ext>
+            </a:extLst>
+          </p:cNvPr>
+          <p:cNvGrpSpPr/>
+          <p:nvPr/>
+        </p:nvGrpSpPr>
+        <p:grpSpPr>
+          <a:xfrm>
+            <a:off x="6149258" y="4419667"/>
+            <a:ext cx="2782547" cy="2409116"/>
+            <a:chOff x="7201891" y="4482417"/>
+            <a:chExt cx="2782547" cy="2409116"/>
+          </a:xfrm>
+        </p:grpSpPr>
+        <p:sp>
+          <p:nvSpPr>
+            <p:cNvPr id="17" name="矩形: 圆角 16">
+              <a:extLst>
+                <a:ext uri="{FF2B5EF4-FFF2-40B4-BE49-F238E27FC236}">
+                  <a16:creationId xmlns:a16="http://schemas.microsoft.com/office/drawing/2014/main" id="{667C1969-F8FF-469B-BCF4-47EE0AEEE066}"/>
+                </a:ext>
+              </a:extLst>
+            </p:cNvPr>
+            <p:cNvSpPr/>
+            <p:nvPr/>
+          </p:nvSpPr>
+          <p:spPr>
+            <a:xfrm>
+              <a:off x="7201891" y="4482417"/>
+              <a:ext cx="2782547" cy="2409116"/>
+            </a:xfrm>
+            <a:prstGeom prst="roundRect">
+              <a:avLst/>
+            </a:prstGeom>
+            <a:solidFill>
+              <a:schemeClr val="bg2"/>
+            </a:solidFill>
+            <a:ln>
+              <a:noFill/>
+            </a:ln>
+          </p:spPr>
+          <p:style>
+            <a:lnRef idx="2">
+              <a:schemeClr val="accent1">
+                <a:shade val="50000"/>
+              </a:schemeClr>
+            </a:lnRef>
+            <a:fillRef idx="1">
+              <a:schemeClr val="accent1"/>
+            </a:fillRef>
+            <a:effectRef idx="0">
+              <a:schemeClr val="accent1"/>
+            </a:effectRef>
+            <a:fontRef idx="minor">
+              <a:schemeClr val="lt1"/>
+            </a:fontRef>
+          </p:style>
+          <p:txBody>
+            <a:bodyPr rtlCol="0" anchor="ctr"/>
+            <a:lstStyle/>
+            <a:p>
+              <a:pPr algn="ctr"/>
+              <a:endParaRPr lang="en-US"/>
+            </a:p>
+          </p:txBody>
+        </p:sp>
+        <p:sp>
+          <p:nvSpPr>
+            <p:cNvPr id="18" name="矩形 17">
+              <a:extLst>
+                <a:ext uri="{FF2B5EF4-FFF2-40B4-BE49-F238E27FC236}">
+                  <a16:creationId xmlns:a16="http://schemas.microsoft.com/office/drawing/2014/main" id="{59AE1EC8-E610-4D62-AE5D-131E0044C021}"/>
+                </a:ext>
+              </a:extLst>
+            </p:cNvPr>
+            <p:cNvSpPr/>
+            <p:nvPr/>
+          </p:nvSpPr>
+          <p:spPr>
+            <a:xfrm>
+              <a:off x="7324538" y="4642027"/>
+              <a:ext cx="2537254" cy="304800"/>
+            </a:xfrm>
+            <a:prstGeom prst="rect">
+              <a:avLst/>
+            </a:prstGeom>
+            <a:solidFill>
+              <a:schemeClr val="bg1"/>
+            </a:solidFill>
+            <a:ln>
+              <a:noFill/>
+            </a:ln>
+          </p:spPr>
+          <p:style>
+            <a:lnRef idx="2">
+              <a:schemeClr val="accent1">
+                <a:shade val="50000"/>
+              </a:schemeClr>
+            </a:lnRef>
+            <a:fillRef idx="1">
+              <a:schemeClr val="accent1"/>
+            </a:fillRef>
+            <a:effectRef idx="0">
+              <a:schemeClr val="accent1"/>
+            </a:effectRef>
+            <a:fontRef idx="minor">
+              <a:schemeClr val="lt1"/>
+            </a:fontRef>
+          </p:style>
+          <p:txBody>
+            <a:bodyPr rtlCol="0" anchor="ctr"/>
+            <a:lstStyle/>
+            <a:p>
+              <a:pPr algn="ctr"/>
+              <a:r>
+                <a:rPr lang="en-US" sz="1600" dirty="0">
+                  <a:solidFill>
+                    <a:schemeClr val="tx1"/>
+                  </a:solidFill>
+                </a:rPr>
+                <a:t>Joined Chat Room List</a:t>
+              </a:r>
+            </a:p>
+          </p:txBody>
+        </p:sp>
+        <p:sp>
+          <p:nvSpPr>
+            <p:cNvPr id="19" name="矩形 18">
+              <a:extLst>
+                <a:ext uri="{FF2B5EF4-FFF2-40B4-BE49-F238E27FC236}">
+                  <a16:creationId xmlns:a16="http://schemas.microsoft.com/office/drawing/2014/main" id="{B99564F8-AC29-45A5-973D-B1A32BCEE17A}"/>
+                </a:ext>
+              </a:extLst>
+            </p:cNvPr>
+            <p:cNvSpPr/>
+            <p:nvPr/>
+          </p:nvSpPr>
+          <p:spPr>
+            <a:xfrm>
+              <a:off x="7324538" y="5513139"/>
+              <a:ext cx="2537254" cy="304800"/>
+            </a:xfrm>
+            <a:prstGeom prst="rect">
+              <a:avLst/>
+            </a:prstGeom>
+            <a:solidFill>
+              <a:schemeClr val="bg1"/>
+            </a:solidFill>
+            <a:ln>
+              <a:noFill/>
+            </a:ln>
+          </p:spPr>
+          <p:style>
+            <a:lnRef idx="2">
+              <a:schemeClr val="accent1">
+                <a:shade val="50000"/>
+              </a:schemeClr>
+            </a:lnRef>
+            <a:fillRef idx="1">
+              <a:schemeClr val="accent1"/>
+            </a:fillRef>
+            <a:effectRef idx="0">
+              <a:schemeClr val="accent1"/>
+            </a:effectRef>
+            <a:fontRef idx="minor">
+              <a:schemeClr val="lt1"/>
+            </a:fontRef>
+          </p:style>
+          <p:txBody>
+            <a:bodyPr rtlCol="0" anchor="ctr"/>
+            <a:lstStyle/>
+            <a:p>
+              <a:pPr algn="ctr"/>
+              <a:r>
+                <a:rPr lang="en-US" sz="1600" dirty="0">
+                  <a:solidFill>
+                    <a:schemeClr val="tx1"/>
+                  </a:solidFill>
+                </a:rPr>
+                <a:t>Available Chat Room List</a:t>
+              </a:r>
+            </a:p>
+          </p:txBody>
+        </p:sp>
+        <p:sp>
+          <p:nvSpPr>
+            <p:cNvPr id="20" name="矩形 19">
+              <a:extLst>
+                <a:ext uri="{FF2B5EF4-FFF2-40B4-BE49-F238E27FC236}">
+                  <a16:creationId xmlns:a16="http://schemas.microsoft.com/office/drawing/2014/main" id="{474FDEB7-AED1-461C-8EA9-374E30B03B5D}"/>
+                </a:ext>
+              </a:extLst>
+            </p:cNvPr>
+            <p:cNvSpPr/>
+            <p:nvPr/>
+          </p:nvSpPr>
+          <p:spPr>
+            <a:xfrm>
+              <a:off x="7324538" y="5948839"/>
+              <a:ext cx="2537254" cy="304800"/>
+            </a:xfrm>
+            <a:prstGeom prst="rect">
+              <a:avLst/>
+            </a:prstGeom>
+            <a:solidFill>
+              <a:srgbClr val="FFFF00"/>
+            </a:solidFill>
+            <a:ln>
+              <a:noFill/>
+            </a:ln>
+          </p:spPr>
+          <p:style>
+            <a:lnRef idx="2">
+              <a:schemeClr val="accent1">
+                <a:shade val="50000"/>
+              </a:schemeClr>
+            </a:lnRef>
+            <a:fillRef idx="1">
+              <a:schemeClr val="accent1"/>
+            </a:fillRef>
+            <a:effectRef idx="0">
+              <a:schemeClr val="accent1"/>
+            </a:effectRef>
+            <a:fontRef idx="minor">
+              <a:schemeClr val="lt1"/>
+            </a:fontRef>
+          </p:style>
+          <p:txBody>
+            <a:bodyPr rtlCol="0" anchor="ctr"/>
+            <a:lstStyle/>
+            <a:p>
+              <a:pPr algn="ctr"/>
+              <a:r>
+                <a:rPr lang="en-US" sz="1600" dirty="0">
+                  <a:solidFill>
+                    <a:schemeClr val="tx1"/>
+                  </a:solidFill>
+                </a:rPr>
+                <a:t>Freedom</a:t>
+              </a:r>
+            </a:p>
+          </p:txBody>
+        </p:sp>
+        <p:sp>
+          <p:nvSpPr>
+            <p:cNvPr id="21" name="矩形 20">
+              <a:extLst>
+                <a:ext uri="{FF2B5EF4-FFF2-40B4-BE49-F238E27FC236}">
+                  <a16:creationId xmlns:a16="http://schemas.microsoft.com/office/drawing/2014/main" id="{DFE27677-E4C6-47B8-B395-5DC55865A532}"/>
+                </a:ext>
+              </a:extLst>
+            </p:cNvPr>
+            <p:cNvSpPr/>
+            <p:nvPr/>
+          </p:nvSpPr>
+          <p:spPr>
+            <a:xfrm>
+              <a:off x="7324538" y="6348166"/>
+              <a:ext cx="2537254" cy="304800"/>
+            </a:xfrm>
+            <a:prstGeom prst="rect">
+              <a:avLst/>
+            </a:prstGeom>
+            <a:solidFill>
+              <a:srgbClr val="FFFF00"/>
+            </a:solidFill>
+            <a:ln>
+              <a:noFill/>
+            </a:ln>
+          </p:spPr>
+          <p:style>
+            <a:lnRef idx="2">
+              <a:schemeClr val="accent1">
+                <a:shade val="50000"/>
+              </a:schemeClr>
+            </a:lnRef>
+            <a:fillRef idx="1">
+              <a:schemeClr val="accent1"/>
+            </a:fillRef>
+            <a:effectRef idx="0">
+              <a:schemeClr val="accent1"/>
+            </a:effectRef>
+            <a:fontRef idx="minor">
+              <a:schemeClr val="lt1"/>
+            </a:fontRef>
+          </p:style>
+          <p:txBody>
+            <a:bodyPr rtlCol="0" anchor="ctr"/>
+            <a:lstStyle/>
+            <a:p>
+              <a:pPr algn="ctr"/>
+              <a:r>
+                <a:rPr lang="en-US" dirty="0">
+                  <a:solidFill>
+                    <a:schemeClr val="tx1"/>
+                  </a:solidFill>
+                </a:rPr>
+                <a:t>…</a:t>
+              </a:r>
+            </a:p>
+          </p:txBody>
+        </p:sp>
+      </p:grpSp>
+    </p:spTree>
+    <p:extLst>
+      <p:ext uri="{BB962C8B-B14F-4D97-AF65-F5344CB8AC3E}">
+        <p14:creationId xmlns:p14="http://schemas.microsoft.com/office/powerpoint/2010/main" val="483031287"/>
+      </p:ext>
+    </p:extLst>
+  </p:cSld>
+  <p:clrMapOvr>
+    <a:masterClrMapping/>
+  </p:clrMapOvr>
+</p:sld>
+</file>
+
+<file path=ppt/slides/slide11.xml><?xml version="1.0" encoding="utf-8"?>
+<p:sld xmlns:a="http://schemas.openxmlformats.org/drawingml/2006/main" xmlns:r="http://schemas.openxmlformats.org/officeDocument/2006/relationships" xmlns:p="http://schemas.openxmlformats.org/presentationml/2006/main">
+  <p:cSld>
+    <p:spTree>
+      <p:nvGrpSpPr>
+        <p:cNvPr id="1" name=""/>
+        <p:cNvGrpSpPr/>
+        <p:nvPr/>
+      </p:nvGrpSpPr>
+      <p:grpSpPr>
+        <a:xfrm>
+          <a:off x="0" y="0"/>
+          <a:ext cx="0" cy="0"/>
+          <a:chOff x="0" y="0"/>
+          <a:chExt cx="0" cy="0"/>
+        </a:xfrm>
+      </p:grpSpPr>
+      <p:sp>
+        <p:nvSpPr>
+          <p:cNvPr id="2" name="标题 1">
+            <a:extLst>
+              <a:ext uri="{FF2B5EF4-FFF2-40B4-BE49-F238E27FC236}">
                 <a16:creationId xmlns:a16="http://schemas.microsoft.com/office/drawing/2014/main" id="{9EB50EDD-DE98-4348-87BB-49DBD146D085}"/>
               </a:ext>
             </a:extLst>
@@ -6817,7 +7971,7 @@
 </p:sld>
 </file>
 
-<file path=ppt/slides/slide11.xml><?xml version="1.0" encoding="utf-8"?>
+<file path=ppt/slides/slide12.xml><?xml version="1.0" encoding="utf-8"?>
 <p:sld xmlns:a="http://schemas.openxmlformats.org/drawingml/2006/main" xmlns:r="http://schemas.openxmlformats.org/officeDocument/2006/relationships" xmlns:p="http://schemas.openxmlformats.org/presentationml/2006/main">
   <p:cSld>
     <p:spTree>
@@ -7011,7 +8165,7 @@
 </p:sld>
 </file>
 
-<file path=ppt/slides/slide12.xml><?xml version="1.0" encoding="utf-8"?>
+<file path=ppt/slides/slide13.xml><?xml version="1.0" encoding="utf-8"?>
 <p:sld xmlns:a="http://schemas.openxmlformats.org/drawingml/2006/main" xmlns:r="http://schemas.openxmlformats.org/officeDocument/2006/relationships" xmlns:p="http://schemas.openxmlformats.org/presentationml/2006/main">
   <p:cSld>
     <p:spTree>
@@ -7355,7 +8509,7 @@
 </p:sld>
 </file>
 
-<file path=ppt/slides/slide13.xml><?xml version="1.0" encoding="utf-8"?>
+<file path=ppt/slides/slide14.xml><?xml version="1.0" encoding="utf-8"?>
 <p:sld xmlns:a="http://schemas.openxmlformats.org/drawingml/2006/main" xmlns:r="http://schemas.openxmlformats.org/officeDocument/2006/relationships" xmlns:p="http://schemas.openxmlformats.org/presentationml/2006/main">
   <p:cSld>
     <p:spTree>
@@ -7374,10 +8528,10 @@
       </p:grpSpPr>
       <p:pic>
         <p:nvPicPr>
-          <p:cNvPr id="8" name="图片 7">
+          <p:cNvPr id="3" name="图片 2">
             <a:extLst>
               <a:ext uri="{FF2B5EF4-FFF2-40B4-BE49-F238E27FC236}">
-                <a16:creationId xmlns:a16="http://schemas.microsoft.com/office/drawing/2014/main" id="{8C128D99-4C1A-4AE2-98EF-6CFE24525545}"/>
+                <a16:creationId xmlns:a16="http://schemas.microsoft.com/office/drawing/2014/main" id="{59FE1F99-0B31-442F-82D7-F731F7419DDF}"/>
               </a:ext>
             </a:extLst>
           </p:cNvPr>
@@ -7394,8 +8548,8 @@
         </p:blipFill>
         <p:spPr>
           <a:xfrm>
-            <a:off x="-17447" y="1186441"/>
-            <a:ext cx="12209447" cy="5671559"/>
+            <a:off x="0" y="1629617"/>
+            <a:ext cx="12192000" cy="5228383"/>
           </a:xfrm>
           <a:prstGeom prst="rect">
             <a:avLst/>
@@ -7449,8 +8603,8 @@
         </p:nvSpPr>
         <p:spPr>
           <a:xfrm>
-            <a:off x="175889" y="1791020"/>
-            <a:ext cx="3717685" cy="2554838"/>
+            <a:off x="175889" y="1791019"/>
+            <a:ext cx="3717685" cy="2932055"/>
           </a:xfrm>
           <a:prstGeom prst="rect">
             <a:avLst/>
@@ -7504,8 +8658,8 @@
         </p:nvSpPr>
         <p:spPr>
           <a:xfrm>
-            <a:off x="175889" y="4445413"/>
-            <a:ext cx="3717685" cy="2142199"/>
+            <a:off x="175889" y="4802588"/>
+            <a:ext cx="3717685" cy="1785024"/>
           </a:xfrm>
           <a:prstGeom prst="rect">
             <a:avLst/>
@@ -7560,7 +8714,7 @@
         <p:spPr>
           <a:xfrm>
             <a:off x="4395020" y="1791020"/>
-            <a:ext cx="4208206" cy="1926891"/>
+            <a:ext cx="4208206" cy="2280048"/>
           </a:xfrm>
           <a:prstGeom prst="rect">
             <a:avLst/>
@@ -7614,7 +8768,7 @@
         </p:nvSpPr>
         <p:spPr>
           <a:xfrm>
-            <a:off x="4395020" y="3806317"/>
+            <a:off x="4395020" y="4157283"/>
             <a:ext cx="4208206" cy="2142199"/>
           </a:xfrm>
           <a:prstGeom prst="rect">
@@ -7648,6 +8802,10 @@
           <a:lstStyle/>
           <a:p>
             <a:pPr algn="ctr"/>
+            <a:endParaRPr lang="en-US" dirty="0"/>
+          </a:p>
+          <a:p>
+            <a:pPr algn="ctr"/>
             <a:r>
               <a:rPr lang="en-US" dirty="0"/>
               <a:t>Room’s Response to User Action</a:t>
@@ -7670,7 +8828,7 @@
         <p:spPr>
           <a:xfrm>
             <a:off x="8985867" y="1791020"/>
-            <a:ext cx="3030244" cy="2216437"/>
+            <a:ext cx="3030244" cy="2621954"/>
           </a:xfrm>
           <a:prstGeom prst="rect">
             <a:avLst/>
@@ -7723,7 +8881,7 @@
 </p:sld>
 </file>
 
-<file path=ppt/slides/slide14.xml><?xml version="1.0" encoding="utf-8"?>
+<file path=ppt/slides/slide15.xml><?xml version="1.0" encoding="utf-8"?>
 <p:sld xmlns:a="http://schemas.openxmlformats.org/drawingml/2006/main" xmlns:r="http://schemas.openxmlformats.org/officeDocument/2006/relationships" xmlns:p="http://schemas.openxmlformats.org/presentationml/2006/main">
   <p:cSld>
     <p:spTree>
@@ -7908,7 +9066,7 @@
 </p:sld>
 </file>
 
-<file path=ppt/slides/slide15.xml><?xml version="1.0" encoding="utf-8"?>
+<file path=ppt/slides/slide16.xml><?xml version="1.0" encoding="utf-8"?>
 <p:sld xmlns:a="http://schemas.openxmlformats.org/drawingml/2006/main" xmlns:r="http://schemas.openxmlformats.org/officeDocument/2006/relationships" xmlns:p="http://schemas.openxmlformats.org/presentationml/2006/main">
   <p:cSld>
     <p:spTree>
@@ -8124,144 +9282,6 @@
 </p:sld>
 </file>
 
-<file path=ppt/slides/slide16.xml><?xml version="1.0" encoding="utf-8"?>
-<p:sld xmlns:a="http://schemas.openxmlformats.org/drawingml/2006/main" xmlns:r="http://schemas.openxmlformats.org/officeDocument/2006/relationships" xmlns:p="http://schemas.openxmlformats.org/presentationml/2006/main">
-  <p:cSld>
-    <p:spTree>
-      <p:nvGrpSpPr>
-        <p:cNvPr id="1" name=""/>
-        <p:cNvGrpSpPr/>
-        <p:nvPr/>
-      </p:nvGrpSpPr>
-      <p:grpSpPr>
-        <a:xfrm>
-          <a:off x="0" y="0"/>
-          <a:ext cx="0" cy="0"/>
-          <a:chOff x="0" y="0"/>
-          <a:chExt cx="0" cy="0"/>
-        </a:xfrm>
-      </p:grpSpPr>
-      <p:sp>
-        <p:nvSpPr>
-          <p:cNvPr id="2" name="标题 1">
-            <a:extLst>
-              <a:ext uri="{FF2B5EF4-FFF2-40B4-BE49-F238E27FC236}">
-                <a16:creationId xmlns:a16="http://schemas.microsoft.com/office/drawing/2014/main" id="{96E27F8B-749A-4AA2-8CAE-76431A131DA4}"/>
-              </a:ext>
-            </a:extLst>
-          </p:cNvPr>
-          <p:cNvSpPr>
-            <a:spLocks noGrp="1"/>
-          </p:cNvSpPr>
-          <p:nvPr>
-            <p:ph type="title"/>
-          </p:nvPr>
-        </p:nvSpPr>
-        <p:spPr>
-          <a:xfrm>
-            <a:off x="490521" y="452284"/>
-            <a:ext cx="8596668" cy="1320800"/>
-          </a:xfrm>
-        </p:spPr>
-        <p:txBody>
-          <a:bodyPr/>
-          <a:lstStyle/>
-          <a:p>
-            <a:r>
-              <a:rPr lang="en-US" dirty="0"/>
-              <a:t>Demo</a:t>
-            </a:r>
-          </a:p>
-        </p:txBody>
-      </p:sp>
-      <p:sp>
-        <p:nvSpPr>
-          <p:cNvPr id="8" name="内容占位符 7">
-            <a:extLst>
-              <a:ext uri="{FF2B5EF4-FFF2-40B4-BE49-F238E27FC236}">
-                <a16:creationId xmlns:a16="http://schemas.microsoft.com/office/drawing/2014/main" id="{B5CCE3A9-483E-412D-BAA6-66930FD2DCDC}"/>
-              </a:ext>
-            </a:extLst>
-          </p:cNvPr>
-          <p:cNvSpPr>
-            <a:spLocks noGrp="1"/>
-          </p:cNvSpPr>
-          <p:nvPr>
-            <p:ph idx="1"/>
-          </p:nvPr>
-        </p:nvSpPr>
-        <p:spPr>
-          <a:xfrm>
-            <a:off x="1797665" y="6113486"/>
-            <a:ext cx="8596668" cy="584459"/>
-          </a:xfrm>
-        </p:spPr>
-        <p:txBody>
-          <a:bodyPr/>
-          <a:lstStyle/>
-          <a:p>
-            <a:r>
-              <a:rPr lang="en-US" dirty="0">
-                <a:hlinkClick r:id="rId2"/>
-              </a:rPr>
-              <a:t>https://chatapp-team-freedom.herokuapp.com/main.html</a:t>
-            </a:r>
-            <a:endParaRPr lang="en-US" dirty="0"/>
-          </a:p>
-          <a:p>
-            <a:endParaRPr lang="en-US" dirty="0"/>
-          </a:p>
-        </p:txBody>
-      </p:sp>
-      <p:pic>
-        <p:nvPicPr>
-          <p:cNvPr id="9" name="内容占位符 8">
-            <a:extLst>
-              <a:ext uri="{FF2B5EF4-FFF2-40B4-BE49-F238E27FC236}">
-                <a16:creationId xmlns:a16="http://schemas.microsoft.com/office/drawing/2014/main" id="{7E5938A6-2CD1-4681-8244-FBBFD71866D0}"/>
-              </a:ext>
-            </a:extLst>
-          </p:cNvPr>
-          <p:cNvPicPr>
-            <a:picLocks noChangeAspect="1"/>
-          </p:cNvPicPr>
-          <p:nvPr/>
-        </p:nvPicPr>
-        <p:blipFill>
-          <a:blip r:embed="rId3">
-            <a:extLst>
-              <a:ext uri="{28A0092B-C50C-407E-A947-70E740481C1C}">
-                <a14:useLocalDpi xmlns:a14="http://schemas.microsoft.com/office/drawing/2010/main" val="0"/>
-              </a:ext>
-            </a:extLst>
-          </a:blip>
-          <a:stretch>
-            <a:fillRect/>
-          </a:stretch>
-        </p:blipFill>
-        <p:spPr>
-          <a:xfrm>
-            <a:off x="1503865" y="1271258"/>
-            <a:ext cx="9184269" cy="4635186"/>
-          </a:xfrm>
-          <a:prstGeom prst="rect">
-            <a:avLst/>
-          </a:prstGeom>
-        </p:spPr>
-      </p:pic>
-    </p:spTree>
-    <p:extLst>
-      <p:ext uri="{BB962C8B-B14F-4D97-AF65-F5344CB8AC3E}">
-        <p14:creationId xmlns:p14="http://schemas.microsoft.com/office/powerpoint/2010/main" val="1843028167"/>
-      </p:ext>
-    </p:extLst>
-  </p:cSld>
-  <p:clrMapOvr>
-    <a:masterClrMapping/>
-  </p:clrMapOvr>
-</p:sld>
-</file>
-
 <file path=ppt/slides/slide17.xml><?xml version="1.0" encoding="utf-8"?>
 <p:sld xmlns:a="http://schemas.openxmlformats.org/drawingml/2006/main" xmlns:r="http://schemas.openxmlformats.org/officeDocument/2006/relationships" xmlns:p="http://schemas.openxmlformats.org/presentationml/2006/main">
   <p:cSld>
@@ -8411,7 +9431,7 @@
           <a:p>
             <a:r>
               <a:rPr lang="en-US" sz="2800" dirty="0"/>
-              <a:t>GUI</a:t>
+              <a:t>GUI + Demo</a:t>
             </a:r>
           </a:p>
           <a:p>
@@ -8423,19 +9443,7 @@
           <a:p>
             <a:r>
               <a:rPr lang="en-US" sz="2800" dirty="0"/>
-              <a:t>API + UML</a:t>
-            </a:r>
-          </a:p>
-          <a:p>
-            <a:r>
-              <a:rPr lang="en-US" sz="2800" dirty="0"/>
-              <a:t>Design Pattern</a:t>
-            </a:r>
-          </a:p>
-          <a:p>
-            <a:r>
-              <a:rPr lang="en-US" sz="2800" dirty="0"/>
-              <a:t>Demo</a:t>
+              <a:t>API + Design Pattern</a:t>
             </a:r>
           </a:p>
         </p:txBody>
@@ -11820,7 +12828,7 @@
           <p:cNvPr id="2" name="标题 1">
             <a:extLst>
               <a:ext uri="{FF2B5EF4-FFF2-40B4-BE49-F238E27FC236}">
-                <a16:creationId xmlns:a16="http://schemas.microsoft.com/office/drawing/2014/main" id="{C3EBD326-DB7D-4C6A-A222-178EDB714697}"/>
+                <a16:creationId xmlns:a16="http://schemas.microsoft.com/office/drawing/2014/main" id="{96E27F8B-749A-4AA2-8CAE-76431A131DA4}"/>
               </a:ext>
             </a:extLst>
           </p:cNvPr>
@@ -11833,7 +12841,7 @@
         </p:nvSpPr>
         <p:spPr>
           <a:xfrm>
-            <a:off x="429370" y="278917"/>
+            <a:off x="490521" y="452284"/>
             <a:ext cx="8596668" cy="1320800"/>
           </a:xfrm>
         </p:spPr>
@@ -11843,17 +12851,17 @@
           <a:p>
             <a:r>
               <a:rPr lang="en-US" dirty="0"/>
-              <a:t>View&lt;=&gt;Model Communication</a:t>
-            </a:r>
-          </a:p>
-        </p:txBody>
-      </p:sp>
-      <p:sp>
-        <p:nvSpPr>
-          <p:cNvPr id="5" name="内容占位符 2">
+              <a:t>Demo</a:t>
+            </a:r>
+          </a:p>
+        </p:txBody>
+      </p:sp>
+      <p:sp>
+        <p:nvSpPr>
+          <p:cNvPr id="8" name="内容占位符 7">
             <a:extLst>
               <a:ext uri="{FF2B5EF4-FFF2-40B4-BE49-F238E27FC236}">
-                <a16:creationId xmlns:a16="http://schemas.microsoft.com/office/drawing/2014/main" id="{7BEA50BD-6465-474A-ABBC-148B505237FC}"/>
+                <a16:creationId xmlns:a16="http://schemas.microsoft.com/office/drawing/2014/main" id="{B5CCE3A9-483E-412D-BAA6-66930FD2DCDC}"/>
               </a:ext>
             </a:extLst>
           </p:cNvPr>
@@ -11866,76 +12874,67 @@
         </p:nvSpPr>
         <p:spPr>
           <a:xfrm>
-            <a:off x="429370" y="1714575"/>
-            <a:ext cx="9947082" cy="4681994"/>
-          </a:xfrm>
-        </p:spPr>
-        <p:txBody>
-          <a:bodyPr>
-            <a:normAutofit/>
-          </a:bodyPr>
-          <a:lstStyle/>
-          <a:p>
-            <a:r>
-              <a:rPr lang="en-US" sz="2400" dirty="0"/>
-              <a:t>View is not updated every 100ms, but </a:t>
-            </a:r>
-            <a:r>
-              <a:rPr lang="en-US" sz="2400" dirty="0" err="1"/>
-              <a:t>onevent</a:t>
-            </a:r>
-            <a:endParaRPr lang="en-US" sz="2400" dirty="0"/>
-          </a:p>
-          <a:p>
-            <a:pPr lvl="1"/>
-            <a:r>
-              <a:rPr lang="en-US" sz="2200" dirty="0"/>
-              <a:t>E.g. When receive a message from server</a:t>
-            </a:r>
-          </a:p>
-          <a:p>
-            <a:r>
-              <a:rPr lang="en-US" sz="2400" dirty="0"/>
-              <a:t>View will also have some logics to process the data from server to update the content it is presenting</a:t>
-            </a:r>
-          </a:p>
-          <a:p>
-            <a:r>
-              <a:rPr lang="en-US" sz="2400" dirty="0"/>
-              <a:t>Need to design the View&lt;=&gt;Model communication protocol for View and Model to interact</a:t>
-            </a:r>
-            <a:endParaRPr lang="en-US" sz="2200" dirty="0"/>
-          </a:p>
-          <a:p>
-            <a:pPr marL="0" indent="0">
-              <a:buNone/>
-            </a:pPr>
+            <a:off x="1797665" y="6113486"/>
+            <a:ext cx="8596668" cy="584459"/>
+          </a:xfrm>
+        </p:spPr>
+        <p:txBody>
+          <a:bodyPr/>
+          <a:lstStyle/>
+          <a:p>
+            <a:r>
+              <a:rPr lang="en-US" dirty="0">
+                <a:hlinkClick r:id="rId2"/>
+              </a:rPr>
+              <a:t>https://chatapp-team-freedom.herokuapp.com/main.html</a:t>
+            </a:r>
             <a:endParaRPr lang="en-US" dirty="0"/>
           </a:p>
           <a:p>
-            <a:pPr marL="0" indent="0">
-              <a:buNone/>
-            </a:pPr>
             <a:endParaRPr lang="en-US" dirty="0"/>
           </a:p>
-          <a:p>
-            <a:pPr marL="0" indent="0">
-              <a:buNone/>
-            </a:pPr>
-            <a:endParaRPr lang="en-US" dirty="0"/>
-          </a:p>
-          <a:p>
-            <a:pPr marL="0" indent="0">
-              <a:buNone/>
-            </a:pPr>
-            <a:endParaRPr lang="en-US" dirty="0"/>
-          </a:p>
-        </p:txBody>
-      </p:sp>
+        </p:txBody>
+      </p:sp>
+      <p:pic>
+        <p:nvPicPr>
+          <p:cNvPr id="9" name="内容占位符 8">
+            <a:extLst>
+              <a:ext uri="{FF2B5EF4-FFF2-40B4-BE49-F238E27FC236}">
+                <a16:creationId xmlns:a16="http://schemas.microsoft.com/office/drawing/2014/main" id="{7E5938A6-2CD1-4681-8244-FBBFD71866D0}"/>
+              </a:ext>
+            </a:extLst>
+          </p:cNvPr>
+          <p:cNvPicPr>
+            <a:picLocks noChangeAspect="1"/>
+          </p:cNvPicPr>
+          <p:nvPr/>
+        </p:nvPicPr>
+        <p:blipFill>
+          <a:blip r:embed="rId3">
+            <a:extLst>
+              <a:ext uri="{28A0092B-C50C-407E-A947-70E740481C1C}">
+                <a14:useLocalDpi xmlns:a14="http://schemas.microsoft.com/office/drawing/2010/main" val="0"/>
+              </a:ext>
+            </a:extLst>
+          </a:blip>
+          <a:stretch>
+            <a:fillRect/>
+          </a:stretch>
+        </p:blipFill>
+        <p:spPr>
+          <a:xfrm>
+            <a:off x="1503865" y="1271258"/>
+            <a:ext cx="9184269" cy="4635186"/>
+          </a:xfrm>
+          <a:prstGeom prst="rect">
+            <a:avLst/>
+          </a:prstGeom>
+        </p:spPr>
+      </p:pic>
     </p:spTree>
     <p:extLst>
       <p:ext uri="{BB962C8B-B14F-4D97-AF65-F5344CB8AC3E}">
-        <p14:creationId xmlns:p14="http://schemas.microsoft.com/office/powerpoint/2010/main" val="248096839"/>
+        <p14:creationId xmlns:p14="http://schemas.microsoft.com/office/powerpoint/2010/main" val="1843028167"/>
       </p:ext>
     </p:extLst>
   </p:cSld>
@@ -11989,1107 +12988,100 @@
           <a:lstStyle/>
           <a:p>
             <a:r>
-              <a:rPr lang="en-US" altLang="zh-CN" dirty="0"/>
-              <a:t>A Example</a:t>
-            </a:r>
-            <a:endParaRPr lang="en-US" dirty="0"/>
-          </a:p>
-        </p:txBody>
-      </p:sp>
-      <p:sp>
-        <p:nvSpPr>
-          <p:cNvPr id="4" name="矩形 3">
+              <a:rPr lang="en-US" dirty="0"/>
+              <a:t>View&lt;=&gt;Model Communication</a:t>
+            </a:r>
+          </a:p>
+        </p:txBody>
+      </p:sp>
+      <p:sp>
+        <p:nvSpPr>
+          <p:cNvPr id="5" name="内容占位符 2">
             <a:extLst>
               <a:ext uri="{FF2B5EF4-FFF2-40B4-BE49-F238E27FC236}">
-                <a16:creationId xmlns:a16="http://schemas.microsoft.com/office/drawing/2014/main" id="{4B2327D0-DBE2-43B2-9817-9948CFE37EB2}"/>
+                <a16:creationId xmlns:a16="http://schemas.microsoft.com/office/drawing/2014/main" id="{7BEA50BD-6465-474A-ABBC-148B505237FC}"/>
               </a:ext>
             </a:extLst>
           </p:cNvPr>
-          <p:cNvSpPr/>
-          <p:nvPr/>
+          <p:cNvSpPr>
+            <a:spLocks noGrp="1"/>
+          </p:cNvSpPr>
+          <p:nvPr>
+            <p:ph idx="1"/>
+          </p:nvPr>
         </p:nvSpPr>
         <p:spPr>
           <a:xfrm>
-            <a:off x="1743507" y="1330079"/>
-            <a:ext cx="4578103" cy="4369242"/>
-          </a:xfrm>
-          <a:prstGeom prst="rect">
-            <a:avLst/>
-          </a:prstGeom>
-        </p:spPr>
-        <p:style>
-          <a:lnRef idx="2">
-            <a:schemeClr val="accent1">
-              <a:shade val="50000"/>
-            </a:schemeClr>
-          </a:lnRef>
-          <a:fillRef idx="1">
-            <a:schemeClr val="accent1"/>
-          </a:fillRef>
-          <a:effectRef idx="0">
-            <a:schemeClr val="accent1"/>
-          </a:effectRef>
-          <a:fontRef idx="minor">
-            <a:schemeClr val="lt1"/>
-          </a:fontRef>
-        </p:style>
-        <p:txBody>
-          <a:bodyPr rtlCol="0" anchor="ctr"/>
-          <a:lstStyle/>
-          <a:p>
-            <a:pPr algn="ctr"/>
+            <a:off x="429370" y="1714575"/>
+            <a:ext cx="9947082" cy="4681994"/>
+          </a:xfrm>
+        </p:spPr>
+        <p:txBody>
+          <a:bodyPr>
+            <a:normAutofit/>
+          </a:bodyPr>
+          <a:lstStyle/>
+          <a:p>
+            <a:r>
+              <a:rPr lang="en-US" sz="2400" dirty="0"/>
+              <a:t>View is not updated every 100ms, but </a:t>
+            </a:r>
+            <a:r>
+              <a:rPr lang="en-US" sz="2400" dirty="0" err="1"/>
+              <a:t>onevent</a:t>
+            </a:r>
+            <a:endParaRPr lang="en-US" sz="2400" dirty="0"/>
+          </a:p>
+          <a:p>
+            <a:pPr lvl="1"/>
+            <a:r>
+              <a:rPr lang="en-US" sz="2200" dirty="0"/>
+              <a:t>E.g. When receive a message from server</a:t>
+            </a:r>
+          </a:p>
+          <a:p>
+            <a:r>
+              <a:rPr lang="en-US" sz="2400" dirty="0"/>
+              <a:t>View will also have some logics to process the data from server to update the content it is presenting</a:t>
+            </a:r>
+          </a:p>
+          <a:p>
+            <a:r>
+              <a:rPr lang="en-US" sz="2400" dirty="0"/>
+              <a:t>Need to design the View&lt;=&gt;Model communication protocol for View and Model to interact</a:t>
+            </a:r>
+            <a:endParaRPr lang="en-US" sz="2200" dirty="0"/>
+          </a:p>
+          <a:p>
+            <a:pPr marL="0" indent="0">
+              <a:buNone/>
+            </a:pPr>
             <a:endParaRPr lang="en-US" dirty="0"/>
           </a:p>
           <a:p>
-            <a:pPr algn="ctr"/>
+            <a:pPr marL="0" indent="0">
+              <a:buNone/>
+            </a:pPr>
             <a:endParaRPr lang="en-US" dirty="0"/>
           </a:p>
           <a:p>
-            <a:pPr algn="ctr"/>
+            <a:pPr marL="0" indent="0">
+              <a:buNone/>
+            </a:pPr>
             <a:endParaRPr lang="en-US" dirty="0"/>
           </a:p>
           <a:p>
-            <a:pPr algn="ctr"/>
-            <a:r>
-              <a:rPr lang="en-US" dirty="0"/>
-              <a:t>FRONTEND VIEW</a:t>
-            </a:r>
-          </a:p>
-          <a:p>
-            <a:pPr algn="ctr"/>
+            <a:pPr marL="0" indent="0">
+              <a:buNone/>
+            </a:pPr>
             <a:endParaRPr lang="en-US" dirty="0"/>
           </a:p>
-          <a:p>
-            <a:pPr algn="ctr"/>
-            <a:r>
-              <a:rPr lang="en-US" dirty="0"/>
-              <a:t>(1)Send to model “login user1 25 US Rice”</a:t>
-            </a:r>
-          </a:p>
-          <a:p>
-            <a:pPr algn="ctr"/>
-            <a:endParaRPr lang="en-US" dirty="0"/>
-          </a:p>
-          <a:p>
-            <a:pPr algn="ctr"/>
-            <a:endParaRPr lang="en-US" dirty="0"/>
-          </a:p>
-          <a:p>
-            <a:pPr algn="ctr"/>
-            <a:endParaRPr lang="en-US" dirty="0"/>
-          </a:p>
-          <a:p>
-            <a:pPr algn="ctr"/>
-            <a:endParaRPr lang="en-US" dirty="0"/>
-          </a:p>
-          <a:p>
-            <a:pPr algn="ctr"/>
-            <a:r>
-              <a:rPr lang="en-US" dirty="0"/>
-              <a:t>(3)View </a:t>
-            </a:r>
-            <a:r>
-              <a:rPr lang="en-US" dirty="0" err="1"/>
-              <a:t>onMessage</a:t>
-            </a:r>
-            <a:endParaRPr lang="en-US" dirty="0"/>
-          </a:p>
-          <a:p>
-            <a:pPr algn="ctr"/>
-            <a:endParaRPr lang="en-US" dirty="0"/>
-          </a:p>
-          <a:p>
-            <a:pPr marL="285750" indent="-285750">
-              <a:buFont typeface="Arial" panose="020B0604020202020204" pitchFamily="34" charset="0"/>
-              <a:buChar char="•"/>
-            </a:pPr>
-            <a:r>
-              <a:rPr lang="en-US" dirty="0"/>
-              <a:t>Determine message type  - login</a:t>
-            </a:r>
-          </a:p>
-          <a:p>
-            <a:pPr marL="285750" indent="-285750">
-              <a:buFont typeface="Arial" panose="020B0604020202020204" pitchFamily="34" charset="0"/>
-              <a:buChar char="•"/>
-            </a:pPr>
-            <a:r>
-              <a:rPr lang="en-US" dirty="0"/>
-              <a:t>Initialize the GUI based on returned User info - JSON.parse(message).res</a:t>
-            </a:r>
-          </a:p>
-          <a:p>
-            <a:pPr marL="742950" lvl="1" indent="-285750">
-              <a:buFont typeface="Arial" panose="020B0604020202020204" pitchFamily="34" charset="0"/>
-              <a:buChar char="•"/>
-            </a:pPr>
-            <a:r>
-              <a:rPr lang="en-US" dirty="0"/>
-              <a:t>User profile</a:t>
-            </a:r>
-          </a:p>
-          <a:p>
-            <a:pPr marL="742950" lvl="1" indent="-285750">
-              <a:buFont typeface="Arial" panose="020B0604020202020204" pitchFamily="34" charset="0"/>
-              <a:buChar char="•"/>
-            </a:pPr>
-            <a:r>
-              <a:rPr lang="en-US" dirty="0"/>
-              <a:t>User’s joined list, available list </a:t>
-            </a:r>
-          </a:p>
-          <a:p>
-            <a:pPr marL="742950" lvl="1" indent="-285750">
-              <a:buFont typeface="Arial" panose="020B0604020202020204" pitchFamily="34" charset="0"/>
-              <a:buChar char="•"/>
-            </a:pPr>
-            <a:r>
-              <a:rPr lang="en-US" dirty="0" err="1"/>
-              <a:t>etc</a:t>
-            </a:r>
-            <a:endParaRPr lang="en-US" dirty="0"/>
-          </a:p>
-          <a:p>
-            <a:pPr algn="ctr"/>
-            <a:endParaRPr lang="en-US" dirty="0"/>
-          </a:p>
-          <a:p>
-            <a:pPr algn="ctr"/>
-            <a:endParaRPr lang="en-US" dirty="0"/>
-          </a:p>
-        </p:txBody>
-      </p:sp>
-      <p:sp>
-        <p:nvSpPr>
-          <p:cNvPr id="6" name="矩形 5">
-            <a:extLst>
-              <a:ext uri="{FF2B5EF4-FFF2-40B4-BE49-F238E27FC236}">
-                <a16:creationId xmlns:a16="http://schemas.microsoft.com/office/drawing/2014/main" id="{2CD73F3B-4671-4325-A5EB-B239F71EDD04}"/>
-              </a:ext>
-            </a:extLst>
-          </p:cNvPr>
-          <p:cNvSpPr/>
-          <p:nvPr/>
-        </p:nvSpPr>
-        <p:spPr>
-          <a:xfrm>
-            <a:off x="7540532" y="458906"/>
-            <a:ext cx="4449443" cy="3089588"/>
-          </a:xfrm>
-          <a:prstGeom prst="rect">
-            <a:avLst/>
-          </a:prstGeom>
-          <a:solidFill>
-            <a:schemeClr val="accent4">
-              <a:lumMod val="75000"/>
-            </a:schemeClr>
-          </a:solidFill>
-        </p:spPr>
-        <p:style>
-          <a:lnRef idx="2">
-            <a:schemeClr val="accent1">
-              <a:shade val="50000"/>
-            </a:schemeClr>
-          </a:lnRef>
-          <a:fillRef idx="1">
-            <a:schemeClr val="accent1"/>
-          </a:fillRef>
-          <a:effectRef idx="0">
-            <a:schemeClr val="accent1"/>
-          </a:effectRef>
-          <a:fontRef idx="minor">
-            <a:schemeClr val="lt1"/>
-          </a:fontRef>
-        </p:style>
-        <p:txBody>
-          <a:bodyPr rtlCol="0" anchor="ctr"/>
-          <a:lstStyle/>
-          <a:p>
-            <a:pPr algn="ctr"/>
-            <a:r>
-              <a:rPr lang="en-US" dirty="0"/>
-              <a:t>BACKEND MODEL</a:t>
-            </a:r>
-          </a:p>
-          <a:p>
-            <a:pPr algn="ctr"/>
-            <a:endParaRPr lang="en-US" dirty="0"/>
-          </a:p>
-          <a:p>
-            <a:pPr algn="ctr"/>
-            <a:r>
-              <a:rPr lang="en-US" dirty="0"/>
-              <a:t>(2)Server </a:t>
-            </a:r>
-            <a:r>
-              <a:rPr lang="en-US" dirty="0" err="1"/>
-              <a:t>onMessage</a:t>
-            </a:r>
-            <a:endParaRPr lang="en-US" dirty="0"/>
-          </a:p>
-          <a:p>
-            <a:pPr algn="ctr"/>
-            <a:endParaRPr lang="en-US" dirty="0"/>
-          </a:p>
-          <a:p>
-            <a:pPr marL="285750" indent="-285750">
-              <a:buFont typeface="Arial" panose="020B0604020202020204" pitchFamily="34" charset="0"/>
-              <a:buChar char="•"/>
-            </a:pPr>
-            <a:r>
-              <a:rPr lang="en-US" dirty="0"/>
-              <a:t>Determine command type – login</a:t>
-            </a:r>
-          </a:p>
-          <a:p>
-            <a:pPr marL="285750" indent="-285750">
-              <a:buFont typeface="Arial" panose="020B0604020202020204" pitchFamily="34" charset="0"/>
-              <a:buChar char="•"/>
-            </a:pPr>
-            <a:r>
-              <a:rPr lang="en-US" dirty="0"/>
-              <a:t>Create and store the user in backend</a:t>
-            </a:r>
-          </a:p>
-          <a:p>
-            <a:pPr marL="285750" indent="-285750">
-              <a:buFont typeface="Arial" panose="020B0604020202020204" pitchFamily="34" charset="0"/>
-              <a:buChar char="•"/>
-            </a:pPr>
-            <a:r>
-              <a:rPr lang="en-US" dirty="0"/>
-              <a:t>Notify view with below info</a:t>
-            </a:r>
-          </a:p>
-          <a:p>
-            <a:pPr lvl="1"/>
-            <a:r>
-              <a:rPr lang="en-US" dirty="0"/>
-              <a:t>{</a:t>
-            </a:r>
-          </a:p>
-          <a:p>
-            <a:pPr lvl="2"/>
-            <a:r>
-              <a:rPr lang="en-US" dirty="0"/>
-              <a:t>type : “login”,</a:t>
-            </a:r>
-          </a:p>
-          <a:p>
-            <a:pPr lvl="2"/>
-            <a:r>
-              <a:rPr lang="en-US" dirty="0"/>
-              <a:t>res: </a:t>
-            </a:r>
-            <a:r>
-              <a:rPr lang="en-US" dirty="0" err="1"/>
-              <a:t>gson.toJson</a:t>
-            </a:r>
-            <a:r>
-              <a:rPr lang="en-US" dirty="0"/>
-              <a:t>(User)</a:t>
-            </a:r>
-          </a:p>
-          <a:p>
-            <a:pPr lvl="1"/>
-            <a:r>
-              <a:rPr lang="en-US" dirty="0"/>
-              <a:t>}</a:t>
-            </a:r>
-          </a:p>
-        </p:txBody>
-      </p:sp>
-      <p:grpSp>
-        <p:nvGrpSpPr>
-          <p:cNvPr id="14" name="组合 13">
-            <a:extLst>
-              <a:ext uri="{FF2B5EF4-FFF2-40B4-BE49-F238E27FC236}">
-                <a16:creationId xmlns:a16="http://schemas.microsoft.com/office/drawing/2014/main" id="{ED511EA7-EBE7-4B7D-86AE-F0C2EEA2CD3E}"/>
-              </a:ext>
-            </a:extLst>
-          </p:cNvPr>
-          <p:cNvGrpSpPr/>
-          <p:nvPr/>
-        </p:nvGrpSpPr>
-        <p:grpSpPr>
-          <a:xfrm>
-            <a:off x="0" y="1206391"/>
-            <a:ext cx="1854516" cy="1857668"/>
-            <a:chOff x="2232454" y="2787087"/>
-            <a:chExt cx="2924432" cy="2386275"/>
-          </a:xfrm>
-        </p:grpSpPr>
-        <p:sp>
-          <p:nvSpPr>
-            <p:cNvPr id="8" name="矩形: 圆角 7">
-              <a:extLst>
-                <a:ext uri="{FF2B5EF4-FFF2-40B4-BE49-F238E27FC236}">
-                  <a16:creationId xmlns:a16="http://schemas.microsoft.com/office/drawing/2014/main" id="{A6D44077-EC5E-4B71-A494-E433C173EDF3}"/>
-                </a:ext>
-              </a:extLst>
-            </p:cNvPr>
-            <p:cNvSpPr/>
-            <p:nvPr/>
-          </p:nvSpPr>
-          <p:spPr>
-            <a:xfrm>
-              <a:off x="2232454" y="2787087"/>
-              <a:ext cx="2924432" cy="2386275"/>
-            </a:xfrm>
-            <a:prstGeom prst="roundRect">
-              <a:avLst/>
-            </a:prstGeom>
-            <a:solidFill>
-              <a:schemeClr val="bg2"/>
-            </a:solidFill>
-            <a:ln>
-              <a:noFill/>
-            </a:ln>
-          </p:spPr>
-          <p:style>
-            <a:lnRef idx="2">
-              <a:schemeClr val="accent1">
-                <a:shade val="50000"/>
-              </a:schemeClr>
-            </a:lnRef>
-            <a:fillRef idx="1">
-              <a:schemeClr val="accent1"/>
-            </a:fillRef>
-            <a:effectRef idx="0">
-              <a:schemeClr val="accent1"/>
-            </a:effectRef>
-            <a:fontRef idx="minor">
-              <a:schemeClr val="lt1"/>
-            </a:fontRef>
-          </p:style>
-          <p:txBody>
-            <a:bodyPr rtlCol="0" anchor="ctr"/>
-            <a:lstStyle/>
-            <a:p>
-              <a:pPr algn="ctr"/>
-              <a:endParaRPr lang="en-US"/>
-            </a:p>
-          </p:txBody>
-        </p:sp>
-        <p:sp>
-          <p:nvSpPr>
-            <p:cNvPr id="9" name="矩形 8">
-              <a:extLst>
-                <a:ext uri="{FF2B5EF4-FFF2-40B4-BE49-F238E27FC236}">
-                  <a16:creationId xmlns:a16="http://schemas.microsoft.com/office/drawing/2014/main" id="{AF3F03B6-3F60-4B6A-89D4-E4BAB7A54A6D}"/>
-                </a:ext>
-              </a:extLst>
-            </p:cNvPr>
-            <p:cNvSpPr/>
-            <p:nvPr/>
-          </p:nvSpPr>
-          <p:spPr>
-            <a:xfrm>
-              <a:off x="2444578" y="2984801"/>
-              <a:ext cx="2537254" cy="304800"/>
-            </a:xfrm>
-            <a:prstGeom prst="rect">
-              <a:avLst/>
-            </a:prstGeom>
-            <a:solidFill>
-              <a:schemeClr val="bg1"/>
-            </a:solidFill>
-            <a:ln>
-              <a:noFill/>
-            </a:ln>
-          </p:spPr>
-          <p:style>
-            <a:lnRef idx="2">
-              <a:schemeClr val="accent1">
-                <a:shade val="50000"/>
-              </a:schemeClr>
-            </a:lnRef>
-            <a:fillRef idx="1">
-              <a:schemeClr val="accent1"/>
-            </a:fillRef>
-            <a:effectRef idx="0">
-              <a:schemeClr val="accent1"/>
-            </a:effectRef>
-            <a:fontRef idx="minor">
-              <a:schemeClr val="lt1"/>
-            </a:fontRef>
-          </p:style>
-          <p:txBody>
-            <a:bodyPr rtlCol="0" anchor="ctr"/>
-            <a:lstStyle/>
-            <a:p>
-              <a:pPr algn="ctr"/>
-              <a:r>
-                <a:rPr lang="en-US" dirty="0">
-                  <a:solidFill>
-                    <a:schemeClr val="tx1"/>
-                  </a:solidFill>
-                </a:rPr>
-                <a:t>username</a:t>
-              </a:r>
-            </a:p>
-          </p:txBody>
-        </p:sp>
-        <p:sp>
-          <p:nvSpPr>
-            <p:cNvPr id="10" name="矩形 9">
-              <a:extLst>
-                <a:ext uri="{FF2B5EF4-FFF2-40B4-BE49-F238E27FC236}">
-                  <a16:creationId xmlns:a16="http://schemas.microsoft.com/office/drawing/2014/main" id="{22A162B3-8828-4D6B-93B9-843BEA8856D4}"/>
-                </a:ext>
-              </a:extLst>
-            </p:cNvPr>
-            <p:cNvSpPr/>
-            <p:nvPr/>
-          </p:nvSpPr>
-          <p:spPr>
-            <a:xfrm>
-              <a:off x="2444578" y="3435511"/>
-              <a:ext cx="2537254" cy="304800"/>
-            </a:xfrm>
-            <a:prstGeom prst="rect">
-              <a:avLst/>
-            </a:prstGeom>
-            <a:solidFill>
-              <a:schemeClr val="bg1"/>
-            </a:solidFill>
-            <a:ln>
-              <a:noFill/>
-            </a:ln>
-          </p:spPr>
-          <p:style>
-            <a:lnRef idx="2">
-              <a:schemeClr val="accent1">
-                <a:shade val="50000"/>
-              </a:schemeClr>
-            </a:lnRef>
-            <a:fillRef idx="1">
-              <a:schemeClr val="accent1"/>
-            </a:fillRef>
-            <a:effectRef idx="0">
-              <a:schemeClr val="accent1"/>
-            </a:effectRef>
-            <a:fontRef idx="minor">
-              <a:schemeClr val="lt1"/>
-            </a:fontRef>
-          </p:style>
-          <p:txBody>
-            <a:bodyPr rtlCol="0" anchor="ctr"/>
-            <a:lstStyle/>
-            <a:p>
-              <a:pPr algn="ctr"/>
-              <a:r>
-                <a:rPr lang="en-US" altLang="zh-CN" dirty="0">
-                  <a:solidFill>
-                    <a:schemeClr val="tx1"/>
-                  </a:solidFill>
-                </a:rPr>
-                <a:t>age</a:t>
-              </a:r>
-              <a:endParaRPr lang="en-US" dirty="0">
-                <a:solidFill>
-                  <a:schemeClr val="tx1"/>
-                </a:solidFill>
-              </a:endParaRPr>
-            </a:p>
-          </p:txBody>
-        </p:sp>
-        <p:sp>
-          <p:nvSpPr>
-            <p:cNvPr id="11" name="矩形 10">
-              <a:extLst>
-                <a:ext uri="{FF2B5EF4-FFF2-40B4-BE49-F238E27FC236}">
-                  <a16:creationId xmlns:a16="http://schemas.microsoft.com/office/drawing/2014/main" id="{3DA22348-352C-484D-A9A4-CB8D83CFFCF1}"/>
-                </a:ext>
-              </a:extLst>
-            </p:cNvPr>
-            <p:cNvSpPr/>
-            <p:nvPr/>
-          </p:nvSpPr>
-          <p:spPr>
-            <a:xfrm>
-              <a:off x="2444578" y="3900132"/>
-              <a:ext cx="2537254" cy="304800"/>
-            </a:xfrm>
-            <a:prstGeom prst="rect">
-              <a:avLst/>
-            </a:prstGeom>
-            <a:solidFill>
-              <a:schemeClr val="bg1"/>
-            </a:solidFill>
-            <a:ln>
-              <a:noFill/>
-            </a:ln>
-          </p:spPr>
-          <p:style>
-            <a:lnRef idx="2">
-              <a:schemeClr val="accent1">
-                <a:shade val="50000"/>
-              </a:schemeClr>
-            </a:lnRef>
-            <a:fillRef idx="1">
-              <a:schemeClr val="accent1"/>
-            </a:fillRef>
-            <a:effectRef idx="0">
-              <a:schemeClr val="accent1"/>
-            </a:effectRef>
-            <a:fontRef idx="minor">
-              <a:schemeClr val="lt1"/>
-            </a:fontRef>
-          </p:style>
-          <p:txBody>
-            <a:bodyPr rtlCol="0" anchor="ctr"/>
-            <a:lstStyle/>
-            <a:p>
-              <a:pPr algn="ctr"/>
-              <a:r>
-                <a:rPr lang="en-US" dirty="0">
-                  <a:solidFill>
-                    <a:schemeClr val="tx1"/>
-                  </a:solidFill>
-                </a:rPr>
-                <a:t>location</a:t>
-              </a:r>
-            </a:p>
-          </p:txBody>
-        </p:sp>
-        <p:sp>
-          <p:nvSpPr>
-            <p:cNvPr id="12" name="矩形 11">
-              <a:extLst>
-                <a:ext uri="{FF2B5EF4-FFF2-40B4-BE49-F238E27FC236}">
-                  <a16:creationId xmlns:a16="http://schemas.microsoft.com/office/drawing/2014/main" id="{67936BA2-AD72-407F-8805-9647615FB947}"/>
-                </a:ext>
-              </a:extLst>
-            </p:cNvPr>
-            <p:cNvSpPr/>
-            <p:nvPr/>
-          </p:nvSpPr>
-          <p:spPr>
-            <a:xfrm>
-              <a:off x="2444578" y="4360743"/>
-              <a:ext cx="2537254" cy="304800"/>
-            </a:xfrm>
-            <a:prstGeom prst="rect">
-              <a:avLst/>
-            </a:prstGeom>
-            <a:solidFill>
-              <a:schemeClr val="bg1"/>
-            </a:solidFill>
-            <a:ln>
-              <a:noFill/>
-            </a:ln>
-          </p:spPr>
-          <p:style>
-            <a:lnRef idx="2">
-              <a:schemeClr val="accent1">
-                <a:shade val="50000"/>
-              </a:schemeClr>
-            </a:lnRef>
-            <a:fillRef idx="1">
-              <a:schemeClr val="accent1"/>
-            </a:fillRef>
-            <a:effectRef idx="0">
-              <a:schemeClr val="accent1"/>
-            </a:effectRef>
-            <a:fontRef idx="minor">
-              <a:schemeClr val="lt1"/>
-            </a:fontRef>
-          </p:style>
-          <p:txBody>
-            <a:bodyPr rtlCol="0" anchor="ctr"/>
-            <a:lstStyle/>
-            <a:p>
-              <a:pPr algn="ctr"/>
-              <a:r>
-                <a:rPr lang="en-US" dirty="0">
-                  <a:solidFill>
-                    <a:schemeClr val="tx1"/>
-                  </a:solidFill>
-                </a:rPr>
-                <a:t>school</a:t>
-              </a:r>
-            </a:p>
-          </p:txBody>
-        </p:sp>
-        <p:sp>
-          <p:nvSpPr>
-            <p:cNvPr id="13" name="矩形 12">
-              <a:extLst>
-                <a:ext uri="{FF2B5EF4-FFF2-40B4-BE49-F238E27FC236}">
-                  <a16:creationId xmlns:a16="http://schemas.microsoft.com/office/drawing/2014/main" id="{445EC719-58D8-45EE-97AE-398D830B177B}"/>
-                </a:ext>
-              </a:extLst>
-            </p:cNvPr>
-            <p:cNvSpPr/>
-            <p:nvPr/>
-          </p:nvSpPr>
-          <p:spPr>
-            <a:xfrm>
-              <a:off x="2844112" y="4786746"/>
-              <a:ext cx="1705233" cy="304800"/>
-            </a:xfrm>
-            <a:prstGeom prst="rect">
-              <a:avLst/>
-            </a:prstGeom>
-            <a:solidFill>
-              <a:srgbClr val="FFFF00"/>
-            </a:solidFill>
-            <a:ln>
-              <a:noFill/>
-            </a:ln>
-          </p:spPr>
-          <p:style>
-            <a:lnRef idx="2">
-              <a:schemeClr val="accent1">
-                <a:shade val="50000"/>
-              </a:schemeClr>
-            </a:lnRef>
-            <a:fillRef idx="1">
-              <a:schemeClr val="accent1"/>
-            </a:fillRef>
-            <a:effectRef idx="0">
-              <a:schemeClr val="accent1"/>
-            </a:effectRef>
-            <a:fontRef idx="minor">
-              <a:schemeClr val="lt1"/>
-            </a:fontRef>
-          </p:style>
-          <p:txBody>
-            <a:bodyPr rtlCol="0" anchor="ctr"/>
-            <a:lstStyle/>
-            <a:p>
-              <a:pPr algn="ctr"/>
-              <a:r>
-                <a:rPr lang="en-US" dirty="0">
-                  <a:solidFill>
-                    <a:schemeClr val="tx1"/>
-                  </a:solidFill>
-                </a:rPr>
-                <a:t>Login</a:t>
-              </a:r>
-            </a:p>
-          </p:txBody>
-        </p:sp>
-      </p:grpSp>
-      <p:sp>
-        <p:nvSpPr>
-          <p:cNvPr id="15" name="箭头: 上弧形 14">
-            <a:extLst>
-              <a:ext uri="{FF2B5EF4-FFF2-40B4-BE49-F238E27FC236}">
-                <a16:creationId xmlns:a16="http://schemas.microsoft.com/office/drawing/2014/main" id="{537A9C65-645D-4167-B6A2-8EB1071C9546}"/>
-              </a:ext>
-            </a:extLst>
-          </p:cNvPr>
-          <p:cNvSpPr/>
-          <p:nvPr/>
-        </p:nvSpPr>
-        <p:spPr>
-          <a:xfrm rot="20958678">
-            <a:off x="5425856" y="740696"/>
-            <a:ext cx="3116824" cy="835966"/>
-          </a:xfrm>
-          <a:prstGeom prst="curvedDownArrow">
-            <a:avLst/>
-          </a:prstGeom>
-        </p:spPr>
-        <p:style>
-          <a:lnRef idx="2">
-            <a:schemeClr val="accent1">
-              <a:shade val="50000"/>
-            </a:schemeClr>
-          </a:lnRef>
-          <a:fillRef idx="1">
-            <a:schemeClr val="accent1"/>
-          </a:fillRef>
-          <a:effectRef idx="0">
-            <a:schemeClr val="accent1"/>
-          </a:effectRef>
-          <a:fontRef idx="minor">
-            <a:schemeClr val="lt1"/>
-          </a:fontRef>
-        </p:style>
-        <p:txBody>
-          <a:bodyPr rtlCol="0" anchor="ctr"/>
-          <a:lstStyle/>
-          <a:p>
-            <a:pPr algn="ctr"/>
-            <a:endParaRPr lang="en-US">
-              <a:solidFill>
-                <a:schemeClr val="tx1"/>
-              </a:solidFill>
-            </a:endParaRPr>
-          </a:p>
-        </p:txBody>
-      </p:sp>
-      <p:sp>
-        <p:nvSpPr>
-          <p:cNvPr id="16" name="箭头: 上弧形 15">
-            <a:extLst>
-              <a:ext uri="{FF2B5EF4-FFF2-40B4-BE49-F238E27FC236}">
-                <a16:creationId xmlns:a16="http://schemas.microsoft.com/office/drawing/2014/main" id="{525F686D-7290-4DDB-B455-50DEFD9171B8}"/>
-              </a:ext>
-            </a:extLst>
-          </p:cNvPr>
-          <p:cNvSpPr/>
-          <p:nvPr/>
-        </p:nvSpPr>
-        <p:spPr>
-          <a:xfrm rot="9819428">
-            <a:off x="5190283" y="3275921"/>
-            <a:ext cx="2933307" cy="835966"/>
-          </a:xfrm>
-          <a:prstGeom prst="curvedDownArrow">
-            <a:avLst/>
-          </a:prstGeom>
-          <a:solidFill>
-            <a:schemeClr val="accent4">
-              <a:lumMod val="75000"/>
-            </a:schemeClr>
-          </a:solidFill>
-        </p:spPr>
-        <p:style>
-          <a:lnRef idx="2">
-            <a:schemeClr val="accent1">
-              <a:shade val="50000"/>
-            </a:schemeClr>
-          </a:lnRef>
-          <a:fillRef idx="1">
-            <a:schemeClr val="accent1"/>
-          </a:fillRef>
-          <a:effectRef idx="0">
-            <a:schemeClr val="accent1"/>
-          </a:effectRef>
-          <a:fontRef idx="minor">
-            <a:schemeClr val="lt1"/>
-          </a:fontRef>
-        </p:style>
-        <p:txBody>
-          <a:bodyPr rtlCol="0" anchor="ctr"/>
-          <a:lstStyle/>
-          <a:p>
-            <a:pPr algn="ctr"/>
-            <a:endParaRPr lang="en-US">
-              <a:solidFill>
-                <a:schemeClr val="tx1"/>
-              </a:solidFill>
-            </a:endParaRPr>
-          </a:p>
-        </p:txBody>
-      </p:sp>
-      <p:grpSp>
-        <p:nvGrpSpPr>
-          <p:cNvPr id="22" name="组合 21">
-            <a:extLst>
-              <a:ext uri="{FF2B5EF4-FFF2-40B4-BE49-F238E27FC236}">
-                <a16:creationId xmlns:a16="http://schemas.microsoft.com/office/drawing/2014/main" id="{8F646AC1-A268-4927-A515-E58F5CC21052}"/>
-              </a:ext>
-            </a:extLst>
-          </p:cNvPr>
-          <p:cNvGrpSpPr/>
-          <p:nvPr/>
-        </p:nvGrpSpPr>
-        <p:grpSpPr>
-          <a:xfrm>
-            <a:off x="6149258" y="4419667"/>
-            <a:ext cx="2782547" cy="2409116"/>
-            <a:chOff x="7201891" y="4482417"/>
-            <a:chExt cx="2782547" cy="2409116"/>
-          </a:xfrm>
-        </p:grpSpPr>
-        <p:sp>
-          <p:nvSpPr>
-            <p:cNvPr id="17" name="矩形: 圆角 16">
-              <a:extLst>
-                <a:ext uri="{FF2B5EF4-FFF2-40B4-BE49-F238E27FC236}">
-                  <a16:creationId xmlns:a16="http://schemas.microsoft.com/office/drawing/2014/main" id="{667C1969-F8FF-469B-BCF4-47EE0AEEE066}"/>
-                </a:ext>
-              </a:extLst>
-            </p:cNvPr>
-            <p:cNvSpPr/>
-            <p:nvPr/>
-          </p:nvSpPr>
-          <p:spPr>
-            <a:xfrm>
-              <a:off x="7201891" y="4482417"/>
-              <a:ext cx="2782547" cy="2409116"/>
-            </a:xfrm>
-            <a:prstGeom prst="roundRect">
-              <a:avLst/>
-            </a:prstGeom>
-            <a:solidFill>
-              <a:schemeClr val="bg2"/>
-            </a:solidFill>
-            <a:ln>
-              <a:noFill/>
-            </a:ln>
-          </p:spPr>
-          <p:style>
-            <a:lnRef idx="2">
-              <a:schemeClr val="accent1">
-                <a:shade val="50000"/>
-              </a:schemeClr>
-            </a:lnRef>
-            <a:fillRef idx="1">
-              <a:schemeClr val="accent1"/>
-            </a:fillRef>
-            <a:effectRef idx="0">
-              <a:schemeClr val="accent1"/>
-            </a:effectRef>
-            <a:fontRef idx="minor">
-              <a:schemeClr val="lt1"/>
-            </a:fontRef>
-          </p:style>
-          <p:txBody>
-            <a:bodyPr rtlCol="0" anchor="ctr"/>
-            <a:lstStyle/>
-            <a:p>
-              <a:pPr algn="ctr"/>
-              <a:endParaRPr lang="en-US"/>
-            </a:p>
-          </p:txBody>
-        </p:sp>
-        <p:sp>
-          <p:nvSpPr>
-            <p:cNvPr id="18" name="矩形 17">
-              <a:extLst>
-                <a:ext uri="{FF2B5EF4-FFF2-40B4-BE49-F238E27FC236}">
-                  <a16:creationId xmlns:a16="http://schemas.microsoft.com/office/drawing/2014/main" id="{59AE1EC8-E610-4D62-AE5D-131E0044C021}"/>
-                </a:ext>
-              </a:extLst>
-            </p:cNvPr>
-            <p:cNvSpPr/>
-            <p:nvPr/>
-          </p:nvSpPr>
-          <p:spPr>
-            <a:xfrm>
-              <a:off x="7324538" y="4642027"/>
-              <a:ext cx="2537254" cy="304800"/>
-            </a:xfrm>
-            <a:prstGeom prst="rect">
-              <a:avLst/>
-            </a:prstGeom>
-            <a:solidFill>
-              <a:schemeClr val="bg1"/>
-            </a:solidFill>
-            <a:ln>
-              <a:noFill/>
-            </a:ln>
-          </p:spPr>
-          <p:style>
-            <a:lnRef idx="2">
-              <a:schemeClr val="accent1">
-                <a:shade val="50000"/>
-              </a:schemeClr>
-            </a:lnRef>
-            <a:fillRef idx="1">
-              <a:schemeClr val="accent1"/>
-            </a:fillRef>
-            <a:effectRef idx="0">
-              <a:schemeClr val="accent1"/>
-            </a:effectRef>
-            <a:fontRef idx="minor">
-              <a:schemeClr val="lt1"/>
-            </a:fontRef>
-          </p:style>
-          <p:txBody>
-            <a:bodyPr rtlCol="0" anchor="ctr"/>
-            <a:lstStyle/>
-            <a:p>
-              <a:pPr algn="ctr"/>
-              <a:r>
-                <a:rPr lang="en-US" sz="1600" dirty="0">
-                  <a:solidFill>
-                    <a:schemeClr val="tx1"/>
-                  </a:solidFill>
-                </a:rPr>
-                <a:t>Joined Chat Room List</a:t>
-              </a:r>
-            </a:p>
-          </p:txBody>
-        </p:sp>
-        <p:sp>
-          <p:nvSpPr>
-            <p:cNvPr id="19" name="矩形 18">
-              <a:extLst>
-                <a:ext uri="{FF2B5EF4-FFF2-40B4-BE49-F238E27FC236}">
-                  <a16:creationId xmlns:a16="http://schemas.microsoft.com/office/drawing/2014/main" id="{B99564F8-AC29-45A5-973D-B1A32BCEE17A}"/>
-                </a:ext>
-              </a:extLst>
-            </p:cNvPr>
-            <p:cNvSpPr/>
-            <p:nvPr/>
-          </p:nvSpPr>
-          <p:spPr>
-            <a:xfrm>
-              <a:off x="7324538" y="5513139"/>
-              <a:ext cx="2537254" cy="304800"/>
-            </a:xfrm>
-            <a:prstGeom prst="rect">
-              <a:avLst/>
-            </a:prstGeom>
-            <a:solidFill>
-              <a:schemeClr val="bg1"/>
-            </a:solidFill>
-            <a:ln>
-              <a:noFill/>
-            </a:ln>
-          </p:spPr>
-          <p:style>
-            <a:lnRef idx="2">
-              <a:schemeClr val="accent1">
-                <a:shade val="50000"/>
-              </a:schemeClr>
-            </a:lnRef>
-            <a:fillRef idx="1">
-              <a:schemeClr val="accent1"/>
-            </a:fillRef>
-            <a:effectRef idx="0">
-              <a:schemeClr val="accent1"/>
-            </a:effectRef>
-            <a:fontRef idx="minor">
-              <a:schemeClr val="lt1"/>
-            </a:fontRef>
-          </p:style>
-          <p:txBody>
-            <a:bodyPr rtlCol="0" anchor="ctr"/>
-            <a:lstStyle/>
-            <a:p>
-              <a:pPr algn="ctr"/>
-              <a:r>
-                <a:rPr lang="en-US" sz="1600" dirty="0">
-                  <a:solidFill>
-                    <a:schemeClr val="tx1"/>
-                  </a:solidFill>
-                </a:rPr>
-                <a:t>Available Chat Room List</a:t>
-              </a:r>
-            </a:p>
-          </p:txBody>
-        </p:sp>
-        <p:sp>
-          <p:nvSpPr>
-            <p:cNvPr id="20" name="矩形 19">
-              <a:extLst>
-                <a:ext uri="{FF2B5EF4-FFF2-40B4-BE49-F238E27FC236}">
-                  <a16:creationId xmlns:a16="http://schemas.microsoft.com/office/drawing/2014/main" id="{474FDEB7-AED1-461C-8EA9-374E30B03B5D}"/>
-                </a:ext>
-              </a:extLst>
-            </p:cNvPr>
-            <p:cNvSpPr/>
-            <p:nvPr/>
-          </p:nvSpPr>
-          <p:spPr>
-            <a:xfrm>
-              <a:off x="7324538" y="5948839"/>
-              <a:ext cx="2537254" cy="304800"/>
-            </a:xfrm>
-            <a:prstGeom prst="rect">
-              <a:avLst/>
-            </a:prstGeom>
-            <a:solidFill>
-              <a:srgbClr val="FFFF00"/>
-            </a:solidFill>
-            <a:ln>
-              <a:noFill/>
-            </a:ln>
-          </p:spPr>
-          <p:style>
-            <a:lnRef idx="2">
-              <a:schemeClr val="accent1">
-                <a:shade val="50000"/>
-              </a:schemeClr>
-            </a:lnRef>
-            <a:fillRef idx="1">
-              <a:schemeClr val="accent1"/>
-            </a:fillRef>
-            <a:effectRef idx="0">
-              <a:schemeClr val="accent1"/>
-            </a:effectRef>
-            <a:fontRef idx="minor">
-              <a:schemeClr val="lt1"/>
-            </a:fontRef>
-          </p:style>
-          <p:txBody>
-            <a:bodyPr rtlCol="0" anchor="ctr"/>
-            <a:lstStyle/>
-            <a:p>
-              <a:pPr algn="ctr"/>
-              <a:r>
-                <a:rPr lang="en-US" sz="1600" dirty="0">
-                  <a:solidFill>
-                    <a:schemeClr val="tx1"/>
-                  </a:solidFill>
-                </a:rPr>
-                <a:t>Freedom</a:t>
-              </a:r>
-            </a:p>
-          </p:txBody>
-        </p:sp>
-        <p:sp>
-          <p:nvSpPr>
-            <p:cNvPr id="21" name="矩形 20">
-              <a:extLst>
-                <a:ext uri="{FF2B5EF4-FFF2-40B4-BE49-F238E27FC236}">
-                  <a16:creationId xmlns:a16="http://schemas.microsoft.com/office/drawing/2014/main" id="{DFE27677-E4C6-47B8-B395-5DC55865A532}"/>
-                </a:ext>
-              </a:extLst>
-            </p:cNvPr>
-            <p:cNvSpPr/>
-            <p:nvPr/>
-          </p:nvSpPr>
-          <p:spPr>
-            <a:xfrm>
-              <a:off x="7324538" y="6348166"/>
-              <a:ext cx="2537254" cy="304800"/>
-            </a:xfrm>
-            <a:prstGeom prst="rect">
-              <a:avLst/>
-            </a:prstGeom>
-            <a:solidFill>
-              <a:srgbClr val="FFFF00"/>
-            </a:solidFill>
-            <a:ln>
-              <a:noFill/>
-            </a:ln>
-          </p:spPr>
-          <p:style>
-            <a:lnRef idx="2">
-              <a:schemeClr val="accent1">
-                <a:shade val="50000"/>
-              </a:schemeClr>
-            </a:lnRef>
-            <a:fillRef idx="1">
-              <a:schemeClr val="accent1"/>
-            </a:fillRef>
-            <a:effectRef idx="0">
-              <a:schemeClr val="accent1"/>
-            </a:effectRef>
-            <a:fontRef idx="minor">
-              <a:schemeClr val="lt1"/>
-            </a:fontRef>
-          </p:style>
-          <p:txBody>
-            <a:bodyPr rtlCol="0" anchor="ctr"/>
-            <a:lstStyle/>
-            <a:p>
-              <a:pPr algn="ctr"/>
-              <a:r>
-                <a:rPr lang="en-US" dirty="0">
-                  <a:solidFill>
-                    <a:schemeClr val="tx1"/>
-                  </a:solidFill>
-                </a:rPr>
-                <a:t>…</a:t>
-              </a:r>
-            </a:p>
-          </p:txBody>
-        </p:sp>
-      </p:grpSp>
+        </p:txBody>
+      </p:sp>
     </p:spTree>
     <p:extLst>
       <p:ext uri="{BB962C8B-B14F-4D97-AF65-F5344CB8AC3E}">
-        <p14:creationId xmlns:p14="http://schemas.microsoft.com/office/powerpoint/2010/main" val="483031287"/>
+        <p14:creationId xmlns:p14="http://schemas.microsoft.com/office/powerpoint/2010/main" val="248096839"/>
       </p:ext>
     </p:extLst>
   </p:cSld>

--- a/src/main/resources/ChatApp API.pptx
+++ b/src/main/resources/ChatApp API.pptx
@@ -17,11 +17,13 @@
     <p:sldId id="277" r:id="rId11"/>
     <p:sldId id="278" r:id="rId12"/>
     <p:sldId id="273" r:id="rId13"/>
-    <p:sldId id="261" r:id="rId14"/>
-    <p:sldId id="260" r:id="rId15"/>
+    <p:sldId id="260" r:id="rId14"/>
+    <p:sldId id="261" r:id="rId15"/>
     <p:sldId id="257" r:id="rId16"/>
     <p:sldId id="258" r:id="rId17"/>
-    <p:sldId id="276" r:id="rId18"/>
+    <p:sldId id="286" r:id="rId18"/>
+    <p:sldId id="283" r:id="rId19"/>
+    <p:sldId id="276" r:id="rId20"/>
   </p:sldIdLst>
   <p:sldSz cx="12192000" cy="6858000"/>
   <p:notesSz cx="6858000" cy="9144000"/>
@@ -6075,7 +6077,7 @@
           <a:p>
             <a:r>
               <a:rPr lang="en-US" altLang="zh-CN" dirty="0"/>
-              <a:t>A Example</a:t>
+              <a:t>Example</a:t>
             </a:r>
             <a:endParaRPr lang="en-US" dirty="0"/>
           </a:p>
@@ -7217,7 +7219,12 @@
             <p:ph type="title"/>
           </p:nvPr>
         </p:nvSpPr>
-        <p:spPr/>
+        <p:spPr>
+          <a:xfrm>
+            <a:off x="677334" y="180229"/>
+            <a:ext cx="8596668" cy="1320800"/>
+          </a:xfrm>
+        </p:spPr>
         <p:txBody>
           <a:bodyPr>
             <a:normAutofit/>
@@ -7247,14 +7254,14 @@
             <p:ph idx="1"/>
             <p:extLst>
               <p:ext uri="{D42A27DB-BD31-4B8C-83A1-F6EECF244321}">
-                <p14:modId xmlns:p14="http://schemas.microsoft.com/office/powerpoint/2010/main" val="4036395389"/>
+                <p14:modId xmlns:p14="http://schemas.microsoft.com/office/powerpoint/2010/main" val="2964187708"/>
               </p:ext>
             </p:extLst>
           </p:nvPr>
         </p:nvGraphicFramePr>
         <p:xfrm>
-          <a:off x="677334" y="2430931"/>
-          <a:ext cx="10461915" cy="4061516"/>
+          <a:off x="740945" y="1310198"/>
+          <a:ext cx="10461915" cy="5480733"/>
         </p:xfrm>
         <a:graphic>
           <a:graphicData uri="http://schemas.openxmlformats.org/drawingml/2006/table">
@@ -7285,7 +7292,7 @@
                   </a:extLst>
                 </a:gridCol>
               </a:tblGrid>
-              <a:tr h="535319">
+              <a:tr h="587081">
                 <a:tc>
                   <a:txBody>
                     <a:bodyPr/>
@@ -7331,7 +7338,7 @@
                   </a:ext>
                 </a:extLst>
               </a:tr>
-              <a:tr h="535319">
+              <a:tr h="587081">
                 <a:tc>
                   <a:txBody>
                     <a:bodyPr/>
@@ -7377,17 +7384,16 @@
                   </a:ext>
                 </a:extLst>
               </a:tr>
-              <a:tr h="535319">
+              <a:tr h="587081">
                 <a:tc>
                   <a:txBody>
                     <a:bodyPr/>
                     <a:lstStyle/>
                     <a:p>
                       <a:r>
-                        <a:rPr lang="en-US" dirty="0" err="1"/>
-                        <a:t>createroom</a:t>
+                        <a:rPr lang="en-US" dirty="0"/>
+                        <a:t>create</a:t>
                       </a:r>
-                      <a:endParaRPr lang="en-US" dirty="0"/>
                     </a:p>
                   </a:txBody>
                   <a:tcPr/>
@@ -7421,7 +7427,7 @@
                     <a:p>
                       <a:r>
                         <a:rPr lang="en-US" dirty="0"/>
-                        <a:t>{User Json} with one more room</a:t>
+                        <a:t>{User Json} with one more room in available</a:t>
                       </a:r>
                     </a:p>
                   </a:txBody>
@@ -7433,17 +7439,16 @@
                   </a:ext>
                 </a:extLst>
               </a:tr>
-              <a:tr h="535319">
+              <a:tr h="1130811">
                 <a:tc>
                   <a:txBody>
                     <a:bodyPr/>
                     <a:lstStyle/>
                     <a:p>
                       <a:r>
-                        <a:rPr lang="en-US" dirty="0" err="1"/>
-                        <a:t>joinroom</a:t>
+                        <a:rPr lang="en-US" dirty="0"/>
+                        <a:t>join</a:t>
                       </a:r>
-                      <a:endParaRPr lang="en-US" dirty="0"/>
                     </a:p>
                   </a:txBody>
                   <a:tcPr/>
@@ -7469,8 +7474,15 @@
                     <a:p>
                       <a:r>
                         <a:rPr lang="en-US" dirty="0"/>
-                        <a:t>{User Json} with one room moved from available to joined</a:t>
+                        <a:t>{User Json} with one room moved from available to joined to the user</a:t>
                       </a:r>
+                    </a:p>
+                    <a:p>
+                      <a:r>
+                        <a:rPr lang="en-US" altLang="zh-CN" dirty="0"/>
+                        <a:t>{User.name array} with one new user  to all users in the room</a:t>
+                      </a:r>
+                      <a:endParaRPr lang="en-US" dirty="0"/>
                     </a:p>
                   </a:txBody>
                   <a:tcPr/>
@@ -7481,17 +7493,16 @@
                   </a:ext>
                 </a:extLst>
               </a:tr>
-              <a:tr h="535319">
+              <a:tr h="1130811">
                 <a:tc>
                   <a:txBody>
                     <a:bodyPr/>
                     <a:lstStyle/>
                     <a:p>
                       <a:r>
-                        <a:rPr lang="en-US" dirty="0" err="1"/>
-                        <a:t>leaveroom</a:t>
+                        <a:rPr lang="en-US" dirty="0"/>
+                        <a:t>leave</a:t>
                       </a:r>
-                      <a:endParaRPr lang="en-US" dirty="0"/>
                     </a:p>
                   </a:txBody>
                   <a:tcPr/>
@@ -7517,7 +7528,13 @@
                     <a:p>
                       <a:r>
                         <a:rPr lang="en-US" dirty="0"/>
-                        <a:t>{User Json} with one room moved from joined to available</a:t>
+                        <a:t>{User Json} with one room moved from joined to available to the user</a:t>
+                      </a:r>
+                    </a:p>
+                    <a:p>
+                      <a:r>
+                        <a:rPr lang="en-US" dirty="0"/>
+                        <a:t>{User.name array} with one user removed to all users in the room</a:t>
                       </a:r>
                     </a:p>
                   </a:txBody>
@@ -7529,7 +7546,7 @@
                   </a:ext>
                 </a:extLst>
               </a:tr>
-              <a:tr h="535319">
+              <a:tr h="701970">
                 <a:tc>
                   <a:txBody>
                     <a:bodyPr/>
@@ -7583,16 +7600,12 @@
                         <a:t>{</a:t>
                       </a:r>
                       <a:r>
-                        <a:rPr lang="en-US" altLang="zh-CN"/>
+                        <a:rPr lang="en-US" altLang="zh-CN" dirty="0"/>
                         <a:t>Message</a:t>
                       </a:r>
                       <a:r>
-                        <a:rPr lang="en-US"/>
-                        <a:t> array</a:t>
-                      </a:r>
-                      <a:r>
                         <a:rPr lang="en-US" dirty="0"/>
-                        <a:t>} with one more line of message</a:t>
+                        <a:t> array} with one more line of message to receiver and sender</a:t>
                       </a:r>
                     </a:p>
                   </a:txBody>
@@ -7604,7 +7617,7 @@
                   </a:ext>
                 </a:extLst>
               </a:tr>
-              <a:tr h="535319">
+              <a:tr h="587081">
                 <a:tc>
                   <a:txBody>
                     <a:bodyPr/>
@@ -7671,7 +7684,7 @@
         </p:nvSpPr>
         <p:spPr>
           <a:xfrm>
-            <a:off x="544663" y="1566406"/>
+            <a:off x="677334" y="769508"/>
             <a:ext cx="11795762" cy="596349"/>
           </a:xfrm>
           <a:prstGeom prst="rect">
@@ -7942,20 +7955,6 @@
             </a:pPr>
             <a:endParaRPr lang="en-US" dirty="0"/>
           </a:p>
-          <a:p>
-            <a:pPr marL="0" indent="0">
-              <a:buFont typeface="Wingdings 3" charset="2"/>
-              <a:buNone/>
-            </a:pPr>
-            <a:endParaRPr lang="en-US" dirty="0"/>
-          </a:p>
-          <a:p>
-            <a:pPr marL="0" indent="0">
-              <a:buFont typeface="Wingdings 3" charset="2"/>
-              <a:buNone/>
-            </a:pPr>
-            <a:endParaRPr lang="en-US" dirty="0"/>
-          </a:p>
         </p:txBody>
       </p:sp>
     </p:spTree>
@@ -8166,6 +8165,378 @@
 </file>
 
 <file path=ppt/slides/slide13.xml><?xml version="1.0" encoding="utf-8"?>
+<p:sld xmlns:a="http://schemas.openxmlformats.org/drawingml/2006/main" xmlns:r="http://schemas.openxmlformats.org/officeDocument/2006/relationships" xmlns:p="http://schemas.openxmlformats.org/presentationml/2006/main">
+  <p:cSld>
+    <p:spTree>
+      <p:nvGrpSpPr>
+        <p:cNvPr id="1" name=""/>
+        <p:cNvGrpSpPr/>
+        <p:nvPr/>
+      </p:nvGrpSpPr>
+      <p:grpSpPr>
+        <a:xfrm>
+          <a:off x="0" y="0"/>
+          <a:ext cx="0" cy="0"/>
+          <a:chOff x="0" y="0"/>
+          <a:chExt cx="0" cy="0"/>
+        </a:xfrm>
+      </p:grpSpPr>
+      <p:pic>
+        <p:nvPicPr>
+          <p:cNvPr id="3" name="图片 2">
+            <a:extLst>
+              <a:ext uri="{FF2B5EF4-FFF2-40B4-BE49-F238E27FC236}">
+                <a16:creationId xmlns:a16="http://schemas.microsoft.com/office/drawing/2014/main" id="{59FE1F99-0B31-442F-82D7-F731F7419DDF}"/>
+              </a:ext>
+            </a:extLst>
+          </p:cNvPr>
+          <p:cNvPicPr>
+            <a:picLocks noChangeAspect="1"/>
+          </p:cNvPicPr>
+          <p:nvPr/>
+        </p:nvPicPr>
+        <p:blipFill>
+          <a:blip r:embed="rId2"/>
+          <a:stretch>
+            <a:fillRect/>
+          </a:stretch>
+        </p:blipFill>
+        <p:spPr>
+          <a:xfrm>
+            <a:off x="0" y="1629617"/>
+            <a:ext cx="12192000" cy="5228383"/>
+          </a:xfrm>
+          <a:prstGeom prst="rect">
+            <a:avLst/>
+          </a:prstGeom>
+        </p:spPr>
+      </p:pic>
+      <p:sp>
+        <p:nvSpPr>
+          <p:cNvPr id="2" name="标题 1">
+            <a:extLst>
+              <a:ext uri="{FF2B5EF4-FFF2-40B4-BE49-F238E27FC236}">
+                <a16:creationId xmlns:a16="http://schemas.microsoft.com/office/drawing/2014/main" id="{A1714A89-0C14-4146-8662-1B480DC62B6F}"/>
+              </a:ext>
+            </a:extLst>
+          </p:cNvPr>
+          <p:cNvSpPr>
+            <a:spLocks noGrp="1"/>
+          </p:cNvSpPr>
+          <p:nvPr>
+            <p:ph type="title"/>
+          </p:nvPr>
+        </p:nvSpPr>
+        <p:spPr>
+          <a:xfrm>
+            <a:off x="389199" y="396048"/>
+            <a:ext cx="8596668" cy="1320800"/>
+          </a:xfrm>
+        </p:spPr>
+        <p:txBody>
+          <a:bodyPr/>
+          <a:lstStyle/>
+          <a:p>
+            <a:r>
+              <a:rPr lang="en-US" dirty="0"/>
+              <a:t>Obj</a:t>
+            </a:r>
+          </a:p>
+        </p:txBody>
+      </p:sp>
+      <p:sp>
+        <p:nvSpPr>
+          <p:cNvPr id="5" name="矩形 4">
+            <a:extLst>
+              <a:ext uri="{FF2B5EF4-FFF2-40B4-BE49-F238E27FC236}">
+                <a16:creationId xmlns:a16="http://schemas.microsoft.com/office/drawing/2014/main" id="{48E9AD08-89D7-4683-A69B-E7A0F2C44BF8}"/>
+              </a:ext>
+            </a:extLst>
+          </p:cNvPr>
+          <p:cNvSpPr/>
+          <p:nvPr/>
+        </p:nvSpPr>
+        <p:spPr>
+          <a:xfrm>
+            <a:off x="175889" y="1791019"/>
+            <a:ext cx="3717685" cy="2932055"/>
+          </a:xfrm>
+          <a:prstGeom prst="rect">
+            <a:avLst/>
+          </a:prstGeom>
+          <a:noFill/>
+          <a:ln w="38100">
+            <a:solidFill>
+              <a:srgbClr val="FF0000"/>
+            </a:solidFill>
+          </a:ln>
+        </p:spPr>
+        <p:style>
+          <a:lnRef idx="2">
+            <a:schemeClr val="accent1">
+              <a:shade val="50000"/>
+            </a:schemeClr>
+          </a:lnRef>
+          <a:fillRef idx="1">
+            <a:schemeClr val="accent1"/>
+          </a:fillRef>
+          <a:effectRef idx="0">
+            <a:schemeClr val="accent1"/>
+          </a:effectRef>
+          <a:fontRef idx="minor">
+            <a:schemeClr val="lt1"/>
+          </a:fontRef>
+        </p:style>
+        <p:txBody>
+          <a:bodyPr rtlCol="0" anchor="ctr"/>
+          <a:lstStyle/>
+          <a:p>
+            <a:pPr algn="ctr"/>
+            <a:r>
+              <a:rPr lang="en-US" dirty="0"/>
+              <a:t>User’s info</a:t>
+            </a:r>
+          </a:p>
+        </p:txBody>
+      </p:sp>
+      <p:sp>
+        <p:nvSpPr>
+          <p:cNvPr id="6" name="矩形 5">
+            <a:extLst>
+              <a:ext uri="{FF2B5EF4-FFF2-40B4-BE49-F238E27FC236}">
+                <a16:creationId xmlns:a16="http://schemas.microsoft.com/office/drawing/2014/main" id="{D737F16D-2F98-4719-AD1D-4D88BC01B812}"/>
+              </a:ext>
+            </a:extLst>
+          </p:cNvPr>
+          <p:cNvSpPr/>
+          <p:nvPr/>
+        </p:nvSpPr>
+        <p:spPr>
+          <a:xfrm>
+            <a:off x="175889" y="4802588"/>
+            <a:ext cx="3717685" cy="1785024"/>
+          </a:xfrm>
+          <a:prstGeom prst="rect">
+            <a:avLst/>
+          </a:prstGeom>
+          <a:noFill/>
+          <a:ln w="38100">
+            <a:solidFill>
+              <a:srgbClr val="FF0000"/>
+            </a:solidFill>
+          </a:ln>
+        </p:spPr>
+        <p:style>
+          <a:lnRef idx="2">
+            <a:schemeClr val="accent1">
+              <a:shade val="50000"/>
+            </a:schemeClr>
+          </a:lnRef>
+          <a:fillRef idx="1">
+            <a:schemeClr val="accent1"/>
+          </a:fillRef>
+          <a:effectRef idx="0">
+            <a:schemeClr val="accent1"/>
+          </a:effectRef>
+          <a:fontRef idx="minor">
+            <a:schemeClr val="lt1"/>
+          </a:fontRef>
+        </p:style>
+        <p:txBody>
+          <a:bodyPr rtlCol="0" anchor="ctr"/>
+          <a:lstStyle/>
+          <a:p>
+            <a:pPr algn="ctr"/>
+            <a:r>
+              <a:rPr lang="en-US" dirty="0"/>
+              <a:t>User’s Action</a:t>
+            </a:r>
+          </a:p>
+        </p:txBody>
+      </p:sp>
+      <p:sp>
+        <p:nvSpPr>
+          <p:cNvPr id="7" name="矩形 6">
+            <a:extLst>
+              <a:ext uri="{FF2B5EF4-FFF2-40B4-BE49-F238E27FC236}">
+                <a16:creationId xmlns:a16="http://schemas.microsoft.com/office/drawing/2014/main" id="{A4FBF8A3-6A04-47C6-B0A7-D58241C70C98}"/>
+              </a:ext>
+            </a:extLst>
+          </p:cNvPr>
+          <p:cNvSpPr/>
+          <p:nvPr/>
+        </p:nvSpPr>
+        <p:spPr>
+          <a:xfrm>
+            <a:off x="4395020" y="1791020"/>
+            <a:ext cx="4208206" cy="2280048"/>
+          </a:xfrm>
+          <a:prstGeom prst="rect">
+            <a:avLst/>
+          </a:prstGeom>
+          <a:noFill/>
+          <a:ln w="38100">
+            <a:solidFill>
+              <a:srgbClr val="FF0000"/>
+            </a:solidFill>
+          </a:ln>
+        </p:spPr>
+        <p:style>
+          <a:lnRef idx="2">
+            <a:schemeClr val="accent1">
+              <a:shade val="50000"/>
+            </a:schemeClr>
+          </a:lnRef>
+          <a:fillRef idx="1">
+            <a:schemeClr val="accent1"/>
+          </a:fillRef>
+          <a:effectRef idx="0">
+            <a:schemeClr val="accent1"/>
+          </a:effectRef>
+          <a:fontRef idx="minor">
+            <a:schemeClr val="lt1"/>
+          </a:fontRef>
+        </p:style>
+        <p:txBody>
+          <a:bodyPr rtlCol="0" anchor="ctr"/>
+          <a:lstStyle/>
+          <a:p>
+            <a:pPr algn="ctr"/>
+            <a:r>
+              <a:rPr lang="en-US" dirty="0"/>
+              <a:t>Room’s info</a:t>
+            </a:r>
+          </a:p>
+        </p:txBody>
+      </p:sp>
+      <p:sp>
+        <p:nvSpPr>
+          <p:cNvPr id="9" name="矩形 8">
+            <a:extLst>
+              <a:ext uri="{FF2B5EF4-FFF2-40B4-BE49-F238E27FC236}">
+                <a16:creationId xmlns:a16="http://schemas.microsoft.com/office/drawing/2014/main" id="{5377AE0D-A29D-4029-8BC1-1D42EFF902AE}"/>
+              </a:ext>
+            </a:extLst>
+          </p:cNvPr>
+          <p:cNvSpPr/>
+          <p:nvPr/>
+        </p:nvSpPr>
+        <p:spPr>
+          <a:xfrm>
+            <a:off x="4395020" y="4157283"/>
+            <a:ext cx="4208206" cy="2142199"/>
+          </a:xfrm>
+          <a:prstGeom prst="rect">
+            <a:avLst/>
+          </a:prstGeom>
+          <a:noFill/>
+          <a:ln w="38100">
+            <a:solidFill>
+              <a:srgbClr val="FF0000"/>
+            </a:solidFill>
+          </a:ln>
+        </p:spPr>
+        <p:style>
+          <a:lnRef idx="2">
+            <a:schemeClr val="accent1">
+              <a:shade val="50000"/>
+            </a:schemeClr>
+          </a:lnRef>
+          <a:fillRef idx="1">
+            <a:schemeClr val="accent1"/>
+          </a:fillRef>
+          <a:effectRef idx="0">
+            <a:schemeClr val="accent1"/>
+          </a:effectRef>
+          <a:fontRef idx="minor">
+            <a:schemeClr val="lt1"/>
+          </a:fontRef>
+        </p:style>
+        <p:txBody>
+          <a:bodyPr rtlCol="0" anchor="ctr"/>
+          <a:lstStyle/>
+          <a:p>
+            <a:pPr algn="ctr"/>
+            <a:endParaRPr lang="en-US" dirty="0"/>
+          </a:p>
+          <a:p>
+            <a:pPr algn="ctr"/>
+            <a:r>
+              <a:rPr lang="en-US" dirty="0"/>
+              <a:t>Room’s Response to User Action</a:t>
+            </a:r>
+          </a:p>
+        </p:txBody>
+      </p:sp>
+      <p:sp>
+        <p:nvSpPr>
+          <p:cNvPr id="10" name="矩形 9">
+            <a:extLst>
+              <a:ext uri="{FF2B5EF4-FFF2-40B4-BE49-F238E27FC236}">
+                <a16:creationId xmlns:a16="http://schemas.microsoft.com/office/drawing/2014/main" id="{DDE72D1F-CD11-46B9-911C-EE03D62DD97D}"/>
+              </a:ext>
+            </a:extLst>
+          </p:cNvPr>
+          <p:cNvSpPr/>
+          <p:nvPr/>
+        </p:nvSpPr>
+        <p:spPr>
+          <a:xfrm>
+            <a:off x="8985867" y="1791020"/>
+            <a:ext cx="3030244" cy="2621954"/>
+          </a:xfrm>
+          <a:prstGeom prst="rect">
+            <a:avLst/>
+          </a:prstGeom>
+          <a:noFill/>
+          <a:ln w="38100">
+            <a:solidFill>
+              <a:srgbClr val="FF0000"/>
+            </a:solidFill>
+          </a:ln>
+        </p:spPr>
+        <p:style>
+          <a:lnRef idx="2">
+            <a:schemeClr val="accent1">
+              <a:shade val="50000"/>
+            </a:schemeClr>
+          </a:lnRef>
+          <a:fillRef idx="1">
+            <a:schemeClr val="accent1"/>
+          </a:fillRef>
+          <a:effectRef idx="0">
+            <a:schemeClr val="accent1"/>
+          </a:effectRef>
+          <a:fontRef idx="minor">
+            <a:schemeClr val="lt1"/>
+          </a:fontRef>
+        </p:style>
+        <p:txBody>
+          <a:bodyPr rtlCol="0" anchor="ctr"/>
+          <a:lstStyle/>
+          <a:p>
+            <a:pPr algn="ctr"/>
+            <a:r>
+              <a:rPr lang="en-US" dirty="0"/>
+              <a:t>Message’s info</a:t>
+            </a:r>
+          </a:p>
+        </p:txBody>
+      </p:sp>
+    </p:spTree>
+    <p:extLst>
+      <p:ext uri="{BB962C8B-B14F-4D97-AF65-F5344CB8AC3E}">
+        <p14:creationId xmlns:p14="http://schemas.microsoft.com/office/powerpoint/2010/main" val="801271339"/>
+      </p:ext>
+    </p:extLst>
+  </p:cSld>
+  <p:clrMapOvr>
+    <a:masterClrMapping/>
+  </p:clrMapOvr>
+</p:sld>
+</file>
+
+<file path=ppt/slides/slide14.xml><?xml version="1.0" encoding="utf-8"?>
 <p:sld xmlns:a="http://schemas.openxmlformats.org/drawingml/2006/main" xmlns:r="http://schemas.openxmlformats.org/officeDocument/2006/relationships" xmlns:p="http://schemas.openxmlformats.org/presentationml/2006/main">
   <p:cSld>
     <p:spTree>
@@ -8342,7 +8713,7 @@
         </p:blipFill>
         <p:spPr>
           <a:xfrm>
-            <a:off x="0" y="3648691"/>
+            <a:off x="63610" y="4140702"/>
             <a:ext cx="5067966" cy="2286410"/>
           </a:xfrm>
           <a:prstGeom prst="rect">
@@ -8364,7 +8735,7 @@
         </p:nvSpPr>
         <p:spPr>
           <a:xfrm>
-            <a:off x="1015629" y="5417040"/>
+            <a:off x="1055385" y="5910021"/>
             <a:ext cx="2828784" cy="256173"/>
           </a:xfrm>
           <a:prstGeom prst="rect">
@@ -8471,8 +8842,8 @@
         </p:nvCxnSpPr>
         <p:spPr>
           <a:xfrm flipV="1">
-            <a:off x="3844413" y="3776778"/>
-            <a:ext cx="4169049" cy="1768349"/>
+            <a:off x="3884169" y="3776778"/>
+            <a:ext cx="4129293" cy="2261330"/>
           </a:xfrm>
           <a:prstGeom prst="curvedConnector3">
             <a:avLst/>
@@ -8500,378 +8871,6 @@
     <p:extLst>
       <p:ext uri="{BB962C8B-B14F-4D97-AF65-F5344CB8AC3E}">
         <p14:creationId xmlns:p14="http://schemas.microsoft.com/office/powerpoint/2010/main" val="3289879561"/>
-      </p:ext>
-    </p:extLst>
-  </p:cSld>
-  <p:clrMapOvr>
-    <a:masterClrMapping/>
-  </p:clrMapOvr>
-</p:sld>
-</file>
-
-<file path=ppt/slides/slide14.xml><?xml version="1.0" encoding="utf-8"?>
-<p:sld xmlns:a="http://schemas.openxmlformats.org/drawingml/2006/main" xmlns:r="http://schemas.openxmlformats.org/officeDocument/2006/relationships" xmlns:p="http://schemas.openxmlformats.org/presentationml/2006/main">
-  <p:cSld>
-    <p:spTree>
-      <p:nvGrpSpPr>
-        <p:cNvPr id="1" name=""/>
-        <p:cNvGrpSpPr/>
-        <p:nvPr/>
-      </p:nvGrpSpPr>
-      <p:grpSpPr>
-        <a:xfrm>
-          <a:off x="0" y="0"/>
-          <a:ext cx="0" cy="0"/>
-          <a:chOff x="0" y="0"/>
-          <a:chExt cx="0" cy="0"/>
-        </a:xfrm>
-      </p:grpSpPr>
-      <p:pic>
-        <p:nvPicPr>
-          <p:cNvPr id="3" name="图片 2">
-            <a:extLst>
-              <a:ext uri="{FF2B5EF4-FFF2-40B4-BE49-F238E27FC236}">
-                <a16:creationId xmlns:a16="http://schemas.microsoft.com/office/drawing/2014/main" id="{59FE1F99-0B31-442F-82D7-F731F7419DDF}"/>
-              </a:ext>
-            </a:extLst>
-          </p:cNvPr>
-          <p:cNvPicPr>
-            <a:picLocks noChangeAspect="1"/>
-          </p:cNvPicPr>
-          <p:nvPr/>
-        </p:nvPicPr>
-        <p:blipFill>
-          <a:blip r:embed="rId2"/>
-          <a:stretch>
-            <a:fillRect/>
-          </a:stretch>
-        </p:blipFill>
-        <p:spPr>
-          <a:xfrm>
-            <a:off x="0" y="1629617"/>
-            <a:ext cx="12192000" cy="5228383"/>
-          </a:xfrm>
-          <a:prstGeom prst="rect">
-            <a:avLst/>
-          </a:prstGeom>
-        </p:spPr>
-      </p:pic>
-      <p:sp>
-        <p:nvSpPr>
-          <p:cNvPr id="2" name="标题 1">
-            <a:extLst>
-              <a:ext uri="{FF2B5EF4-FFF2-40B4-BE49-F238E27FC236}">
-                <a16:creationId xmlns:a16="http://schemas.microsoft.com/office/drawing/2014/main" id="{A1714A89-0C14-4146-8662-1B480DC62B6F}"/>
-              </a:ext>
-            </a:extLst>
-          </p:cNvPr>
-          <p:cNvSpPr>
-            <a:spLocks noGrp="1"/>
-          </p:cNvSpPr>
-          <p:nvPr>
-            <p:ph type="title"/>
-          </p:nvPr>
-        </p:nvSpPr>
-        <p:spPr>
-          <a:xfrm>
-            <a:off x="389199" y="396048"/>
-            <a:ext cx="8596668" cy="1320800"/>
-          </a:xfrm>
-        </p:spPr>
-        <p:txBody>
-          <a:bodyPr/>
-          <a:lstStyle/>
-          <a:p>
-            <a:r>
-              <a:rPr lang="en-US" dirty="0"/>
-              <a:t>Obj</a:t>
-            </a:r>
-          </a:p>
-        </p:txBody>
-      </p:sp>
-      <p:sp>
-        <p:nvSpPr>
-          <p:cNvPr id="5" name="矩形 4">
-            <a:extLst>
-              <a:ext uri="{FF2B5EF4-FFF2-40B4-BE49-F238E27FC236}">
-                <a16:creationId xmlns:a16="http://schemas.microsoft.com/office/drawing/2014/main" id="{48E9AD08-89D7-4683-A69B-E7A0F2C44BF8}"/>
-              </a:ext>
-            </a:extLst>
-          </p:cNvPr>
-          <p:cNvSpPr/>
-          <p:nvPr/>
-        </p:nvSpPr>
-        <p:spPr>
-          <a:xfrm>
-            <a:off x="175889" y="1791019"/>
-            <a:ext cx="3717685" cy="2932055"/>
-          </a:xfrm>
-          <a:prstGeom prst="rect">
-            <a:avLst/>
-          </a:prstGeom>
-          <a:noFill/>
-          <a:ln w="38100">
-            <a:solidFill>
-              <a:srgbClr val="FF0000"/>
-            </a:solidFill>
-          </a:ln>
-        </p:spPr>
-        <p:style>
-          <a:lnRef idx="2">
-            <a:schemeClr val="accent1">
-              <a:shade val="50000"/>
-            </a:schemeClr>
-          </a:lnRef>
-          <a:fillRef idx="1">
-            <a:schemeClr val="accent1"/>
-          </a:fillRef>
-          <a:effectRef idx="0">
-            <a:schemeClr val="accent1"/>
-          </a:effectRef>
-          <a:fontRef idx="minor">
-            <a:schemeClr val="lt1"/>
-          </a:fontRef>
-        </p:style>
-        <p:txBody>
-          <a:bodyPr rtlCol="0" anchor="ctr"/>
-          <a:lstStyle/>
-          <a:p>
-            <a:pPr algn="ctr"/>
-            <a:r>
-              <a:rPr lang="en-US" dirty="0"/>
-              <a:t>User’s info</a:t>
-            </a:r>
-          </a:p>
-        </p:txBody>
-      </p:sp>
-      <p:sp>
-        <p:nvSpPr>
-          <p:cNvPr id="6" name="矩形 5">
-            <a:extLst>
-              <a:ext uri="{FF2B5EF4-FFF2-40B4-BE49-F238E27FC236}">
-                <a16:creationId xmlns:a16="http://schemas.microsoft.com/office/drawing/2014/main" id="{D737F16D-2F98-4719-AD1D-4D88BC01B812}"/>
-              </a:ext>
-            </a:extLst>
-          </p:cNvPr>
-          <p:cNvSpPr/>
-          <p:nvPr/>
-        </p:nvSpPr>
-        <p:spPr>
-          <a:xfrm>
-            <a:off x="175889" y="4802588"/>
-            <a:ext cx="3717685" cy="1785024"/>
-          </a:xfrm>
-          <a:prstGeom prst="rect">
-            <a:avLst/>
-          </a:prstGeom>
-          <a:noFill/>
-          <a:ln w="38100">
-            <a:solidFill>
-              <a:srgbClr val="FF0000"/>
-            </a:solidFill>
-          </a:ln>
-        </p:spPr>
-        <p:style>
-          <a:lnRef idx="2">
-            <a:schemeClr val="accent1">
-              <a:shade val="50000"/>
-            </a:schemeClr>
-          </a:lnRef>
-          <a:fillRef idx="1">
-            <a:schemeClr val="accent1"/>
-          </a:fillRef>
-          <a:effectRef idx="0">
-            <a:schemeClr val="accent1"/>
-          </a:effectRef>
-          <a:fontRef idx="minor">
-            <a:schemeClr val="lt1"/>
-          </a:fontRef>
-        </p:style>
-        <p:txBody>
-          <a:bodyPr rtlCol="0" anchor="ctr"/>
-          <a:lstStyle/>
-          <a:p>
-            <a:pPr algn="ctr"/>
-            <a:r>
-              <a:rPr lang="en-US" dirty="0"/>
-              <a:t>User’s Action</a:t>
-            </a:r>
-          </a:p>
-        </p:txBody>
-      </p:sp>
-      <p:sp>
-        <p:nvSpPr>
-          <p:cNvPr id="7" name="矩形 6">
-            <a:extLst>
-              <a:ext uri="{FF2B5EF4-FFF2-40B4-BE49-F238E27FC236}">
-                <a16:creationId xmlns:a16="http://schemas.microsoft.com/office/drawing/2014/main" id="{A4FBF8A3-6A04-47C6-B0A7-D58241C70C98}"/>
-              </a:ext>
-            </a:extLst>
-          </p:cNvPr>
-          <p:cNvSpPr/>
-          <p:nvPr/>
-        </p:nvSpPr>
-        <p:spPr>
-          <a:xfrm>
-            <a:off x="4395020" y="1791020"/>
-            <a:ext cx="4208206" cy="2280048"/>
-          </a:xfrm>
-          <a:prstGeom prst="rect">
-            <a:avLst/>
-          </a:prstGeom>
-          <a:noFill/>
-          <a:ln w="38100">
-            <a:solidFill>
-              <a:srgbClr val="FF0000"/>
-            </a:solidFill>
-          </a:ln>
-        </p:spPr>
-        <p:style>
-          <a:lnRef idx="2">
-            <a:schemeClr val="accent1">
-              <a:shade val="50000"/>
-            </a:schemeClr>
-          </a:lnRef>
-          <a:fillRef idx="1">
-            <a:schemeClr val="accent1"/>
-          </a:fillRef>
-          <a:effectRef idx="0">
-            <a:schemeClr val="accent1"/>
-          </a:effectRef>
-          <a:fontRef idx="minor">
-            <a:schemeClr val="lt1"/>
-          </a:fontRef>
-        </p:style>
-        <p:txBody>
-          <a:bodyPr rtlCol="0" anchor="ctr"/>
-          <a:lstStyle/>
-          <a:p>
-            <a:pPr algn="ctr"/>
-            <a:r>
-              <a:rPr lang="en-US" dirty="0"/>
-              <a:t>Room’s info</a:t>
-            </a:r>
-          </a:p>
-        </p:txBody>
-      </p:sp>
-      <p:sp>
-        <p:nvSpPr>
-          <p:cNvPr id="9" name="矩形 8">
-            <a:extLst>
-              <a:ext uri="{FF2B5EF4-FFF2-40B4-BE49-F238E27FC236}">
-                <a16:creationId xmlns:a16="http://schemas.microsoft.com/office/drawing/2014/main" id="{5377AE0D-A29D-4029-8BC1-1D42EFF902AE}"/>
-              </a:ext>
-            </a:extLst>
-          </p:cNvPr>
-          <p:cNvSpPr/>
-          <p:nvPr/>
-        </p:nvSpPr>
-        <p:spPr>
-          <a:xfrm>
-            <a:off x="4395020" y="4157283"/>
-            <a:ext cx="4208206" cy="2142199"/>
-          </a:xfrm>
-          <a:prstGeom prst="rect">
-            <a:avLst/>
-          </a:prstGeom>
-          <a:noFill/>
-          <a:ln w="38100">
-            <a:solidFill>
-              <a:srgbClr val="FF0000"/>
-            </a:solidFill>
-          </a:ln>
-        </p:spPr>
-        <p:style>
-          <a:lnRef idx="2">
-            <a:schemeClr val="accent1">
-              <a:shade val="50000"/>
-            </a:schemeClr>
-          </a:lnRef>
-          <a:fillRef idx="1">
-            <a:schemeClr val="accent1"/>
-          </a:fillRef>
-          <a:effectRef idx="0">
-            <a:schemeClr val="accent1"/>
-          </a:effectRef>
-          <a:fontRef idx="minor">
-            <a:schemeClr val="lt1"/>
-          </a:fontRef>
-        </p:style>
-        <p:txBody>
-          <a:bodyPr rtlCol="0" anchor="ctr"/>
-          <a:lstStyle/>
-          <a:p>
-            <a:pPr algn="ctr"/>
-            <a:endParaRPr lang="en-US" dirty="0"/>
-          </a:p>
-          <a:p>
-            <a:pPr algn="ctr"/>
-            <a:r>
-              <a:rPr lang="en-US" dirty="0"/>
-              <a:t>Room’s Response to User Action</a:t>
-            </a:r>
-          </a:p>
-        </p:txBody>
-      </p:sp>
-      <p:sp>
-        <p:nvSpPr>
-          <p:cNvPr id="10" name="矩形 9">
-            <a:extLst>
-              <a:ext uri="{FF2B5EF4-FFF2-40B4-BE49-F238E27FC236}">
-                <a16:creationId xmlns:a16="http://schemas.microsoft.com/office/drawing/2014/main" id="{DDE72D1F-CD11-46B9-911C-EE03D62DD97D}"/>
-              </a:ext>
-            </a:extLst>
-          </p:cNvPr>
-          <p:cNvSpPr/>
-          <p:nvPr/>
-        </p:nvSpPr>
-        <p:spPr>
-          <a:xfrm>
-            <a:off x="8985867" y="1791020"/>
-            <a:ext cx="3030244" cy="2621954"/>
-          </a:xfrm>
-          <a:prstGeom prst="rect">
-            <a:avLst/>
-          </a:prstGeom>
-          <a:noFill/>
-          <a:ln w="38100">
-            <a:solidFill>
-              <a:srgbClr val="FF0000"/>
-            </a:solidFill>
-          </a:ln>
-        </p:spPr>
-        <p:style>
-          <a:lnRef idx="2">
-            <a:schemeClr val="accent1">
-              <a:shade val="50000"/>
-            </a:schemeClr>
-          </a:lnRef>
-          <a:fillRef idx="1">
-            <a:schemeClr val="accent1"/>
-          </a:fillRef>
-          <a:effectRef idx="0">
-            <a:schemeClr val="accent1"/>
-          </a:effectRef>
-          <a:fontRef idx="minor">
-            <a:schemeClr val="lt1"/>
-          </a:fontRef>
-        </p:style>
-        <p:txBody>
-          <a:bodyPr rtlCol="0" anchor="ctr"/>
-          <a:lstStyle/>
-          <a:p>
-            <a:pPr algn="ctr"/>
-            <a:r>
-              <a:rPr lang="en-US" dirty="0"/>
-              <a:t>Message’s info</a:t>
-            </a:r>
-          </a:p>
-        </p:txBody>
-      </p:sp>
-    </p:spTree>
-    <p:extLst>
-      <p:ext uri="{BB962C8B-B14F-4D97-AF65-F5344CB8AC3E}">
-        <p14:creationId xmlns:p14="http://schemas.microsoft.com/office/powerpoint/2010/main" val="801271339"/>
       </p:ext>
     </p:extLst>
   </p:cSld>
@@ -9185,13 +9184,6 @@
             <a:pPr lvl="1"/>
             <a:r>
               <a:rPr lang="en-US" sz="2400" dirty="0"/>
-              <a:t>One command for each type observable’s notification</a:t>
-            </a:r>
-          </a:p>
-          <a:p>
-            <a:pPr lvl="1"/>
-            <a:r>
-              <a:rPr lang="en-US" sz="2400" dirty="0"/>
               <a:t>Dispatcher</a:t>
             </a:r>
           </a:p>
@@ -9214,7 +9206,7 @@
             </a:r>
             <a:r>
               <a:rPr lang="en-US" sz="2000" dirty="0"/>
-              <a:t>		- All global users a existing room is deleted (owner left)</a:t>
+              <a:t>		- All global users - a existing room is deleted (owner left)</a:t>
             </a:r>
           </a:p>
           <a:p>
@@ -9233,7 +9225,7 @@
             </a:r>
             <a:r>
               <a:rPr lang="en-US" sz="2000" dirty="0"/>
-              <a:t> 	- All room users - Owner changes the room qualification</a:t>
+              <a:t> 	- All room users - owner changes the room qualification</a:t>
             </a:r>
           </a:p>
           <a:p>
@@ -9255,7 +9247,7 @@
             </a:r>
             <a:r>
               <a:rPr lang="en-US" sz="2000" dirty="0"/>
-              <a:t> 		- All room users – send to all room user info &amp; group info to view</a:t>
+              <a:t> 		- All room users – send info to view</a:t>
             </a:r>
           </a:p>
           <a:p>
@@ -9283,6 +9275,2959 @@
 </file>
 
 <file path=ppt/slides/slide17.xml><?xml version="1.0" encoding="utf-8"?>
+<p:sld xmlns:a="http://schemas.openxmlformats.org/drawingml/2006/main" xmlns:r="http://schemas.openxmlformats.org/officeDocument/2006/relationships" xmlns:p="http://schemas.openxmlformats.org/presentationml/2006/main">
+  <p:cSld>
+    <p:bg>
+      <p:bgPr>
+        <a:solidFill>
+          <a:schemeClr val="bg1"/>
+        </a:solidFill>
+        <a:effectLst/>
+      </p:bgPr>
+    </p:bg>
+    <p:spTree>
+      <p:nvGrpSpPr>
+        <p:cNvPr id="1" name=""/>
+        <p:cNvGrpSpPr/>
+        <p:nvPr/>
+      </p:nvGrpSpPr>
+      <p:grpSpPr>
+        <a:xfrm>
+          <a:off x="0" y="0"/>
+          <a:ext cx="0" cy="0"/>
+          <a:chOff x="0" y="0"/>
+          <a:chExt cx="0" cy="0"/>
+        </a:xfrm>
+      </p:grpSpPr>
+      <p:sp useBgFill="1">
+        <p:nvSpPr>
+          <p:cNvPr id="8" name="Rectangle 7">
+            <a:extLst>
+              <a:ext uri="{FF2B5EF4-FFF2-40B4-BE49-F238E27FC236}">
+                <a16:creationId xmlns:a16="http://schemas.microsoft.com/office/drawing/2014/main" id="{E80B86A7-A1EC-475B-9166-88902B033A38}"/>
+              </a:ext>
+              <a:ext uri="{C183D7F6-B498-43B3-948B-1728B52AA6E4}">
+                <adec:decorative xmlns:adec="http://schemas.microsoft.com/office/drawing/2017/decorative" val="1"/>
+              </a:ext>
+            </a:extLst>
+          </p:cNvPr>
+          <p:cNvSpPr>
+            <a:spLocks noGrp="1" noRot="1" noChangeAspect="1" noMove="1" noResize="1" noEditPoints="1" noAdjustHandles="1" noChangeArrowheads="1" noChangeShapeType="1" noTextEdit="1"/>
+          </p:cNvSpPr>
+          <p:nvPr>
+            <p:extLst>
+              <p:ext uri="{386F3935-93C4-4BCD-93E2-E3B085C9AB24}">
+                <p16:designElem xmlns:p16="http://schemas.microsoft.com/office/powerpoint/2015/main" val="1"/>
+              </p:ext>
+            </p:extLst>
+          </p:nvPr>
+        </p:nvSpPr>
+        <p:spPr>
+          <a:xfrm>
+            <a:off x="0" y="0"/>
+            <a:ext cx="12192000" cy="6858000"/>
+          </a:xfrm>
+          <a:prstGeom prst="rect">
+            <a:avLst/>
+          </a:prstGeom>
+          <a:ln>
+            <a:noFill/>
+          </a:ln>
+        </p:spPr>
+        <p:style>
+          <a:lnRef idx="2">
+            <a:schemeClr val="accent1">
+              <a:shade val="50000"/>
+            </a:schemeClr>
+          </a:lnRef>
+          <a:fillRef idx="1">
+            <a:schemeClr val="accent1"/>
+          </a:fillRef>
+          <a:effectRef idx="0">
+            <a:schemeClr val="accent1"/>
+          </a:effectRef>
+          <a:fontRef idx="minor">
+            <a:schemeClr val="lt1"/>
+          </a:fontRef>
+        </p:style>
+        <p:txBody>
+          <a:bodyPr rtlCol="0" anchor="ctr"/>
+          <a:lstStyle/>
+          <a:p>
+            <a:pPr algn="ctr"/>
+            <a:endParaRPr lang="en-US"/>
+          </a:p>
+        </p:txBody>
+      </p:sp>
+      <p:sp>
+        <p:nvSpPr>
+          <p:cNvPr id="18" name="矩形 17">
+            <a:extLst>
+              <a:ext uri="{FF2B5EF4-FFF2-40B4-BE49-F238E27FC236}">
+                <a16:creationId xmlns:a16="http://schemas.microsoft.com/office/drawing/2014/main" id="{9E1C2B9B-056F-4EC9-A07E-E9BBF19304B3}"/>
+              </a:ext>
+            </a:extLst>
+          </p:cNvPr>
+          <p:cNvSpPr/>
+          <p:nvPr/>
+        </p:nvSpPr>
+        <p:spPr>
+          <a:xfrm>
+            <a:off x="9254455" y="677614"/>
+            <a:ext cx="1935002" cy="1707778"/>
+          </a:xfrm>
+          <a:prstGeom prst="rect">
+            <a:avLst/>
+          </a:prstGeom>
+          <a:solidFill>
+            <a:schemeClr val="accent3">
+              <a:lumMod val="60000"/>
+              <a:lumOff val="40000"/>
+            </a:schemeClr>
+          </a:solidFill>
+        </p:spPr>
+        <p:style>
+          <a:lnRef idx="2">
+            <a:schemeClr val="accent1">
+              <a:shade val="50000"/>
+            </a:schemeClr>
+          </a:lnRef>
+          <a:fillRef idx="1">
+            <a:schemeClr val="accent1"/>
+          </a:fillRef>
+          <a:effectRef idx="0">
+            <a:schemeClr val="accent1"/>
+          </a:effectRef>
+          <a:fontRef idx="minor">
+            <a:schemeClr val="lt1"/>
+          </a:fontRef>
+        </p:style>
+        <p:txBody>
+          <a:bodyPr rtlCol="0" anchor="ctr"/>
+          <a:lstStyle/>
+          <a:p>
+            <a:pPr algn="ctr"/>
+            <a:r>
+              <a:rPr lang="en-US" dirty="0">
+                <a:solidFill>
+                  <a:schemeClr val="tx1"/>
+                </a:solidFill>
+              </a:rPr>
+              <a:t>Joined Room</a:t>
+            </a:r>
+          </a:p>
+          <a:p>
+            <a:pPr algn="ctr"/>
+            <a:r>
+              <a:rPr lang="en-US" dirty="0">
+                <a:solidFill>
+                  <a:schemeClr val="tx1"/>
+                </a:solidFill>
+              </a:rPr>
+              <a:t>Room1</a:t>
+            </a:r>
+          </a:p>
+          <a:p>
+            <a:pPr algn="ctr"/>
+            <a:r>
+              <a:rPr lang="en-US" dirty="0">
+                <a:solidFill>
+                  <a:schemeClr val="tx1"/>
+                </a:solidFill>
+              </a:rPr>
+              <a:t>Room2</a:t>
+            </a:r>
+          </a:p>
+          <a:p>
+            <a:pPr algn="ctr"/>
+            <a:r>
+              <a:rPr lang="en-US" dirty="0">
+                <a:solidFill>
+                  <a:schemeClr val="tx1"/>
+                </a:solidFill>
+              </a:rPr>
+              <a:t>Available Room</a:t>
+            </a:r>
+          </a:p>
+          <a:p>
+            <a:pPr algn="ctr"/>
+            <a:r>
+              <a:rPr lang="en-US" dirty="0">
+                <a:solidFill>
+                  <a:srgbClr val="FF0000"/>
+                </a:solidFill>
+              </a:rPr>
+              <a:t>Room3</a:t>
+            </a:r>
+          </a:p>
+        </p:txBody>
+      </p:sp>
+      <p:sp>
+        <p:nvSpPr>
+          <p:cNvPr id="19" name="矩形 18">
+            <a:extLst>
+              <a:ext uri="{FF2B5EF4-FFF2-40B4-BE49-F238E27FC236}">
+                <a16:creationId xmlns:a16="http://schemas.microsoft.com/office/drawing/2014/main" id="{CD531863-7CBB-4894-A589-EDF72CA7E683}"/>
+              </a:ext>
+            </a:extLst>
+          </p:cNvPr>
+          <p:cNvSpPr/>
+          <p:nvPr/>
+        </p:nvSpPr>
+        <p:spPr>
+          <a:xfrm>
+            <a:off x="9254455" y="2729156"/>
+            <a:ext cx="1935002" cy="1707778"/>
+          </a:xfrm>
+          <a:prstGeom prst="rect">
+            <a:avLst/>
+          </a:prstGeom>
+          <a:solidFill>
+            <a:schemeClr val="accent3">
+              <a:lumMod val="60000"/>
+              <a:lumOff val="40000"/>
+            </a:schemeClr>
+          </a:solidFill>
+        </p:spPr>
+        <p:style>
+          <a:lnRef idx="2">
+            <a:schemeClr val="accent1">
+              <a:shade val="50000"/>
+            </a:schemeClr>
+          </a:lnRef>
+          <a:fillRef idx="1">
+            <a:schemeClr val="accent1"/>
+          </a:fillRef>
+          <a:effectRef idx="0">
+            <a:schemeClr val="accent1"/>
+          </a:effectRef>
+          <a:fontRef idx="minor">
+            <a:schemeClr val="lt1"/>
+          </a:fontRef>
+        </p:style>
+        <p:txBody>
+          <a:bodyPr rtlCol="0" anchor="ctr"/>
+          <a:lstStyle/>
+          <a:p>
+            <a:pPr algn="ctr"/>
+            <a:r>
+              <a:rPr lang="en-US" dirty="0">
+                <a:solidFill>
+                  <a:schemeClr val="tx1"/>
+                </a:solidFill>
+              </a:rPr>
+              <a:t>Joined Room</a:t>
+            </a:r>
+          </a:p>
+          <a:p>
+            <a:pPr algn="ctr"/>
+            <a:r>
+              <a:rPr lang="en-US" dirty="0">
+                <a:solidFill>
+                  <a:schemeClr val="tx1"/>
+                </a:solidFill>
+              </a:rPr>
+              <a:t>Room2</a:t>
+            </a:r>
+          </a:p>
+          <a:p>
+            <a:pPr algn="ctr"/>
+            <a:r>
+              <a:rPr lang="en-US" dirty="0">
+                <a:solidFill>
+                  <a:schemeClr val="tx1"/>
+                </a:solidFill>
+              </a:rPr>
+              <a:t>Available Room</a:t>
+            </a:r>
+          </a:p>
+          <a:p>
+            <a:pPr algn="ctr"/>
+            <a:r>
+              <a:rPr lang="en-US" dirty="0">
+                <a:solidFill>
+                  <a:schemeClr val="tx1"/>
+                </a:solidFill>
+              </a:rPr>
+              <a:t>Room1</a:t>
+            </a:r>
+          </a:p>
+          <a:p>
+            <a:pPr algn="ctr"/>
+            <a:r>
+              <a:rPr lang="en-US" dirty="0">
+                <a:solidFill>
+                  <a:srgbClr val="FF0000"/>
+                </a:solidFill>
+              </a:rPr>
+              <a:t>Room3</a:t>
+            </a:r>
+          </a:p>
+        </p:txBody>
+      </p:sp>
+      <p:sp>
+        <p:nvSpPr>
+          <p:cNvPr id="20" name="矩形 19">
+            <a:extLst>
+              <a:ext uri="{FF2B5EF4-FFF2-40B4-BE49-F238E27FC236}">
+                <a16:creationId xmlns:a16="http://schemas.microsoft.com/office/drawing/2014/main" id="{DE0E56BC-CBAE-48CC-A3D9-F82F03BE2727}"/>
+              </a:ext>
+            </a:extLst>
+          </p:cNvPr>
+          <p:cNvSpPr/>
+          <p:nvPr/>
+        </p:nvSpPr>
+        <p:spPr>
+          <a:xfrm>
+            <a:off x="9254455" y="4812265"/>
+            <a:ext cx="1935002" cy="1707778"/>
+          </a:xfrm>
+          <a:prstGeom prst="rect">
+            <a:avLst/>
+          </a:prstGeom>
+          <a:solidFill>
+            <a:schemeClr val="accent3">
+              <a:lumMod val="60000"/>
+              <a:lumOff val="40000"/>
+            </a:schemeClr>
+          </a:solidFill>
+        </p:spPr>
+        <p:style>
+          <a:lnRef idx="2">
+            <a:schemeClr val="accent1">
+              <a:shade val="50000"/>
+            </a:schemeClr>
+          </a:lnRef>
+          <a:fillRef idx="1">
+            <a:schemeClr val="accent1"/>
+          </a:fillRef>
+          <a:effectRef idx="0">
+            <a:schemeClr val="accent1"/>
+          </a:effectRef>
+          <a:fontRef idx="minor">
+            <a:schemeClr val="lt1"/>
+          </a:fontRef>
+        </p:style>
+        <p:txBody>
+          <a:bodyPr rtlCol="0" anchor="ctr"/>
+          <a:lstStyle/>
+          <a:p>
+            <a:pPr algn="ctr"/>
+            <a:r>
+              <a:rPr lang="en-US" dirty="0">
+                <a:solidFill>
+                  <a:schemeClr val="tx1"/>
+                </a:solidFill>
+              </a:rPr>
+              <a:t>Joined Room</a:t>
+            </a:r>
+          </a:p>
+          <a:p>
+            <a:pPr algn="ctr"/>
+            <a:r>
+              <a:rPr lang="en-US" dirty="0">
+                <a:solidFill>
+                  <a:schemeClr val="tx1"/>
+                </a:solidFill>
+              </a:rPr>
+              <a:t>Available Room</a:t>
+            </a:r>
+          </a:p>
+          <a:p>
+            <a:pPr algn="ctr"/>
+            <a:r>
+              <a:rPr lang="en-US" dirty="0">
+                <a:solidFill>
+                  <a:schemeClr val="tx1"/>
+                </a:solidFill>
+              </a:rPr>
+              <a:t>Room1</a:t>
+            </a:r>
+          </a:p>
+          <a:p>
+            <a:pPr algn="ctr"/>
+            <a:r>
+              <a:rPr lang="en-US" dirty="0">
+                <a:solidFill>
+                  <a:schemeClr val="tx1"/>
+                </a:solidFill>
+              </a:rPr>
+              <a:t>Room2</a:t>
+            </a:r>
+          </a:p>
+          <a:p>
+            <a:pPr algn="ctr"/>
+            <a:r>
+              <a:rPr lang="en-US" dirty="0">
+                <a:solidFill>
+                  <a:srgbClr val="FF0000"/>
+                </a:solidFill>
+              </a:rPr>
+              <a:t>Room3</a:t>
+            </a:r>
+          </a:p>
+        </p:txBody>
+      </p:sp>
+      <p:sp>
+        <p:nvSpPr>
+          <p:cNvPr id="10" name="Isosceles Triangle 9">
+            <a:extLst>
+              <a:ext uri="{FF2B5EF4-FFF2-40B4-BE49-F238E27FC236}">
+                <a16:creationId xmlns:a16="http://schemas.microsoft.com/office/drawing/2014/main" id="{C2C29CB1-9F74-4879-A6AF-AEA67B6F1F4D}"/>
+              </a:ext>
+              <a:ext uri="{C183D7F6-B498-43B3-948B-1728B52AA6E4}">
+                <adec:decorative xmlns:adec="http://schemas.microsoft.com/office/drawing/2017/decorative" val="1"/>
+              </a:ext>
+            </a:extLst>
+          </p:cNvPr>
+          <p:cNvSpPr>
+            <a:spLocks noGrp="1" noRot="1" noChangeAspect="1" noMove="1" noResize="1" noEditPoints="1" noAdjustHandles="1" noChangeArrowheads="1" noChangeShapeType="1" noTextEdit="1"/>
+          </p:cNvSpPr>
+          <p:nvPr>
+            <p:extLst>
+              <p:ext uri="{386F3935-93C4-4BCD-93E2-E3B085C9AB24}">
+                <p16:designElem xmlns:p16="http://schemas.microsoft.com/office/powerpoint/2015/main" val="1"/>
+              </p:ext>
+            </p:extLst>
+          </p:nvPr>
+        </p:nvSpPr>
+        <p:spPr>
+          <a:xfrm rot="10800000">
+            <a:off x="0" y="0"/>
+            <a:ext cx="842596" cy="5666154"/>
+          </a:xfrm>
+          <a:prstGeom prst="triangle">
+            <a:avLst>
+              <a:gd name="adj" fmla="val 100000"/>
+            </a:avLst>
+          </a:prstGeom>
+          <a:solidFill>
+            <a:schemeClr val="accent1">
+              <a:alpha val="85000"/>
+            </a:schemeClr>
+          </a:solidFill>
+          <a:ln>
+            <a:noFill/>
+          </a:ln>
+          <a:effectLst/>
+        </p:spPr>
+        <p:style>
+          <a:lnRef idx="1">
+            <a:schemeClr val="accent1"/>
+          </a:lnRef>
+          <a:fillRef idx="3">
+            <a:schemeClr val="accent1"/>
+          </a:fillRef>
+          <a:effectRef idx="2">
+            <a:schemeClr val="accent1"/>
+          </a:effectRef>
+          <a:fontRef idx="minor">
+            <a:schemeClr val="lt1"/>
+          </a:fontRef>
+        </p:style>
+      </p:sp>
+      <p:sp>
+        <p:nvSpPr>
+          <p:cNvPr id="12" name="Isosceles Triangle 11">
+            <a:extLst>
+              <a:ext uri="{FF2B5EF4-FFF2-40B4-BE49-F238E27FC236}">
+                <a16:creationId xmlns:a16="http://schemas.microsoft.com/office/drawing/2014/main" id="{7E2C7115-5336-410C-AD71-0F0952A2E5A7}"/>
+              </a:ext>
+              <a:ext uri="{C183D7F6-B498-43B3-948B-1728B52AA6E4}">
+                <adec:decorative xmlns:adec="http://schemas.microsoft.com/office/drawing/2017/decorative" val="1"/>
+              </a:ext>
+            </a:extLst>
+          </p:cNvPr>
+          <p:cNvSpPr>
+            <a:spLocks noGrp="1" noRot="1" noChangeAspect="1" noMove="1" noResize="1" noEditPoints="1" noAdjustHandles="1" noChangeArrowheads="1" noChangeShapeType="1" noTextEdit="1"/>
+          </p:cNvSpPr>
+          <p:nvPr>
+            <p:extLst>
+              <p:ext uri="{386F3935-93C4-4BCD-93E2-E3B085C9AB24}">
+                <p16:designElem xmlns:p16="http://schemas.microsoft.com/office/powerpoint/2015/main" val="1"/>
+              </p:ext>
+            </p:extLst>
+          </p:nvPr>
+        </p:nvSpPr>
+        <p:spPr>
+          <a:xfrm flipH="1">
+            <a:off x="11743267" y="4013200"/>
+            <a:ext cx="448733" cy="2844800"/>
+          </a:xfrm>
+          <a:prstGeom prst="triangle">
+            <a:avLst>
+              <a:gd name="adj" fmla="val 0"/>
+            </a:avLst>
+          </a:prstGeom>
+          <a:solidFill>
+            <a:schemeClr val="accent1">
+              <a:alpha val="85000"/>
+            </a:schemeClr>
+          </a:solidFill>
+          <a:ln>
+            <a:noFill/>
+          </a:ln>
+          <a:effectLst/>
+        </p:spPr>
+        <p:style>
+          <a:lnRef idx="1">
+            <a:schemeClr val="accent1"/>
+          </a:lnRef>
+          <a:fillRef idx="3">
+            <a:schemeClr val="accent1"/>
+          </a:fillRef>
+          <a:effectRef idx="2">
+            <a:schemeClr val="accent1"/>
+          </a:effectRef>
+          <a:fontRef idx="minor">
+            <a:schemeClr val="lt1"/>
+          </a:fontRef>
+        </p:style>
+      </p:sp>
+      <p:sp>
+        <p:nvSpPr>
+          <p:cNvPr id="7" name="椭圆 6">
+            <a:extLst>
+              <a:ext uri="{FF2B5EF4-FFF2-40B4-BE49-F238E27FC236}">
+                <a16:creationId xmlns:a16="http://schemas.microsoft.com/office/drawing/2014/main" id="{B8718DD8-E5B1-49CD-AAAD-B32F846C8472}"/>
+              </a:ext>
+            </a:extLst>
+          </p:cNvPr>
+          <p:cNvSpPr/>
+          <p:nvPr/>
+        </p:nvSpPr>
+        <p:spPr>
+          <a:xfrm>
+            <a:off x="4447785" y="5178252"/>
+            <a:ext cx="2282025" cy="940445"/>
+          </a:xfrm>
+          <a:prstGeom prst="ellipse">
+            <a:avLst/>
+          </a:prstGeom>
+          <a:solidFill>
+            <a:schemeClr val="accent3">
+              <a:lumMod val="20000"/>
+              <a:lumOff val="80000"/>
+            </a:schemeClr>
+          </a:solidFill>
+        </p:spPr>
+        <p:style>
+          <a:lnRef idx="2">
+            <a:schemeClr val="accent1">
+              <a:shade val="50000"/>
+            </a:schemeClr>
+          </a:lnRef>
+          <a:fillRef idx="1">
+            <a:schemeClr val="accent1"/>
+          </a:fillRef>
+          <a:effectRef idx="0">
+            <a:schemeClr val="accent1"/>
+          </a:effectRef>
+          <a:fontRef idx="minor">
+            <a:schemeClr val="lt1"/>
+          </a:fontRef>
+        </p:style>
+        <p:txBody>
+          <a:bodyPr rtlCol="0" anchor="ctr"/>
+          <a:lstStyle/>
+          <a:p>
+            <a:pPr algn="ctr"/>
+            <a:r>
+              <a:rPr lang="en-US" dirty="0" err="1">
+                <a:solidFill>
+                  <a:schemeClr val="tx1"/>
+                </a:solidFill>
+              </a:rPr>
+              <a:t>AppendRoom</a:t>
+            </a:r>
+            <a:r>
+              <a:rPr lang="en-US" dirty="0">
+                <a:solidFill>
+                  <a:schemeClr val="tx1"/>
+                </a:solidFill>
+              </a:rPr>
+              <a:t> </a:t>
+            </a:r>
+            <a:r>
+              <a:rPr lang="en-US" dirty="0" err="1">
+                <a:solidFill>
+                  <a:schemeClr val="tx1"/>
+                </a:solidFill>
+              </a:rPr>
+              <a:t>Cmd</a:t>
+            </a:r>
+            <a:endParaRPr lang="en-US" dirty="0">
+              <a:solidFill>
+                <a:schemeClr val="tx1"/>
+              </a:solidFill>
+            </a:endParaRPr>
+          </a:p>
+          <a:p>
+            <a:pPr algn="ctr"/>
+            <a:endParaRPr lang="en-US" dirty="0">
+              <a:solidFill>
+                <a:schemeClr val="tx1"/>
+              </a:solidFill>
+            </a:endParaRPr>
+          </a:p>
+          <a:p>
+            <a:pPr algn="ctr"/>
+            <a:endParaRPr lang="en-US" dirty="0"/>
+          </a:p>
+        </p:txBody>
+      </p:sp>
+      <p:sp>
+        <p:nvSpPr>
+          <p:cNvPr id="9" name="标题 1">
+            <a:extLst>
+              <a:ext uri="{FF2B5EF4-FFF2-40B4-BE49-F238E27FC236}">
+                <a16:creationId xmlns:a16="http://schemas.microsoft.com/office/drawing/2014/main" id="{2006BC94-1CD6-4D37-9374-1144456FE989}"/>
+              </a:ext>
+            </a:extLst>
+          </p:cNvPr>
+          <p:cNvSpPr>
+            <a:spLocks noGrp="1"/>
+          </p:cNvSpPr>
+          <p:nvPr>
+            <p:ph type="title"/>
+          </p:nvPr>
+        </p:nvSpPr>
+        <p:spPr>
+          <a:xfrm>
+            <a:off x="677334" y="609600"/>
+            <a:ext cx="8596668" cy="1320800"/>
+          </a:xfrm>
+        </p:spPr>
+        <p:txBody>
+          <a:bodyPr/>
+          <a:lstStyle/>
+          <a:p>
+            <a:r>
+              <a:rPr lang="en-US" dirty="0"/>
+              <a:t>Example – Create Room3</a:t>
+            </a:r>
+          </a:p>
+        </p:txBody>
+      </p:sp>
+      <p:sp>
+        <p:nvSpPr>
+          <p:cNvPr id="11" name="矩形 10">
+            <a:extLst>
+              <a:ext uri="{FF2B5EF4-FFF2-40B4-BE49-F238E27FC236}">
+                <a16:creationId xmlns:a16="http://schemas.microsoft.com/office/drawing/2014/main" id="{5B653031-3D00-4CFF-B3BE-0CE569A99814}"/>
+              </a:ext>
+            </a:extLst>
+          </p:cNvPr>
+          <p:cNvSpPr/>
+          <p:nvPr/>
+        </p:nvSpPr>
+        <p:spPr>
+          <a:xfrm>
+            <a:off x="278652" y="3271589"/>
+            <a:ext cx="2155044" cy="739471"/>
+          </a:xfrm>
+          <a:prstGeom prst="rect">
+            <a:avLst/>
+          </a:prstGeom>
+          <a:noFill/>
+        </p:spPr>
+        <p:style>
+          <a:lnRef idx="2">
+            <a:schemeClr val="accent1">
+              <a:shade val="50000"/>
+            </a:schemeClr>
+          </a:lnRef>
+          <a:fillRef idx="1">
+            <a:schemeClr val="accent1"/>
+          </a:fillRef>
+          <a:effectRef idx="0">
+            <a:schemeClr val="accent1"/>
+          </a:effectRef>
+          <a:fontRef idx="minor">
+            <a:schemeClr val="lt1"/>
+          </a:fontRef>
+        </p:style>
+        <p:txBody>
+          <a:bodyPr rtlCol="0" anchor="ctr"/>
+          <a:lstStyle/>
+          <a:p>
+            <a:pPr algn="ctr"/>
+            <a:r>
+              <a:rPr lang="en-US" dirty="0" err="1">
+                <a:solidFill>
+                  <a:schemeClr val="tx1"/>
+                </a:solidFill>
+              </a:rPr>
+              <a:t>loadRoom</a:t>
+            </a:r>
+            <a:endParaRPr lang="en-US" dirty="0">
+              <a:solidFill>
+                <a:schemeClr val="tx1"/>
+              </a:solidFill>
+            </a:endParaRPr>
+          </a:p>
+          <a:p>
+            <a:pPr algn="ctr"/>
+            <a:r>
+              <a:rPr lang="en-US" dirty="0" err="1">
+                <a:solidFill>
+                  <a:schemeClr val="tx1"/>
+                </a:solidFill>
+              </a:rPr>
+              <a:t>DispatcherAdapter</a:t>
+            </a:r>
+            <a:endParaRPr lang="en-US" dirty="0">
+              <a:solidFill>
+                <a:schemeClr val="tx1"/>
+              </a:solidFill>
+            </a:endParaRPr>
+          </a:p>
+        </p:txBody>
+      </p:sp>
+      <p:sp>
+        <p:nvSpPr>
+          <p:cNvPr id="13" name="矩形 12">
+            <a:extLst>
+              <a:ext uri="{FF2B5EF4-FFF2-40B4-BE49-F238E27FC236}">
+                <a16:creationId xmlns:a16="http://schemas.microsoft.com/office/drawing/2014/main" id="{4E904761-84E9-4DE3-88AD-727538319789}"/>
+              </a:ext>
+            </a:extLst>
+          </p:cNvPr>
+          <p:cNvSpPr/>
+          <p:nvPr/>
+        </p:nvSpPr>
+        <p:spPr>
+          <a:xfrm>
+            <a:off x="5022980" y="1796996"/>
+            <a:ext cx="1171084" cy="872876"/>
+          </a:xfrm>
+          <a:prstGeom prst="rect">
+            <a:avLst/>
+          </a:prstGeom>
+        </p:spPr>
+        <p:style>
+          <a:lnRef idx="2">
+            <a:schemeClr val="accent1">
+              <a:shade val="50000"/>
+            </a:schemeClr>
+          </a:lnRef>
+          <a:fillRef idx="1">
+            <a:schemeClr val="accent1"/>
+          </a:fillRef>
+          <a:effectRef idx="0">
+            <a:schemeClr val="accent1"/>
+          </a:effectRef>
+          <a:fontRef idx="minor">
+            <a:schemeClr val="lt1"/>
+          </a:fontRef>
+        </p:style>
+        <p:txBody>
+          <a:bodyPr rtlCol="0" anchor="ctr"/>
+          <a:lstStyle/>
+          <a:p>
+            <a:pPr algn="ctr"/>
+            <a:r>
+              <a:rPr lang="en-US" dirty="0"/>
+              <a:t>Room1</a:t>
+            </a:r>
+          </a:p>
+          <a:p>
+            <a:pPr algn="ctr"/>
+            <a:r>
+              <a:rPr lang="en-US" dirty="0"/>
+              <a:t>User1</a:t>
+            </a:r>
+          </a:p>
+        </p:txBody>
+      </p:sp>
+      <p:sp>
+        <p:nvSpPr>
+          <p:cNvPr id="14" name="矩形 13">
+            <a:extLst>
+              <a:ext uri="{FF2B5EF4-FFF2-40B4-BE49-F238E27FC236}">
+                <a16:creationId xmlns:a16="http://schemas.microsoft.com/office/drawing/2014/main" id="{8E04056B-1824-428A-B463-FC763E061922}"/>
+              </a:ext>
+            </a:extLst>
+          </p:cNvPr>
+          <p:cNvSpPr/>
+          <p:nvPr/>
+        </p:nvSpPr>
+        <p:spPr>
+          <a:xfrm>
+            <a:off x="5022980" y="3162395"/>
+            <a:ext cx="1171084" cy="872876"/>
+          </a:xfrm>
+          <a:prstGeom prst="rect">
+            <a:avLst/>
+          </a:prstGeom>
+        </p:spPr>
+        <p:style>
+          <a:lnRef idx="2">
+            <a:schemeClr val="accent1">
+              <a:shade val="50000"/>
+            </a:schemeClr>
+          </a:lnRef>
+          <a:fillRef idx="1">
+            <a:schemeClr val="accent1"/>
+          </a:fillRef>
+          <a:effectRef idx="0">
+            <a:schemeClr val="accent1"/>
+          </a:effectRef>
+          <a:fontRef idx="minor">
+            <a:schemeClr val="lt1"/>
+          </a:fontRef>
+        </p:style>
+        <p:txBody>
+          <a:bodyPr rtlCol="0" anchor="ctr"/>
+          <a:lstStyle/>
+          <a:p>
+            <a:pPr algn="ctr"/>
+            <a:r>
+              <a:rPr lang="en-US" dirty="0"/>
+              <a:t>Room2</a:t>
+            </a:r>
+          </a:p>
+          <a:p>
+            <a:pPr algn="ctr"/>
+            <a:r>
+              <a:rPr lang="en-US" dirty="0"/>
+              <a:t>User1</a:t>
+            </a:r>
+          </a:p>
+          <a:p>
+            <a:pPr algn="ctr"/>
+            <a:r>
+              <a:rPr lang="en-US" dirty="0"/>
+              <a:t>User2</a:t>
+            </a:r>
+          </a:p>
+        </p:txBody>
+      </p:sp>
+      <p:sp>
+        <p:nvSpPr>
+          <p:cNvPr id="15" name="流程图: 接点 14">
+            <a:extLst>
+              <a:ext uri="{FF2B5EF4-FFF2-40B4-BE49-F238E27FC236}">
+                <a16:creationId xmlns:a16="http://schemas.microsoft.com/office/drawing/2014/main" id="{3B41F135-ED1A-404E-BBB4-D2D2C2732020}"/>
+              </a:ext>
+            </a:extLst>
+          </p:cNvPr>
+          <p:cNvSpPr/>
+          <p:nvPr/>
+        </p:nvSpPr>
+        <p:spPr>
+          <a:xfrm>
+            <a:off x="8416649" y="3381650"/>
+            <a:ext cx="1075670" cy="519351"/>
+          </a:xfrm>
+          <a:prstGeom prst="flowChartConnector">
+            <a:avLst/>
+          </a:prstGeom>
+          <a:solidFill>
+            <a:schemeClr val="accent3">
+              <a:lumMod val="60000"/>
+              <a:lumOff val="40000"/>
+            </a:schemeClr>
+          </a:solidFill>
+        </p:spPr>
+        <p:style>
+          <a:lnRef idx="2">
+            <a:schemeClr val="accent3">
+              <a:shade val="50000"/>
+            </a:schemeClr>
+          </a:lnRef>
+          <a:fillRef idx="1">
+            <a:schemeClr val="accent3"/>
+          </a:fillRef>
+          <a:effectRef idx="0">
+            <a:schemeClr val="accent3"/>
+          </a:effectRef>
+          <a:fontRef idx="minor">
+            <a:schemeClr val="lt1"/>
+          </a:fontRef>
+        </p:style>
+        <p:txBody>
+          <a:bodyPr wrap="none" rtlCol="0" anchor="ctr">
+            <a:spAutoFit/>
+          </a:bodyPr>
+          <a:lstStyle/>
+          <a:p>
+            <a:pPr algn="ctr"/>
+            <a:r>
+              <a:rPr lang="en-US" dirty="0"/>
+              <a:t>User2</a:t>
+            </a:r>
+          </a:p>
+        </p:txBody>
+      </p:sp>
+      <p:sp>
+        <p:nvSpPr>
+          <p:cNvPr id="16" name="流程图: 接点 15">
+            <a:extLst>
+              <a:ext uri="{FF2B5EF4-FFF2-40B4-BE49-F238E27FC236}">
+                <a16:creationId xmlns:a16="http://schemas.microsoft.com/office/drawing/2014/main" id="{208E3F9E-01D0-474B-82F5-587DB16EAE65}"/>
+              </a:ext>
+            </a:extLst>
+          </p:cNvPr>
+          <p:cNvSpPr/>
+          <p:nvPr/>
+        </p:nvSpPr>
+        <p:spPr>
+          <a:xfrm>
+            <a:off x="8416649" y="1362631"/>
+            <a:ext cx="1075670" cy="519351"/>
+          </a:xfrm>
+          <a:prstGeom prst="flowChartConnector">
+            <a:avLst/>
+          </a:prstGeom>
+          <a:solidFill>
+            <a:schemeClr val="accent3">
+              <a:lumMod val="60000"/>
+              <a:lumOff val="40000"/>
+            </a:schemeClr>
+          </a:solidFill>
+        </p:spPr>
+        <p:style>
+          <a:lnRef idx="2">
+            <a:schemeClr val="accent3">
+              <a:shade val="50000"/>
+            </a:schemeClr>
+          </a:lnRef>
+          <a:fillRef idx="1">
+            <a:schemeClr val="accent3"/>
+          </a:fillRef>
+          <a:effectRef idx="0">
+            <a:schemeClr val="accent3"/>
+          </a:effectRef>
+          <a:fontRef idx="minor">
+            <a:schemeClr val="lt1"/>
+          </a:fontRef>
+        </p:style>
+        <p:txBody>
+          <a:bodyPr wrap="none" rtlCol="0" anchor="ctr">
+            <a:spAutoFit/>
+          </a:bodyPr>
+          <a:lstStyle/>
+          <a:p>
+            <a:pPr algn="ctr"/>
+            <a:r>
+              <a:rPr lang="en-US" dirty="0"/>
+              <a:t>User1</a:t>
+            </a:r>
+          </a:p>
+        </p:txBody>
+      </p:sp>
+      <p:sp>
+        <p:nvSpPr>
+          <p:cNvPr id="17" name="流程图: 接点 16">
+            <a:extLst>
+              <a:ext uri="{FF2B5EF4-FFF2-40B4-BE49-F238E27FC236}">
+                <a16:creationId xmlns:a16="http://schemas.microsoft.com/office/drawing/2014/main" id="{7345BA40-3035-4F30-91E1-B4088FA0D93E}"/>
+              </a:ext>
+            </a:extLst>
+          </p:cNvPr>
+          <p:cNvSpPr/>
+          <p:nvPr/>
+        </p:nvSpPr>
+        <p:spPr>
+          <a:xfrm>
+            <a:off x="8416649" y="5400669"/>
+            <a:ext cx="1075670" cy="519351"/>
+          </a:xfrm>
+          <a:prstGeom prst="flowChartConnector">
+            <a:avLst/>
+          </a:prstGeom>
+          <a:solidFill>
+            <a:schemeClr val="accent3">
+              <a:lumMod val="60000"/>
+              <a:lumOff val="40000"/>
+            </a:schemeClr>
+          </a:solidFill>
+        </p:spPr>
+        <p:style>
+          <a:lnRef idx="2">
+            <a:schemeClr val="accent3">
+              <a:shade val="50000"/>
+            </a:schemeClr>
+          </a:lnRef>
+          <a:fillRef idx="1">
+            <a:schemeClr val="accent3"/>
+          </a:fillRef>
+          <a:effectRef idx="0">
+            <a:schemeClr val="accent3"/>
+          </a:effectRef>
+          <a:fontRef idx="minor">
+            <a:schemeClr val="lt1"/>
+          </a:fontRef>
+        </p:style>
+        <p:txBody>
+          <a:bodyPr wrap="none" rtlCol="0" anchor="ctr">
+            <a:spAutoFit/>
+          </a:bodyPr>
+          <a:lstStyle/>
+          <a:p>
+            <a:pPr algn="ctr"/>
+            <a:r>
+              <a:rPr lang="en-US" dirty="0"/>
+              <a:t>User3</a:t>
+            </a:r>
+          </a:p>
+        </p:txBody>
+      </p:sp>
+      <p:sp>
+        <p:nvSpPr>
+          <p:cNvPr id="21" name="矩形 20">
+            <a:extLst>
+              <a:ext uri="{FF2B5EF4-FFF2-40B4-BE49-F238E27FC236}">
+                <a16:creationId xmlns:a16="http://schemas.microsoft.com/office/drawing/2014/main" id="{6754D88B-5639-47CD-BBE9-308340870363}"/>
+              </a:ext>
+            </a:extLst>
+          </p:cNvPr>
+          <p:cNvSpPr/>
+          <p:nvPr/>
+        </p:nvSpPr>
+        <p:spPr>
+          <a:xfrm>
+            <a:off x="2316437" y="4812265"/>
+            <a:ext cx="1171084" cy="739471"/>
+          </a:xfrm>
+          <a:prstGeom prst="rect">
+            <a:avLst/>
+          </a:prstGeom>
+        </p:spPr>
+        <p:style>
+          <a:lnRef idx="2">
+            <a:schemeClr val="accent1">
+              <a:shade val="50000"/>
+            </a:schemeClr>
+          </a:lnRef>
+          <a:fillRef idx="1">
+            <a:schemeClr val="accent1"/>
+          </a:fillRef>
+          <a:effectRef idx="0">
+            <a:schemeClr val="accent1"/>
+          </a:effectRef>
+          <a:fontRef idx="minor">
+            <a:schemeClr val="lt1"/>
+          </a:fontRef>
+        </p:style>
+        <p:txBody>
+          <a:bodyPr rtlCol="0" anchor="ctr"/>
+          <a:lstStyle/>
+          <a:p>
+            <a:pPr algn="ctr"/>
+            <a:r>
+              <a:rPr lang="en-US" dirty="0">
+                <a:solidFill>
+                  <a:srgbClr val="FF0000"/>
+                </a:solidFill>
+              </a:rPr>
+              <a:t>Room3</a:t>
+            </a:r>
+          </a:p>
+        </p:txBody>
+      </p:sp>
+      <p:cxnSp>
+        <p:nvCxnSpPr>
+          <p:cNvPr id="22" name="连接符: 曲线 21">
+            <a:extLst>
+              <a:ext uri="{FF2B5EF4-FFF2-40B4-BE49-F238E27FC236}">
+                <a16:creationId xmlns:a16="http://schemas.microsoft.com/office/drawing/2014/main" id="{80A56E91-B43F-423E-B197-8F884AA9B781}"/>
+              </a:ext>
+            </a:extLst>
+          </p:cNvPr>
+          <p:cNvCxnSpPr>
+            <a:cxnSpLocks/>
+            <a:stCxn id="11" idx="2"/>
+            <a:endCxn id="21" idx="1"/>
+          </p:cNvCxnSpPr>
+          <p:nvPr/>
+        </p:nvCxnSpPr>
+        <p:spPr>
+          <a:xfrm rot="16200000" flipH="1">
+            <a:off x="1250835" y="4116398"/>
+            <a:ext cx="1170941" cy="960263"/>
+          </a:xfrm>
+          <a:prstGeom prst="curvedConnector2">
+            <a:avLst/>
+          </a:prstGeom>
+          <a:ln w="38100">
+            <a:headEnd type="none" w="med" len="med"/>
+            <a:tailEnd type="arrow" w="med" len="med"/>
+          </a:ln>
+        </p:spPr>
+        <p:style>
+          <a:lnRef idx="1">
+            <a:schemeClr val="accent1"/>
+          </a:lnRef>
+          <a:fillRef idx="0">
+            <a:schemeClr val="accent1"/>
+          </a:fillRef>
+          <a:effectRef idx="0">
+            <a:schemeClr val="accent1"/>
+          </a:effectRef>
+          <a:fontRef idx="minor">
+            <a:schemeClr val="tx1"/>
+          </a:fontRef>
+        </p:style>
+      </p:cxnSp>
+      <p:sp>
+        <p:nvSpPr>
+          <p:cNvPr id="23" name="矩形 22">
+            <a:extLst>
+              <a:ext uri="{FF2B5EF4-FFF2-40B4-BE49-F238E27FC236}">
+                <a16:creationId xmlns:a16="http://schemas.microsoft.com/office/drawing/2014/main" id="{3D9C02DA-F32E-418C-8EEA-491CB22FC142}"/>
+              </a:ext>
+            </a:extLst>
+          </p:cNvPr>
+          <p:cNvSpPr/>
+          <p:nvPr/>
+        </p:nvSpPr>
+        <p:spPr>
+          <a:xfrm>
+            <a:off x="731995" y="4566062"/>
+            <a:ext cx="1248355" cy="466474"/>
+          </a:xfrm>
+          <a:prstGeom prst="rect">
+            <a:avLst/>
+          </a:prstGeom>
+          <a:noFill/>
+          <a:ln>
+            <a:noFill/>
+          </a:ln>
+        </p:spPr>
+        <p:style>
+          <a:lnRef idx="2">
+            <a:schemeClr val="accent1">
+              <a:shade val="50000"/>
+            </a:schemeClr>
+          </a:lnRef>
+          <a:fillRef idx="1">
+            <a:schemeClr val="accent1"/>
+          </a:fillRef>
+          <a:effectRef idx="0">
+            <a:schemeClr val="accent1"/>
+          </a:effectRef>
+          <a:fontRef idx="minor">
+            <a:schemeClr val="lt1"/>
+          </a:fontRef>
+        </p:style>
+        <p:txBody>
+          <a:bodyPr rtlCol="0" anchor="ctr"/>
+          <a:lstStyle/>
+          <a:p>
+            <a:pPr algn="ctr"/>
+            <a:r>
+              <a:rPr lang="en-US" sz="1400" dirty="0">
+                <a:solidFill>
+                  <a:schemeClr val="tx1"/>
+                </a:solidFill>
+              </a:rPr>
+              <a:t>1. Create new room</a:t>
+            </a:r>
+          </a:p>
+        </p:txBody>
+      </p:sp>
+      <p:sp>
+        <p:nvSpPr>
+          <p:cNvPr id="24" name="矩形 23">
+            <a:extLst>
+              <a:ext uri="{FF2B5EF4-FFF2-40B4-BE49-F238E27FC236}">
+                <a16:creationId xmlns:a16="http://schemas.microsoft.com/office/drawing/2014/main" id="{4C234195-3C3D-41C7-B1C0-5EDEA6CBA7D3}"/>
+              </a:ext>
+            </a:extLst>
+          </p:cNvPr>
+          <p:cNvSpPr/>
+          <p:nvPr/>
+        </p:nvSpPr>
+        <p:spPr>
+          <a:xfrm>
+            <a:off x="5290381" y="5622541"/>
+            <a:ext cx="884903" cy="369734"/>
+          </a:xfrm>
+          <a:prstGeom prst="rect">
+            <a:avLst/>
+          </a:prstGeom>
+        </p:spPr>
+        <p:style>
+          <a:lnRef idx="2">
+            <a:schemeClr val="accent1">
+              <a:shade val="50000"/>
+            </a:schemeClr>
+          </a:lnRef>
+          <a:fillRef idx="1">
+            <a:schemeClr val="accent1"/>
+          </a:fillRef>
+          <a:effectRef idx="0">
+            <a:schemeClr val="accent1"/>
+          </a:effectRef>
+          <a:fontRef idx="minor">
+            <a:schemeClr val="lt1"/>
+          </a:fontRef>
+        </p:style>
+        <p:txBody>
+          <a:bodyPr rtlCol="0" anchor="ctr"/>
+          <a:lstStyle/>
+          <a:p>
+            <a:pPr algn="ctr"/>
+            <a:r>
+              <a:rPr lang="en-US" dirty="0">
+                <a:solidFill>
+                  <a:srgbClr val="FF0000"/>
+                </a:solidFill>
+              </a:rPr>
+              <a:t>Room3</a:t>
+            </a:r>
+          </a:p>
+        </p:txBody>
+      </p:sp>
+      <p:cxnSp>
+        <p:nvCxnSpPr>
+          <p:cNvPr id="25" name="连接符: 曲线 24">
+            <a:extLst>
+              <a:ext uri="{FF2B5EF4-FFF2-40B4-BE49-F238E27FC236}">
+                <a16:creationId xmlns:a16="http://schemas.microsoft.com/office/drawing/2014/main" id="{F801EB43-5B66-4746-A998-BFAB3811F3ED}"/>
+              </a:ext>
+            </a:extLst>
+          </p:cNvPr>
+          <p:cNvCxnSpPr>
+            <a:cxnSpLocks/>
+            <a:stCxn id="21" idx="2"/>
+            <a:endCxn id="7" idx="4"/>
+          </p:cNvCxnSpPr>
+          <p:nvPr/>
+        </p:nvCxnSpPr>
+        <p:spPr>
+          <a:xfrm rot="16200000" flipH="1">
+            <a:off x="3961908" y="4491806"/>
+            <a:ext cx="566961" cy="2686819"/>
+          </a:xfrm>
+          <a:prstGeom prst="curvedConnector3">
+            <a:avLst>
+              <a:gd name="adj1" fmla="val 140320"/>
+            </a:avLst>
+          </a:prstGeom>
+          <a:ln w="38100">
+            <a:headEnd type="none" w="med" len="med"/>
+            <a:tailEnd type="arrow" w="med" len="med"/>
+          </a:ln>
+        </p:spPr>
+        <p:style>
+          <a:lnRef idx="1">
+            <a:schemeClr val="accent1"/>
+          </a:lnRef>
+          <a:fillRef idx="0">
+            <a:schemeClr val="accent1"/>
+          </a:fillRef>
+          <a:effectRef idx="0">
+            <a:schemeClr val="accent1"/>
+          </a:effectRef>
+          <a:fontRef idx="minor">
+            <a:schemeClr val="tx1"/>
+          </a:fontRef>
+        </p:style>
+      </p:cxnSp>
+      <p:sp>
+        <p:nvSpPr>
+          <p:cNvPr id="26" name="矩形 25">
+            <a:extLst>
+              <a:ext uri="{FF2B5EF4-FFF2-40B4-BE49-F238E27FC236}">
+                <a16:creationId xmlns:a16="http://schemas.microsoft.com/office/drawing/2014/main" id="{E6E4E25D-F28F-413B-81A6-A59217AB6332}"/>
+              </a:ext>
+            </a:extLst>
+          </p:cNvPr>
+          <p:cNvSpPr/>
+          <p:nvPr/>
+        </p:nvSpPr>
+        <p:spPr>
+          <a:xfrm>
+            <a:off x="2417385" y="6119704"/>
+            <a:ext cx="2030399" cy="466474"/>
+          </a:xfrm>
+          <a:prstGeom prst="rect">
+            <a:avLst/>
+          </a:prstGeom>
+          <a:noFill/>
+          <a:ln>
+            <a:noFill/>
+          </a:ln>
+        </p:spPr>
+        <p:style>
+          <a:lnRef idx="2">
+            <a:schemeClr val="accent1">
+              <a:shade val="50000"/>
+            </a:schemeClr>
+          </a:lnRef>
+          <a:fillRef idx="1">
+            <a:schemeClr val="accent1"/>
+          </a:fillRef>
+          <a:effectRef idx="0">
+            <a:schemeClr val="accent1"/>
+          </a:effectRef>
+          <a:fontRef idx="minor">
+            <a:schemeClr val="lt1"/>
+          </a:fontRef>
+        </p:style>
+        <p:txBody>
+          <a:bodyPr rtlCol="0" anchor="ctr"/>
+          <a:lstStyle/>
+          <a:p>
+            <a:pPr algn="ctr"/>
+            <a:r>
+              <a:rPr lang="en-US" sz="1400" dirty="0">
+                <a:solidFill>
+                  <a:schemeClr val="tx1"/>
+                </a:solidFill>
+              </a:rPr>
+              <a:t>2. Wrap the room in </a:t>
+            </a:r>
+            <a:r>
+              <a:rPr lang="en-US" sz="1400" dirty="0" err="1">
+                <a:solidFill>
+                  <a:schemeClr val="tx1"/>
+                </a:solidFill>
+              </a:rPr>
+              <a:t>AppendRoom</a:t>
+            </a:r>
+            <a:r>
+              <a:rPr lang="en-US" sz="1400" dirty="0">
+                <a:solidFill>
+                  <a:schemeClr val="tx1"/>
+                </a:solidFill>
+              </a:rPr>
+              <a:t> </a:t>
+            </a:r>
+            <a:r>
+              <a:rPr lang="en-US" sz="1400" dirty="0" err="1">
+                <a:solidFill>
+                  <a:schemeClr val="tx1"/>
+                </a:solidFill>
+              </a:rPr>
+              <a:t>Cmd</a:t>
+            </a:r>
+            <a:endParaRPr lang="en-US" sz="1400" dirty="0">
+              <a:solidFill>
+                <a:schemeClr val="tx1"/>
+              </a:solidFill>
+            </a:endParaRPr>
+          </a:p>
+        </p:txBody>
+      </p:sp>
+      <p:cxnSp>
+        <p:nvCxnSpPr>
+          <p:cNvPr id="27" name="连接符: 曲线 26">
+            <a:extLst>
+              <a:ext uri="{FF2B5EF4-FFF2-40B4-BE49-F238E27FC236}">
+                <a16:creationId xmlns:a16="http://schemas.microsoft.com/office/drawing/2014/main" id="{6E49A25C-D61C-4E9D-95C1-1737AF0CD142}"/>
+              </a:ext>
+            </a:extLst>
+          </p:cNvPr>
+          <p:cNvCxnSpPr>
+            <a:cxnSpLocks/>
+            <a:stCxn id="7" idx="6"/>
+            <a:endCxn id="16" idx="2"/>
+          </p:cNvCxnSpPr>
+          <p:nvPr/>
+        </p:nvCxnSpPr>
+        <p:spPr>
+          <a:xfrm flipV="1">
+            <a:off x="6729810" y="1622307"/>
+            <a:ext cx="1686839" cy="4026168"/>
+          </a:xfrm>
+          <a:prstGeom prst="curvedConnector3">
+            <a:avLst>
+              <a:gd name="adj1" fmla="val 50000"/>
+            </a:avLst>
+          </a:prstGeom>
+          <a:ln w="38100">
+            <a:headEnd type="none" w="med" len="med"/>
+            <a:tailEnd type="arrow" w="med" len="med"/>
+          </a:ln>
+        </p:spPr>
+        <p:style>
+          <a:lnRef idx="1">
+            <a:schemeClr val="accent1"/>
+          </a:lnRef>
+          <a:fillRef idx="0">
+            <a:schemeClr val="accent1"/>
+          </a:fillRef>
+          <a:effectRef idx="0">
+            <a:schemeClr val="accent1"/>
+          </a:effectRef>
+          <a:fontRef idx="minor">
+            <a:schemeClr val="tx1"/>
+          </a:fontRef>
+        </p:style>
+      </p:cxnSp>
+      <p:cxnSp>
+        <p:nvCxnSpPr>
+          <p:cNvPr id="28" name="连接符: 曲线 27">
+            <a:extLst>
+              <a:ext uri="{FF2B5EF4-FFF2-40B4-BE49-F238E27FC236}">
+                <a16:creationId xmlns:a16="http://schemas.microsoft.com/office/drawing/2014/main" id="{319BE671-BE4E-4BCF-9E9D-61205A5AC5D9}"/>
+              </a:ext>
+            </a:extLst>
+          </p:cNvPr>
+          <p:cNvCxnSpPr>
+            <a:cxnSpLocks/>
+            <a:stCxn id="7" idx="6"/>
+            <a:endCxn id="15" idx="2"/>
+          </p:cNvCxnSpPr>
+          <p:nvPr/>
+        </p:nvCxnSpPr>
+        <p:spPr>
+          <a:xfrm flipV="1">
+            <a:off x="6729810" y="3641326"/>
+            <a:ext cx="1686839" cy="2007149"/>
+          </a:xfrm>
+          <a:prstGeom prst="curvedConnector3">
+            <a:avLst>
+              <a:gd name="adj1" fmla="val 74983"/>
+            </a:avLst>
+          </a:prstGeom>
+          <a:ln w="38100">
+            <a:headEnd type="none" w="med" len="med"/>
+            <a:tailEnd type="arrow" w="med" len="med"/>
+          </a:ln>
+        </p:spPr>
+        <p:style>
+          <a:lnRef idx="1">
+            <a:schemeClr val="accent1"/>
+          </a:lnRef>
+          <a:fillRef idx="0">
+            <a:schemeClr val="accent1"/>
+          </a:fillRef>
+          <a:effectRef idx="0">
+            <a:schemeClr val="accent1"/>
+          </a:effectRef>
+          <a:fontRef idx="minor">
+            <a:schemeClr val="tx1"/>
+          </a:fontRef>
+        </p:style>
+      </p:cxnSp>
+      <p:cxnSp>
+        <p:nvCxnSpPr>
+          <p:cNvPr id="29" name="连接符: 曲线 28">
+            <a:extLst>
+              <a:ext uri="{FF2B5EF4-FFF2-40B4-BE49-F238E27FC236}">
+                <a16:creationId xmlns:a16="http://schemas.microsoft.com/office/drawing/2014/main" id="{CED782CF-0EDE-42C2-A564-8CD3AED5C137}"/>
+              </a:ext>
+            </a:extLst>
+          </p:cNvPr>
+          <p:cNvCxnSpPr>
+            <a:cxnSpLocks/>
+            <a:stCxn id="7" idx="6"/>
+            <a:endCxn id="17" idx="2"/>
+          </p:cNvCxnSpPr>
+          <p:nvPr/>
+        </p:nvCxnSpPr>
+        <p:spPr>
+          <a:xfrm>
+            <a:off x="6729810" y="5648475"/>
+            <a:ext cx="1686839" cy="11870"/>
+          </a:xfrm>
+          <a:prstGeom prst="curvedConnector3">
+            <a:avLst>
+              <a:gd name="adj1" fmla="val 50000"/>
+            </a:avLst>
+          </a:prstGeom>
+          <a:ln w="38100">
+            <a:headEnd type="none" w="med" len="med"/>
+            <a:tailEnd type="arrow" w="med" len="med"/>
+          </a:ln>
+        </p:spPr>
+        <p:style>
+          <a:lnRef idx="1">
+            <a:schemeClr val="accent1"/>
+          </a:lnRef>
+          <a:fillRef idx="0">
+            <a:schemeClr val="accent1"/>
+          </a:fillRef>
+          <a:effectRef idx="0">
+            <a:schemeClr val="accent1"/>
+          </a:effectRef>
+          <a:fontRef idx="minor">
+            <a:schemeClr val="tx1"/>
+          </a:fontRef>
+        </p:style>
+      </p:cxnSp>
+      <p:sp>
+        <p:nvSpPr>
+          <p:cNvPr id="30" name="矩形 29">
+            <a:extLst>
+              <a:ext uri="{FF2B5EF4-FFF2-40B4-BE49-F238E27FC236}">
+                <a16:creationId xmlns:a16="http://schemas.microsoft.com/office/drawing/2014/main" id="{C171D117-5BB8-46A5-B7C6-9080D0D6F532}"/>
+              </a:ext>
+            </a:extLst>
+          </p:cNvPr>
+          <p:cNvSpPr/>
+          <p:nvPr/>
+        </p:nvSpPr>
+        <p:spPr>
+          <a:xfrm>
+            <a:off x="6346121" y="4174238"/>
+            <a:ext cx="3036418" cy="739470"/>
+          </a:xfrm>
+          <a:prstGeom prst="rect">
+            <a:avLst/>
+          </a:prstGeom>
+          <a:noFill/>
+          <a:ln>
+            <a:noFill/>
+          </a:ln>
+        </p:spPr>
+        <p:style>
+          <a:lnRef idx="2">
+            <a:schemeClr val="accent1">
+              <a:shade val="50000"/>
+            </a:schemeClr>
+          </a:lnRef>
+          <a:fillRef idx="1">
+            <a:schemeClr val="accent1"/>
+          </a:fillRef>
+          <a:effectRef idx="0">
+            <a:schemeClr val="accent1"/>
+          </a:effectRef>
+          <a:fontRef idx="minor">
+            <a:schemeClr val="lt1"/>
+          </a:fontRef>
+        </p:style>
+        <p:txBody>
+          <a:bodyPr rtlCol="0" anchor="ctr"/>
+          <a:lstStyle/>
+          <a:p>
+            <a:pPr algn="ctr"/>
+            <a:r>
+              <a:rPr lang="en-US" sz="1400" dirty="0">
+                <a:solidFill>
+                  <a:schemeClr val="tx1"/>
+                </a:solidFill>
+              </a:rPr>
+              <a:t>3. </a:t>
+            </a:r>
+            <a:r>
+              <a:rPr lang="en-US" sz="1400" dirty="0" err="1">
+                <a:solidFill>
+                  <a:schemeClr val="tx1"/>
+                </a:solidFill>
+              </a:rPr>
+              <a:t>notifyObservers</a:t>
+            </a:r>
+            <a:r>
+              <a:rPr lang="en-US" sz="1400" dirty="0">
+                <a:solidFill>
+                  <a:schemeClr val="tx1"/>
+                </a:solidFill>
+              </a:rPr>
+              <a:t>(</a:t>
+            </a:r>
+            <a:r>
+              <a:rPr lang="en-US" sz="1400" dirty="0" err="1">
+                <a:solidFill>
+                  <a:schemeClr val="tx1"/>
+                </a:solidFill>
+              </a:rPr>
+              <a:t>cmd</a:t>
+            </a:r>
+            <a:r>
+              <a:rPr lang="en-US" sz="1400" dirty="0">
+                <a:solidFill>
+                  <a:schemeClr val="tx1"/>
+                </a:solidFill>
+              </a:rPr>
+              <a:t>)</a:t>
+            </a:r>
+          </a:p>
+          <a:p>
+            <a:pPr algn="ctr"/>
+            <a:r>
+              <a:rPr lang="en-US" sz="1400" dirty="0">
+                <a:solidFill>
+                  <a:schemeClr val="tx1"/>
+                </a:solidFill>
+              </a:rPr>
+              <a:t>Add the new room into available</a:t>
+            </a:r>
+          </a:p>
+        </p:txBody>
+      </p:sp>
+    </p:spTree>
+    <p:extLst>
+      <p:ext uri="{BB962C8B-B14F-4D97-AF65-F5344CB8AC3E}">
+        <p14:creationId xmlns:p14="http://schemas.microsoft.com/office/powerpoint/2010/main" val="1603468837"/>
+      </p:ext>
+    </p:extLst>
+  </p:cSld>
+  <p:clrMapOvr>
+    <a:masterClrMapping/>
+  </p:clrMapOvr>
+</p:sld>
+</file>
+
+<file path=ppt/slides/slide18.xml><?xml version="1.0" encoding="utf-8"?>
+<p:sld xmlns:a="http://schemas.openxmlformats.org/drawingml/2006/main" xmlns:r="http://schemas.openxmlformats.org/officeDocument/2006/relationships" xmlns:p="http://schemas.openxmlformats.org/presentationml/2006/main">
+  <p:cSld>
+    <p:bg>
+      <p:bgPr>
+        <a:solidFill>
+          <a:schemeClr val="bg1"/>
+        </a:solidFill>
+        <a:effectLst/>
+      </p:bgPr>
+    </p:bg>
+    <p:spTree>
+      <p:nvGrpSpPr>
+        <p:cNvPr id="1" name=""/>
+        <p:cNvGrpSpPr/>
+        <p:nvPr/>
+      </p:nvGrpSpPr>
+      <p:grpSpPr>
+        <a:xfrm>
+          <a:off x="0" y="0"/>
+          <a:ext cx="0" cy="0"/>
+          <a:chOff x="0" y="0"/>
+          <a:chExt cx="0" cy="0"/>
+        </a:xfrm>
+      </p:grpSpPr>
+      <p:sp useBgFill="1">
+        <p:nvSpPr>
+          <p:cNvPr id="8" name="Rectangle 7">
+            <a:extLst>
+              <a:ext uri="{FF2B5EF4-FFF2-40B4-BE49-F238E27FC236}">
+                <a16:creationId xmlns:a16="http://schemas.microsoft.com/office/drawing/2014/main" id="{E80B86A7-A1EC-475B-9166-88902B033A38}"/>
+              </a:ext>
+              <a:ext uri="{C183D7F6-B498-43B3-948B-1728B52AA6E4}">
+                <adec:decorative xmlns:adec="http://schemas.microsoft.com/office/drawing/2017/decorative" val="1"/>
+              </a:ext>
+            </a:extLst>
+          </p:cNvPr>
+          <p:cNvSpPr>
+            <a:spLocks noGrp="1" noRot="1" noChangeAspect="1" noMove="1" noResize="1" noEditPoints="1" noAdjustHandles="1" noChangeArrowheads="1" noChangeShapeType="1" noTextEdit="1"/>
+          </p:cNvSpPr>
+          <p:nvPr>
+            <p:extLst>
+              <p:ext uri="{386F3935-93C4-4BCD-93E2-E3B085C9AB24}">
+                <p16:designElem xmlns:p16="http://schemas.microsoft.com/office/powerpoint/2015/main" val="1"/>
+              </p:ext>
+            </p:extLst>
+          </p:nvPr>
+        </p:nvSpPr>
+        <p:spPr>
+          <a:xfrm>
+            <a:off x="0" y="0"/>
+            <a:ext cx="12192000" cy="6858000"/>
+          </a:xfrm>
+          <a:prstGeom prst="rect">
+            <a:avLst/>
+          </a:prstGeom>
+          <a:ln>
+            <a:noFill/>
+          </a:ln>
+        </p:spPr>
+        <p:style>
+          <a:lnRef idx="2">
+            <a:schemeClr val="accent1">
+              <a:shade val="50000"/>
+            </a:schemeClr>
+          </a:lnRef>
+          <a:fillRef idx="1">
+            <a:schemeClr val="accent1"/>
+          </a:fillRef>
+          <a:effectRef idx="0">
+            <a:schemeClr val="accent1"/>
+          </a:effectRef>
+          <a:fontRef idx="minor">
+            <a:schemeClr val="lt1"/>
+          </a:fontRef>
+        </p:style>
+        <p:txBody>
+          <a:bodyPr rtlCol="0" anchor="ctr"/>
+          <a:lstStyle/>
+          <a:p>
+            <a:pPr algn="ctr"/>
+            <a:endParaRPr lang="en-US"/>
+          </a:p>
+        </p:txBody>
+      </p:sp>
+      <p:sp>
+        <p:nvSpPr>
+          <p:cNvPr id="19" name="矩形 18">
+            <a:extLst>
+              <a:ext uri="{FF2B5EF4-FFF2-40B4-BE49-F238E27FC236}">
+                <a16:creationId xmlns:a16="http://schemas.microsoft.com/office/drawing/2014/main" id="{812AD843-2BEA-4809-93A2-C8822A0FD36D}"/>
+              </a:ext>
+            </a:extLst>
+          </p:cNvPr>
+          <p:cNvSpPr/>
+          <p:nvPr/>
+        </p:nvSpPr>
+        <p:spPr>
+          <a:xfrm>
+            <a:off x="4085004" y="3345002"/>
+            <a:ext cx="1935002" cy="1707778"/>
+          </a:xfrm>
+          <a:prstGeom prst="rect">
+            <a:avLst/>
+          </a:prstGeom>
+          <a:solidFill>
+            <a:schemeClr val="accent3">
+              <a:lumMod val="60000"/>
+              <a:lumOff val="40000"/>
+            </a:schemeClr>
+          </a:solidFill>
+        </p:spPr>
+        <p:style>
+          <a:lnRef idx="2">
+            <a:schemeClr val="accent1">
+              <a:shade val="50000"/>
+            </a:schemeClr>
+          </a:lnRef>
+          <a:fillRef idx="1">
+            <a:schemeClr val="accent1"/>
+          </a:fillRef>
+          <a:effectRef idx="0">
+            <a:schemeClr val="accent1"/>
+          </a:effectRef>
+          <a:fontRef idx="minor">
+            <a:schemeClr val="lt1"/>
+          </a:fontRef>
+        </p:style>
+        <p:txBody>
+          <a:bodyPr rtlCol="0" anchor="ctr"/>
+          <a:lstStyle/>
+          <a:p>
+            <a:pPr algn="ctr"/>
+            <a:r>
+              <a:rPr lang="en-US" dirty="0">
+                <a:solidFill>
+                  <a:schemeClr val="tx1"/>
+                </a:solidFill>
+              </a:rPr>
+              <a:t>Joined Room</a:t>
+            </a:r>
+          </a:p>
+          <a:p>
+            <a:pPr algn="ctr"/>
+            <a:r>
+              <a:rPr lang="en-US" dirty="0">
+                <a:solidFill>
+                  <a:srgbClr val="FF0000"/>
+                </a:solidFill>
+              </a:rPr>
+              <a:t>Room1</a:t>
+            </a:r>
+          </a:p>
+          <a:p>
+            <a:pPr algn="ctr"/>
+            <a:r>
+              <a:rPr lang="en-US" dirty="0">
+                <a:solidFill>
+                  <a:schemeClr val="tx1"/>
+                </a:solidFill>
+              </a:rPr>
+              <a:t>Available Room</a:t>
+            </a:r>
+          </a:p>
+          <a:p>
+            <a:pPr algn="ctr"/>
+            <a:r>
+              <a:rPr lang="en-US" strike="sngStrike" dirty="0">
+                <a:solidFill>
+                  <a:srgbClr val="FF0000"/>
+                </a:solidFill>
+              </a:rPr>
+              <a:t>Room1</a:t>
+            </a:r>
+          </a:p>
+          <a:p>
+            <a:pPr algn="ctr"/>
+            <a:r>
+              <a:rPr lang="en-US" dirty="0">
+                <a:solidFill>
+                  <a:schemeClr val="tx1"/>
+                </a:solidFill>
+              </a:rPr>
+              <a:t>Room2</a:t>
+            </a:r>
+          </a:p>
+          <a:p>
+            <a:pPr algn="ctr"/>
+            <a:r>
+              <a:rPr lang="en-US" dirty="0">
+                <a:solidFill>
+                  <a:schemeClr val="tx1"/>
+                </a:solidFill>
+              </a:rPr>
+              <a:t>Room3</a:t>
+            </a:r>
+          </a:p>
+        </p:txBody>
+      </p:sp>
+      <p:sp>
+        <p:nvSpPr>
+          <p:cNvPr id="10" name="Isosceles Triangle 9">
+            <a:extLst>
+              <a:ext uri="{FF2B5EF4-FFF2-40B4-BE49-F238E27FC236}">
+                <a16:creationId xmlns:a16="http://schemas.microsoft.com/office/drawing/2014/main" id="{C2C29CB1-9F74-4879-A6AF-AEA67B6F1F4D}"/>
+              </a:ext>
+              <a:ext uri="{C183D7F6-B498-43B3-948B-1728B52AA6E4}">
+                <adec:decorative xmlns:adec="http://schemas.microsoft.com/office/drawing/2017/decorative" val="1"/>
+              </a:ext>
+            </a:extLst>
+          </p:cNvPr>
+          <p:cNvSpPr>
+            <a:spLocks noGrp="1" noRot="1" noChangeAspect="1" noMove="1" noResize="1" noEditPoints="1" noAdjustHandles="1" noChangeArrowheads="1" noChangeShapeType="1" noTextEdit="1"/>
+          </p:cNvSpPr>
+          <p:nvPr>
+            <p:extLst>
+              <p:ext uri="{386F3935-93C4-4BCD-93E2-E3B085C9AB24}">
+                <p16:designElem xmlns:p16="http://schemas.microsoft.com/office/powerpoint/2015/main" val="1"/>
+              </p:ext>
+            </p:extLst>
+          </p:nvPr>
+        </p:nvSpPr>
+        <p:spPr>
+          <a:xfrm rot="10800000">
+            <a:off x="0" y="0"/>
+            <a:ext cx="842596" cy="5666154"/>
+          </a:xfrm>
+          <a:prstGeom prst="triangle">
+            <a:avLst>
+              <a:gd name="adj" fmla="val 100000"/>
+            </a:avLst>
+          </a:prstGeom>
+          <a:solidFill>
+            <a:schemeClr val="accent1">
+              <a:alpha val="85000"/>
+            </a:schemeClr>
+          </a:solidFill>
+          <a:ln>
+            <a:noFill/>
+          </a:ln>
+          <a:effectLst/>
+        </p:spPr>
+        <p:style>
+          <a:lnRef idx="1">
+            <a:schemeClr val="accent1"/>
+          </a:lnRef>
+          <a:fillRef idx="3">
+            <a:schemeClr val="accent1"/>
+          </a:fillRef>
+          <a:effectRef idx="2">
+            <a:schemeClr val="accent1"/>
+          </a:effectRef>
+          <a:fontRef idx="minor">
+            <a:schemeClr val="lt1"/>
+          </a:fontRef>
+        </p:style>
+      </p:sp>
+      <p:sp>
+        <p:nvSpPr>
+          <p:cNvPr id="12" name="Isosceles Triangle 11">
+            <a:extLst>
+              <a:ext uri="{FF2B5EF4-FFF2-40B4-BE49-F238E27FC236}">
+                <a16:creationId xmlns:a16="http://schemas.microsoft.com/office/drawing/2014/main" id="{7E2C7115-5336-410C-AD71-0F0952A2E5A7}"/>
+              </a:ext>
+              <a:ext uri="{C183D7F6-B498-43B3-948B-1728B52AA6E4}">
+                <adec:decorative xmlns:adec="http://schemas.microsoft.com/office/drawing/2017/decorative" val="1"/>
+              </a:ext>
+            </a:extLst>
+          </p:cNvPr>
+          <p:cNvSpPr>
+            <a:spLocks noGrp="1" noRot="1" noChangeAspect="1" noMove="1" noResize="1" noEditPoints="1" noAdjustHandles="1" noChangeArrowheads="1" noChangeShapeType="1" noTextEdit="1"/>
+          </p:cNvSpPr>
+          <p:nvPr>
+            <p:extLst>
+              <p:ext uri="{386F3935-93C4-4BCD-93E2-E3B085C9AB24}">
+                <p16:designElem xmlns:p16="http://schemas.microsoft.com/office/powerpoint/2015/main" val="1"/>
+              </p:ext>
+            </p:extLst>
+          </p:nvPr>
+        </p:nvSpPr>
+        <p:spPr>
+          <a:xfrm flipH="1">
+            <a:off x="11743267" y="4013200"/>
+            <a:ext cx="448733" cy="2844800"/>
+          </a:xfrm>
+          <a:prstGeom prst="triangle">
+            <a:avLst>
+              <a:gd name="adj" fmla="val 0"/>
+            </a:avLst>
+          </a:prstGeom>
+          <a:solidFill>
+            <a:schemeClr val="accent1">
+              <a:alpha val="85000"/>
+            </a:schemeClr>
+          </a:solidFill>
+          <a:ln>
+            <a:noFill/>
+          </a:ln>
+          <a:effectLst/>
+        </p:spPr>
+        <p:style>
+          <a:lnRef idx="1">
+            <a:schemeClr val="accent1"/>
+          </a:lnRef>
+          <a:fillRef idx="3">
+            <a:schemeClr val="accent1"/>
+          </a:fillRef>
+          <a:effectRef idx="2">
+            <a:schemeClr val="accent1"/>
+          </a:effectRef>
+          <a:fontRef idx="minor">
+            <a:schemeClr val="lt1"/>
+          </a:fontRef>
+        </p:style>
+      </p:sp>
+      <p:sp>
+        <p:nvSpPr>
+          <p:cNvPr id="7" name="标题 1">
+            <a:extLst>
+              <a:ext uri="{FF2B5EF4-FFF2-40B4-BE49-F238E27FC236}">
+                <a16:creationId xmlns:a16="http://schemas.microsoft.com/office/drawing/2014/main" id="{23B8DE84-F18C-4348-9F49-C566CAFAB32F}"/>
+              </a:ext>
+            </a:extLst>
+          </p:cNvPr>
+          <p:cNvSpPr>
+            <a:spLocks noGrp="1"/>
+          </p:cNvSpPr>
+          <p:nvPr>
+            <p:ph type="title"/>
+          </p:nvPr>
+        </p:nvSpPr>
+        <p:spPr>
+          <a:xfrm>
+            <a:off x="677334" y="609600"/>
+            <a:ext cx="8596668" cy="1320800"/>
+          </a:xfrm>
+        </p:spPr>
+        <p:txBody>
+          <a:bodyPr/>
+          <a:lstStyle/>
+          <a:p>
+            <a:r>
+              <a:rPr lang="en-US" dirty="0"/>
+              <a:t>Example – User3 </a:t>
+            </a:r>
+            <a:r>
+              <a:rPr lang="en-US" altLang="zh-CN" dirty="0"/>
+              <a:t>join R</a:t>
+            </a:r>
+            <a:r>
+              <a:rPr lang="en-US" dirty="0"/>
+              <a:t>oom1</a:t>
+            </a:r>
+          </a:p>
+        </p:txBody>
+      </p:sp>
+      <p:sp>
+        <p:nvSpPr>
+          <p:cNvPr id="9" name="矩形 8">
+            <a:extLst>
+              <a:ext uri="{FF2B5EF4-FFF2-40B4-BE49-F238E27FC236}">
+                <a16:creationId xmlns:a16="http://schemas.microsoft.com/office/drawing/2014/main" id="{3E8EC115-E331-4FBB-BBCE-F5AB04DF141A}"/>
+              </a:ext>
+            </a:extLst>
+          </p:cNvPr>
+          <p:cNvSpPr/>
+          <p:nvPr/>
+        </p:nvSpPr>
+        <p:spPr>
+          <a:xfrm>
+            <a:off x="145562" y="2981441"/>
+            <a:ext cx="2155044" cy="697506"/>
+          </a:xfrm>
+          <a:prstGeom prst="rect">
+            <a:avLst/>
+          </a:prstGeom>
+          <a:noFill/>
+        </p:spPr>
+        <p:style>
+          <a:lnRef idx="2">
+            <a:schemeClr val="accent1">
+              <a:shade val="50000"/>
+            </a:schemeClr>
+          </a:lnRef>
+          <a:fillRef idx="1">
+            <a:schemeClr val="accent1"/>
+          </a:fillRef>
+          <a:effectRef idx="0">
+            <a:schemeClr val="accent1"/>
+          </a:effectRef>
+          <a:fontRef idx="minor">
+            <a:schemeClr val="lt1"/>
+          </a:fontRef>
+        </p:style>
+        <p:txBody>
+          <a:bodyPr rtlCol="0" anchor="ctr"/>
+          <a:lstStyle/>
+          <a:p>
+            <a:pPr algn="ctr"/>
+            <a:r>
+              <a:rPr lang="en-US" dirty="0" err="1">
+                <a:solidFill>
+                  <a:schemeClr val="tx1"/>
+                </a:solidFill>
+              </a:rPr>
+              <a:t>joinRoom</a:t>
+            </a:r>
+            <a:endParaRPr lang="en-US" dirty="0">
+              <a:solidFill>
+                <a:schemeClr val="tx1"/>
+              </a:solidFill>
+            </a:endParaRPr>
+          </a:p>
+          <a:p>
+            <a:pPr algn="ctr"/>
+            <a:r>
+              <a:rPr lang="en-US" dirty="0" err="1">
+                <a:solidFill>
+                  <a:schemeClr val="tx1"/>
+                </a:solidFill>
+              </a:rPr>
+              <a:t>DispatcherAdapter</a:t>
+            </a:r>
+            <a:endParaRPr lang="en-US" dirty="0">
+              <a:solidFill>
+                <a:schemeClr val="tx1"/>
+              </a:solidFill>
+            </a:endParaRPr>
+          </a:p>
+        </p:txBody>
+      </p:sp>
+      <p:sp>
+        <p:nvSpPr>
+          <p:cNvPr id="14" name="流程图: 接点 13">
+            <a:extLst>
+              <a:ext uri="{FF2B5EF4-FFF2-40B4-BE49-F238E27FC236}">
+                <a16:creationId xmlns:a16="http://schemas.microsoft.com/office/drawing/2014/main" id="{EB7691D9-5659-4AC0-B866-E6144738DE76}"/>
+              </a:ext>
+            </a:extLst>
+          </p:cNvPr>
+          <p:cNvSpPr/>
+          <p:nvPr/>
+        </p:nvSpPr>
+        <p:spPr>
+          <a:xfrm>
+            <a:off x="10340792" y="1211419"/>
+            <a:ext cx="1075670" cy="519351"/>
+          </a:xfrm>
+          <a:prstGeom prst="flowChartConnector">
+            <a:avLst/>
+          </a:prstGeom>
+          <a:solidFill>
+            <a:schemeClr val="accent3">
+              <a:lumMod val="60000"/>
+              <a:lumOff val="40000"/>
+            </a:schemeClr>
+          </a:solidFill>
+        </p:spPr>
+        <p:style>
+          <a:lnRef idx="2">
+            <a:schemeClr val="accent3">
+              <a:shade val="50000"/>
+            </a:schemeClr>
+          </a:lnRef>
+          <a:fillRef idx="1">
+            <a:schemeClr val="accent3"/>
+          </a:fillRef>
+          <a:effectRef idx="0">
+            <a:schemeClr val="accent3"/>
+          </a:effectRef>
+          <a:fontRef idx="minor">
+            <a:schemeClr val="lt1"/>
+          </a:fontRef>
+        </p:style>
+        <p:txBody>
+          <a:bodyPr wrap="none" rtlCol="0" anchor="ctr">
+            <a:spAutoFit/>
+          </a:bodyPr>
+          <a:lstStyle/>
+          <a:p>
+            <a:pPr algn="ctr"/>
+            <a:r>
+              <a:rPr lang="en-US" dirty="0"/>
+              <a:t>User3</a:t>
+            </a:r>
+          </a:p>
+        </p:txBody>
+      </p:sp>
+      <p:sp>
+        <p:nvSpPr>
+          <p:cNvPr id="15" name="流程图: 接点 14">
+            <a:extLst>
+              <a:ext uri="{FF2B5EF4-FFF2-40B4-BE49-F238E27FC236}">
+                <a16:creationId xmlns:a16="http://schemas.microsoft.com/office/drawing/2014/main" id="{0B5DF7C5-CAB7-43B6-9947-31589041FB0E}"/>
+              </a:ext>
+            </a:extLst>
+          </p:cNvPr>
+          <p:cNvSpPr/>
+          <p:nvPr/>
+        </p:nvSpPr>
+        <p:spPr>
+          <a:xfrm>
+            <a:off x="7271589" y="1227982"/>
+            <a:ext cx="1075670" cy="519351"/>
+          </a:xfrm>
+          <a:prstGeom prst="flowChartConnector">
+            <a:avLst/>
+          </a:prstGeom>
+          <a:solidFill>
+            <a:schemeClr val="accent3">
+              <a:lumMod val="60000"/>
+              <a:lumOff val="40000"/>
+            </a:schemeClr>
+          </a:solidFill>
+        </p:spPr>
+        <p:style>
+          <a:lnRef idx="2">
+            <a:schemeClr val="accent3">
+              <a:shade val="50000"/>
+            </a:schemeClr>
+          </a:lnRef>
+          <a:fillRef idx="1">
+            <a:schemeClr val="accent3"/>
+          </a:fillRef>
+          <a:effectRef idx="0">
+            <a:schemeClr val="accent3"/>
+          </a:effectRef>
+          <a:fontRef idx="minor">
+            <a:schemeClr val="lt1"/>
+          </a:fontRef>
+        </p:style>
+        <p:txBody>
+          <a:bodyPr wrap="none" rtlCol="0" anchor="ctr">
+            <a:spAutoFit/>
+          </a:bodyPr>
+          <a:lstStyle/>
+          <a:p>
+            <a:pPr algn="ctr"/>
+            <a:r>
+              <a:rPr lang="en-US" dirty="0"/>
+              <a:t>User1</a:t>
+            </a:r>
+          </a:p>
+        </p:txBody>
+      </p:sp>
+      <p:sp>
+        <p:nvSpPr>
+          <p:cNvPr id="16" name="流程图: 接点 15">
+            <a:extLst>
+              <a:ext uri="{FF2B5EF4-FFF2-40B4-BE49-F238E27FC236}">
+                <a16:creationId xmlns:a16="http://schemas.microsoft.com/office/drawing/2014/main" id="{2CB7B934-D4CC-424C-AF26-C8009D3F76A7}"/>
+              </a:ext>
+            </a:extLst>
+          </p:cNvPr>
+          <p:cNvSpPr/>
+          <p:nvPr/>
+        </p:nvSpPr>
+        <p:spPr>
+          <a:xfrm>
+            <a:off x="3294813" y="4015697"/>
+            <a:ext cx="1075670" cy="519351"/>
+          </a:xfrm>
+          <a:prstGeom prst="flowChartConnector">
+            <a:avLst/>
+          </a:prstGeom>
+          <a:solidFill>
+            <a:schemeClr val="accent3">
+              <a:lumMod val="60000"/>
+              <a:lumOff val="40000"/>
+            </a:schemeClr>
+          </a:solidFill>
+        </p:spPr>
+        <p:style>
+          <a:lnRef idx="2">
+            <a:schemeClr val="accent3">
+              <a:shade val="50000"/>
+            </a:schemeClr>
+          </a:lnRef>
+          <a:fillRef idx="1">
+            <a:schemeClr val="accent3"/>
+          </a:fillRef>
+          <a:effectRef idx="0">
+            <a:schemeClr val="accent3"/>
+          </a:effectRef>
+          <a:fontRef idx="minor">
+            <a:schemeClr val="lt1"/>
+          </a:fontRef>
+        </p:style>
+        <p:txBody>
+          <a:bodyPr wrap="none" rtlCol="0" anchor="ctr">
+            <a:spAutoFit/>
+          </a:bodyPr>
+          <a:lstStyle/>
+          <a:p>
+            <a:pPr algn="ctr"/>
+            <a:r>
+              <a:rPr lang="en-US" dirty="0"/>
+              <a:t>User3</a:t>
+            </a:r>
+          </a:p>
+        </p:txBody>
+      </p:sp>
+      <p:cxnSp>
+        <p:nvCxnSpPr>
+          <p:cNvPr id="5" name="连接符: 曲线 4">
+            <a:extLst>
+              <a:ext uri="{FF2B5EF4-FFF2-40B4-BE49-F238E27FC236}">
+                <a16:creationId xmlns:a16="http://schemas.microsoft.com/office/drawing/2014/main" id="{3F58E828-984B-4BC8-B10F-74589B9F49AF}"/>
+              </a:ext>
+            </a:extLst>
+          </p:cNvPr>
+          <p:cNvCxnSpPr>
+            <a:cxnSpLocks/>
+            <a:stCxn id="9" idx="2"/>
+            <a:endCxn id="59" idx="1"/>
+          </p:cNvCxnSpPr>
+          <p:nvPr/>
+        </p:nvCxnSpPr>
+        <p:spPr>
+          <a:xfrm rot="16200000" flipH="1">
+            <a:off x="1115228" y="3786803"/>
+            <a:ext cx="2037074" cy="1821362"/>
+          </a:xfrm>
+          <a:prstGeom prst="curvedConnector2">
+            <a:avLst/>
+          </a:prstGeom>
+          <a:ln w="38100">
+            <a:headEnd type="none" w="med" len="med"/>
+            <a:tailEnd type="arrow" w="med" len="med"/>
+          </a:ln>
+        </p:spPr>
+        <p:style>
+          <a:lnRef idx="1">
+            <a:schemeClr val="accent1"/>
+          </a:lnRef>
+          <a:fillRef idx="0">
+            <a:schemeClr val="accent1"/>
+          </a:fillRef>
+          <a:effectRef idx="0">
+            <a:schemeClr val="accent1"/>
+          </a:effectRef>
+          <a:fontRef idx="minor">
+            <a:schemeClr val="tx1"/>
+          </a:fontRef>
+        </p:style>
+      </p:cxnSp>
+      <p:sp>
+        <p:nvSpPr>
+          <p:cNvPr id="21" name="矩形 20">
+            <a:extLst>
+              <a:ext uri="{FF2B5EF4-FFF2-40B4-BE49-F238E27FC236}">
+                <a16:creationId xmlns:a16="http://schemas.microsoft.com/office/drawing/2014/main" id="{EDD31C6E-1E90-4D47-80BA-BEDA1E67BB8F}"/>
+              </a:ext>
+            </a:extLst>
+          </p:cNvPr>
+          <p:cNvSpPr/>
+          <p:nvPr/>
+        </p:nvSpPr>
+        <p:spPr>
+          <a:xfrm>
+            <a:off x="2097837" y="4587753"/>
+            <a:ext cx="1918346" cy="616102"/>
+          </a:xfrm>
+          <a:prstGeom prst="rect">
+            <a:avLst/>
+          </a:prstGeom>
+          <a:noFill/>
+          <a:ln>
+            <a:noFill/>
+          </a:ln>
+        </p:spPr>
+        <p:style>
+          <a:lnRef idx="2">
+            <a:schemeClr val="accent1">
+              <a:shade val="50000"/>
+            </a:schemeClr>
+          </a:lnRef>
+          <a:fillRef idx="1">
+            <a:schemeClr val="accent1"/>
+          </a:fillRef>
+          <a:effectRef idx="0">
+            <a:schemeClr val="accent1"/>
+          </a:effectRef>
+          <a:fontRef idx="minor">
+            <a:schemeClr val="lt1"/>
+          </a:fontRef>
+        </p:style>
+        <p:txBody>
+          <a:bodyPr rtlCol="0" anchor="ctr"/>
+          <a:lstStyle/>
+          <a:p>
+            <a:pPr algn="ctr"/>
+            <a:r>
+              <a:rPr lang="en-US" sz="1400" dirty="0">
+                <a:solidFill>
+                  <a:schemeClr val="tx1"/>
+                </a:solidFill>
+              </a:rPr>
+              <a:t>1. Pass to User Class to update the user’s joined available list</a:t>
+            </a:r>
+          </a:p>
+        </p:txBody>
+      </p:sp>
+      <p:cxnSp>
+        <p:nvCxnSpPr>
+          <p:cNvPr id="36" name="连接符: 曲线 35">
+            <a:extLst>
+              <a:ext uri="{FF2B5EF4-FFF2-40B4-BE49-F238E27FC236}">
+                <a16:creationId xmlns:a16="http://schemas.microsoft.com/office/drawing/2014/main" id="{85CF8800-E5CB-4C39-9761-E203E541EAEC}"/>
+              </a:ext>
+            </a:extLst>
+          </p:cNvPr>
+          <p:cNvCxnSpPr>
+            <a:cxnSpLocks/>
+            <a:stCxn id="59" idx="3"/>
+            <a:endCxn id="74" idx="1"/>
+          </p:cNvCxnSpPr>
+          <p:nvPr/>
+        </p:nvCxnSpPr>
+        <p:spPr>
+          <a:xfrm flipV="1">
+            <a:off x="5728620" y="5220739"/>
+            <a:ext cx="2325175" cy="495282"/>
+          </a:xfrm>
+          <a:prstGeom prst="curvedConnector3">
+            <a:avLst>
+              <a:gd name="adj1" fmla="val 50000"/>
+            </a:avLst>
+          </a:prstGeom>
+          <a:ln w="38100">
+            <a:headEnd type="none" w="med" len="med"/>
+            <a:tailEnd type="arrow" w="med" len="med"/>
+          </a:ln>
+        </p:spPr>
+        <p:style>
+          <a:lnRef idx="1">
+            <a:schemeClr val="accent1"/>
+          </a:lnRef>
+          <a:fillRef idx="0">
+            <a:schemeClr val="accent1"/>
+          </a:fillRef>
+          <a:effectRef idx="0">
+            <a:schemeClr val="accent1"/>
+          </a:effectRef>
+          <a:fontRef idx="minor">
+            <a:schemeClr val="tx1"/>
+          </a:fontRef>
+        </p:style>
+      </p:cxnSp>
+      <p:sp>
+        <p:nvSpPr>
+          <p:cNvPr id="59" name="矩形 58">
+            <a:extLst>
+              <a:ext uri="{FF2B5EF4-FFF2-40B4-BE49-F238E27FC236}">
+                <a16:creationId xmlns:a16="http://schemas.microsoft.com/office/drawing/2014/main" id="{7B64669A-6BFE-42C4-921A-6AB10663D5CC}"/>
+              </a:ext>
+            </a:extLst>
+          </p:cNvPr>
+          <p:cNvSpPr/>
+          <p:nvPr/>
+        </p:nvSpPr>
+        <p:spPr>
+          <a:xfrm>
+            <a:off x="3044446" y="5341558"/>
+            <a:ext cx="2684174" cy="748926"/>
+          </a:xfrm>
+          <a:prstGeom prst="rect">
+            <a:avLst/>
+          </a:prstGeom>
+          <a:noFill/>
+        </p:spPr>
+        <p:style>
+          <a:lnRef idx="2">
+            <a:schemeClr val="accent1">
+              <a:shade val="50000"/>
+            </a:schemeClr>
+          </a:lnRef>
+          <a:fillRef idx="1">
+            <a:schemeClr val="accent1"/>
+          </a:fillRef>
+          <a:effectRef idx="0">
+            <a:schemeClr val="accent1"/>
+          </a:effectRef>
+          <a:fontRef idx="minor">
+            <a:schemeClr val="lt1"/>
+          </a:fontRef>
+        </p:style>
+        <p:txBody>
+          <a:bodyPr rtlCol="0" anchor="ctr"/>
+          <a:lstStyle/>
+          <a:p>
+            <a:pPr algn="ctr"/>
+            <a:r>
+              <a:rPr lang="en-US" dirty="0">
+                <a:solidFill>
+                  <a:schemeClr val="tx1"/>
+                </a:solidFill>
+              </a:rPr>
+              <a:t>User3.joinRoom(Room1)</a:t>
+            </a:r>
+          </a:p>
+          <a:p>
+            <a:pPr algn="ctr"/>
+            <a:r>
+              <a:rPr lang="en-US" dirty="0">
+                <a:solidFill>
+                  <a:schemeClr val="tx1"/>
+                </a:solidFill>
+              </a:rPr>
+              <a:t>User</a:t>
+            </a:r>
+          </a:p>
+        </p:txBody>
+      </p:sp>
+      <p:sp>
+        <p:nvSpPr>
+          <p:cNvPr id="74" name="矩形 73">
+            <a:extLst>
+              <a:ext uri="{FF2B5EF4-FFF2-40B4-BE49-F238E27FC236}">
+                <a16:creationId xmlns:a16="http://schemas.microsoft.com/office/drawing/2014/main" id="{EA23E868-EAD0-4B75-A456-AC10FDBF4E59}"/>
+              </a:ext>
+            </a:extLst>
+          </p:cNvPr>
+          <p:cNvSpPr/>
+          <p:nvPr/>
+        </p:nvSpPr>
+        <p:spPr>
+          <a:xfrm>
+            <a:off x="8053795" y="4846276"/>
+            <a:ext cx="2684174" cy="748926"/>
+          </a:xfrm>
+          <a:prstGeom prst="rect">
+            <a:avLst/>
+          </a:prstGeom>
+          <a:noFill/>
+        </p:spPr>
+        <p:style>
+          <a:lnRef idx="2">
+            <a:schemeClr val="accent1">
+              <a:shade val="50000"/>
+            </a:schemeClr>
+          </a:lnRef>
+          <a:fillRef idx="1">
+            <a:schemeClr val="accent1"/>
+          </a:fillRef>
+          <a:effectRef idx="0">
+            <a:schemeClr val="accent1"/>
+          </a:effectRef>
+          <a:fontRef idx="minor">
+            <a:schemeClr val="lt1"/>
+          </a:fontRef>
+        </p:style>
+        <p:txBody>
+          <a:bodyPr rtlCol="0" anchor="ctr"/>
+          <a:lstStyle/>
+          <a:p>
+            <a:pPr algn="ctr"/>
+            <a:r>
+              <a:rPr lang="en-US" dirty="0">
+                <a:solidFill>
+                  <a:schemeClr val="tx1"/>
+                </a:solidFill>
+              </a:rPr>
+              <a:t>Room1.addUser(User3)</a:t>
+            </a:r>
+          </a:p>
+          <a:p>
+            <a:pPr algn="ctr"/>
+            <a:r>
+              <a:rPr lang="en-US" dirty="0" err="1">
+                <a:solidFill>
+                  <a:schemeClr val="tx1"/>
+                </a:solidFill>
+              </a:rPr>
+              <a:t>ChatRoom</a:t>
+            </a:r>
+            <a:endParaRPr lang="en-US" dirty="0">
+              <a:solidFill>
+                <a:schemeClr val="tx1"/>
+              </a:solidFill>
+            </a:endParaRPr>
+          </a:p>
+        </p:txBody>
+      </p:sp>
+      <p:sp>
+        <p:nvSpPr>
+          <p:cNvPr id="79" name="矩形 78">
+            <a:extLst>
+              <a:ext uri="{FF2B5EF4-FFF2-40B4-BE49-F238E27FC236}">
+                <a16:creationId xmlns:a16="http://schemas.microsoft.com/office/drawing/2014/main" id="{08001374-4A61-4149-BC3B-63567AA37F60}"/>
+              </a:ext>
+            </a:extLst>
+          </p:cNvPr>
+          <p:cNvSpPr/>
+          <p:nvPr/>
+        </p:nvSpPr>
+        <p:spPr>
+          <a:xfrm>
+            <a:off x="7456925" y="5883980"/>
+            <a:ext cx="2857561" cy="616102"/>
+          </a:xfrm>
+          <a:prstGeom prst="rect">
+            <a:avLst/>
+          </a:prstGeom>
+          <a:noFill/>
+          <a:ln>
+            <a:noFill/>
+          </a:ln>
+        </p:spPr>
+        <p:style>
+          <a:lnRef idx="2">
+            <a:schemeClr val="accent1">
+              <a:shade val="50000"/>
+            </a:schemeClr>
+          </a:lnRef>
+          <a:fillRef idx="1">
+            <a:schemeClr val="accent1"/>
+          </a:fillRef>
+          <a:effectRef idx="0">
+            <a:schemeClr val="accent1"/>
+          </a:effectRef>
+          <a:fontRef idx="minor">
+            <a:schemeClr val="lt1"/>
+          </a:fontRef>
+        </p:style>
+        <p:txBody>
+          <a:bodyPr rtlCol="0" anchor="ctr"/>
+          <a:lstStyle/>
+          <a:p>
+            <a:pPr algn="ctr"/>
+            <a:r>
+              <a:rPr lang="en-US" sz="1400" dirty="0">
+                <a:solidFill>
+                  <a:schemeClr val="tx1"/>
+                </a:solidFill>
+              </a:rPr>
+              <a:t>2. Pass to </a:t>
+            </a:r>
+            <a:r>
+              <a:rPr lang="en-US" altLang="zh-CN" sz="1400" dirty="0" err="1">
+                <a:solidFill>
+                  <a:schemeClr val="tx1"/>
+                </a:solidFill>
+              </a:rPr>
+              <a:t>ChatRoom</a:t>
+            </a:r>
+            <a:r>
+              <a:rPr lang="en-US" sz="1400" dirty="0">
+                <a:solidFill>
+                  <a:schemeClr val="tx1"/>
+                </a:solidFill>
+              </a:rPr>
+              <a:t> Class to add User3 into Room1’s observer</a:t>
+            </a:r>
+          </a:p>
+        </p:txBody>
+      </p:sp>
+      <p:cxnSp>
+        <p:nvCxnSpPr>
+          <p:cNvPr id="88" name="连接符: 曲线 87">
+            <a:extLst>
+              <a:ext uri="{FF2B5EF4-FFF2-40B4-BE49-F238E27FC236}">
+                <a16:creationId xmlns:a16="http://schemas.microsoft.com/office/drawing/2014/main" id="{D727F334-09C7-4653-85AA-BF4F680BF8EA}"/>
+              </a:ext>
+            </a:extLst>
+          </p:cNvPr>
+          <p:cNvCxnSpPr>
+            <a:cxnSpLocks/>
+            <a:stCxn id="74" idx="0"/>
+            <a:endCxn id="15" idx="4"/>
+          </p:cNvCxnSpPr>
+          <p:nvPr/>
+        </p:nvCxnSpPr>
+        <p:spPr>
+          <a:xfrm rot="16200000" flipV="1">
+            <a:off x="7053182" y="2503576"/>
+            <a:ext cx="3098943" cy="1586458"/>
+          </a:xfrm>
+          <a:prstGeom prst="curvedConnector3">
+            <a:avLst>
+              <a:gd name="adj1" fmla="val 50000"/>
+            </a:avLst>
+          </a:prstGeom>
+          <a:ln w="38100">
+            <a:headEnd type="none" w="med" len="med"/>
+            <a:tailEnd type="arrow" w="med" len="med"/>
+          </a:ln>
+        </p:spPr>
+        <p:style>
+          <a:lnRef idx="1">
+            <a:schemeClr val="accent1"/>
+          </a:lnRef>
+          <a:fillRef idx="0">
+            <a:schemeClr val="accent1"/>
+          </a:fillRef>
+          <a:effectRef idx="0">
+            <a:schemeClr val="accent1"/>
+          </a:effectRef>
+          <a:fontRef idx="minor">
+            <a:schemeClr val="tx1"/>
+          </a:fontRef>
+        </p:style>
+      </p:cxnSp>
+      <p:cxnSp>
+        <p:nvCxnSpPr>
+          <p:cNvPr id="91" name="连接符: 曲线 90">
+            <a:extLst>
+              <a:ext uri="{FF2B5EF4-FFF2-40B4-BE49-F238E27FC236}">
+                <a16:creationId xmlns:a16="http://schemas.microsoft.com/office/drawing/2014/main" id="{60AF5584-62A4-4923-BF1D-062BEAF3C3EA}"/>
+              </a:ext>
+            </a:extLst>
+          </p:cNvPr>
+          <p:cNvCxnSpPr>
+            <a:cxnSpLocks/>
+            <a:stCxn id="74" idx="0"/>
+            <a:endCxn id="14" idx="4"/>
+          </p:cNvCxnSpPr>
+          <p:nvPr/>
+        </p:nvCxnSpPr>
+        <p:spPr>
+          <a:xfrm rot="5400000" flipH="1" flipV="1">
+            <a:off x="8579501" y="2547151"/>
+            <a:ext cx="3115506" cy="1482745"/>
+          </a:xfrm>
+          <a:prstGeom prst="curvedConnector3">
+            <a:avLst>
+              <a:gd name="adj1" fmla="val 50000"/>
+            </a:avLst>
+          </a:prstGeom>
+          <a:ln w="38100">
+            <a:headEnd type="none" w="med" len="med"/>
+            <a:tailEnd type="arrow" w="med" len="med"/>
+          </a:ln>
+        </p:spPr>
+        <p:style>
+          <a:lnRef idx="1">
+            <a:schemeClr val="accent1"/>
+          </a:lnRef>
+          <a:fillRef idx="0">
+            <a:schemeClr val="accent1"/>
+          </a:fillRef>
+          <a:effectRef idx="0">
+            <a:schemeClr val="accent1"/>
+          </a:effectRef>
+          <a:fontRef idx="minor">
+            <a:schemeClr val="tx1"/>
+          </a:fontRef>
+        </p:style>
+      </p:cxnSp>
+      <p:sp>
+        <p:nvSpPr>
+          <p:cNvPr id="84" name="椭圆 83">
+            <a:extLst>
+              <a:ext uri="{FF2B5EF4-FFF2-40B4-BE49-F238E27FC236}">
+                <a16:creationId xmlns:a16="http://schemas.microsoft.com/office/drawing/2014/main" id="{5EA70839-808D-4E51-8A45-029EA47176A6}"/>
+              </a:ext>
+            </a:extLst>
+          </p:cNvPr>
+          <p:cNvSpPr/>
+          <p:nvPr/>
+        </p:nvSpPr>
+        <p:spPr>
+          <a:xfrm>
+            <a:off x="8049940" y="3091833"/>
+            <a:ext cx="2671230" cy="1091550"/>
+          </a:xfrm>
+          <a:prstGeom prst="ellipse">
+            <a:avLst/>
+          </a:prstGeom>
+          <a:solidFill>
+            <a:schemeClr val="accent3">
+              <a:lumMod val="20000"/>
+              <a:lumOff val="80000"/>
+            </a:schemeClr>
+          </a:solidFill>
+        </p:spPr>
+        <p:style>
+          <a:lnRef idx="2">
+            <a:schemeClr val="accent1">
+              <a:shade val="50000"/>
+            </a:schemeClr>
+          </a:lnRef>
+          <a:fillRef idx="1">
+            <a:schemeClr val="accent1"/>
+          </a:fillRef>
+          <a:effectRef idx="0">
+            <a:schemeClr val="accent1"/>
+          </a:effectRef>
+          <a:fontRef idx="minor">
+            <a:schemeClr val="lt1"/>
+          </a:fontRef>
+        </p:style>
+        <p:txBody>
+          <a:bodyPr rtlCol="0" anchor="ctr"/>
+          <a:lstStyle/>
+          <a:p>
+            <a:pPr algn="ctr"/>
+            <a:r>
+              <a:rPr lang="en-US" dirty="0" err="1">
+                <a:solidFill>
+                  <a:schemeClr val="tx1"/>
+                </a:solidFill>
+              </a:rPr>
+              <a:t>NotifyClientCmd</a:t>
+            </a:r>
+            <a:endParaRPr lang="en-US" dirty="0">
+              <a:solidFill>
+                <a:schemeClr val="tx1"/>
+              </a:solidFill>
+            </a:endParaRPr>
+          </a:p>
+          <a:p>
+            <a:pPr algn="ctr"/>
+            <a:r>
+              <a:rPr lang="en-US" dirty="0">
+                <a:solidFill>
+                  <a:schemeClr val="tx1"/>
+                </a:solidFill>
+              </a:rPr>
+              <a:t>{content: [user1, </a:t>
+            </a:r>
+            <a:r>
+              <a:rPr lang="en-US" dirty="0">
+                <a:solidFill>
+                  <a:srgbClr val="FF0000"/>
+                </a:solidFill>
+              </a:rPr>
+              <a:t>user3</a:t>
+            </a:r>
+            <a:r>
+              <a:rPr lang="en-US" dirty="0">
+                <a:solidFill>
+                  <a:schemeClr val="tx1"/>
+                </a:solidFill>
+              </a:rPr>
+              <a:t>]}</a:t>
+            </a:r>
+          </a:p>
+        </p:txBody>
+      </p:sp>
+      <p:sp>
+        <p:nvSpPr>
+          <p:cNvPr id="97" name="矩形 96">
+            <a:extLst>
+              <a:ext uri="{FF2B5EF4-FFF2-40B4-BE49-F238E27FC236}">
+                <a16:creationId xmlns:a16="http://schemas.microsoft.com/office/drawing/2014/main" id="{F20B1A27-5029-49BC-A93B-B809DE29BD7C}"/>
+              </a:ext>
+            </a:extLst>
+          </p:cNvPr>
+          <p:cNvSpPr/>
+          <p:nvPr/>
+        </p:nvSpPr>
+        <p:spPr>
+          <a:xfrm>
+            <a:off x="8098621" y="450950"/>
+            <a:ext cx="2472641" cy="739470"/>
+          </a:xfrm>
+          <a:prstGeom prst="rect">
+            <a:avLst/>
+          </a:prstGeom>
+          <a:noFill/>
+          <a:ln>
+            <a:noFill/>
+          </a:ln>
+        </p:spPr>
+        <p:style>
+          <a:lnRef idx="2">
+            <a:schemeClr val="accent1">
+              <a:shade val="50000"/>
+            </a:schemeClr>
+          </a:lnRef>
+          <a:fillRef idx="1">
+            <a:schemeClr val="accent1"/>
+          </a:fillRef>
+          <a:effectRef idx="0">
+            <a:schemeClr val="accent1"/>
+          </a:effectRef>
+          <a:fontRef idx="minor">
+            <a:schemeClr val="lt1"/>
+          </a:fontRef>
+        </p:style>
+        <p:txBody>
+          <a:bodyPr rtlCol="0" anchor="ctr"/>
+          <a:lstStyle/>
+          <a:p>
+            <a:pPr algn="ctr"/>
+            <a:endParaRPr lang="en-US" sz="1400" dirty="0">
+              <a:solidFill>
+                <a:schemeClr val="tx1"/>
+              </a:solidFill>
+            </a:endParaRPr>
+          </a:p>
+        </p:txBody>
+      </p:sp>
+      <p:sp>
+        <p:nvSpPr>
+          <p:cNvPr id="104" name="矩形 103">
+            <a:extLst>
+              <a:ext uri="{FF2B5EF4-FFF2-40B4-BE49-F238E27FC236}">
+                <a16:creationId xmlns:a16="http://schemas.microsoft.com/office/drawing/2014/main" id="{05078410-0D3D-4BBE-93BE-20819B6F33B7}"/>
+              </a:ext>
+            </a:extLst>
+          </p:cNvPr>
+          <p:cNvSpPr/>
+          <p:nvPr/>
+        </p:nvSpPr>
+        <p:spPr>
+          <a:xfrm>
+            <a:off x="10293085" y="5691715"/>
+            <a:ext cx="1171084" cy="872876"/>
+          </a:xfrm>
+          <a:prstGeom prst="rect">
+            <a:avLst/>
+          </a:prstGeom>
+        </p:spPr>
+        <p:style>
+          <a:lnRef idx="2">
+            <a:schemeClr val="accent1">
+              <a:shade val="50000"/>
+            </a:schemeClr>
+          </a:lnRef>
+          <a:fillRef idx="1">
+            <a:schemeClr val="accent1"/>
+          </a:fillRef>
+          <a:effectRef idx="0">
+            <a:schemeClr val="accent1"/>
+          </a:effectRef>
+          <a:fontRef idx="minor">
+            <a:schemeClr val="lt1"/>
+          </a:fontRef>
+        </p:style>
+        <p:txBody>
+          <a:bodyPr rtlCol="0" anchor="ctr"/>
+          <a:lstStyle/>
+          <a:p>
+            <a:pPr algn="ctr"/>
+            <a:r>
+              <a:rPr lang="en-US" dirty="0"/>
+              <a:t>Room1</a:t>
+            </a:r>
+          </a:p>
+          <a:p>
+            <a:pPr algn="ctr"/>
+            <a:r>
+              <a:rPr lang="en-US" dirty="0"/>
+              <a:t>User1</a:t>
+            </a:r>
+          </a:p>
+          <a:p>
+            <a:pPr algn="ctr"/>
+            <a:r>
+              <a:rPr lang="en-US" dirty="0">
+                <a:solidFill>
+                  <a:srgbClr val="FF0000"/>
+                </a:solidFill>
+              </a:rPr>
+              <a:t>User3</a:t>
+            </a:r>
+          </a:p>
+        </p:txBody>
+      </p:sp>
+      <p:sp>
+        <p:nvSpPr>
+          <p:cNvPr id="53" name="矩形 52">
+            <a:extLst>
+              <a:ext uri="{FF2B5EF4-FFF2-40B4-BE49-F238E27FC236}">
+                <a16:creationId xmlns:a16="http://schemas.microsoft.com/office/drawing/2014/main" id="{808781C3-F1DF-4C8A-9591-9344648A670A}"/>
+              </a:ext>
+            </a:extLst>
+          </p:cNvPr>
+          <p:cNvSpPr/>
+          <p:nvPr/>
+        </p:nvSpPr>
+        <p:spPr>
+          <a:xfrm>
+            <a:off x="7824285" y="4281408"/>
+            <a:ext cx="3229243" cy="597124"/>
+          </a:xfrm>
+          <a:prstGeom prst="rect">
+            <a:avLst/>
+          </a:prstGeom>
+          <a:noFill/>
+          <a:ln>
+            <a:noFill/>
+          </a:ln>
+        </p:spPr>
+        <p:style>
+          <a:lnRef idx="2">
+            <a:schemeClr val="accent1">
+              <a:shade val="50000"/>
+            </a:schemeClr>
+          </a:lnRef>
+          <a:fillRef idx="1">
+            <a:schemeClr val="accent1"/>
+          </a:fillRef>
+          <a:effectRef idx="0">
+            <a:schemeClr val="accent1"/>
+          </a:effectRef>
+          <a:fontRef idx="minor">
+            <a:schemeClr val="lt1"/>
+          </a:fontRef>
+        </p:style>
+        <p:txBody>
+          <a:bodyPr rtlCol="0" anchor="ctr"/>
+          <a:lstStyle/>
+          <a:p>
+            <a:pPr algn="ctr"/>
+            <a:r>
+              <a:rPr lang="en-US" sz="1400" dirty="0">
+                <a:solidFill>
+                  <a:schemeClr val="tx1"/>
+                </a:solidFill>
+              </a:rPr>
+              <a:t>3. then wrap new user list in </a:t>
+            </a:r>
+            <a:r>
+              <a:rPr lang="en-US" sz="1400" dirty="0" err="1">
+                <a:solidFill>
+                  <a:schemeClr val="tx1"/>
+                </a:solidFill>
+              </a:rPr>
+              <a:t>cmd</a:t>
+            </a:r>
+            <a:r>
+              <a:rPr lang="en-US" sz="1400" dirty="0">
+                <a:solidFill>
+                  <a:schemeClr val="tx1"/>
+                </a:solidFill>
+              </a:rPr>
+              <a:t> to </a:t>
+            </a:r>
+            <a:r>
+              <a:rPr lang="en-US" sz="1400" dirty="0" err="1">
+                <a:solidFill>
+                  <a:schemeClr val="tx1"/>
+                </a:solidFill>
+              </a:rPr>
+              <a:t>nofity</a:t>
+            </a:r>
+            <a:r>
+              <a:rPr lang="en-US" sz="1400" dirty="0">
+                <a:solidFill>
+                  <a:schemeClr val="tx1"/>
+                </a:solidFill>
+              </a:rPr>
+              <a:t> all users in Room1</a:t>
+            </a:r>
+          </a:p>
+        </p:txBody>
+      </p:sp>
+    </p:spTree>
+    <p:extLst>
+      <p:ext uri="{BB962C8B-B14F-4D97-AF65-F5344CB8AC3E}">
+        <p14:creationId xmlns:p14="http://schemas.microsoft.com/office/powerpoint/2010/main" val="3962444286"/>
+      </p:ext>
+    </p:extLst>
+  </p:cSld>
+  <p:clrMapOvr>
+    <a:masterClrMapping/>
+  </p:clrMapOvr>
+</p:sld>
+</file>
+
+<file path=ppt/slides/slide19.xml><?xml version="1.0" encoding="utf-8"?>
 <p:sld xmlns:a="http://schemas.openxmlformats.org/drawingml/2006/main" xmlns:r="http://schemas.openxmlformats.org/officeDocument/2006/relationships" xmlns:p="http://schemas.openxmlformats.org/presentationml/2006/main">
   <p:cSld>
     <p:spTree>

--- a/src/main/resources/ChatApp API.pptx
+++ b/src/main/resources/ChatApp API.pptx
@@ -852,7 +852,7 @@
           <a:p>
             <a:fld id="{1388CE8F-C105-436C-98E6-F477B4A62BDF}" type="datetimeFigureOut">
               <a:rPr lang="en-US" smtClean="0"/>
-              <a:t>11/14/2018</a:t>
+              <a:t>11/14/18</a:t>
             </a:fld>
             <a:endParaRPr lang="en-US"/>
           </a:p>
@@ -1103,7 +1103,7 @@
           <a:p>
             <a:fld id="{1388CE8F-C105-436C-98E6-F477B4A62BDF}" type="datetimeFigureOut">
               <a:rPr lang="en-US" smtClean="0"/>
-              <a:t>11/14/2018</a:t>
+              <a:t>11/14/18</a:t>
             </a:fld>
             <a:endParaRPr lang="en-US"/>
           </a:p>
@@ -1417,7 +1417,7 @@
           <a:p>
             <a:fld id="{1388CE8F-C105-436C-98E6-F477B4A62BDF}" type="datetimeFigureOut">
               <a:rPr lang="en-US" smtClean="0"/>
-              <a:t>11/14/2018</a:t>
+              <a:t>11/14/18</a:t>
             </a:fld>
             <a:endParaRPr lang="en-US"/>
           </a:p>
@@ -1758,7 +1758,7 @@
           <a:p>
             <a:fld id="{1388CE8F-C105-436C-98E6-F477B4A62BDF}" type="datetimeFigureOut">
               <a:rPr lang="en-US" smtClean="0"/>
-              <a:t>11/14/2018</a:t>
+              <a:t>11/14/18</a:t>
             </a:fld>
             <a:endParaRPr lang="en-US"/>
           </a:p>
@@ -2072,7 +2072,7 @@
           <a:p>
             <a:fld id="{1388CE8F-C105-436C-98E6-F477B4A62BDF}" type="datetimeFigureOut">
               <a:rPr lang="en-US" smtClean="0"/>
-              <a:t>11/14/2018</a:t>
+              <a:t>11/14/18</a:t>
             </a:fld>
             <a:endParaRPr lang="en-US"/>
           </a:p>
@@ -2465,7 +2465,7 @@
           <a:p>
             <a:fld id="{1388CE8F-C105-436C-98E6-F477B4A62BDF}" type="datetimeFigureOut">
               <a:rPr lang="en-US" smtClean="0"/>
-              <a:t>11/14/2018</a:t>
+              <a:t>11/14/18</a:t>
             </a:fld>
             <a:endParaRPr lang="en-US"/>
           </a:p>
@@ -2635,7 +2635,7 @@
           <a:p>
             <a:fld id="{1388CE8F-C105-436C-98E6-F477B4A62BDF}" type="datetimeFigureOut">
               <a:rPr lang="en-US" smtClean="0"/>
-              <a:t>11/14/2018</a:t>
+              <a:t>11/14/18</a:t>
             </a:fld>
             <a:endParaRPr lang="en-US"/>
           </a:p>
@@ -2815,7 +2815,7 @@
           <a:p>
             <a:fld id="{1388CE8F-C105-436C-98E6-F477B4A62BDF}" type="datetimeFigureOut">
               <a:rPr lang="en-US" smtClean="0"/>
-              <a:t>11/14/2018</a:t>
+              <a:t>11/14/18</a:t>
             </a:fld>
             <a:endParaRPr lang="en-US"/>
           </a:p>
@@ -2991,7 +2991,7 @@
           <a:p>
             <a:fld id="{1388CE8F-C105-436C-98E6-F477B4A62BDF}" type="datetimeFigureOut">
               <a:rPr lang="en-US" smtClean="0"/>
-              <a:t>11/14/2018</a:t>
+              <a:t>11/14/18</a:t>
             </a:fld>
             <a:endParaRPr lang="en-US"/>
           </a:p>
@@ -3238,7 +3238,7 @@
           <a:p>
             <a:fld id="{1388CE8F-C105-436C-98E6-F477B4A62BDF}" type="datetimeFigureOut">
               <a:rPr lang="en-US" smtClean="0"/>
-              <a:t>11/14/2018</a:t>
+              <a:t>11/14/18</a:t>
             </a:fld>
             <a:endParaRPr lang="en-US"/>
           </a:p>
@@ -3470,7 +3470,7 @@
           <a:p>
             <a:fld id="{1388CE8F-C105-436C-98E6-F477B4A62BDF}" type="datetimeFigureOut">
               <a:rPr lang="en-US" smtClean="0"/>
-              <a:t>11/14/2018</a:t>
+              <a:t>11/14/18</a:t>
             </a:fld>
             <a:endParaRPr lang="en-US"/>
           </a:p>
@@ -3844,7 +3844,7 @@
           <a:p>
             <a:fld id="{1388CE8F-C105-436C-98E6-F477B4A62BDF}" type="datetimeFigureOut">
               <a:rPr lang="en-US" smtClean="0"/>
-              <a:t>11/14/2018</a:t>
+              <a:t>11/14/18</a:t>
             </a:fld>
             <a:endParaRPr lang="en-US"/>
           </a:p>
@@ -3967,7 +3967,7 @@
           <a:p>
             <a:fld id="{1388CE8F-C105-436C-98E6-F477B4A62BDF}" type="datetimeFigureOut">
               <a:rPr lang="en-US" smtClean="0"/>
-              <a:t>11/14/2018</a:t>
+              <a:t>11/14/18</a:t>
             </a:fld>
             <a:endParaRPr lang="en-US"/>
           </a:p>
@@ -4062,7 +4062,7 @@
           <a:p>
             <a:fld id="{1388CE8F-C105-436C-98E6-F477B4A62BDF}" type="datetimeFigureOut">
               <a:rPr lang="en-US" smtClean="0"/>
-              <a:t>11/14/2018</a:t>
+              <a:t>11/14/18</a:t>
             </a:fld>
             <a:endParaRPr lang="en-US"/>
           </a:p>
@@ -4317,7 +4317,7 @@
           <a:p>
             <a:fld id="{1388CE8F-C105-436C-98E6-F477B4A62BDF}" type="datetimeFigureOut">
               <a:rPr lang="en-US" smtClean="0"/>
-              <a:t>11/14/2018</a:t>
+              <a:t>11/14/18</a:t>
             </a:fld>
             <a:endParaRPr lang="en-US"/>
           </a:p>
@@ -4580,7 +4580,7 @@
           <a:p>
             <a:fld id="{1388CE8F-C105-436C-98E6-F477B4A62BDF}" type="datetimeFigureOut">
               <a:rPr lang="en-US" smtClean="0"/>
-              <a:t>11/14/2018</a:t>
+              <a:t>11/14/18</a:t>
             </a:fld>
             <a:endParaRPr lang="en-US"/>
           </a:p>
@@ -5323,7 +5323,7 @@
           <a:p>
             <a:fld id="{1388CE8F-C105-436C-98E6-F477B4A62BDF}" type="datetimeFigureOut">
               <a:rPr lang="en-US" smtClean="0"/>
-              <a:t>11/14/2018</a:t>
+              <a:t>11/14/18</a:t>
             </a:fld>
             <a:endParaRPr lang="en-US"/>
           </a:p>
@@ -7254,7 +7254,7 @@
             <p:ph idx="1"/>
             <p:extLst>
               <p:ext uri="{D42A27DB-BD31-4B8C-83A1-F6EECF244321}">
-                <p14:modId xmlns:p14="http://schemas.microsoft.com/office/powerpoint/2010/main" val="2964187708"/>
+                <p14:modId xmlns:p14="http://schemas.microsoft.com/office/powerpoint/2010/main" val="2479413455"/>
               </p:ext>
             </p:extLst>
           </p:nvPr>
@@ -7359,7 +7359,7 @@
                     <a:p>
                       <a:r>
                         <a:rPr lang="en-US" dirty="0"/>
-                        <a:t>username age location school</a:t>
+                        <a:t>name age location school</a:t>
                       </a:r>
                     </a:p>
                   </a:txBody>
@@ -7404,8 +7404,12 @@
                     <a:lstStyle/>
                     <a:p>
                       <a:r>
+                        <a:rPr lang="en-US" dirty="0"/>
+                        <a:t>name </a:t>
+                      </a:r>
+                      <a:r>
                         <a:rPr lang="en-US" dirty="0" err="1"/>
-                        <a:t>roomname</a:t>
+                        <a:t>minAge</a:t>
                       </a:r>
                       <a:r>
                         <a:rPr lang="en-US" dirty="0"/>
@@ -7413,9 +7417,12 @@
                       </a:r>
                       <a:r>
                         <a:rPr lang="en-US" dirty="0" err="1"/>
-                        <a:t>roomrulestring</a:t>
+                        <a:t>maxAge</a:t>
                       </a:r>
-                      <a:endParaRPr lang="en-US" dirty="0"/>
+                      <a:r>
+                        <a:rPr lang="en-US" dirty="0"/>
+                        <a:t> locations schools</a:t>
+                      </a:r>
                     </a:p>
                   </a:txBody>
                   <a:tcPr/>
@@ -7460,7 +7467,7 @@
                     <a:p>
                       <a:r>
                         <a:rPr lang="en-US" dirty="0" err="1"/>
-                        <a:t>roomid</a:t>
+                        <a:t>roomId</a:t>
                       </a:r>
                       <a:endParaRPr lang="en-US" dirty="0"/>
                     </a:p>
@@ -7514,7 +7521,7 @@
                     <a:p>
                       <a:r>
                         <a:rPr lang="en-US" dirty="0" err="1"/>
-                        <a:t>roomid</a:t>
+                        <a:t>roomId</a:t>
                       </a:r>
                       <a:endParaRPr lang="en-US" dirty="0"/>
                     </a:p>
@@ -7567,7 +7574,7 @@
                     <a:p>
                       <a:r>
                         <a:rPr lang="en-US" dirty="0" err="1"/>
-                        <a:t>roomid</a:t>
+                        <a:t>roomId</a:t>
                       </a:r>
                       <a:r>
                         <a:rPr lang="en-US" dirty="0"/>
@@ -7575,7 +7582,7 @@
                       </a:r>
                       <a:r>
                         <a:rPr lang="en-US" dirty="0" err="1"/>
-                        <a:t>userid</a:t>
+                        <a:t>userId</a:t>
                       </a:r>
                       <a:r>
                         <a:rPr lang="en-US" dirty="0"/>
@@ -7583,7 +7590,7 @@
                       </a:r>
                       <a:r>
                         <a:rPr lang="en-US" dirty="0" err="1"/>
-                        <a:t>msgstring</a:t>
+                        <a:t>messageString</a:t>
                       </a:r>
                       <a:endParaRPr lang="en-US" dirty="0"/>
                     </a:p>
@@ -7624,10 +7631,9 @@
                     <a:lstStyle/>
                     <a:p>
                       <a:r>
-                        <a:rPr lang="en-US" dirty="0" err="1"/>
-                        <a:t>Etc</a:t>
+                        <a:rPr lang="en-US" dirty="0"/>
+                        <a:t>etc.</a:t>
                       </a:r>
-                      <a:endParaRPr lang="en-US" dirty="0"/>
                     </a:p>
                   </a:txBody>
                   <a:tcPr/>
@@ -8045,13 +8051,13 @@
         </p:spPr>
         <p:txBody>
           <a:bodyPr>
-            <a:normAutofit/>
+            <a:normAutofit fontScale="92500" lnSpcReduction="10000"/>
           </a:bodyPr>
           <a:lstStyle/>
           <a:p>
             <a:r>
               <a:rPr lang="en-US" sz="2400" dirty="0"/>
-              <a:t>Controller</a:t>
+              <a:t>Package controller</a:t>
             </a:r>
           </a:p>
           <a:p>
@@ -8072,8 +8078,12 @@
           </a:p>
           <a:p>
             <a:r>
+              <a:rPr lang="en-US" sz="2400" dirty="0"/>
+              <a:t>Package </a:t>
+            </a:r>
+            <a:r>
               <a:rPr lang="en-US" sz="2400" dirty="0" err="1"/>
-              <a:t>Cmd</a:t>
+              <a:t>model.cmd</a:t>
             </a:r>
             <a:endParaRPr lang="en-US" sz="2400" dirty="0"/>
           </a:p>
@@ -8087,8 +8097,13 @@
           <a:p>
             <a:r>
               <a:rPr lang="en-US" sz="2400" dirty="0"/>
-              <a:t>Obj</a:t>
-            </a:r>
+              <a:t>Package </a:t>
+            </a:r>
+            <a:r>
+              <a:rPr lang="en-US" sz="2400" dirty="0" err="1"/>
+              <a:t>model.obj</a:t>
+            </a:r>
+            <a:endParaRPr lang="en-US" sz="2400" dirty="0"/>
           </a:p>
           <a:p>
             <a:pPr lvl="1"/>
@@ -8114,10 +8129,17 @@
           </a:p>
           <a:p>
             <a:r>
-              <a:rPr lang="en-US" sz="2400" dirty="0" err="1"/>
+              <a:rPr lang="en-US" sz="2400" dirty="0"/>
+              <a:t>Package model</a:t>
+            </a:r>
+          </a:p>
+          <a:p>
+            <a:pPr lvl="1"/>
+            <a:r>
+              <a:rPr lang="en-US" sz="2200" dirty="0" err="1"/>
               <a:t>DispatcherAdapter</a:t>
             </a:r>
-            <a:endParaRPr lang="en-US" sz="2400" dirty="0"/>
+            <a:endParaRPr lang="en-US" sz="2200" dirty="0"/>
           </a:p>
         </p:txBody>
       </p:sp>
@@ -8239,8 +8261,21 @@
           <a:p>
             <a:r>
               <a:rPr lang="en-US" dirty="0"/>
-              <a:t>Obj</a:t>
-            </a:r>
+              <a:t>Package</a:t>
+            </a:r>
+            <a:r>
+              <a:rPr lang="zh-CN" altLang="en-US" dirty="0"/>
+              <a:t> </a:t>
+            </a:r>
+            <a:r>
+              <a:rPr lang="en-US" altLang="zh-CN" dirty="0" err="1"/>
+              <a:t>model.o</a:t>
+            </a:r>
+            <a:r>
+              <a:rPr lang="en-US" dirty="0" err="1"/>
+              <a:t>bj</a:t>
+            </a:r>
+            <a:endParaRPr lang="en-US" dirty="0"/>
           </a:p>
         </p:txBody>
       </p:sp>
@@ -8575,7 +8610,7 @@
         </p:blipFill>
         <p:spPr>
           <a:xfrm>
-            <a:off x="7934992" y="1727098"/>
+            <a:off x="7799545" y="1546190"/>
             <a:ext cx="4032688" cy="5050842"/>
           </a:xfrm>
           <a:prstGeom prst="rect">
@@ -8655,7 +8690,7 @@
           <a:p>
             <a:r>
               <a:rPr lang="en-US" dirty="0"/>
-              <a:t>Functions called from </a:t>
+              <a:t>Methods called from </a:t>
             </a:r>
             <a:r>
               <a:rPr lang="en-US" dirty="0" err="1"/>
@@ -8663,22 +8698,29 @@
             </a:r>
             <a:r>
               <a:rPr lang="en-US" dirty="0"/>
-              <a:t> to handle different input message processing from client</a:t>
+              <a:t> to handle different requests from client</a:t>
             </a:r>
           </a:p>
           <a:p>
             <a:pPr lvl="1"/>
             <a:r>
               <a:rPr lang="en-US" dirty="0"/>
-              <a:t>login msg, </a:t>
+              <a:t>login msg, create </a:t>
             </a:r>
             <a:r>
               <a:rPr lang="en-US" dirty="0" err="1"/>
-              <a:t>createroom</a:t>
+              <a:t>msg</a:t>
             </a:r>
             <a:r>
               <a:rPr lang="en-US" dirty="0"/>
-              <a:t> msg, analogous to endpoint in 504 </a:t>
+              <a:t>, etc.</a:t>
+            </a:r>
+          </a:p>
+          <a:p>
+            <a:pPr lvl="1"/>
+            <a:r>
+              <a:rPr lang="en-US" dirty="0"/>
+              <a:t>Analogous to endpoint in 504 </a:t>
             </a:r>
             <a:r>
               <a:rPr lang="en-US" dirty="0" err="1"/>
@@ -8713,7 +8755,7 @@
         </p:blipFill>
         <p:spPr>
           <a:xfrm>
-            <a:off x="63610" y="4140702"/>
+            <a:off x="841614" y="4071611"/>
             <a:ext cx="5067966" cy="2286410"/>
           </a:xfrm>
           <a:prstGeom prst="rect">
@@ -8735,8 +8777,8 @@
         </p:nvSpPr>
         <p:spPr>
           <a:xfrm>
-            <a:off x="1055385" y="5910021"/>
-            <a:ext cx="2828784" cy="256173"/>
+            <a:off x="1960879" y="5843331"/>
+            <a:ext cx="2695449" cy="256173"/>
           </a:xfrm>
           <a:prstGeom prst="rect">
             <a:avLst/>
@@ -8787,8 +8829,8 @@
         </p:nvSpPr>
         <p:spPr>
           <a:xfrm>
-            <a:off x="8013462" y="3648691"/>
-            <a:ext cx="4080472" cy="256173"/>
+            <a:off x="8084582" y="2795251"/>
+            <a:ext cx="3741658" cy="256173"/>
           </a:xfrm>
           <a:prstGeom prst="rect">
             <a:avLst/>
@@ -8835,6 +8877,7 @@
             </a:extLst>
           </p:cNvPr>
           <p:cNvCxnSpPr>
+            <a:cxnSpLocks/>
             <a:stCxn id="7" idx="3"/>
             <a:endCxn id="8" idx="1"/>
           </p:cNvCxnSpPr>
@@ -8842,8 +8885,8 @@
         </p:nvCxnSpPr>
         <p:spPr>
           <a:xfrm flipV="1">
-            <a:off x="3884169" y="3776778"/>
-            <a:ext cx="4129293" cy="2261330"/>
+            <a:off x="4656328" y="2923338"/>
+            <a:ext cx="3428254" cy="3048080"/>
           </a:xfrm>
           <a:prstGeom prst="curvedConnector3">
             <a:avLst/>
@@ -8997,7 +9040,7 @@
             <a:pPr lvl="3"/>
             <a:r>
               <a:rPr lang="en-US" sz="1800" dirty="0"/>
-              <a:t>Dispatcher will notify all users when there is new chatroom</a:t>
+              <a:t>Dispatcher will notify all existing users</a:t>
             </a:r>
           </a:p>
           <a:p>
@@ -9016,7 +9059,7 @@
             </a:r>
             <a:r>
               <a:rPr lang="en-US" sz="1800" dirty="0"/>
-              <a:t> will notify all users in the room when there are changes on the user list of the room</a:t>
+              <a:t> will notify all users in the room</a:t>
             </a:r>
             <a:endParaRPr lang="en-US" dirty="0"/>
           </a:p>
@@ -11562,7 +11605,7 @@
                   <a:schemeClr val="tx1"/>
                 </a:solidFill>
               </a:rPr>
-              <a:t>1. Pass to User Class to update the user’s joined available list</a:t>
+              <a:t>1. Pass to User Class to update User3’s joined available list</a:t>
             </a:r>
           </a:p>
         </p:txBody>
@@ -12139,8 +12182,8 @@
         </p:nvSpPr>
         <p:spPr>
           <a:xfrm>
-            <a:off x="7824285" y="4281408"/>
-            <a:ext cx="3229243" cy="597124"/>
+            <a:off x="7639368" y="4228921"/>
+            <a:ext cx="3513025" cy="597124"/>
           </a:xfrm>
           <a:prstGeom prst="rect">
             <a:avLst/>
@@ -12177,7 +12220,7 @@
                   <a:schemeClr val="tx1"/>
                 </a:solidFill>
               </a:rPr>
-              <a:t>3. then wrap new user list in </a:t>
+              <a:t>3. Wrap new user list in </a:t>
             </a:r>
             <a:r>
               <a:rPr lang="en-US" sz="1400" dirty="0" err="1">
@@ -12185,7 +12228,7 @@
                   <a:schemeClr val="tx1"/>
                 </a:solidFill>
               </a:rPr>
-              <a:t>cmd</a:t>
+              <a:t>NotifyClientCmd</a:t>
             </a:r>
             <a:r>
               <a:rPr lang="en-US" sz="1400" dirty="0">
@@ -12193,15 +12236,15 @@
                   <a:schemeClr val="tx1"/>
                 </a:solidFill>
               </a:rPr>
-              <a:t> to </a:t>
-            </a:r>
-            <a:r>
-              <a:rPr lang="en-US" sz="1400" dirty="0" err="1">
+              <a:t> </a:t>
+            </a:r>
+            <a:r>
+              <a:rPr lang="en-US" sz="1400">
                 <a:solidFill>
                   <a:schemeClr val="tx1"/>
                 </a:solidFill>
               </a:rPr>
-              <a:t>nofity</a:t>
+              <a:t>to notify </a:t>
             </a:r>
             <a:r>
               <a:rPr lang="en-US" sz="1400" dirty="0">
@@ -12209,7 +12252,7 @@
                   <a:schemeClr val="tx1"/>
                 </a:solidFill>
               </a:rPr>
-              <a:t> all users in Room1</a:t>
+              <a:t>all clients in Room1</a:t>
             </a:r>
           </a:p>
         </p:txBody>

--- a/src/main/resources/ChatApp API.pptx
+++ b/src/main/resources/ChatApp API.pptx
@@ -21,9 +21,9 @@
     <p:sldId id="261" r:id="rId15"/>
     <p:sldId id="257" r:id="rId16"/>
     <p:sldId id="258" r:id="rId17"/>
-    <p:sldId id="286" r:id="rId18"/>
-    <p:sldId id="283" r:id="rId19"/>
-    <p:sldId id="276" r:id="rId20"/>
+    <p:sldId id="276" r:id="rId18"/>
+    <p:sldId id="286" r:id="rId19"/>
+    <p:sldId id="283" r:id="rId20"/>
   </p:sldIdLst>
   <p:sldSz cx="12192000" cy="6858000"/>
   <p:notesSz cx="6858000" cy="9144000"/>
@@ -852,7 +852,7 @@
           <a:p>
             <a:fld id="{1388CE8F-C105-436C-98E6-F477B4A62BDF}" type="datetimeFigureOut">
               <a:rPr lang="en-US" smtClean="0"/>
-              <a:t>11/14/18</a:t>
+              <a:t>11/14/2018</a:t>
             </a:fld>
             <a:endParaRPr lang="en-US"/>
           </a:p>
@@ -1103,7 +1103,7 @@
           <a:p>
             <a:fld id="{1388CE8F-C105-436C-98E6-F477B4A62BDF}" type="datetimeFigureOut">
               <a:rPr lang="en-US" smtClean="0"/>
-              <a:t>11/14/18</a:t>
+              <a:t>11/14/2018</a:t>
             </a:fld>
             <a:endParaRPr lang="en-US"/>
           </a:p>
@@ -1417,7 +1417,7 @@
           <a:p>
             <a:fld id="{1388CE8F-C105-436C-98E6-F477B4A62BDF}" type="datetimeFigureOut">
               <a:rPr lang="en-US" smtClean="0"/>
-              <a:t>11/14/18</a:t>
+              <a:t>11/14/2018</a:t>
             </a:fld>
             <a:endParaRPr lang="en-US"/>
           </a:p>
@@ -1758,7 +1758,7 @@
           <a:p>
             <a:fld id="{1388CE8F-C105-436C-98E6-F477B4A62BDF}" type="datetimeFigureOut">
               <a:rPr lang="en-US" smtClean="0"/>
-              <a:t>11/14/18</a:t>
+              <a:t>11/14/2018</a:t>
             </a:fld>
             <a:endParaRPr lang="en-US"/>
           </a:p>
@@ -2072,7 +2072,7 @@
           <a:p>
             <a:fld id="{1388CE8F-C105-436C-98E6-F477B4A62BDF}" type="datetimeFigureOut">
               <a:rPr lang="en-US" smtClean="0"/>
-              <a:t>11/14/18</a:t>
+              <a:t>11/14/2018</a:t>
             </a:fld>
             <a:endParaRPr lang="en-US"/>
           </a:p>
@@ -2465,7 +2465,7 @@
           <a:p>
             <a:fld id="{1388CE8F-C105-436C-98E6-F477B4A62BDF}" type="datetimeFigureOut">
               <a:rPr lang="en-US" smtClean="0"/>
-              <a:t>11/14/18</a:t>
+              <a:t>11/14/2018</a:t>
             </a:fld>
             <a:endParaRPr lang="en-US"/>
           </a:p>
@@ -2635,7 +2635,7 @@
           <a:p>
             <a:fld id="{1388CE8F-C105-436C-98E6-F477B4A62BDF}" type="datetimeFigureOut">
               <a:rPr lang="en-US" smtClean="0"/>
-              <a:t>11/14/18</a:t>
+              <a:t>11/14/2018</a:t>
             </a:fld>
             <a:endParaRPr lang="en-US"/>
           </a:p>
@@ -2815,7 +2815,7 @@
           <a:p>
             <a:fld id="{1388CE8F-C105-436C-98E6-F477B4A62BDF}" type="datetimeFigureOut">
               <a:rPr lang="en-US" smtClean="0"/>
-              <a:t>11/14/18</a:t>
+              <a:t>11/14/2018</a:t>
             </a:fld>
             <a:endParaRPr lang="en-US"/>
           </a:p>
@@ -2991,7 +2991,7 @@
           <a:p>
             <a:fld id="{1388CE8F-C105-436C-98E6-F477B4A62BDF}" type="datetimeFigureOut">
               <a:rPr lang="en-US" smtClean="0"/>
-              <a:t>11/14/18</a:t>
+              <a:t>11/14/2018</a:t>
             </a:fld>
             <a:endParaRPr lang="en-US"/>
           </a:p>
@@ -3238,7 +3238,7 @@
           <a:p>
             <a:fld id="{1388CE8F-C105-436C-98E6-F477B4A62BDF}" type="datetimeFigureOut">
               <a:rPr lang="en-US" smtClean="0"/>
-              <a:t>11/14/18</a:t>
+              <a:t>11/14/2018</a:t>
             </a:fld>
             <a:endParaRPr lang="en-US"/>
           </a:p>
@@ -3470,7 +3470,7 @@
           <a:p>
             <a:fld id="{1388CE8F-C105-436C-98E6-F477B4A62BDF}" type="datetimeFigureOut">
               <a:rPr lang="en-US" smtClean="0"/>
-              <a:t>11/14/18</a:t>
+              <a:t>11/14/2018</a:t>
             </a:fld>
             <a:endParaRPr lang="en-US"/>
           </a:p>
@@ -3844,7 +3844,7 @@
           <a:p>
             <a:fld id="{1388CE8F-C105-436C-98E6-F477B4A62BDF}" type="datetimeFigureOut">
               <a:rPr lang="en-US" smtClean="0"/>
-              <a:t>11/14/18</a:t>
+              <a:t>11/14/2018</a:t>
             </a:fld>
             <a:endParaRPr lang="en-US"/>
           </a:p>
@@ -3967,7 +3967,7 @@
           <a:p>
             <a:fld id="{1388CE8F-C105-436C-98E6-F477B4A62BDF}" type="datetimeFigureOut">
               <a:rPr lang="en-US" smtClean="0"/>
-              <a:t>11/14/18</a:t>
+              <a:t>11/14/2018</a:t>
             </a:fld>
             <a:endParaRPr lang="en-US"/>
           </a:p>
@@ -4062,7 +4062,7 @@
           <a:p>
             <a:fld id="{1388CE8F-C105-436C-98E6-F477B4A62BDF}" type="datetimeFigureOut">
               <a:rPr lang="en-US" smtClean="0"/>
-              <a:t>11/14/18</a:t>
+              <a:t>11/14/2018</a:t>
             </a:fld>
             <a:endParaRPr lang="en-US"/>
           </a:p>
@@ -4317,7 +4317,7 @@
           <a:p>
             <a:fld id="{1388CE8F-C105-436C-98E6-F477B4A62BDF}" type="datetimeFigureOut">
               <a:rPr lang="en-US" smtClean="0"/>
-              <a:t>11/14/18</a:t>
+              <a:t>11/14/2018</a:t>
             </a:fld>
             <a:endParaRPr lang="en-US"/>
           </a:p>
@@ -4580,7 +4580,7 @@
           <a:p>
             <a:fld id="{1388CE8F-C105-436C-98E6-F477B4A62BDF}" type="datetimeFigureOut">
               <a:rPr lang="en-US" smtClean="0"/>
-              <a:t>11/14/18</a:t>
+              <a:t>11/14/2018</a:t>
             </a:fld>
             <a:endParaRPr lang="en-US"/>
           </a:p>
@@ -5323,7 +5323,7 @@
           <a:p>
             <a:fld id="{1388CE8F-C105-436C-98E6-F477B4A62BDF}" type="datetimeFigureOut">
               <a:rPr lang="en-US" smtClean="0"/>
-              <a:t>11/14/18</a:t>
+              <a:t>11/14/2018</a:t>
             </a:fld>
             <a:endParaRPr lang="en-US"/>
           </a:p>
@@ -8829,7 +8829,7 @@
         </p:nvSpPr>
         <p:spPr>
           <a:xfrm>
-            <a:off x="8084582" y="2795251"/>
+            <a:off x="8090575" y="2610817"/>
             <a:ext cx="3741658" cy="256173"/>
           </a:xfrm>
           <a:prstGeom prst="rect">
@@ -8885,8 +8885,8 @@
         </p:nvCxnSpPr>
         <p:spPr>
           <a:xfrm flipV="1">
-            <a:off x="4656328" y="2923338"/>
-            <a:ext cx="3428254" cy="3048080"/>
+            <a:off x="4656328" y="2738904"/>
+            <a:ext cx="3434247" cy="3232514"/>
           </a:xfrm>
           <a:prstGeom prst="curvedConnector3">
             <a:avLst/>
@@ -9320,14 +9320,6 @@
 <file path=ppt/slides/slide17.xml><?xml version="1.0" encoding="utf-8"?>
 <p:sld xmlns:a="http://schemas.openxmlformats.org/drawingml/2006/main" xmlns:r="http://schemas.openxmlformats.org/officeDocument/2006/relationships" xmlns:p="http://schemas.openxmlformats.org/presentationml/2006/main">
   <p:cSld>
-    <p:bg>
-      <p:bgPr>
-        <a:solidFill>
-          <a:schemeClr val="bg1"/>
-        </a:solidFill>
-        <a:effectLst/>
-      </p:bgPr>
-    </p:bg>
     <p:spTree>
       <p:nvGrpSpPr>
         <p:cNvPr id="1" name=""/>
@@ -9342,589 +9334,12 @@
           <a:chExt cx="0" cy="0"/>
         </a:xfrm>
       </p:grpSpPr>
-      <p:sp useBgFill="1">
-        <p:nvSpPr>
-          <p:cNvPr id="8" name="Rectangle 7">
+      <p:sp>
+        <p:nvSpPr>
+          <p:cNvPr id="2" name="标题 1">
             <a:extLst>
               <a:ext uri="{FF2B5EF4-FFF2-40B4-BE49-F238E27FC236}">
-                <a16:creationId xmlns:a16="http://schemas.microsoft.com/office/drawing/2014/main" id="{E80B86A7-A1EC-475B-9166-88902B033A38}"/>
-              </a:ext>
-              <a:ext uri="{C183D7F6-B498-43B3-948B-1728B52AA6E4}">
-                <adec:decorative xmlns:adec="http://schemas.microsoft.com/office/drawing/2017/decorative" val="1"/>
-              </a:ext>
-            </a:extLst>
-          </p:cNvPr>
-          <p:cNvSpPr>
-            <a:spLocks noGrp="1" noRot="1" noChangeAspect="1" noMove="1" noResize="1" noEditPoints="1" noAdjustHandles="1" noChangeArrowheads="1" noChangeShapeType="1" noTextEdit="1"/>
-          </p:cNvSpPr>
-          <p:nvPr>
-            <p:extLst>
-              <p:ext uri="{386F3935-93C4-4BCD-93E2-E3B085C9AB24}">
-                <p16:designElem xmlns:p16="http://schemas.microsoft.com/office/powerpoint/2015/main" val="1"/>
-              </p:ext>
-            </p:extLst>
-          </p:nvPr>
-        </p:nvSpPr>
-        <p:spPr>
-          <a:xfrm>
-            <a:off x="0" y="0"/>
-            <a:ext cx="12192000" cy="6858000"/>
-          </a:xfrm>
-          <a:prstGeom prst="rect">
-            <a:avLst/>
-          </a:prstGeom>
-          <a:ln>
-            <a:noFill/>
-          </a:ln>
-        </p:spPr>
-        <p:style>
-          <a:lnRef idx="2">
-            <a:schemeClr val="accent1">
-              <a:shade val="50000"/>
-            </a:schemeClr>
-          </a:lnRef>
-          <a:fillRef idx="1">
-            <a:schemeClr val="accent1"/>
-          </a:fillRef>
-          <a:effectRef idx="0">
-            <a:schemeClr val="accent1"/>
-          </a:effectRef>
-          <a:fontRef idx="minor">
-            <a:schemeClr val="lt1"/>
-          </a:fontRef>
-        </p:style>
-        <p:txBody>
-          <a:bodyPr rtlCol="0" anchor="ctr"/>
-          <a:lstStyle/>
-          <a:p>
-            <a:pPr algn="ctr"/>
-            <a:endParaRPr lang="en-US"/>
-          </a:p>
-        </p:txBody>
-      </p:sp>
-      <p:sp>
-        <p:nvSpPr>
-          <p:cNvPr id="18" name="矩形 17">
-            <a:extLst>
-              <a:ext uri="{FF2B5EF4-FFF2-40B4-BE49-F238E27FC236}">
-                <a16:creationId xmlns:a16="http://schemas.microsoft.com/office/drawing/2014/main" id="{9E1C2B9B-056F-4EC9-A07E-E9BBF19304B3}"/>
-              </a:ext>
-            </a:extLst>
-          </p:cNvPr>
-          <p:cNvSpPr/>
-          <p:nvPr/>
-        </p:nvSpPr>
-        <p:spPr>
-          <a:xfrm>
-            <a:off x="9254455" y="677614"/>
-            <a:ext cx="1935002" cy="1707778"/>
-          </a:xfrm>
-          <a:prstGeom prst="rect">
-            <a:avLst/>
-          </a:prstGeom>
-          <a:solidFill>
-            <a:schemeClr val="accent3">
-              <a:lumMod val="60000"/>
-              <a:lumOff val="40000"/>
-            </a:schemeClr>
-          </a:solidFill>
-        </p:spPr>
-        <p:style>
-          <a:lnRef idx="2">
-            <a:schemeClr val="accent1">
-              <a:shade val="50000"/>
-            </a:schemeClr>
-          </a:lnRef>
-          <a:fillRef idx="1">
-            <a:schemeClr val="accent1"/>
-          </a:fillRef>
-          <a:effectRef idx="0">
-            <a:schemeClr val="accent1"/>
-          </a:effectRef>
-          <a:fontRef idx="minor">
-            <a:schemeClr val="lt1"/>
-          </a:fontRef>
-        </p:style>
-        <p:txBody>
-          <a:bodyPr rtlCol="0" anchor="ctr"/>
-          <a:lstStyle/>
-          <a:p>
-            <a:pPr algn="ctr"/>
-            <a:r>
-              <a:rPr lang="en-US" dirty="0">
-                <a:solidFill>
-                  <a:schemeClr val="tx1"/>
-                </a:solidFill>
-              </a:rPr>
-              <a:t>Joined Room</a:t>
-            </a:r>
-          </a:p>
-          <a:p>
-            <a:pPr algn="ctr"/>
-            <a:r>
-              <a:rPr lang="en-US" dirty="0">
-                <a:solidFill>
-                  <a:schemeClr val="tx1"/>
-                </a:solidFill>
-              </a:rPr>
-              <a:t>Room1</a:t>
-            </a:r>
-          </a:p>
-          <a:p>
-            <a:pPr algn="ctr"/>
-            <a:r>
-              <a:rPr lang="en-US" dirty="0">
-                <a:solidFill>
-                  <a:schemeClr val="tx1"/>
-                </a:solidFill>
-              </a:rPr>
-              <a:t>Room2</a:t>
-            </a:r>
-          </a:p>
-          <a:p>
-            <a:pPr algn="ctr"/>
-            <a:r>
-              <a:rPr lang="en-US" dirty="0">
-                <a:solidFill>
-                  <a:schemeClr val="tx1"/>
-                </a:solidFill>
-              </a:rPr>
-              <a:t>Available Room</a:t>
-            </a:r>
-          </a:p>
-          <a:p>
-            <a:pPr algn="ctr"/>
-            <a:r>
-              <a:rPr lang="en-US" dirty="0">
-                <a:solidFill>
-                  <a:srgbClr val="FF0000"/>
-                </a:solidFill>
-              </a:rPr>
-              <a:t>Room3</a:t>
-            </a:r>
-          </a:p>
-        </p:txBody>
-      </p:sp>
-      <p:sp>
-        <p:nvSpPr>
-          <p:cNvPr id="19" name="矩形 18">
-            <a:extLst>
-              <a:ext uri="{FF2B5EF4-FFF2-40B4-BE49-F238E27FC236}">
-                <a16:creationId xmlns:a16="http://schemas.microsoft.com/office/drawing/2014/main" id="{CD531863-7CBB-4894-A589-EDF72CA7E683}"/>
-              </a:ext>
-            </a:extLst>
-          </p:cNvPr>
-          <p:cNvSpPr/>
-          <p:nvPr/>
-        </p:nvSpPr>
-        <p:spPr>
-          <a:xfrm>
-            <a:off x="9254455" y="2729156"/>
-            <a:ext cx="1935002" cy="1707778"/>
-          </a:xfrm>
-          <a:prstGeom prst="rect">
-            <a:avLst/>
-          </a:prstGeom>
-          <a:solidFill>
-            <a:schemeClr val="accent3">
-              <a:lumMod val="60000"/>
-              <a:lumOff val="40000"/>
-            </a:schemeClr>
-          </a:solidFill>
-        </p:spPr>
-        <p:style>
-          <a:lnRef idx="2">
-            <a:schemeClr val="accent1">
-              <a:shade val="50000"/>
-            </a:schemeClr>
-          </a:lnRef>
-          <a:fillRef idx="1">
-            <a:schemeClr val="accent1"/>
-          </a:fillRef>
-          <a:effectRef idx="0">
-            <a:schemeClr val="accent1"/>
-          </a:effectRef>
-          <a:fontRef idx="minor">
-            <a:schemeClr val="lt1"/>
-          </a:fontRef>
-        </p:style>
-        <p:txBody>
-          <a:bodyPr rtlCol="0" anchor="ctr"/>
-          <a:lstStyle/>
-          <a:p>
-            <a:pPr algn="ctr"/>
-            <a:r>
-              <a:rPr lang="en-US" dirty="0">
-                <a:solidFill>
-                  <a:schemeClr val="tx1"/>
-                </a:solidFill>
-              </a:rPr>
-              <a:t>Joined Room</a:t>
-            </a:r>
-          </a:p>
-          <a:p>
-            <a:pPr algn="ctr"/>
-            <a:r>
-              <a:rPr lang="en-US" dirty="0">
-                <a:solidFill>
-                  <a:schemeClr val="tx1"/>
-                </a:solidFill>
-              </a:rPr>
-              <a:t>Room2</a:t>
-            </a:r>
-          </a:p>
-          <a:p>
-            <a:pPr algn="ctr"/>
-            <a:r>
-              <a:rPr lang="en-US" dirty="0">
-                <a:solidFill>
-                  <a:schemeClr val="tx1"/>
-                </a:solidFill>
-              </a:rPr>
-              <a:t>Available Room</a:t>
-            </a:r>
-          </a:p>
-          <a:p>
-            <a:pPr algn="ctr"/>
-            <a:r>
-              <a:rPr lang="en-US" dirty="0">
-                <a:solidFill>
-                  <a:schemeClr val="tx1"/>
-                </a:solidFill>
-              </a:rPr>
-              <a:t>Room1</a:t>
-            </a:r>
-          </a:p>
-          <a:p>
-            <a:pPr algn="ctr"/>
-            <a:r>
-              <a:rPr lang="en-US" dirty="0">
-                <a:solidFill>
-                  <a:srgbClr val="FF0000"/>
-                </a:solidFill>
-              </a:rPr>
-              <a:t>Room3</a:t>
-            </a:r>
-          </a:p>
-        </p:txBody>
-      </p:sp>
-      <p:sp>
-        <p:nvSpPr>
-          <p:cNvPr id="20" name="矩形 19">
-            <a:extLst>
-              <a:ext uri="{FF2B5EF4-FFF2-40B4-BE49-F238E27FC236}">
-                <a16:creationId xmlns:a16="http://schemas.microsoft.com/office/drawing/2014/main" id="{DE0E56BC-CBAE-48CC-A3D9-F82F03BE2727}"/>
-              </a:ext>
-            </a:extLst>
-          </p:cNvPr>
-          <p:cNvSpPr/>
-          <p:nvPr/>
-        </p:nvSpPr>
-        <p:spPr>
-          <a:xfrm>
-            <a:off x="9254455" y="4812265"/>
-            <a:ext cx="1935002" cy="1707778"/>
-          </a:xfrm>
-          <a:prstGeom prst="rect">
-            <a:avLst/>
-          </a:prstGeom>
-          <a:solidFill>
-            <a:schemeClr val="accent3">
-              <a:lumMod val="60000"/>
-              <a:lumOff val="40000"/>
-            </a:schemeClr>
-          </a:solidFill>
-        </p:spPr>
-        <p:style>
-          <a:lnRef idx="2">
-            <a:schemeClr val="accent1">
-              <a:shade val="50000"/>
-            </a:schemeClr>
-          </a:lnRef>
-          <a:fillRef idx="1">
-            <a:schemeClr val="accent1"/>
-          </a:fillRef>
-          <a:effectRef idx="0">
-            <a:schemeClr val="accent1"/>
-          </a:effectRef>
-          <a:fontRef idx="minor">
-            <a:schemeClr val="lt1"/>
-          </a:fontRef>
-        </p:style>
-        <p:txBody>
-          <a:bodyPr rtlCol="0" anchor="ctr"/>
-          <a:lstStyle/>
-          <a:p>
-            <a:pPr algn="ctr"/>
-            <a:r>
-              <a:rPr lang="en-US" dirty="0">
-                <a:solidFill>
-                  <a:schemeClr val="tx1"/>
-                </a:solidFill>
-              </a:rPr>
-              <a:t>Joined Room</a:t>
-            </a:r>
-          </a:p>
-          <a:p>
-            <a:pPr algn="ctr"/>
-            <a:r>
-              <a:rPr lang="en-US" dirty="0">
-                <a:solidFill>
-                  <a:schemeClr val="tx1"/>
-                </a:solidFill>
-              </a:rPr>
-              <a:t>Available Room</a:t>
-            </a:r>
-          </a:p>
-          <a:p>
-            <a:pPr algn="ctr"/>
-            <a:r>
-              <a:rPr lang="en-US" dirty="0">
-                <a:solidFill>
-                  <a:schemeClr val="tx1"/>
-                </a:solidFill>
-              </a:rPr>
-              <a:t>Room1</a:t>
-            </a:r>
-          </a:p>
-          <a:p>
-            <a:pPr algn="ctr"/>
-            <a:r>
-              <a:rPr lang="en-US" dirty="0">
-                <a:solidFill>
-                  <a:schemeClr val="tx1"/>
-                </a:solidFill>
-              </a:rPr>
-              <a:t>Room2</a:t>
-            </a:r>
-          </a:p>
-          <a:p>
-            <a:pPr algn="ctr"/>
-            <a:r>
-              <a:rPr lang="en-US" dirty="0">
-                <a:solidFill>
-                  <a:srgbClr val="FF0000"/>
-                </a:solidFill>
-              </a:rPr>
-              <a:t>Room3</a:t>
-            </a:r>
-          </a:p>
-        </p:txBody>
-      </p:sp>
-      <p:sp>
-        <p:nvSpPr>
-          <p:cNvPr id="10" name="Isosceles Triangle 9">
-            <a:extLst>
-              <a:ext uri="{FF2B5EF4-FFF2-40B4-BE49-F238E27FC236}">
-                <a16:creationId xmlns:a16="http://schemas.microsoft.com/office/drawing/2014/main" id="{C2C29CB1-9F74-4879-A6AF-AEA67B6F1F4D}"/>
-              </a:ext>
-              <a:ext uri="{C183D7F6-B498-43B3-948B-1728B52AA6E4}">
-                <adec:decorative xmlns:adec="http://schemas.microsoft.com/office/drawing/2017/decorative" val="1"/>
-              </a:ext>
-            </a:extLst>
-          </p:cNvPr>
-          <p:cNvSpPr>
-            <a:spLocks noGrp="1" noRot="1" noChangeAspect="1" noMove="1" noResize="1" noEditPoints="1" noAdjustHandles="1" noChangeArrowheads="1" noChangeShapeType="1" noTextEdit="1"/>
-          </p:cNvSpPr>
-          <p:nvPr>
-            <p:extLst>
-              <p:ext uri="{386F3935-93C4-4BCD-93E2-E3B085C9AB24}">
-                <p16:designElem xmlns:p16="http://schemas.microsoft.com/office/powerpoint/2015/main" val="1"/>
-              </p:ext>
-            </p:extLst>
-          </p:nvPr>
-        </p:nvSpPr>
-        <p:spPr>
-          <a:xfrm rot="10800000">
-            <a:off x="0" y="0"/>
-            <a:ext cx="842596" cy="5666154"/>
-          </a:xfrm>
-          <a:prstGeom prst="triangle">
-            <a:avLst>
-              <a:gd name="adj" fmla="val 100000"/>
-            </a:avLst>
-          </a:prstGeom>
-          <a:solidFill>
-            <a:schemeClr val="accent1">
-              <a:alpha val="85000"/>
-            </a:schemeClr>
-          </a:solidFill>
-          <a:ln>
-            <a:noFill/>
-          </a:ln>
-          <a:effectLst/>
-        </p:spPr>
-        <p:style>
-          <a:lnRef idx="1">
-            <a:schemeClr val="accent1"/>
-          </a:lnRef>
-          <a:fillRef idx="3">
-            <a:schemeClr val="accent1"/>
-          </a:fillRef>
-          <a:effectRef idx="2">
-            <a:schemeClr val="accent1"/>
-          </a:effectRef>
-          <a:fontRef idx="minor">
-            <a:schemeClr val="lt1"/>
-          </a:fontRef>
-        </p:style>
-      </p:sp>
-      <p:sp>
-        <p:nvSpPr>
-          <p:cNvPr id="12" name="Isosceles Triangle 11">
-            <a:extLst>
-              <a:ext uri="{FF2B5EF4-FFF2-40B4-BE49-F238E27FC236}">
-                <a16:creationId xmlns:a16="http://schemas.microsoft.com/office/drawing/2014/main" id="{7E2C7115-5336-410C-AD71-0F0952A2E5A7}"/>
-              </a:ext>
-              <a:ext uri="{C183D7F6-B498-43B3-948B-1728B52AA6E4}">
-                <adec:decorative xmlns:adec="http://schemas.microsoft.com/office/drawing/2017/decorative" val="1"/>
-              </a:ext>
-            </a:extLst>
-          </p:cNvPr>
-          <p:cNvSpPr>
-            <a:spLocks noGrp="1" noRot="1" noChangeAspect="1" noMove="1" noResize="1" noEditPoints="1" noAdjustHandles="1" noChangeArrowheads="1" noChangeShapeType="1" noTextEdit="1"/>
-          </p:cNvSpPr>
-          <p:nvPr>
-            <p:extLst>
-              <p:ext uri="{386F3935-93C4-4BCD-93E2-E3B085C9AB24}">
-                <p16:designElem xmlns:p16="http://schemas.microsoft.com/office/powerpoint/2015/main" val="1"/>
-              </p:ext>
-            </p:extLst>
-          </p:nvPr>
-        </p:nvSpPr>
-        <p:spPr>
-          <a:xfrm flipH="1">
-            <a:off x="11743267" y="4013200"/>
-            <a:ext cx="448733" cy="2844800"/>
-          </a:xfrm>
-          <a:prstGeom prst="triangle">
-            <a:avLst>
-              <a:gd name="adj" fmla="val 0"/>
-            </a:avLst>
-          </a:prstGeom>
-          <a:solidFill>
-            <a:schemeClr val="accent1">
-              <a:alpha val="85000"/>
-            </a:schemeClr>
-          </a:solidFill>
-          <a:ln>
-            <a:noFill/>
-          </a:ln>
-          <a:effectLst/>
-        </p:spPr>
-        <p:style>
-          <a:lnRef idx="1">
-            <a:schemeClr val="accent1"/>
-          </a:lnRef>
-          <a:fillRef idx="3">
-            <a:schemeClr val="accent1"/>
-          </a:fillRef>
-          <a:effectRef idx="2">
-            <a:schemeClr val="accent1"/>
-          </a:effectRef>
-          <a:fontRef idx="minor">
-            <a:schemeClr val="lt1"/>
-          </a:fontRef>
-        </p:style>
-      </p:sp>
-      <p:sp>
-        <p:nvSpPr>
-          <p:cNvPr id="7" name="椭圆 6">
-            <a:extLst>
-              <a:ext uri="{FF2B5EF4-FFF2-40B4-BE49-F238E27FC236}">
-                <a16:creationId xmlns:a16="http://schemas.microsoft.com/office/drawing/2014/main" id="{B8718DD8-E5B1-49CD-AAAD-B32F846C8472}"/>
-              </a:ext>
-            </a:extLst>
-          </p:cNvPr>
-          <p:cNvSpPr/>
-          <p:nvPr/>
-        </p:nvSpPr>
-        <p:spPr>
-          <a:xfrm>
-            <a:off x="4447785" y="5178252"/>
-            <a:ext cx="2282025" cy="940445"/>
-          </a:xfrm>
-          <a:prstGeom prst="ellipse">
-            <a:avLst/>
-          </a:prstGeom>
-          <a:solidFill>
-            <a:schemeClr val="accent3">
-              <a:lumMod val="20000"/>
-              <a:lumOff val="80000"/>
-            </a:schemeClr>
-          </a:solidFill>
-        </p:spPr>
-        <p:style>
-          <a:lnRef idx="2">
-            <a:schemeClr val="accent1">
-              <a:shade val="50000"/>
-            </a:schemeClr>
-          </a:lnRef>
-          <a:fillRef idx="1">
-            <a:schemeClr val="accent1"/>
-          </a:fillRef>
-          <a:effectRef idx="0">
-            <a:schemeClr val="accent1"/>
-          </a:effectRef>
-          <a:fontRef idx="minor">
-            <a:schemeClr val="lt1"/>
-          </a:fontRef>
-        </p:style>
-        <p:txBody>
-          <a:bodyPr rtlCol="0" anchor="ctr"/>
-          <a:lstStyle/>
-          <a:p>
-            <a:pPr algn="ctr"/>
-            <a:r>
-              <a:rPr lang="en-US" dirty="0" err="1">
-                <a:solidFill>
-                  <a:schemeClr val="tx1"/>
-                </a:solidFill>
-              </a:rPr>
-              <a:t>AppendRoom</a:t>
-            </a:r>
-            <a:r>
-              <a:rPr lang="en-US" dirty="0">
-                <a:solidFill>
-                  <a:schemeClr val="tx1"/>
-                </a:solidFill>
-              </a:rPr>
-              <a:t> </a:t>
-            </a:r>
-            <a:r>
-              <a:rPr lang="en-US" dirty="0" err="1">
-                <a:solidFill>
-                  <a:schemeClr val="tx1"/>
-                </a:solidFill>
-              </a:rPr>
-              <a:t>Cmd</a:t>
-            </a:r>
-            <a:endParaRPr lang="en-US" dirty="0">
-              <a:solidFill>
-                <a:schemeClr val="tx1"/>
-              </a:solidFill>
-            </a:endParaRPr>
-          </a:p>
-          <a:p>
-            <a:pPr algn="ctr"/>
-            <a:endParaRPr lang="en-US" dirty="0">
-              <a:solidFill>
-                <a:schemeClr val="tx1"/>
-              </a:solidFill>
-            </a:endParaRPr>
-          </a:p>
-          <a:p>
-            <a:pPr algn="ctr"/>
-            <a:endParaRPr lang="en-US" dirty="0"/>
-          </a:p>
-        </p:txBody>
-      </p:sp>
-      <p:sp>
-        <p:nvSpPr>
-          <p:cNvPr id="9" name="标题 1">
-            <a:extLst>
-              <a:ext uri="{FF2B5EF4-FFF2-40B4-BE49-F238E27FC236}">
-                <a16:creationId xmlns:a16="http://schemas.microsoft.com/office/drawing/2014/main" id="{2006BC94-1CD6-4D37-9374-1144456FE989}"/>
+                <a16:creationId xmlns:a16="http://schemas.microsoft.com/office/drawing/2014/main" id="{1EEE6901-701F-42C0-AE71-DDFBCC627013}"/>
               </a:ext>
             </a:extLst>
           </p:cNvPr>
@@ -9937,959 +9352,19 @@
         </p:nvSpPr>
         <p:spPr>
           <a:xfrm>
-            <a:off x="677334" y="609600"/>
+            <a:off x="4390592" y="2768600"/>
             <a:ext cx="8596668" cy="1320800"/>
           </a:xfrm>
         </p:spPr>
         <p:txBody>
-          <a:bodyPr/>
-          <a:lstStyle/>
-          <a:p>
-            <a:r>
-              <a:rPr lang="en-US" dirty="0"/>
-              <a:t>Example – Create Room3</a:t>
-            </a:r>
-          </a:p>
-        </p:txBody>
-      </p:sp>
-      <p:sp>
-        <p:nvSpPr>
-          <p:cNvPr id="11" name="矩形 10">
-            <a:extLst>
-              <a:ext uri="{FF2B5EF4-FFF2-40B4-BE49-F238E27FC236}">
-                <a16:creationId xmlns:a16="http://schemas.microsoft.com/office/drawing/2014/main" id="{5B653031-3D00-4CFF-B3BE-0CE569A99814}"/>
-              </a:ext>
-            </a:extLst>
-          </p:cNvPr>
-          <p:cNvSpPr/>
-          <p:nvPr/>
-        </p:nvSpPr>
-        <p:spPr>
-          <a:xfrm>
-            <a:off x="278652" y="3271589"/>
-            <a:ext cx="2155044" cy="739471"/>
-          </a:xfrm>
-          <a:prstGeom prst="rect">
-            <a:avLst/>
-          </a:prstGeom>
-          <a:noFill/>
-        </p:spPr>
-        <p:style>
-          <a:lnRef idx="2">
-            <a:schemeClr val="accent1">
-              <a:shade val="50000"/>
-            </a:schemeClr>
-          </a:lnRef>
-          <a:fillRef idx="1">
-            <a:schemeClr val="accent1"/>
-          </a:fillRef>
-          <a:effectRef idx="0">
-            <a:schemeClr val="accent1"/>
-          </a:effectRef>
-          <a:fontRef idx="minor">
-            <a:schemeClr val="lt1"/>
-          </a:fontRef>
-        </p:style>
-        <p:txBody>
-          <a:bodyPr rtlCol="0" anchor="ctr"/>
-          <a:lstStyle/>
-          <a:p>
-            <a:pPr algn="ctr"/>
-            <a:r>
-              <a:rPr lang="en-US" dirty="0" err="1">
-                <a:solidFill>
-                  <a:schemeClr val="tx1"/>
-                </a:solidFill>
-              </a:rPr>
-              <a:t>loadRoom</a:t>
-            </a:r>
-            <a:endParaRPr lang="en-US" dirty="0">
-              <a:solidFill>
-                <a:schemeClr val="tx1"/>
-              </a:solidFill>
-            </a:endParaRPr>
-          </a:p>
-          <a:p>
-            <a:pPr algn="ctr"/>
-            <a:r>
-              <a:rPr lang="en-US" dirty="0" err="1">
-                <a:solidFill>
-                  <a:schemeClr val="tx1"/>
-                </a:solidFill>
-              </a:rPr>
-              <a:t>DispatcherAdapter</a:t>
-            </a:r>
-            <a:endParaRPr lang="en-US" dirty="0">
-              <a:solidFill>
-                <a:schemeClr val="tx1"/>
-              </a:solidFill>
-            </a:endParaRPr>
-          </a:p>
-        </p:txBody>
-      </p:sp>
-      <p:sp>
-        <p:nvSpPr>
-          <p:cNvPr id="13" name="矩形 12">
-            <a:extLst>
-              <a:ext uri="{FF2B5EF4-FFF2-40B4-BE49-F238E27FC236}">
-                <a16:creationId xmlns:a16="http://schemas.microsoft.com/office/drawing/2014/main" id="{4E904761-84E9-4DE3-88AD-727538319789}"/>
-              </a:ext>
-            </a:extLst>
-          </p:cNvPr>
-          <p:cNvSpPr/>
-          <p:nvPr/>
-        </p:nvSpPr>
-        <p:spPr>
-          <a:xfrm>
-            <a:off x="5022980" y="1796996"/>
-            <a:ext cx="1171084" cy="872876"/>
-          </a:xfrm>
-          <a:prstGeom prst="rect">
-            <a:avLst/>
-          </a:prstGeom>
-        </p:spPr>
-        <p:style>
-          <a:lnRef idx="2">
-            <a:schemeClr val="accent1">
-              <a:shade val="50000"/>
-            </a:schemeClr>
-          </a:lnRef>
-          <a:fillRef idx="1">
-            <a:schemeClr val="accent1"/>
-          </a:fillRef>
-          <a:effectRef idx="0">
-            <a:schemeClr val="accent1"/>
-          </a:effectRef>
-          <a:fontRef idx="minor">
-            <a:schemeClr val="lt1"/>
-          </a:fontRef>
-        </p:style>
-        <p:txBody>
-          <a:bodyPr rtlCol="0" anchor="ctr"/>
-          <a:lstStyle/>
-          <a:p>
-            <a:pPr algn="ctr"/>
-            <a:r>
-              <a:rPr lang="en-US" dirty="0"/>
-              <a:t>Room1</a:t>
-            </a:r>
-          </a:p>
-          <a:p>
-            <a:pPr algn="ctr"/>
-            <a:r>
-              <a:rPr lang="en-US" dirty="0"/>
-              <a:t>User1</a:t>
-            </a:r>
-          </a:p>
-        </p:txBody>
-      </p:sp>
-      <p:sp>
-        <p:nvSpPr>
-          <p:cNvPr id="14" name="矩形 13">
-            <a:extLst>
-              <a:ext uri="{FF2B5EF4-FFF2-40B4-BE49-F238E27FC236}">
-                <a16:creationId xmlns:a16="http://schemas.microsoft.com/office/drawing/2014/main" id="{8E04056B-1824-428A-B463-FC763E061922}"/>
-              </a:ext>
-            </a:extLst>
-          </p:cNvPr>
-          <p:cNvSpPr/>
-          <p:nvPr/>
-        </p:nvSpPr>
-        <p:spPr>
-          <a:xfrm>
-            <a:off x="5022980" y="3162395"/>
-            <a:ext cx="1171084" cy="872876"/>
-          </a:xfrm>
-          <a:prstGeom prst="rect">
-            <a:avLst/>
-          </a:prstGeom>
-        </p:spPr>
-        <p:style>
-          <a:lnRef idx="2">
-            <a:schemeClr val="accent1">
-              <a:shade val="50000"/>
-            </a:schemeClr>
-          </a:lnRef>
-          <a:fillRef idx="1">
-            <a:schemeClr val="accent1"/>
-          </a:fillRef>
-          <a:effectRef idx="0">
-            <a:schemeClr val="accent1"/>
-          </a:effectRef>
-          <a:fontRef idx="minor">
-            <a:schemeClr val="lt1"/>
-          </a:fontRef>
-        </p:style>
-        <p:txBody>
-          <a:bodyPr rtlCol="0" anchor="ctr"/>
-          <a:lstStyle/>
-          <a:p>
-            <a:pPr algn="ctr"/>
-            <a:r>
-              <a:rPr lang="en-US" dirty="0"/>
-              <a:t>Room2</a:t>
-            </a:r>
-          </a:p>
-          <a:p>
-            <a:pPr algn="ctr"/>
-            <a:r>
-              <a:rPr lang="en-US" dirty="0"/>
-              <a:t>User1</a:t>
-            </a:r>
-          </a:p>
-          <a:p>
-            <a:pPr algn="ctr"/>
-            <a:r>
-              <a:rPr lang="en-US" dirty="0"/>
-              <a:t>User2</a:t>
-            </a:r>
-          </a:p>
-        </p:txBody>
-      </p:sp>
-      <p:sp>
-        <p:nvSpPr>
-          <p:cNvPr id="15" name="流程图: 接点 14">
-            <a:extLst>
-              <a:ext uri="{FF2B5EF4-FFF2-40B4-BE49-F238E27FC236}">
-                <a16:creationId xmlns:a16="http://schemas.microsoft.com/office/drawing/2014/main" id="{3B41F135-ED1A-404E-BBB4-D2D2C2732020}"/>
-              </a:ext>
-            </a:extLst>
-          </p:cNvPr>
-          <p:cNvSpPr/>
-          <p:nvPr/>
-        </p:nvSpPr>
-        <p:spPr>
-          <a:xfrm>
-            <a:off x="8416649" y="3381650"/>
-            <a:ext cx="1075670" cy="519351"/>
-          </a:xfrm>
-          <a:prstGeom prst="flowChartConnector">
-            <a:avLst/>
-          </a:prstGeom>
-          <a:solidFill>
-            <a:schemeClr val="accent3">
-              <a:lumMod val="60000"/>
-              <a:lumOff val="40000"/>
-            </a:schemeClr>
-          </a:solidFill>
-        </p:spPr>
-        <p:style>
-          <a:lnRef idx="2">
-            <a:schemeClr val="accent3">
-              <a:shade val="50000"/>
-            </a:schemeClr>
-          </a:lnRef>
-          <a:fillRef idx="1">
-            <a:schemeClr val="accent3"/>
-          </a:fillRef>
-          <a:effectRef idx="0">
-            <a:schemeClr val="accent3"/>
-          </a:effectRef>
-          <a:fontRef idx="minor">
-            <a:schemeClr val="lt1"/>
-          </a:fontRef>
-        </p:style>
-        <p:txBody>
-          <a:bodyPr wrap="none" rtlCol="0" anchor="ctr">
-            <a:spAutoFit/>
+          <a:bodyPr>
+            <a:normAutofit/>
           </a:bodyPr>
           <a:lstStyle/>
           <a:p>
-            <a:pPr algn="ctr"/>
-            <a:r>
-              <a:rPr lang="en-US" dirty="0"/>
-              <a:t>User2</a:t>
-            </a:r>
-          </a:p>
-        </p:txBody>
-      </p:sp>
-      <p:sp>
-        <p:nvSpPr>
-          <p:cNvPr id="16" name="流程图: 接点 15">
-            <a:extLst>
-              <a:ext uri="{FF2B5EF4-FFF2-40B4-BE49-F238E27FC236}">
-                <a16:creationId xmlns:a16="http://schemas.microsoft.com/office/drawing/2014/main" id="{208E3F9E-01D0-474B-82F5-587DB16EAE65}"/>
-              </a:ext>
-            </a:extLst>
-          </p:cNvPr>
-          <p:cNvSpPr/>
-          <p:nvPr/>
-        </p:nvSpPr>
-        <p:spPr>
-          <a:xfrm>
-            <a:off x="8416649" y="1362631"/>
-            <a:ext cx="1075670" cy="519351"/>
-          </a:xfrm>
-          <a:prstGeom prst="flowChartConnector">
-            <a:avLst/>
-          </a:prstGeom>
-          <a:solidFill>
-            <a:schemeClr val="accent3">
-              <a:lumMod val="60000"/>
-              <a:lumOff val="40000"/>
-            </a:schemeClr>
-          </a:solidFill>
-        </p:spPr>
-        <p:style>
-          <a:lnRef idx="2">
-            <a:schemeClr val="accent3">
-              <a:shade val="50000"/>
-            </a:schemeClr>
-          </a:lnRef>
-          <a:fillRef idx="1">
-            <a:schemeClr val="accent3"/>
-          </a:fillRef>
-          <a:effectRef idx="0">
-            <a:schemeClr val="accent3"/>
-          </a:effectRef>
-          <a:fontRef idx="minor">
-            <a:schemeClr val="lt1"/>
-          </a:fontRef>
-        </p:style>
-        <p:txBody>
-          <a:bodyPr wrap="none" rtlCol="0" anchor="ctr">
-            <a:spAutoFit/>
-          </a:bodyPr>
-          <a:lstStyle/>
-          <a:p>
-            <a:pPr algn="ctr"/>
-            <a:r>
-              <a:rPr lang="en-US" dirty="0"/>
-              <a:t>User1</a:t>
-            </a:r>
-          </a:p>
-        </p:txBody>
-      </p:sp>
-      <p:sp>
-        <p:nvSpPr>
-          <p:cNvPr id="17" name="流程图: 接点 16">
-            <a:extLst>
-              <a:ext uri="{FF2B5EF4-FFF2-40B4-BE49-F238E27FC236}">
-                <a16:creationId xmlns:a16="http://schemas.microsoft.com/office/drawing/2014/main" id="{7345BA40-3035-4F30-91E1-B4088FA0D93E}"/>
-              </a:ext>
-            </a:extLst>
-          </p:cNvPr>
-          <p:cNvSpPr/>
-          <p:nvPr/>
-        </p:nvSpPr>
-        <p:spPr>
-          <a:xfrm>
-            <a:off x="8416649" y="5400669"/>
-            <a:ext cx="1075670" cy="519351"/>
-          </a:xfrm>
-          <a:prstGeom prst="flowChartConnector">
-            <a:avLst/>
-          </a:prstGeom>
-          <a:solidFill>
-            <a:schemeClr val="accent3">
-              <a:lumMod val="60000"/>
-              <a:lumOff val="40000"/>
-            </a:schemeClr>
-          </a:solidFill>
-        </p:spPr>
-        <p:style>
-          <a:lnRef idx="2">
-            <a:schemeClr val="accent3">
-              <a:shade val="50000"/>
-            </a:schemeClr>
-          </a:lnRef>
-          <a:fillRef idx="1">
-            <a:schemeClr val="accent3"/>
-          </a:fillRef>
-          <a:effectRef idx="0">
-            <a:schemeClr val="accent3"/>
-          </a:effectRef>
-          <a:fontRef idx="minor">
-            <a:schemeClr val="lt1"/>
-          </a:fontRef>
-        </p:style>
-        <p:txBody>
-          <a:bodyPr wrap="none" rtlCol="0" anchor="ctr">
-            <a:spAutoFit/>
-          </a:bodyPr>
-          <a:lstStyle/>
-          <a:p>
-            <a:pPr algn="ctr"/>
-            <a:r>
-              <a:rPr lang="en-US" dirty="0"/>
-              <a:t>User3</a:t>
-            </a:r>
-          </a:p>
-        </p:txBody>
-      </p:sp>
-      <p:sp>
-        <p:nvSpPr>
-          <p:cNvPr id="21" name="矩形 20">
-            <a:extLst>
-              <a:ext uri="{FF2B5EF4-FFF2-40B4-BE49-F238E27FC236}">
-                <a16:creationId xmlns:a16="http://schemas.microsoft.com/office/drawing/2014/main" id="{6754D88B-5639-47CD-BBE9-308340870363}"/>
-              </a:ext>
-            </a:extLst>
-          </p:cNvPr>
-          <p:cNvSpPr/>
-          <p:nvPr/>
-        </p:nvSpPr>
-        <p:spPr>
-          <a:xfrm>
-            <a:off x="2316437" y="4812265"/>
-            <a:ext cx="1171084" cy="739471"/>
-          </a:xfrm>
-          <a:prstGeom prst="rect">
-            <a:avLst/>
-          </a:prstGeom>
-        </p:spPr>
-        <p:style>
-          <a:lnRef idx="2">
-            <a:schemeClr val="accent1">
-              <a:shade val="50000"/>
-            </a:schemeClr>
-          </a:lnRef>
-          <a:fillRef idx="1">
-            <a:schemeClr val="accent1"/>
-          </a:fillRef>
-          <a:effectRef idx="0">
-            <a:schemeClr val="accent1"/>
-          </a:effectRef>
-          <a:fontRef idx="minor">
-            <a:schemeClr val="lt1"/>
-          </a:fontRef>
-        </p:style>
-        <p:txBody>
-          <a:bodyPr rtlCol="0" anchor="ctr"/>
-          <a:lstStyle/>
-          <a:p>
-            <a:pPr algn="ctr"/>
-            <a:r>
-              <a:rPr lang="en-US" dirty="0">
-                <a:solidFill>
-                  <a:srgbClr val="FF0000"/>
-                </a:solidFill>
-              </a:rPr>
-              <a:t>Room3</a:t>
-            </a:r>
-          </a:p>
-        </p:txBody>
-      </p:sp>
-      <p:cxnSp>
-        <p:nvCxnSpPr>
-          <p:cNvPr id="22" name="连接符: 曲线 21">
-            <a:extLst>
-              <a:ext uri="{FF2B5EF4-FFF2-40B4-BE49-F238E27FC236}">
-                <a16:creationId xmlns:a16="http://schemas.microsoft.com/office/drawing/2014/main" id="{80A56E91-B43F-423E-B197-8F884AA9B781}"/>
-              </a:ext>
-            </a:extLst>
-          </p:cNvPr>
-          <p:cNvCxnSpPr>
-            <a:cxnSpLocks/>
-            <a:stCxn id="11" idx="2"/>
-            <a:endCxn id="21" idx="1"/>
-          </p:cNvCxnSpPr>
-          <p:nvPr/>
-        </p:nvCxnSpPr>
-        <p:spPr>
-          <a:xfrm rot="16200000" flipH="1">
-            <a:off x="1250835" y="4116398"/>
-            <a:ext cx="1170941" cy="960263"/>
-          </a:xfrm>
-          <a:prstGeom prst="curvedConnector2">
-            <a:avLst/>
-          </a:prstGeom>
-          <a:ln w="38100">
-            <a:headEnd type="none" w="med" len="med"/>
-            <a:tailEnd type="arrow" w="med" len="med"/>
-          </a:ln>
-        </p:spPr>
-        <p:style>
-          <a:lnRef idx="1">
-            <a:schemeClr val="accent1"/>
-          </a:lnRef>
-          <a:fillRef idx="0">
-            <a:schemeClr val="accent1"/>
-          </a:fillRef>
-          <a:effectRef idx="0">
-            <a:schemeClr val="accent1"/>
-          </a:effectRef>
-          <a:fontRef idx="minor">
-            <a:schemeClr val="tx1"/>
-          </a:fontRef>
-        </p:style>
-      </p:cxnSp>
-      <p:sp>
-        <p:nvSpPr>
-          <p:cNvPr id="23" name="矩形 22">
-            <a:extLst>
-              <a:ext uri="{FF2B5EF4-FFF2-40B4-BE49-F238E27FC236}">
-                <a16:creationId xmlns:a16="http://schemas.microsoft.com/office/drawing/2014/main" id="{3D9C02DA-F32E-418C-8EEA-491CB22FC142}"/>
-              </a:ext>
-            </a:extLst>
-          </p:cNvPr>
-          <p:cNvSpPr/>
-          <p:nvPr/>
-        </p:nvSpPr>
-        <p:spPr>
-          <a:xfrm>
-            <a:off x="731995" y="4566062"/>
-            <a:ext cx="1248355" cy="466474"/>
-          </a:xfrm>
-          <a:prstGeom prst="rect">
-            <a:avLst/>
-          </a:prstGeom>
-          <a:noFill/>
-          <a:ln>
-            <a:noFill/>
-          </a:ln>
-        </p:spPr>
-        <p:style>
-          <a:lnRef idx="2">
-            <a:schemeClr val="accent1">
-              <a:shade val="50000"/>
-            </a:schemeClr>
-          </a:lnRef>
-          <a:fillRef idx="1">
-            <a:schemeClr val="accent1"/>
-          </a:fillRef>
-          <a:effectRef idx="0">
-            <a:schemeClr val="accent1"/>
-          </a:effectRef>
-          <a:fontRef idx="minor">
-            <a:schemeClr val="lt1"/>
-          </a:fontRef>
-        </p:style>
-        <p:txBody>
-          <a:bodyPr rtlCol="0" anchor="ctr"/>
-          <a:lstStyle/>
-          <a:p>
-            <a:pPr algn="ctr"/>
-            <a:r>
-              <a:rPr lang="en-US" sz="1400" dirty="0">
-                <a:solidFill>
-                  <a:schemeClr val="tx1"/>
-                </a:solidFill>
-              </a:rPr>
-              <a:t>1. Create new room</a:t>
-            </a:r>
-          </a:p>
-        </p:txBody>
-      </p:sp>
-      <p:sp>
-        <p:nvSpPr>
-          <p:cNvPr id="24" name="矩形 23">
-            <a:extLst>
-              <a:ext uri="{FF2B5EF4-FFF2-40B4-BE49-F238E27FC236}">
-                <a16:creationId xmlns:a16="http://schemas.microsoft.com/office/drawing/2014/main" id="{4C234195-3C3D-41C7-B1C0-5EDEA6CBA7D3}"/>
-              </a:ext>
-            </a:extLst>
-          </p:cNvPr>
-          <p:cNvSpPr/>
-          <p:nvPr/>
-        </p:nvSpPr>
-        <p:spPr>
-          <a:xfrm>
-            <a:off x="5290381" y="5622541"/>
-            <a:ext cx="884903" cy="369734"/>
-          </a:xfrm>
-          <a:prstGeom prst="rect">
-            <a:avLst/>
-          </a:prstGeom>
-        </p:spPr>
-        <p:style>
-          <a:lnRef idx="2">
-            <a:schemeClr val="accent1">
-              <a:shade val="50000"/>
-            </a:schemeClr>
-          </a:lnRef>
-          <a:fillRef idx="1">
-            <a:schemeClr val="accent1"/>
-          </a:fillRef>
-          <a:effectRef idx="0">
-            <a:schemeClr val="accent1"/>
-          </a:effectRef>
-          <a:fontRef idx="minor">
-            <a:schemeClr val="lt1"/>
-          </a:fontRef>
-        </p:style>
-        <p:txBody>
-          <a:bodyPr rtlCol="0" anchor="ctr"/>
-          <a:lstStyle/>
-          <a:p>
-            <a:pPr algn="ctr"/>
-            <a:r>
-              <a:rPr lang="en-US" dirty="0">
-                <a:solidFill>
-                  <a:srgbClr val="FF0000"/>
-                </a:solidFill>
-              </a:rPr>
-              <a:t>Room3</a:t>
-            </a:r>
-          </a:p>
-        </p:txBody>
-      </p:sp>
-      <p:cxnSp>
-        <p:nvCxnSpPr>
-          <p:cNvPr id="25" name="连接符: 曲线 24">
-            <a:extLst>
-              <a:ext uri="{FF2B5EF4-FFF2-40B4-BE49-F238E27FC236}">
-                <a16:creationId xmlns:a16="http://schemas.microsoft.com/office/drawing/2014/main" id="{F801EB43-5B66-4746-A998-BFAB3811F3ED}"/>
-              </a:ext>
-            </a:extLst>
-          </p:cNvPr>
-          <p:cNvCxnSpPr>
-            <a:cxnSpLocks/>
-            <a:stCxn id="21" idx="2"/>
-            <a:endCxn id="7" idx="4"/>
-          </p:cNvCxnSpPr>
-          <p:nvPr/>
-        </p:nvCxnSpPr>
-        <p:spPr>
-          <a:xfrm rot="16200000" flipH="1">
-            <a:off x="3961908" y="4491806"/>
-            <a:ext cx="566961" cy="2686819"/>
-          </a:xfrm>
-          <a:prstGeom prst="curvedConnector3">
-            <a:avLst>
-              <a:gd name="adj1" fmla="val 140320"/>
-            </a:avLst>
-          </a:prstGeom>
-          <a:ln w="38100">
-            <a:headEnd type="none" w="med" len="med"/>
-            <a:tailEnd type="arrow" w="med" len="med"/>
-          </a:ln>
-        </p:spPr>
-        <p:style>
-          <a:lnRef idx="1">
-            <a:schemeClr val="accent1"/>
-          </a:lnRef>
-          <a:fillRef idx="0">
-            <a:schemeClr val="accent1"/>
-          </a:fillRef>
-          <a:effectRef idx="0">
-            <a:schemeClr val="accent1"/>
-          </a:effectRef>
-          <a:fontRef idx="minor">
-            <a:schemeClr val="tx1"/>
-          </a:fontRef>
-        </p:style>
-      </p:cxnSp>
-      <p:sp>
-        <p:nvSpPr>
-          <p:cNvPr id="26" name="矩形 25">
-            <a:extLst>
-              <a:ext uri="{FF2B5EF4-FFF2-40B4-BE49-F238E27FC236}">
-                <a16:creationId xmlns:a16="http://schemas.microsoft.com/office/drawing/2014/main" id="{E6E4E25D-F28F-413B-81A6-A59217AB6332}"/>
-              </a:ext>
-            </a:extLst>
-          </p:cNvPr>
-          <p:cNvSpPr/>
-          <p:nvPr/>
-        </p:nvSpPr>
-        <p:spPr>
-          <a:xfrm>
-            <a:off x="2417385" y="6119704"/>
-            <a:ext cx="2030399" cy="466474"/>
-          </a:xfrm>
-          <a:prstGeom prst="rect">
-            <a:avLst/>
-          </a:prstGeom>
-          <a:noFill/>
-          <a:ln>
-            <a:noFill/>
-          </a:ln>
-        </p:spPr>
-        <p:style>
-          <a:lnRef idx="2">
-            <a:schemeClr val="accent1">
-              <a:shade val="50000"/>
-            </a:schemeClr>
-          </a:lnRef>
-          <a:fillRef idx="1">
-            <a:schemeClr val="accent1"/>
-          </a:fillRef>
-          <a:effectRef idx="0">
-            <a:schemeClr val="accent1"/>
-          </a:effectRef>
-          <a:fontRef idx="minor">
-            <a:schemeClr val="lt1"/>
-          </a:fontRef>
-        </p:style>
-        <p:txBody>
-          <a:bodyPr rtlCol="0" anchor="ctr"/>
-          <a:lstStyle/>
-          <a:p>
-            <a:pPr algn="ctr"/>
-            <a:r>
-              <a:rPr lang="en-US" sz="1400" dirty="0">
-                <a:solidFill>
-                  <a:schemeClr val="tx1"/>
-                </a:solidFill>
-              </a:rPr>
-              <a:t>2. Wrap the room in </a:t>
-            </a:r>
-            <a:r>
-              <a:rPr lang="en-US" sz="1400" dirty="0" err="1">
-                <a:solidFill>
-                  <a:schemeClr val="tx1"/>
-                </a:solidFill>
-              </a:rPr>
-              <a:t>AppendRoom</a:t>
-            </a:r>
-            <a:r>
-              <a:rPr lang="en-US" sz="1400" dirty="0">
-                <a:solidFill>
-                  <a:schemeClr val="tx1"/>
-                </a:solidFill>
-              </a:rPr>
-              <a:t> </a:t>
-            </a:r>
-            <a:r>
-              <a:rPr lang="en-US" sz="1400" dirty="0" err="1">
-                <a:solidFill>
-                  <a:schemeClr val="tx1"/>
-                </a:solidFill>
-              </a:rPr>
-              <a:t>Cmd</a:t>
-            </a:r>
-            <a:endParaRPr lang="en-US" sz="1400" dirty="0">
-              <a:solidFill>
-                <a:schemeClr val="tx1"/>
-              </a:solidFill>
-            </a:endParaRPr>
-          </a:p>
-        </p:txBody>
-      </p:sp>
-      <p:cxnSp>
-        <p:nvCxnSpPr>
-          <p:cNvPr id="27" name="连接符: 曲线 26">
-            <a:extLst>
-              <a:ext uri="{FF2B5EF4-FFF2-40B4-BE49-F238E27FC236}">
-                <a16:creationId xmlns:a16="http://schemas.microsoft.com/office/drawing/2014/main" id="{6E49A25C-D61C-4E9D-95C1-1737AF0CD142}"/>
-              </a:ext>
-            </a:extLst>
-          </p:cNvPr>
-          <p:cNvCxnSpPr>
-            <a:cxnSpLocks/>
-            <a:stCxn id="7" idx="6"/>
-            <a:endCxn id="16" idx="2"/>
-          </p:cNvCxnSpPr>
-          <p:nvPr/>
-        </p:nvCxnSpPr>
-        <p:spPr>
-          <a:xfrm flipV="1">
-            <a:off x="6729810" y="1622307"/>
-            <a:ext cx="1686839" cy="4026168"/>
-          </a:xfrm>
-          <a:prstGeom prst="curvedConnector3">
-            <a:avLst>
-              <a:gd name="adj1" fmla="val 50000"/>
-            </a:avLst>
-          </a:prstGeom>
-          <a:ln w="38100">
-            <a:headEnd type="none" w="med" len="med"/>
-            <a:tailEnd type="arrow" w="med" len="med"/>
-          </a:ln>
-        </p:spPr>
-        <p:style>
-          <a:lnRef idx="1">
-            <a:schemeClr val="accent1"/>
-          </a:lnRef>
-          <a:fillRef idx="0">
-            <a:schemeClr val="accent1"/>
-          </a:fillRef>
-          <a:effectRef idx="0">
-            <a:schemeClr val="accent1"/>
-          </a:effectRef>
-          <a:fontRef idx="minor">
-            <a:schemeClr val="tx1"/>
-          </a:fontRef>
-        </p:style>
-      </p:cxnSp>
-      <p:cxnSp>
-        <p:nvCxnSpPr>
-          <p:cNvPr id="28" name="连接符: 曲线 27">
-            <a:extLst>
-              <a:ext uri="{FF2B5EF4-FFF2-40B4-BE49-F238E27FC236}">
-                <a16:creationId xmlns:a16="http://schemas.microsoft.com/office/drawing/2014/main" id="{319BE671-BE4E-4BCF-9E9D-61205A5AC5D9}"/>
-              </a:ext>
-            </a:extLst>
-          </p:cNvPr>
-          <p:cNvCxnSpPr>
-            <a:cxnSpLocks/>
-            <a:stCxn id="7" idx="6"/>
-            <a:endCxn id="15" idx="2"/>
-          </p:cNvCxnSpPr>
-          <p:nvPr/>
-        </p:nvCxnSpPr>
-        <p:spPr>
-          <a:xfrm flipV="1">
-            <a:off x="6729810" y="3641326"/>
-            <a:ext cx="1686839" cy="2007149"/>
-          </a:xfrm>
-          <a:prstGeom prst="curvedConnector3">
-            <a:avLst>
-              <a:gd name="adj1" fmla="val 74983"/>
-            </a:avLst>
-          </a:prstGeom>
-          <a:ln w="38100">
-            <a:headEnd type="none" w="med" len="med"/>
-            <a:tailEnd type="arrow" w="med" len="med"/>
-          </a:ln>
-        </p:spPr>
-        <p:style>
-          <a:lnRef idx="1">
-            <a:schemeClr val="accent1"/>
-          </a:lnRef>
-          <a:fillRef idx="0">
-            <a:schemeClr val="accent1"/>
-          </a:fillRef>
-          <a:effectRef idx="0">
-            <a:schemeClr val="accent1"/>
-          </a:effectRef>
-          <a:fontRef idx="minor">
-            <a:schemeClr val="tx1"/>
-          </a:fontRef>
-        </p:style>
-      </p:cxnSp>
-      <p:cxnSp>
-        <p:nvCxnSpPr>
-          <p:cNvPr id="29" name="连接符: 曲线 28">
-            <a:extLst>
-              <a:ext uri="{FF2B5EF4-FFF2-40B4-BE49-F238E27FC236}">
-                <a16:creationId xmlns:a16="http://schemas.microsoft.com/office/drawing/2014/main" id="{CED782CF-0EDE-42C2-A564-8CD3AED5C137}"/>
-              </a:ext>
-            </a:extLst>
-          </p:cNvPr>
-          <p:cNvCxnSpPr>
-            <a:cxnSpLocks/>
-            <a:stCxn id="7" idx="6"/>
-            <a:endCxn id="17" idx="2"/>
-          </p:cNvCxnSpPr>
-          <p:nvPr/>
-        </p:nvCxnSpPr>
-        <p:spPr>
-          <a:xfrm>
-            <a:off x="6729810" y="5648475"/>
-            <a:ext cx="1686839" cy="11870"/>
-          </a:xfrm>
-          <a:prstGeom prst="curvedConnector3">
-            <a:avLst>
-              <a:gd name="adj1" fmla="val 50000"/>
-            </a:avLst>
-          </a:prstGeom>
-          <a:ln w="38100">
-            <a:headEnd type="none" w="med" len="med"/>
-            <a:tailEnd type="arrow" w="med" len="med"/>
-          </a:ln>
-        </p:spPr>
-        <p:style>
-          <a:lnRef idx="1">
-            <a:schemeClr val="accent1"/>
-          </a:lnRef>
-          <a:fillRef idx="0">
-            <a:schemeClr val="accent1"/>
-          </a:fillRef>
-          <a:effectRef idx="0">
-            <a:schemeClr val="accent1"/>
-          </a:effectRef>
-          <a:fontRef idx="minor">
-            <a:schemeClr val="tx1"/>
-          </a:fontRef>
-        </p:style>
-      </p:cxnSp>
-      <p:sp>
-        <p:nvSpPr>
-          <p:cNvPr id="30" name="矩形 29">
-            <a:extLst>
-              <a:ext uri="{FF2B5EF4-FFF2-40B4-BE49-F238E27FC236}">
-                <a16:creationId xmlns:a16="http://schemas.microsoft.com/office/drawing/2014/main" id="{C171D117-5BB8-46A5-B7C6-9080D0D6F532}"/>
-              </a:ext>
-            </a:extLst>
-          </p:cNvPr>
-          <p:cNvSpPr/>
-          <p:nvPr/>
-        </p:nvSpPr>
-        <p:spPr>
-          <a:xfrm>
-            <a:off x="6346121" y="4174238"/>
-            <a:ext cx="3036418" cy="739470"/>
-          </a:xfrm>
-          <a:prstGeom prst="rect">
-            <a:avLst/>
-          </a:prstGeom>
-          <a:noFill/>
-          <a:ln>
-            <a:noFill/>
-          </a:ln>
-        </p:spPr>
-        <p:style>
-          <a:lnRef idx="2">
-            <a:schemeClr val="accent1">
-              <a:shade val="50000"/>
-            </a:schemeClr>
-          </a:lnRef>
-          <a:fillRef idx="1">
-            <a:schemeClr val="accent1"/>
-          </a:fillRef>
-          <a:effectRef idx="0">
-            <a:schemeClr val="accent1"/>
-          </a:effectRef>
-          <a:fontRef idx="minor">
-            <a:schemeClr val="lt1"/>
-          </a:fontRef>
-        </p:style>
-        <p:txBody>
-          <a:bodyPr rtlCol="0" anchor="ctr"/>
-          <a:lstStyle/>
-          <a:p>
-            <a:pPr algn="ctr"/>
-            <a:r>
-              <a:rPr lang="en-US" sz="1400" dirty="0">
-                <a:solidFill>
-                  <a:schemeClr val="tx1"/>
-                </a:solidFill>
-              </a:rPr>
-              <a:t>3. </a:t>
-            </a:r>
-            <a:r>
-              <a:rPr lang="en-US" sz="1400" dirty="0" err="1">
-                <a:solidFill>
-                  <a:schemeClr val="tx1"/>
-                </a:solidFill>
-              </a:rPr>
-              <a:t>notifyObservers</a:t>
-            </a:r>
-            <a:r>
-              <a:rPr lang="en-US" sz="1400" dirty="0">
-                <a:solidFill>
-                  <a:schemeClr val="tx1"/>
-                </a:solidFill>
-              </a:rPr>
-              <a:t>(</a:t>
-            </a:r>
-            <a:r>
-              <a:rPr lang="en-US" sz="1400" dirty="0" err="1">
-                <a:solidFill>
-                  <a:schemeClr val="tx1"/>
-                </a:solidFill>
-              </a:rPr>
-              <a:t>cmd</a:t>
-            </a:r>
-            <a:r>
-              <a:rPr lang="en-US" sz="1400" dirty="0">
-                <a:solidFill>
-                  <a:schemeClr val="tx1"/>
-                </a:solidFill>
-              </a:rPr>
-              <a:t>)</a:t>
-            </a:r>
-          </a:p>
-          <a:p>
-            <a:pPr algn="ctr"/>
-            <a:r>
-              <a:rPr lang="en-US" sz="1400" dirty="0">
-                <a:solidFill>
-                  <a:schemeClr val="tx1"/>
-                </a:solidFill>
-              </a:rPr>
-              <a:t>Add the new room into available</a:t>
+            <a:r>
+              <a:rPr lang="en-US" sz="6600" dirty="0"/>
+              <a:t>Q&amp;A</a:t>
             </a:r>
           </a:p>
         </p:txBody>
@@ -10897,7 +9372,7 @@
     </p:spTree>
     <p:extLst>
       <p:ext uri="{BB962C8B-B14F-4D97-AF65-F5344CB8AC3E}">
-        <p14:creationId xmlns:p14="http://schemas.microsoft.com/office/powerpoint/2010/main" val="1603468837"/>
+        <p14:creationId xmlns:p14="http://schemas.microsoft.com/office/powerpoint/2010/main" val="2401776526"/>
       </p:ext>
     </p:extLst>
   </p:cSld>
@@ -10994,10 +9469,10 @@
       </p:sp>
       <p:sp>
         <p:nvSpPr>
-          <p:cNvPr id="19" name="矩形 18">
+          <p:cNvPr id="18" name="矩形 17">
             <a:extLst>
               <a:ext uri="{FF2B5EF4-FFF2-40B4-BE49-F238E27FC236}">
-                <a16:creationId xmlns:a16="http://schemas.microsoft.com/office/drawing/2014/main" id="{812AD843-2BEA-4809-93A2-C8822A0FD36D}"/>
+                <a16:creationId xmlns:a16="http://schemas.microsoft.com/office/drawing/2014/main" id="{9E1C2B9B-056F-4EC9-A07E-E9BBF19304B3}"/>
               </a:ext>
             </a:extLst>
           </p:cNvPr>
@@ -11006,7 +9481,7 @@
         </p:nvSpPr>
         <p:spPr>
           <a:xfrm>
-            <a:off x="4085004" y="3345002"/>
+            <a:off x="9254455" y="677614"/>
             <a:ext cx="1935002" cy="1707778"/>
           </a:xfrm>
           <a:prstGeom prst="rect">
@@ -11054,10 +9529,21 @@
             <a:r>
               <a:rPr lang="en-US" dirty="0">
                 <a:solidFill>
-                  <a:srgbClr val="FF0000"/>
+                  <a:schemeClr val="tx1"/>
                 </a:solidFill>
               </a:rPr>
               <a:t>Room1</a:t>
+            </a:r>
+          </a:p>
+          <a:p>
+            <a:pPr algn="ctr"/>
+            <a:r>
+              <a:rPr lang="en-US" dirty="0">
+                <a:solidFill>
+                  <a:schemeClr val="tx1"/>
+                </a:solidFill>
+              </a:rPr>
+              <a:t>Room2</a:t>
             </a:r>
           </a:p>
           <a:p>
@@ -11074,12 +9560,71 @@
           <a:p>
             <a:pPr algn="ctr"/>
             <a:r>
-              <a:rPr lang="en-US" strike="sngStrike" dirty="0">
+              <a:rPr lang="en-US" dirty="0">
                 <a:solidFill>
                   <a:srgbClr val="FF0000"/>
                 </a:solidFill>
               </a:rPr>
-              <a:t>Room1</a:t>
+              <a:t>Room3</a:t>
+            </a:r>
+          </a:p>
+        </p:txBody>
+      </p:sp>
+      <p:sp>
+        <p:nvSpPr>
+          <p:cNvPr id="19" name="矩形 18">
+            <a:extLst>
+              <a:ext uri="{FF2B5EF4-FFF2-40B4-BE49-F238E27FC236}">
+                <a16:creationId xmlns:a16="http://schemas.microsoft.com/office/drawing/2014/main" id="{CD531863-7CBB-4894-A589-EDF72CA7E683}"/>
+              </a:ext>
+            </a:extLst>
+          </p:cNvPr>
+          <p:cNvSpPr/>
+          <p:nvPr/>
+        </p:nvSpPr>
+        <p:spPr>
+          <a:xfrm>
+            <a:off x="9254455" y="2729156"/>
+            <a:ext cx="1935002" cy="1707778"/>
+          </a:xfrm>
+          <a:prstGeom prst="rect">
+            <a:avLst/>
+          </a:prstGeom>
+          <a:solidFill>
+            <a:schemeClr val="accent3">
+              <a:lumMod val="60000"/>
+              <a:lumOff val="40000"/>
+            </a:schemeClr>
+          </a:solidFill>
+        </p:spPr>
+        <p:style>
+          <a:lnRef idx="2">
+            <a:schemeClr val="accent1">
+              <a:shade val="50000"/>
+            </a:schemeClr>
+          </a:lnRef>
+          <a:fillRef idx="1">
+            <a:schemeClr val="accent1"/>
+          </a:fillRef>
+          <a:effectRef idx="0">
+            <a:schemeClr val="accent1"/>
+          </a:effectRef>
+          <a:fontRef idx="minor">
+            <a:schemeClr val="lt1"/>
+          </a:fontRef>
+        </p:style>
+        <p:txBody>
+          <a:bodyPr rtlCol="0" anchor="ctr"/>
+          <a:lstStyle/>
+          <a:p>
+            <a:pPr algn="ctr"/>
+            <a:r>
+              <a:rPr lang="en-US" dirty="0">
+                <a:solidFill>
+                  <a:schemeClr val="tx1"/>
+                </a:solidFill>
+              </a:rPr>
+              <a:t>Joined Room</a:t>
             </a:r>
           </a:p>
           <a:p>
@@ -11099,6 +9644,131 @@
               <a:rPr lang="en-US" dirty="0">
                 <a:solidFill>
                   <a:schemeClr val="tx1"/>
+                </a:solidFill>
+              </a:rPr>
+              <a:t>Available Room</a:t>
+            </a:r>
+          </a:p>
+          <a:p>
+            <a:pPr algn="ctr"/>
+            <a:r>
+              <a:rPr lang="en-US" dirty="0">
+                <a:solidFill>
+                  <a:schemeClr val="tx1"/>
+                </a:solidFill>
+              </a:rPr>
+              <a:t>Room1</a:t>
+            </a:r>
+          </a:p>
+          <a:p>
+            <a:pPr algn="ctr"/>
+            <a:r>
+              <a:rPr lang="en-US" dirty="0">
+                <a:solidFill>
+                  <a:srgbClr val="FF0000"/>
+                </a:solidFill>
+              </a:rPr>
+              <a:t>Room3</a:t>
+            </a:r>
+          </a:p>
+        </p:txBody>
+      </p:sp>
+      <p:sp>
+        <p:nvSpPr>
+          <p:cNvPr id="20" name="矩形 19">
+            <a:extLst>
+              <a:ext uri="{FF2B5EF4-FFF2-40B4-BE49-F238E27FC236}">
+                <a16:creationId xmlns:a16="http://schemas.microsoft.com/office/drawing/2014/main" id="{DE0E56BC-CBAE-48CC-A3D9-F82F03BE2727}"/>
+              </a:ext>
+            </a:extLst>
+          </p:cNvPr>
+          <p:cNvSpPr/>
+          <p:nvPr/>
+        </p:nvSpPr>
+        <p:spPr>
+          <a:xfrm>
+            <a:off x="9254455" y="4812265"/>
+            <a:ext cx="1935002" cy="1707778"/>
+          </a:xfrm>
+          <a:prstGeom prst="rect">
+            <a:avLst/>
+          </a:prstGeom>
+          <a:solidFill>
+            <a:schemeClr val="accent3">
+              <a:lumMod val="60000"/>
+              <a:lumOff val="40000"/>
+            </a:schemeClr>
+          </a:solidFill>
+        </p:spPr>
+        <p:style>
+          <a:lnRef idx="2">
+            <a:schemeClr val="accent1">
+              <a:shade val="50000"/>
+            </a:schemeClr>
+          </a:lnRef>
+          <a:fillRef idx="1">
+            <a:schemeClr val="accent1"/>
+          </a:fillRef>
+          <a:effectRef idx="0">
+            <a:schemeClr val="accent1"/>
+          </a:effectRef>
+          <a:fontRef idx="minor">
+            <a:schemeClr val="lt1"/>
+          </a:fontRef>
+        </p:style>
+        <p:txBody>
+          <a:bodyPr rtlCol="0" anchor="ctr"/>
+          <a:lstStyle/>
+          <a:p>
+            <a:pPr algn="ctr"/>
+            <a:r>
+              <a:rPr lang="en-US" dirty="0">
+                <a:solidFill>
+                  <a:schemeClr val="tx1"/>
+                </a:solidFill>
+              </a:rPr>
+              <a:t>Joined Room</a:t>
+            </a:r>
+          </a:p>
+          <a:p>
+            <a:pPr algn="ctr"/>
+            <a:r>
+              <a:rPr lang="en-US" dirty="0">
+                <a:solidFill>
+                  <a:schemeClr val="tx1"/>
+                </a:solidFill>
+              </a:rPr>
+              <a:t>Available Room</a:t>
+            </a:r>
+          </a:p>
+          <a:p>
+            <a:pPr algn="ctr"/>
+            <a:r>
+              <a:rPr lang="en-US" dirty="0">
+                <a:solidFill>
+                  <a:schemeClr val="tx1"/>
+                </a:solidFill>
+              </a:rPr>
+              <a:t>Room1</a:t>
+            </a:r>
+          </a:p>
+          <a:p>
+            <a:pPr algn="ctr"/>
+            <a:r>
+              <a:rPr lang="en-US" dirty="0">
+                <a:solidFill>
+                  <a:schemeClr val="tx1"/>
+                </a:solidFill>
+              </a:rPr>
+              <a:t>Room2</a:t>
+            </a:r>
+          </a:p>
+          <a:p>
+            <a:pPr algn="ctr"/>
+            <a:r>
+              <a:rPr lang="en-US" dirty="0">
+                <a:solidFill>
+                  <a:srgbClr val="FF0000"/>
                 </a:solidFill>
               </a:rPr>
               <a:t>Room3</a:t>
@@ -11224,6 +9894,1405 @@
       </p:sp>
       <p:sp>
         <p:nvSpPr>
+          <p:cNvPr id="7" name="椭圆 6">
+            <a:extLst>
+              <a:ext uri="{FF2B5EF4-FFF2-40B4-BE49-F238E27FC236}">
+                <a16:creationId xmlns:a16="http://schemas.microsoft.com/office/drawing/2014/main" id="{B8718DD8-E5B1-49CD-AAAD-B32F846C8472}"/>
+              </a:ext>
+            </a:extLst>
+          </p:cNvPr>
+          <p:cNvSpPr/>
+          <p:nvPr/>
+        </p:nvSpPr>
+        <p:spPr>
+          <a:xfrm>
+            <a:off x="4447785" y="5178252"/>
+            <a:ext cx="2282025" cy="940445"/>
+          </a:xfrm>
+          <a:prstGeom prst="ellipse">
+            <a:avLst/>
+          </a:prstGeom>
+          <a:solidFill>
+            <a:schemeClr val="accent3">
+              <a:lumMod val="20000"/>
+              <a:lumOff val="80000"/>
+            </a:schemeClr>
+          </a:solidFill>
+        </p:spPr>
+        <p:style>
+          <a:lnRef idx="2">
+            <a:schemeClr val="accent1">
+              <a:shade val="50000"/>
+            </a:schemeClr>
+          </a:lnRef>
+          <a:fillRef idx="1">
+            <a:schemeClr val="accent1"/>
+          </a:fillRef>
+          <a:effectRef idx="0">
+            <a:schemeClr val="accent1"/>
+          </a:effectRef>
+          <a:fontRef idx="minor">
+            <a:schemeClr val="lt1"/>
+          </a:fontRef>
+        </p:style>
+        <p:txBody>
+          <a:bodyPr rtlCol="0" anchor="ctr"/>
+          <a:lstStyle/>
+          <a:p>
+            <a:pPr algn="ctr"/>
+            <a:r>
+              <a:rPr lang="en-US" dirty="0" err="1">
+                <a:solidFill>
+                  <a:schemeClr val="tx1"/>
+                </a:solidFill>
+              </a:rPr>
+              <a:t>AppendRoom</a:t>
+            </a:r>
+            <a:r>
+              <a:rPr lang="en-US" dirty="0">
+                <a:solidFill>
+                  <a:schemeClr val="tx1"/>
+                </a:solidFill>
+              </a:rPr>
+              <a:t> </a:t>
+            </a:r>
+            <a:r>
+              <a:rPr lang="en-US" dirty="0" err="1">
+                <a:solidFill>
+                  <a:schemeClr val="tx1"/>
+                </a:solidFill>
+              </a:rPr>
+              <a:t>Cmd</a:t>
+            </a:r>
+            <a:endParaRPr lang="en-US" dirty="0">
+              <a:solidFill>
+                <a:schemeClr val="tx1"/>
+              </a:solidFill>
+            </a:endParaRPr>
+          </a:p>
+          <a:p>
+            <a:pPr algn="ctr"/>
+            <a:endParaRPr lang="en-US" dirty="0">
+              <a:solidFill>
+                <a:schemeClr val="tx1"/>
+              </a:solidFill>
+            </a:endParaRPr>
+          </a:p>
+          <a:p>
+            <a:pPr algn="ctr"/>
+            <a:endParaRPr lang="en-US" dirty="0"/>
+          </a:p>
+        </p:txBody>
+      </p:sp>
+      <p:sp>
+        <p:nvSpPr>
+          <p:cNvPr id="9" name="标题 1">
+            <a:extLst>
+              <a:ext uri="{FF2B5EF4-FFF2-40B4-BE49-F238E27FC236}">
+                <a16:creationId xmlns:a16="http://schemas.microsoft.com/office/drawing/2014/main" id="{2006BC94-1CD6-4D37-9374-1144456FE989}"/>
+              </a:ext>
+            </a:extLst>
+          </p:cNvPr>
+          <p:cNvSpPr>
+            <a:spLocks noGrp="1"/>
+          </p:cNvSpPr>
+          <p:nvPr>
+            <p:ph type="title"/>
+          </p:nvPr>
+        </p:nvSpPr>
+        <p:spPr>
+          <a:xfrm>
+            <a:off x="677334" y="609600"/>
+            <a:ext cx="8596668" cy="1320800"/>
+          </a:xfrm>
+        </p:spPr>
+        <p:txBody>
+          <a:bodyPr/>
+          <a:lstStyle/>
+          <a:p>
+            <a:r>
+              <a:rPr lang="en-US" altLang="zh-CN" dirty="0"/>
+              <a:t>Appendix</a:t>
+            </a:r>
+            <a:r>
+              <a:rPr lang="en-US" dirty="0"/>
+              <a:t> – Create Room3</a:t>
+            </a:r>
+          </a:p>
+        </p:txBody>
+      </p:sp>
+      <p:sp>
+        <p:nvSpPr>
+          <p:cNvPr id="11" name="矩形 10">
+            <a:extLst>
+              <a:ext uri="{FF2B5EF4-FFF2-40B4-BE49-F238E27FC236}">
+                <a16:creationId xmlns:a16="http://schemas.microsoft.com/office/drawing/2014/main" id="{5B653031-3D00-4CFF-B3BE-0CE569A99814}"/>
+              </a:ext>
+            </a:extLst>
+          </p:cNvPr>
+          <p:cNvSpPr/>
+          <p:nvPr/>
+        </p:nvSpPr>
+        <p:spPr>
+          <a:xfrm>
+            <a:off x="278652" y="3271589"/>
+            <a:ext cx="2155044" cy="739471"/>
+          </a:xfrm>
+          <a:prstGeom prst="rect">
+            <a:avLst/>
+          </a:prstGeom>
+          <a:noFill/>
+        </p:spPr>
+        <p:style>
+          <a:lnRef idx="2">
+            <a:schemeClr val="accent1">
+              <a:shade val="50000"/>
+            </a:schemeClr>
+          </a:lnRef>
+          <a:fillRef idx="1">
+            <a:schemeClr val="accent1"/>
+          </a:fillRef>
+          <a:effectRef idx="0">
+            <a:schemeClr val="accent1"/>
+          </a:effectRef>
+          <a:fontRef idx="minor">
+            <a:schemeClr val="lt1"/>
+          </a:fontRef>
+        </p:style>
+        <p:txBody>
+          <a:bodyPr rtlCol="0" anchor="ctr"/>
+          <a:lstStyle/>
+          <a:p>
+            <a:pPr algn="ctr"/>
+            <a:r>
+              <a:rPr lang="en-US" dirty="0" err="1">
+                <a:solidFill>
+                  <a:schemeClr val="tx1"/>
+                </a:solidFill>
+              </a:rPr>
+              <a:t>loadRoom</a:t>
+            </a:r>
+            <a:endParaRPr lang="en-US" dirty="0">
+              <a:solidFill>
+                <a:schemeClr val="tx1"/>
+              </a:solidFill>
+            </a:endParaRPr>
+          </a:p>
+          <a:p>
+            <a:pPr algn="ctr"/>
+            <a:r>
+              <a:rPr lang="en-US" dirty="0" err="1">
+                <a:solidFill>
+                  <a:schemeClr val="tx1"/>
+                </a:solidFill>
+              </a:rPr>
+              <a:t>DispatcherAdapter</a:t>
+            </a:r>
+            <a:endParaRPr lang="en-US" dirty="0">
+              <a:solidFill>
+                <a:schemeClr val="tx1"/>
+              </a:solidFill>
+            </a:endParaRPr>
+          </a:p>
+        </p:txBody>
+      </p:sp>
+      <p:sp>
+        <p:nvSpPr>
+          <p:cNvPr id="13" name="矩形 12">
+            <a:extLst>
+              <a:ext uri="{FF2B5EF4-FFF2-40B4-BE49-F238E27FC236}">
+                <a16:creationId xmlns:a16="http://schemas.microsoft.com/office/drawing/2014/main" id="{4E904761-84E9-4DE3-88AD-727538319789}"/>
+              </a:ext>
+            </a:extLst>
+          </p:cNvPr>
+          <p:cNvSpPr/>
+          <p:nvPr/>
+        </p:nvSpPr>
+        <p:spPr>
+          <a:xfrm>
+            <a:off x="5022980" y="1796996"/>
+            <a:ext cx="1171084" cy="872876"/>
+          </a:xfrm>
+          <a:prstGeom prst="rect">
+            <a:avLst/>
+          </a:prstGeom>
+        </p:spPr>
+        <p:style>
+          <a:lnRef idx="2">
+            <a:schemeClr val="accent1">
+              <a:shade val="50000"/>
+            </a:schemeClr>
+          </a:lnRef>
+          <a:fillRef idx="1">
+            <a:schemeClr val="accent1"/>
+          </a:fillRef>
+          <a:effectRef idx="0">
+            <a:schemeClr val="accent1"/>
+          </a:effectRef>
+          <a:fontRef idx="minor">
+            <a:schemeClr val="lt1"/>
+          </a:fontRef>
+        </p:style>
+        <p:txBody>
+          <a:bodyPr rtlCol="0" anchor="ctr"/>
+          <a:lstStyle/>
+          <a:p>
+            <a:pPr algn="ctr"/>
+            <a:r>
+              <a:rPr lang="en-US" dirty="0"/>
+              <a:t>Room1</a:t>
+            </a:r>
+          </a:p>
+          <a:p>
+            <a:pPr algn="ctr"/>
+            <a:r>
+              <a:rPr lang="en-US" dirty="0"/>
+              <a:t>User1</a:t>
+            </a:r>
+          </a:p>
+        </p:txBody>
+      </p:sp>
+      <p:sp>
+        <p:nvSpPr>
+          <p:cNvPr id="14" name="矩形 13">
+            <a:extLst>
+              <a:ext uri="{FF2B5EF4-FFF2-40B4-BE49-F238E27FC236}">
+                <a16:creationId xmlns:a16="http://schemas.microsoft.com/office/drawing/2014/main" id="{8E04056B-1824-428A-B463-FC763E061922}"/>
+              </a:ext>
+            </a:extLst>
+          </p:cNvPr>
+          <p:cNvSpPr/>
+          <p:nvPr/>
+        </p:nvSpPr>
+        <p:spPr>
+          <a:xfrm>
+            <a:off x="5022980" y="3162395"/>
+            <a:ext cx="1171084" cy="872876"/>
+          </a:xfrm>
+          <a:prstGeom prst="rect">
+            <a:avLst/>
+          </a:prstGeom>
+        </p:spPr>
+        <p:style>
+          <a:lnRef idx="2">
+            <a:schemeClr val="accent1">
+              <a:shade val="50000"/>
+            </a:schemeClr>
+          </a:lnRef>
+          <a:fillRef idx="1">
+            <a:schemeClr val="accent1"/>
+          </a:fillRef>
+          <a:effectRef idx="0">
+            <a:schemeClr val="accent1"/>
+          </a:effectRef>
+          <a:fontRef idx="minor">
+            <a:schemeClr val="lt1"/>
+          </a:fontRef>
+        </p:style>
+        <p:txBody>
+          <a:bodyPr rtlCol="0" anchor="ctr"/>
+          <a:lstStyle/>
+          <a:p>
+            <a:pPr algn="ctr"/>
+            <a:r>
+              <a:rPr lang="en-US" dirty="0"/>
+              <a:t>Room2</a:t>
+            </a:r>
+          </a:p>
+          <a:p>
+            <a:pPr algn="ctr"/>
+            <a:r>
+              <a:rPr lang="en-US" dirty="0"/>
+              <a:t>User1</a:t>
+            </a:r>
+          </a:p>
+          <a:p>
+            <a:pPr algn="ctr"/>
+            <a:r>
+              <a:rPr lang="en-US" dirty="0"/>
+              <a:t>User2</a:t>
+            </a:r>
+          </a:p>
+        </p:txBody>
+      </p:sp>
+      <p:sp>
+        <p:nvSpPr>
+          <p:cNvPr id="15" name="流程图: 接点 14">
+            <a:extLst>
+              <a:ext uri="{FF2B5EF4-FFF2-40B4-BE49-F238E27FC236}">
+                <a16:creationId xmlns:a16="http://schemas.microsoft.com/office/drawing/2014/main" id="{3B41F135-ED1A-404E-BBB4-D2D2C2732020}"/>
+              </a:ext>
+            </a:extLst>
+          </p:cNvPr>
+          <p:cNvSpPr/>
+          <p:nvPr/>
+        </p:nvSpPr>
+        <p:spPr>
+          <a:xfrm>
+            <a:off x="8416649" y="3381650"/>
+            <a:ext cx="1075670" cy="519351"/>
+          </a:xfrm>
+          <a:prstGeom prst="flowChartConnector">
+            <a:avLst/>
+          </a:prstGeom>
+          <a:solidFill>
+            <a:schemeClr val="accent3">
+              <a:lumMod val="60000"/>
+              <a:lumOff val="40000"/>
+            </a:schemeClr>
+          </a:solidFill>
+        </p:spPr>
+        <p:style>
+          <a:lnRef idx="2">
+            <a:schemeClr val="accent3">
+              <a:shade val="50000"/>
+            </a:schemeClr>
+          </a:lnRef>
+          <a:fillRef idx="1">
+            <a:schemeClr val="accent3"/>
+          </a:fillRef>
+          <a:effectRef idx="0">
+            <a:schemeClr val="accent3"/>
+          </a:effectRef>
+          <a:fontRef idx="minor">
+            <a:schemeClr val="lt1"/>
+          </a:fontRef>
+        </p:style>
+        <p:txBody>
+          <a:bodyPr wrap="none" rtlCol="0" anchor="ctr">
+            <a:spAutoFit/>
+          </a:bodyPr>
+          <a:lstStyle/>
+          <a:p>
+            <a:pPr algn="ctr"/>
+            <a:r>
+              <a:rPr lang="en-US" dirty="0"/>
+              <a:t>User2</a:t>
+            </a:r>
+          </a:p>
+        </p:txBody>
+      </p:sp>
+      <p:sp>
+        <p:nvSpPr>
+          <p:cNvPr id="16" name="流程图: 接点 15">
+            <a:extLst>
+              <a:ext uri="{FF2B5EF4-FFF2-40B4-BE49-F238E27FC236}">
+                <a16:creationId xmlns:a16="http://schemas.microsoft.com/office/drawing/2014/main" id="{208E3F9E-01D0-474B-82F5-587DB16EAE65}"/>
+              </a:ext>
+            </a:extLst>
+          </p:cNvPr>
+          <p:cNvSpPr/>
+          <p:nvPr/>
+        </p:nvSpPr>
+        <p:spPr>
+          <a:xfrm>
+            <a:off x="8416649" y="1362631"/>
+            <a:ext cx="1075670" cy="519351"/>
+          </a:xfrm>
+          <a:prstGeom prst="flowChartConnector">
+            <a:avLst/>
+          </a:prstGeom>
+          <a:solidFill>
+            <a:schemeClr val="accent3">
+              <a:lumMod val="60000"/>
+              <a:lumOff val="40000"/>
+            </a:schemeClr>
+          </a:solidFill>
+        </p:spPr>
+        <p:style>
+          <a:lnRef idx="2">
+            <a:schemeClr val="accent3">
+              <a:shade val="50000"/>
+            </a:schemeClr>
+          </a:lnRef>
+          <a:fillRef idx="1">
+            <a:schemeClr val="accent3"/>
+          </a:fillRef>
+          <a:effectRef idx="0">
+            <a:schemeClr val="accent3"/>
+          </a:effectRef>
+          <a:fontRef idx="minor">
+            <a:schemeClr val="lt1"/>
+          </a:fontRef>
+        </p:style>
+        <p:txBody>
+          <a:bodyPr wrap="none" rtlCol="0" anchor="ctr">
+            <a:spAutoFit/>
+          </a:bodyPr>
+          <a:lstStyle/>
+          <a:p>
+            <a:pPr algn="ctr"/>
+            <a:r>
+              <a:rPr lang="en-US" dirty="0"/>
+              <a:t>User1</a:t>
+            </a:r>
+          </a:p>
+        </p:txBody>
+      </p:sp>
+      <p:sp>
+        <p:nvSpPr>
+          <p:cNvPr id="17" name="流程图: 接点 16">
+            <a:extLst>
+              <a:ext uri="{FF2B5EF4-FFF2-40B4-BE49-F238E27FC236}">
+                <a16:creationId xmlns:a16="http://schemas.microsoft.com/office/drawing/2014/main" id="{7345BA40-3035-4F30-91E1-B4088FA0D93E}"/>
+              </a:ext>
+            </a:extLst>
+          </p:cNvPr>
+          <p:cNvSpPr/>
+          <p:nvPr/>
+        </p:nvSpPr>
+        <p:spPr>
+          <a:xfrm>
+            <a:off x="8416649" y="5400669"/>
+            <a:ext cx="1075670" cy="519351"/>
+          </a:xfrm>
+          <a:prstGeom prst="flowChartConnector">
+            <a:avLst/>
+          </a:prstGeom>
+          <a:solidFill>
+            <a:schemeClr val="accent3">
+              <a:lumMod val="60000"/>
+              <a:lumOff val="40000"/>
+            </a:schemeClr>
+          </a:solidFill>
+        </p:spPr>
+        <p:style>
+          <a:lnRef idx="2">
+            <a:schemeClr val="accent3">
+              <a:shade val="50000"/>
+            </a:schemeClr>
+          </a:lnRef>
+          <a:fillRef idx="1">
+            <a:schemeClr val="accent3"/>
+          </a:fillRef>
+          <a:effectRef idx="0">
+            <a:schemeClr val="accent3"/>
+          </a:effectRef>
+          <a:fontRef idx="minor">
+            <a:schemeClr val="lt1"/>
+          </a:fontRef>
+        </p:style>
+        <p:txBody>
+          <a:bodyPr wrap="none" rtlCol="0" anchor="ctr">
+            <a:spAutoFit/>
+          </a:bodyPr>
+          <a:lstStyle/>
+          <a:p>
+            <a:pPr algn="ctr"/>
+            <a:r>
+              <a:rPr lang="en-US" dirty="0"/>
+              <a:t>User3</a:t>
+            </a:r>
+          </a:p>
+        </p:txBody>
+      </p:sp>
+      <p:sp>
+        <p:nvSpPr>
+          <p:cNvPr id="21" name="矩形 20">
+            <a:extLst>
+              <a:ext uri="{FF2B5EF4-FFF2-40B4-BE49-F238E27FC236}">
+                <a16:creationId xmlns:a16="http://schemas.microsoft.com/office/drawing/2014/main" id="{6754D88B-5639-47CD-BBE9-308340870363}"/>
+              </a:ext>
+            </a:extLst>
+          </p:cNvPr>
+          <p:cNvSpPr/>
+          <p:nvPr/>
+        </p:nvSpPr>
+        <p:spPr>
+          <a:xfrm>
+            <a:off x="2316437" y="4812265"/>
+            <a:ext cx="1171084" cy="739471"/>
+          </a:xfrm>
+          <a:prstGeom prst="rect">
+            <a:avLst/>
+          </a:prstGeom>
+        </p:spPr>
+        <p:style>
+          <a:lnRef idx="2">
+            <a:schemeClr val="accent1">
+              <a:shade val="50000"/>
+            </a:schemeClr>
+          </a:lnRef>
+          <a:fillRef idx="1">
+            <a:schemeClr val="accent1"/>
+          </a:fillRef>
+          <a:effectRef idx="0">
+            <a:schemeClr val="accent1"/>
+          </a:effectRef>
+          <a:fontRef idx="minor">
+            <a:schemeClr val="lt1"/>
+          </a:fontRef>
+        </p:style>
+        <p:txBody>
+          <a:bodyPr rtlCol="0" anchor="ctr"/>
+          <a:lstStyle/>
+          <a:p>
+            <a:pPr algn="ctr"/>
+            <a:r>
+              <a:rPr lang="en-US" dirty="0">
+                <a:solidFill>
+                  <a:srgbClr val="FF0000"/>
+                </a:solidFill>
+              </a:rPr>
+              <a:t>Room3</a:t>
+            </a:r>
+          </a:p>
+        </p:txBody>
+      </p:sp>
+      <p:cxnSp>
+        <p:nvCxnSpPr>
+          <p:cNvPr id="22" name="连接符: 曲线 21">
+            <a:extLst>
+              <a:ext uri="{FF2B5EF4-FFF2-40B4-BE49-F238E27FC236}">
+                <a16:creationId xmlns:a16="http://schemas.microsoft.com/office/drawing/2014/main" id="{80A56E91-B43F-423E-B197-8F884AA9B781}"/>
+              </a:ext>
+            </a:extLst>
+          </p:cNvPr>
+          <p:cNvCxnSpPr>
+            <a:cxnSpLocks/>
+            <a:stCxn id="11" idx="2"/>
+            <a:endCxn id="21" idx="1"/>
+          </p:cNvCxnSpPr>
+          <p:nvPr/>
+        </p:nvCxnSpPr>
+        <p:spPr>
+          <a:xfrm rot="16200000" flipH="1">
+            <a:off x="1250835" y="4116398"/>
+            <a:ext cx="1170941" cy="960263"/>
+          </a:xfrm>
+          <a:prstGeom prst="curvedConnector2">
+            <a:avLst/>
+          </a:prstGeom>
+          <a:ln w="38100">
+            <a:headEnd type="none" w="med" len="med"/>
+            <a:tailEnd type="arrow" w="med" len="med"/>
+          </a:ln>
+        </p:spPr>
+        <p:style>
+          <a:lnRef idx="1">
+            <a:schemeClr val="accent1"/>
+          </a:lnRef>
+          <a:fillRef idx="0">
+            <a:schemeClr val="accent1"/>
+          </a:fillRef>
+          <a:effectRef idx="0">
+            <a:schemeClr val="accent1"/>
+          </a:effectRef>
+          <a:fontRef idx="minor">
+            <a:schemeClr val="tx1"/>
+          </a:fontRef>
+        </p:style>
+      </p:cxnSp>
+      <p:sp>
+        <p:nvSpPr>
+          <p:cNvPr id="23" name="矩形 22">
+            <a:extLst>
+              <a:ext uri="{FF2B5EF4-FFF2-40B4-BE49-F238E27FC236}">
+                <a16:creationId xmlns:a16="http://schemas.microsoft.com/office/drawing/2014/main" id="{3D9C02DA-F32E-418C-8EEA-491CB22FC142}"/>
+              </a:ext>
+            </a:extLst>
+          </p:cNvPr>
+          <p:cNvSpPr/>
+          <p:nvPr/>
+        </p:nvSpPr>
+        <p:spPr>
+          <a:xfrm>
+            <a:off x="731995" y="4566062"/>
+            <a:ext cx="1248355" cy="466474"/>
+          </a:xfrm>
+          <a:prstGeom prst="rect">
+            <a:avLst/>
+          </a:prstGeom>
+          <a:noFill/>
+          <a:ln>
+            <a:noFill/>
+          </a:ln>
+        </p:spPr>
+        <p:style>
+          <a:lnRef idx="2">
+            <a:schemeClr val="accent1">
+              <a:shade val="50000"/>
+            </a:schemeClr>
+          </a:lnRef>
+          <a:fillRef idx="1">
+            <a:schemeClr val="accent1"/>
+          </a:fillRef>
+          <a:effectRef idx="0">
+            <a:schemeClr val="accent1"/>
+          </a:effectRef>
+          <a:fontRef idx="minor">
+            <a:schemeClr val="lt1"/>
+          </a:fontRef>
+        </p:style>
+        <p:txBody>
+          <a:bodyPr rtlCol="0" anchor="ctr"/>
+          <a:lstStyle/>
+          <a:p>
+            <a:pPr algn="ctr"/>
+            <a:r>
+              <a:rPr lang="en-US" sz="1400" dirty="0">
+                <a:solidFill>
+                  <a:schemeClr val="tx1"/>
+                </a:solidFill>
+              </a:rPr>
+              <a:t>1. Create new room</a:t>
+            </a:r>
+          </a:p>
+        </p:txBody>
+      </p:sp>
+      <p:sp>
+        <p:nvSpPr>
+          <p:cNvPr id="24" name="矩形 23">
+            <a:extLst>
+              <a:ext uri="{FF2B5EF4-FFF2-40B4-BE49-F238E27FC236}">
+                <a16:creationId xmlns:a16="http://schemas.microsoft.com/office/drawing/2014/main" id="{4C234195-3C3D-41C7-B1C0-5EDEA6CBA7D3}"/>
+              </a:ext>
+            </a:extLst>
+          </p:cNvPr>
+          <p:cNvSpPr/>
+          <p:nvPr/>
+        </p:nvSpPr>
+        <p:spPr>
+          <a:xfrm>
+            <a:off x="5290381" y="5622541"/>
+            <a:ext cx="884903" cy="369734"/>
+          </a:xfrm>
+          <a:prstGeom prst="rect">
+            <a:avLst/>
+          </a:prstGeom>
+        </p:spPr>
+        <p:style>
+          <a:lnRef idx="2">
+            <a:schemeClr val="accent1">
+              <a:shade val="50000"/>
+            </a:schemeClr>
+          </a:lnRef>
+          <a:fillRef idx="1">
+            <a:schemeClr val="accent1"/>
+          </a:fillRef>
+          <a:effectRef idx="0">
+            <a:schemeClr val="accent1"/>
+          </a:effectRef>
+          <a:fontRef idx="minor">
+            <a:schemeClr val="lt1"/>
+          </a:fontRef>
+        </p:style>
+        <p:txBody>
+          <a:bodyPr rtlCol="0" anchor="ctr"/>
+          <a:lstStyle/>
+          <a:p>
+            <a:pPr algn="ctr"/>
+            <a:r>
+              <a:rPr lang="en-US" dirty="0">
+                <a:solidFill>
+                  <a:srgbClr val="FF0000"/>
+                </a:solidFill>
+              </a:rPr>
+              <a:t>Room3</a:t>
+            </a:r>
+          </a:p>
+        </p:txBody>
+      </p:sp>
+      <p:cxnSp>
+        <p:nvCxnSpPr>
+          <p:cNvPr id="25" name="连接符: 曲线 24">
+            <a:extLst>
+              <a:ext uri="{FF2B5EF4-FFF2-40B4-BE49-F238E27FC236}">
+                <a16:creationId xmlns:a16="http://schemas.microsoft.com/office/drawing/2014/main" id="{F801EB43-5B66-4746-A998-BFAB3811F3ED}"/>
+              </a:ext>
+            </a:extLst>
+          </p:cNvPr>
+          <p:cNvCxnSpPr>
+            <a:cxnSpLocks/>
+            <a:stCxn id="21" idx="2"/>
+            <a:endCxn id="7" idx="4"/>
+          </p:cNvCxnSpPr>
+          <p:nvPr/>
+        </p:nvCxnSpPr>
+        <p:spPr>
+          <a:xfrm rot="16200000" flipH="1">
+            <a:off x="3961908" y="4491806"/>
+            <a:ext cx="566961" cy="2686819"/>
+          </a:xfrm>
+          <a:prstGeom prst="curvedConnector3">
+            <a:avLst>
+              <a:gd name="adj1" fmla="val 140320"/>
+            </a:avLst>
+          </a:prstGeom>
+          <a:ln w="38100">
+            <a:headEnd type="none" w="med" len="med"/>
+            <a:tailEnd type="arrow" w="med" len="med"/>
+          </a:ln>
+        </p:spPr>
+        <p:style>
+          <a:lnRef idx="1">
+            <a:schemeClr val="accent1"/>
+          </a:lnRef>
+          <a:fillRef idx="0">
+            <a:schemeClr val="accent1"/>
+          </a:fillRef>
+          <a:effectRef idx="0">
+            <a:schemeClr val="accent1"/>
+          </a:effectRef>
+          <a:fontRef idx="minor">
+            <a:schemeClr val="tx1"/>
+          </a:fontRef>
+        </p:style>
+      </p:cxnSp>
+      <p:sp>
+        <p:nvSpPr>
+          <p:cNvPr id="26" name="矩形 25">
+            <a:extLst>
+              <a:ext uri="{FF2B5EF4-FFF2-40B4-BE49-F238E27FC236}">
+                <a16:creationId xmlns:a16="http://schemas.microsoft.com/office/drawing/2014/main" id="{E6E4E25D-F28F-413B-81A6-A59217AB6332}"/>
+              </a:ext>
+            </a:extLst>
+          </p:cNvPr>
+          <p:cNvSpPr/>
+          <p:nvPr/>
+        </p:nvSpPr>
+        <p:spPr>
+          <a:xfrm>
+            <a:off x="2417385" y="6119704"/>
+            <a:ext cx="2030399" cy="466474"/>
+          </a:xfrm>
+          <a:prstGeom prst="rect">
+            <a:avLst/>
+          </a:prstGeom>
+          <a:noFill/>
+          <a:ln>
+            <a:noFill/>
+          </a:ln>
+        </p:spPr>
+        <p:style>
+          <a:lnRef idx="2">
+            <a:schemeClr val="accent1">
+              <a:shade val="50000"/>
+            </a:schemeClr>
+          </a:lnRef>
+          <a:fillRef idx="1">
+            <a:schemeClr val="accent1"/>
+          </a:fillRef>
+          <a:effectRef idx="0">
+            <a:schemeClr val="accent1"/>
+          </a:effectRef>
+          <a:fontRef idx="minor">
+            <a:schemeClr val="lt1"/>
+          </a:fontRef>
+        </p:style>
+        <p:txBody>
+          <a:bodyPr rtlCol="0" anchor="ctr"/>
+          <a:lstStyle/>
+          <a:p>
+            <a:pPr algn="ctr"/>
+            <a:r>
+              <a:rPr lang="en-US" sz="1400" dirty="0">
+                <a:solidFill>
+                  <a:schemeClr val="tx1"/>
+                </a:solidFill>
+              </a:rPr>
+              <a:t>2. Wrap the room in </a:t>
+            </a:r>
+            <a:r>
+              <a:rPr lang="en-US" sz="1400" dirty="0" err="1">
+                <a:solidFill>
+                  <a:schemeClr val="tx1"/>
+                </a:solidFill>
+              </a:rPr>
+              <a:t>AppendRoom</a:t>
+            </a:r>
+            <a:r>
+              <a:rPr lang="en-US" sz="1400" dirty="0">
+                <a:solidFill>
+                  <a:schemeClr val="tx1"/>
+                </a:solidFill>
+              </a:rPr>
+              <a:t> </a:t>
+            </a:r>
+            <a:r>
+              <a:rPr lang="en-US" sz="1400" dirty="0" err="1">
+                <a:solidFill>
+                  <a:schemeClr val="tx1"/>
+                </a:solidFill>
+              </a:rPr>
+              <a:t>Cmd</a:t>
+            </a:r>
+            <a:endParaRPr lang="en-US" sz="1400" dirty="0">
+              <a:solidFill>
+                <a:schemeClr val="tx1"/>
+              </a:solidFill>
+            </a:endParaRPr>
+          </a:p>
+        </p:txBody>
+      </p:sp>
+      <p:cxnSp>
+        <p:nvCxnSpPr>
+          <p:cNvPr id="27" name="连接符: 曲线 26">
+            <a:extLst>
+              <a:ext uri="{FF2B5EF4-FFF2-40B4-BE49-F238E27FC236}">
+                <a16:creationId xmlns:a16="http://schemas.microsoft.com/office/drawing/2014/main" id="{6E49A25C-D61C-4E9D-95C1-1737AF0CD142}"/>
+              </a:ext>
+            </a:extLst>
+          </p:cNvPr>
+          <p:cNvCxnSpPr>
+            <a:cxnSpLocks/>
+            <a:stCxn id="7" idx="6"/>
+            <a:endCxn id="16" idx="2"/>
+          </p:cNvCxnSpPr>
+          <p:nvPr/>
+        </p:nvCxnSpPr>
+        <p:spPr>
+          <a:xfrm flipV="1">
+            <a:off x="6729810" y="1622307"/>
+            <a:ext cx="1686839" cy="4026168"/>
+          </a:xfrm>
+          <a:prstGeom prst="curvedConnector3">
+            <a:avLst>
+              <a:gd name="adj1" fmla="val 50000"/>
+            </a:avLst>
+          </a:prstGeom>
+          <a:ln w="38100">
+            <a:headEnd type="none" w="med" len="med"/>
+            <a:tailEnd type="arrow" w="med" len="med"/>
+          </a:ln>
+        </p:spPr>
+        <p:style>
+          <a:lnRef idx="1">
+            <a:schemeClr val="accent1"/>
+          </a:lnRef>
+          <a:fillRef idx="0">
+            <a:schemeClr val="accent1"/>
+          </a:fillRef>
+          <a:effectRef idx="0">
+            <a:schemeClr val="accent1"/>
+          </a:effectRef>
+          <a:fontRef idx="minor">
+            <a:schemeClr val="tx1"/>
+          </a:fontRef>
+        </p:style>
+      </p:cxnSp>
+      <p:cxnSp>
+        <p:nvCxnSpPr>
+          <p:cNvPr id="28" name="连接符: 曲线 27">
+            <a:extLst>
+              <a:ext uri="{FF2B5EF4-FFF2-40B4-BE49-F238E27FC236}">
+                <a16:creationId xmlns:a16="http://schemas.microsoft.com/office/drawing/2014/main" id="{319BE671-BE4E-4BCF-9E9D-61205A5AC5D9}"/>
+              </a:ext>
+            </a:extLst>
+          </p:cNvPr>
+          <p:cNvCxnSpPr>
+            <a:cxnSpLocks/>
+            <a:stCxn id="7" idx="6"/>
+            <a:endCxn id="15" idx="2"/>
+          </p:cNvCxnSpPr>
+          <p:nvPr/>
+        </p:nvCxnSpPr>
+        <p:spPr>
+          <a:xfrm flipV="1">
+            <a:off x="6729810" y="3641326"/>
+            <a:ext cx="1686839" cy="2007149"/>
+          </a:xfrm>
+          <a:prstGeom prst="curvedConnector3">
+            <a:avLst>
+              <a:gd name="adj1" fmla="val 74983"/>
+            </a:avLst>
+          </a:prstGeom>
+          <a:ln w="38100">
+            <a:headEnd type="none" w="med" len="med"/>
+            <a:tailEnd type="arrow" w="med" len="med"/>
+          </a:ln>
+        </p:spPr>
+        <p:style>
+          <a:lnRef idx="1">
+            <a:schemeClr val="accent1"/>
+          </a:lnRef>
+          <a:fillRef idx="0">
+            <a:schemeClr val="accent1"/>
+          </a:fillRef>
+          <a:effectRef idx="0">
+            <a:schemeClr val="accent1"/>
+          </a:effectRef>
+          <a:fontRef idx="minor">
+            <a:schemeClr val="tx1"/>
+          </a:fontRef>
+        </p:style>
+      </p:cxnSp>
+      <p:cxnSp>
+        <p:nvCxnSpPr>
+          <p:cNvPr id="29" name="连接符: 曲线 28">
+            <a:extLst>
+              <a:ext uri="{FF2B5EF4-FFF2-40B4-BE49-F238E27FC236}">
+                <a16:creationId xmlns:a16="http://schemas.microsoft.com/office/drawing/2014/main" id="{CED782CF-0EDE-42C2-A564-8CD3AED5C137}"/>
+              </a:ext>
+            </a:extLst>
+          </p:cNvPr>
+          <p:cNvCxnSpPr>
+            <a:cxnSpLocks/>
+            <a:stCxn id="7" idx="6"/>
+            <a:endCxn id="17" idx="2"/>
+          </p:cNvCxnSpPr>
+          <p:nvPr/>
+        </p:nvCxnSpPr>
+        <p:spPr>
+          <a:xfrm>
+            <a:off x="6729810" y="5648475"/>
+            <a:ext cx="1686839" cy="11870"/>
+          </a:xfrm>
+          <a:prstGeom prst="curvedConnector3">
+            <a:avLst>
+              <a:gd name="adj1" fmla="val 50000"/>
+            </a:avLst>
+          </a:prstGeom>
+          <a:ln w="38100">
+            <a:headEnd type="none" w="med" len="med"/>
+            <a:tailEnd type="arrow" w="med" len="med"/>
+          </a:ln>
+        </p:spPr>
+        <p:style>
+          <a:lnRef idx="1">
+            <a:schemeClr val="accent1"/>
+          </a:lnRef>
+          <a:fillRef idx="0">
+            <a:schemeClr val="accent1"/>
+          </a:fillRef>
+          <a:effectRef idx="0">
+            <a:schemeClr val="accent1"/>
+          </a:effectRef>
+          <a:fontRef idx="minor">
+            <a:schemeClr val="tx1"/>
+          </a:fontRef>
+        </p:style>
+      </p:cxnSp>
+      <p:sp>
+        <p:nvSpPr>
+          <p:cNvPr id="30" name="矩形 29">
+            <a:extLst>
+              <a:ext uri="{FF2B5EF4-FFF2-40B4-BE49-F238E27FC236}">
+                <a16:creationId xmlns:a16="http://schemas.microsoft.com/office/drawing/2014/main" id="{C171D117-5BB8-46A5-B7C6-9080D0D6F532}"/>
+              </a:ext>
+            </a:extLst>
+          </p:cNvPr>
+          <p:cNvSpPr/>
+          <p:nvPr/>
+        </p:nvSpPr>
+        <p:spPr>
+          <a:xfrm>
+            <a:off x="6346121" y="4174238"/>
+            <a:ext cx="3036418" cy="739470"/>
+          </a:xfrm>
+          <a:prstGeom prst="rect">
+            <a:avLst/>
+          </a:prstGeom>
+          <a:noFill/>
+          <a:ln>
+            <a:noFill/>
+          </a:ln>
+        </p:spPr>
+        <p:style>
+          <a:lnRef idx="2">
+            <a:schemeClr val="accent1">
+              <a:shade val="50000"/>
+            </a:schemeClr>
+          </a:lnRef>
+          <a:fillRef idx="1">
+            <a:schemeClr val="accent1"/>
+          </a:fillRef>
+          <a:effectRef idx="0">
+            <a:schemeClr val="accent1"/>
+          </a:effectRef>
+          <a:fontRef idx="minor">
+            <a:schemeClr val="lt1"/>
+          </a:fontRef>
+        </p:style>
+        <p:txBody>
+          <a:bodyPr rtlCol="0" anchor="ctr"/>
+          <a:lstStyle/>
+          <a:p>
+            <a:pPr algn="ctr"/>
+            <a:r>
+              <a:rPr lang="en-US" sz="1400" dirty="0">
+                <a:solidFill>
+                  <a:schemeClr val="tx1"/>
+                </a:solidFill>
+              </a:rPr>
+              <a:t>3. </a:t>
+            </a:r>
+            <a:r>
+              <a:rPr lang="en-US" sz="1400" dirty="0" err="1">
+                <a:solidFill>
+                  <a:schemeClr val="tx1"/>
+                </a:solidFill>
+              </a:rPr>
+              <a:t>notifyObservers</a:t>
+            </a:r>
+            <a:r>
+              <a:rPr lang="en-US" sz="1400" dirty="0">
+                <a:solidFill>
+                  <a:schemeClr val="tx1"/>
+                </a:solidFill>
+              </a:rPr>
+              <a:t>(</a:t>
+            </a:r>
+            <a:r>
+              <a:rPr lang="en-US" sz="1400" dirty="0" err="1">
+                <a:solidFill>
+                  <a:schemeClr val="tx1"/>
+                </a:solidFill>
+              </a:rPr>
+              <a:t>cmd</a:t>
+            </a:r>
+            <a:r>
+              <a:rPr lang="en-US" sz="1400" dirty="0">
+                <a:solidFill>
+                  <a:schemeClr val="tx1"/>
+                </a:solidFill>
+              </a:rPr>
+              <a:t>)</a:t>
+            </a:r>
+          </a:p>
+          <a:p>
+            <a:pPr algn="ctr"/>
+            <a:r>
+              <a:rPr lang="en-US" sz="1400" dirty="0">
+                <a:solidFill>
+                  <a:schemeClr val="tx1"/>
+                </a:solidFill>
+              </a:rPr>
+              <a:t>Add the new room into available</a:t>
+            </a:r>
+          </a:p>
+        </p:txBody>
+      </p:sp>
+    </p:spTree>
+    <p:extLst>
+      <p:ext uri="{BB962C8B-B14F-4D97-AF65-F5344CB8AC3E}">
+        <p14:creationId xmlns:p14="http://schemas.microsoft.com/office/powerpoint/2010/main" val="1603468837"/>
+      </p:ext>
+    </p:extLst>
+  </p:cSld>
+  <p:clrMapOvr>
+    <a:masterClrMapping/>
+  </p:clrMapOvr>
+</p:sld>
+</file>
+
+<file path=ppt/slides/slide19.xml><?xml version="1.0" encoding="utf-8"?>
+<p:sld xmlns:a="http://schemas.openxmlformats.org/drawingml/2006/main" xmlns:r="http://schemas.openxmlformats.org/officeDocument/2006/relationships" xmlns:p="http://schemas.openxmlformats.org/presentationml/2006/main">
+  <p:cSld>
+    <p:bg>
+      <p:bgPr>
+        <a:solidFill>
+          <a:schemeClr val="bg1"/>
+        </a:solidFill>
+        <a:effectLst/>
+      </p:bgPr>
+    </p:bg>
+    <p:spTree>
+      <p:nvGrpSpPr>
+        <p:cNvPr id="1" name=""/>
+        <p:cNvGrpSpPr/>
+        <p:nvPr/>
+      </p:nvGrpSpPr>
+      <p:grpSpPr>
+        <a:xfrm>
+          <a:off x="0" y="0"/>
+          <a:ext cx="0" cy="0"/>
+          <a:chOff x="0" y="0"/>
+          <a:chExt cx="0" cy="0"/>
+        </a:xfrm>
+      </p:grpSpPr>
+      <p:sp useBgFill="1">
+        <p:nvSpPr>
+          <p:cNvPr id="8" name="Rectangle 7">
+            <a:extLst>
+              <a:ext uri="{FF2B5EF4-FFF2-40B4-BE49-F238E27FC236}">
+                <a16:creationId xmlns:a16="http://schemas.microsoft.com/office/drawing/2014/main" id="{E80B86A7-A1EC-475B-9166-88902B033A38}"/>
+              </a:ext>
+              <a:ext uri="{C183D7F6-B498-43B3-948B-1728B52AA6E4}">
+                <adec:decorative xmlns:adec="http://schemas.microsoft.com/office/drawing/2017/decorative" val="1"/>
+              </a:ext>
+            </a:extLst>
+          </p:cNvPr>
+          <p:cNvSpPr>
+            <a:spLocks noGrp="1" noRot="1" noChangeAspect="1" noMove="1" noResize="1" noEditPoints="1" noAdjustHandles="1" noChangeArrowheads="1" noChangeShapeType="1" noTextEdit="1"/>
+          </p:cNvSpPr>
+          <p:nvPr>
+            <p:extLst>
+              <p:ext uri="{386F3935-93C4-4BCD-93E2-E3B085C9AB24}">
+                <p16:designElem xmlns:p16="http://schemas.microsoft.com/office/powerpoint/2015/main" val="1"/>
+              </p:ext>
+            </p:extLst>
+          </p:nvPr>
+        </p:nvSpPr>
+        <p:spPr>
+          <a:xfrm>
+            <a:off x="0" y="0"/>
+            <a:ext cx="12192000" cy="6858000"/>
+          </a:xfrm>
+          <a:prstGeom prst="rect">
+            <a:avLst/>
+          </a:prstGeom>
+          <a:ln>
+            <a:noFill/>
+          </a:ln>
+        </p:spPr>
+        <p:style>
+          <a:lnRef idx="2">
+            <a:schemeClr val="accent1">
+              <a:shade val="50000"/>
+            </a:schemeClr>
+          </a:lnRef>
+          <a:fillRef idx="1">
+            <a:schemeClr val="accent1"/>
+          </a:fillRef>
+          <a:effectRef idx="0">
+            <a:schemeClr val="accent1"/>
+          </a:effectRef>
+          <a:fontRef idx="minor">
+            <a:schemeClr val="lt1"/>
+          </a:fontRef>
+        </p:style>
+        <p:txBody>
+          <a:bodyPr rtlCol="0" anchor="ctr"/>
+          <a:lstStyle/>
+          <a:p>
+            <a:pPr algn="ctr"/>
+            <a:endParaRPr lang="en-US"/>
+          </a:p>
+        </p:txBody>
+      </p:sp>
+      <p:sp>
+        <p:nvSpPr>
+          <p:cNvPr id="19" name="矩形 18">
+            <a:extLst>
+              <a:ext uri="{FF2B5EF4-FFF2-40B4-BE49-F238E27FC236}">
+                <a16:creationId xmlns:a16="http://schemas.microsoft.com/office/drawing/2014/main" id="{812AD843-2BEA-4809-93A2-C8822A0FD36D}"/>
+              </a:ext>
+            </a:extLst>
+          </p:cNvPr>
+          <p:cNvSpPr/>
+          <p:nvPr/>
+        </p:nvSpPr>
+        <p:spPr>
+          <a:xfrm>
+            <a:off x="4085004" y="3345002"/>
+            <a:ext cx="1935002" cy="1707778"/>
+          </a:xfrm>
+          <a:prstGeom prst="rect">
+            <a:avLst/>
+          </a:prstGeom>
+          <a:solidFill>
+            <a:schemeClr val="accent3">
+              <a:lumMod val="60000"/>
+              <a:lumOff val="40000"/>
+            </a:schemeClr>
+          </a:solidFill>
+        </p:spPr>
+        <p:style>
+          <a:lnRef idx="2">
+            <a:schemeClr val="accent1">
+              <a:shade val="50000"/>
+            </a:schemeClr>
+          </a:lnRef>
+          <a:fillRef idx="1">
+            <a:schemeClr val="accent1"/>
+          </a:fillRef>
+          <a:effectRef idx="0">
+            <a:schemeClr val="accent1"/>
+          </a:effectRef>
+          <a:fontRef idx="minor">
+            <a:schemeClr val="lt1"/>
+          </a:fontRef>
+        </p:style>
+        <p:txBody>
+          <a:bodyPr rtlCol="0" anchor="ctr"/>
+          <a:lstStyle/>
+          <a:p>
+            <a:pPr algn="ctr"/>
+            <a:r>
+              <a:rPr lang="en-US" dirty="0">
+                <a:solidFill>
+                  <a:schemeClr val="tx1"/>
+                </a:solidFill>
+              </a:rPr>
+              <a:t>Joined Room</a:t>
+            </a:r>
+          </a:p>
+          <a:p>
+            <a:pPr algn="ctr"/>
+            <a:r>
+              <a:rPr lang="en-US" dirty="0">
+                <a:solidFill>
+                  <a:srgbClr val="FF0000"/>
+                </a:solidFill>
+              </a:rPr>
+              <a:t>Room1</a:t>
+            </a:r>
+          </a:p>
+          <a:p>
+            <a:pPr algn="ctr"/>
+            <a:r>
+              <a:rPr lang="en-US" dirty="0">
+                <a:solidFill>
+                  <a:schemeClr val="tx1"/>
+                </a:solidFill>
+              </a:rPr>
+              <a:t>Available Room</a:t>
+            </a:r>
+          </a:p>
+          <a:p>
+            <a:pPr algn="ctr"/>
+            <a:r>
+              <a:rPr lang="en-US" strike="sngStrike" dirty="0">
+                <a:solidFill>
+                  <a:srgbClr val="FF0000"/>
+                </a:solidFill>
+              </a:rPr>
+              <a:t>Room1</a:t>
+            </a:r>
+          </a:p>
+          <a:p>
+            <a:pPr algn="ctr"/>
+            <a:r>
+              <a:rPr lang="en-US" dirty="0">
+                <a:solidFill>
+                  <a:schemeClr val="tx1"/>
+                </a:solidFill>
+              </a:rPr>
+              <a:t>Room2</a:t>
+            </a:r>
+          </a:p>
+          <a:p>
+            <a:pPr algn="ctr"/>
+            <a:r>
+              <a:rPr lang="en-US" dirty="0">
+                <a:solidFill>
+                  <a:schemeClr val="tx1"/>
+                </a:solidFill>
+              </a:rPr>
+              <a:t>Room3</a:t>
+            </a:r>
+          </a:p>
+        </p:txBody>
+      </p:sp>
+      <p:sp>
+        <p:nvSpPr>
+          <p:cNvPr id="10" name="Isosceles Triangle 9">
+            <a:extLst>
+              <a:ext uri="{FF2B5EF4-FFF2-40B4-BE49-F238E27FC236}">
+                <a16:creationId xmlns:a16="http://schemas.microsoft.com/office/drawing/2014/main" id="{C2C29CB1-9F74-4879-A6AF-AEA67B6F1F4D}"/>
+              </a:ext>
+              <a:ext uri="{C183D7F6-B498-43B3-948B-1728B52AA6E4}">
+                <adec:decorative xmlns:adec="http://schemas.microsoft.com/office/drawing/2017/decorative" val="1"/>
+              </a:ext>
+            </a:extLst>
+          </p:cNvPr>
+          <p:cNvSpPr>
+            <a:spLocks noGrp="1" noRot="1" noChangeAspect="1" noMove="1" noResize="1" noEditPoints="1" noAdjustHandles="1" noChangeArrowheads="1" noChangeShapeType="1" noTextEdit="1"/>
+          </p:cNvSpPr>
+          <p:nvPr>
+            <p:extLst>
+              <p:ext uri="{386F3935-93C4-4BCD-93E2-E3B085C9AB24}">
+                <p16:designElem xmlns:p16="http://schemas.microsoft.com/office/powerpoint/2015/main" val="1"/>
+              </p:ext>
+            </p:extLst>
+          </p:nvPr>
+        </p:nvSpPr>
+        <p:spPr>
+          <a:xfrm rot="10800000">
+            <a:off x="0" y="0"/>
+            <a:ext cx="842596" cy="5666154"/>
+          </a:xfrm>
+          <a:prstGeom prst="triangle">
+            <a:avLst>
+              <a:gd name="adj" fmla="val 100000"/>
+            </a:avLst>
+          </a:prstGeom>
+          <a:solidFill>
+            <a:schemeClr val="accent1">
+              <a:alpha val="85000"/>
+            </a:schemeClr>
+          </a:solidFill>
+          <a:ln>
+            <a:noFill/>
+          </a:ln>
+          <a:effectLst/>
+        </p:spPr>
+        <p:style>
+          <a:lnRef idx="1">
+            <a:schemeClr val="accent1"/>
+          </a:lnRef>
+          <a:fillRef idx="3">
+            <a:schemeClr val="accent1"/>
+          </a:fillRef>
+          <a:effectRef idx="2">
+            <a:schemeClr val="accent1"/>
+          </a:effectRef>
+          <a:fontRef idx="minor">
+            <a:schemeClr val="lt1"/>
+          </a:fontRef>
+        </p:style>
+      </p:sp>
+      <p:sp>
+        <p:nvSpPr>
+          <p:cNvPr id="12" name="Isosceles Triangle 11">
+            <a:extLst>
+              <a:ext uri="{FF2B5EF4-FFF2-40B4-BE49-F238E27FC236}">
+                <a16:creationId xmlns:a16="http://schemas.microsoft.com/office/drawing/2014/main" id="{7E2C7115-5336-410C-AD71-0F0952A2E5A7}"/>
+              </a:ext>
+              <a:ext uri="{C183D7F6-B498-43B3-948B-1728B52AA6E4}">
+                <adec:decorative xmlns:adec="http://schemas.microsoft.com/office/drawing/2017/decorative" val="1"/>
+              </a:ext>
+            </a:extLst>
+          </p:cNvPr>
+          <p:cNvSpPr>
+            <a:spLocks noGrp="1" noRot="1" noChangeAspect="1" noMove="1" noResize="1" noEditPoints="1" noAdjustHandles="1" noChangeArrowheads="1" noChangeShapeType="1" noTextEdit="1"/>
+          </p:cNvSpPr>
+          <p:nvPr>
+            <p:extLst>
+              <p:ext uri="{386F3935-93C4-4BCD-93E2-E3B085C9AB24}">
+                <p16:designElem xmlns:p16="http://schemas.microsoft.com/office/powerpoint/2015/main" val="1"/>
+              </p:ext>
+            </p:extLst>
+          </p:nvPr>
+        </p:nvSpPr>
+        <p:spPr>
+          <a:xfrm flipH="1">
+            <a:off x="11743267" y="4013200"/>
+            <a:ext cx="448733" cy="2844800"/>
+          </a:xfrm>
+          <a:prstGeom prst="triangle">
+            <a:avLst>
+              <a:gd name="adj" fmla="val 0"/>
+            </a:avLst>
+          </a:prstGeom>
+          <a:solidFill>
+            <a:schemeClr val="accent1">
+              <a:alpha val="85000"/>
+            </a:schemeClr>
+          </a:solidFill>
+          <a:ln>
+            <a:noFill/>
+          </a:ln>
+          <a:effectLst/>
+        </p:spPr>
+        <p:style>
+          <a:lnRef idx="1">
+            <a:schemeClr val="accent1"/>
+          </a:lnRef>
+          <a:fillRef idx="3">
+            <a:schemeClr val="accent1"/>
+          </a:fillRef>
+          <a:effectRef idx="2">
+            <a:schemeClr val="accent1"/>
+          </a:effectRef>
+          <a:fontRef idx="minor">
+            <a:schemeClr val="lt1"/>
+          </a:fontRef>
+        </p:style>
+      </p:sp>
+      <p:sp>
+        <p:nvSpPr>
           <p:cNvPr id="7" name="标题 1">
             <a:extLst>
               <a:ext uri="{FF2B5EF4-FFF2-40B4-BE49-F238E27FC236}">
@@ -11250,7 +11319,7 @@
           <a:p>
             <a:r>
               <a:rPr lang="en-US" dirty="0"/>
-              <a:t>Example – User3 </a:t>
+              <a:t>Appendix – User3 </a:t>
             </a:r>
             <a:r>
               <a:rPr lang="en-US" altLang="zh-CN" dirty="0"/>
@@ -12261,71 +12330,6 @@
     <p:extLst>
       <p:ext uri="{BB962C8B-B14F-4D97-AF65-F5344CB8AC3E}">
         <p14:creationId xmlns:p14="http://schemas.microsoft.com/office/powerpoint/2010/main" val="3962444286"/>
-      </p:ext>
-    </p:extLst>
-  </p:cSld>
-  <p:clrMapOvr>
-    <a:masterClrMapping/>
-  </p:clrMapOvr>
-</p:sld>
-</file>
-
-<file path=ppt/slides/slide19.xml><?xml version="1.0" encoding="utf-8"?>
-<p:sld xmlns:a="http://schemas.openxmlformats.org/drawingml/2006/main" xmlns:r="http://schemas.openxmlformats.org/officeDocument/2006/relationships" xmlns:p="http://schemas.openxmlformats.org/presentationml/2006/main">
-  <p:cSld>
-    <p:spTree>
-      <p:nvGrpSpPr>
-        <p:cNvPr id="1" name=""/>
-        <p:cNvGrpSpPr/>
-        <p:nvPr/>
-      </p:nvGrpSpPr>
-      <p:grpSpPr>
-        <a:xfrm>
-          <a:off x="0" y="0"/>
-          <a:ext cx="0" cy="0"/>
-          <a:chOff x="0" y="0"/>
-          <a:chExt cx="0" cy="0"/>
-        </a:xfrm>
-      </p:grpSpPr>
-      <p:sp>
-        <p:nvSpPr>
-          <p:cNvPr id="2" name="标题 1">
-            <a:extLst>
-              <a:ext uri="{FF2B5EF4-FFF2-40B4-BE49-F238E27FC236}">
-                <a16:creationId xmlns:a16="http://schemas.microsoft.com/office/drawing/2014/main" id="{1EEE6901-701F-42C0-AE71-DDFBCC627013}"/>
-              </a:ext>
-            </a:extLst>
-          </p:cNvPr>
-          <p:cNvSpPr>
-            <a:spLocks noGrp="1"/>
-          </p:cNvSpPr>
-          <p:nvPr>
-            <p:ph type="title"/>
-          </p:nvPr>
-        </p:nvSpPr>
-        <p:spPr>
-          <a:xfrm>
-            <a:off x="4390592" y="2768600"/>
-            <a:ext cx="8596668" cy="1320800"/>
-          </a:xfrm>
-        </p:spPr>
-        <p:txBody>
-          <a:bodyPr>
-            <a:normAutofit/>
-          </a:bodyPr>
-          <a:lstStyle/>
-          <a:p>
-            <a:r>
-              <a:rPr lang="en-US" sz="6600" dirty="0"/>
-              <a:t>Q&amp;A</a:t>
-            </a:r>
-          </a:p>
-        </p:txBody>
-      </p:sp>
-    </p:spTree>
-    <p:extLst>
-      <p:ext uri="{BB962C8B-B14F-4D97-AF65-F5344CB8AC3E}">
-        <p14:creationId xmlns:p14="http://schemas.microsoft.com/office/powerpoint/2010/main" val="2401776526"/>
       </p:ext>
     </p:extLst>
   </p:cSld>

--- a/src/main/resources/ChatApp API.pptx
+++ b/src/main/resources/ChatApp API.pptx
@@ -15878,8 +15878,23 @@
               <a:rPr lang="en-US" dirty="0">
                 <a:hlinkClick r:id="rId2"/>
               </a:rPr>
-              <a:t>https://chatapp-team-freedom.herokuapp.com/main.html</a:t>
-            </a:r>
+              <a:t>https://chatapp-team-freedom.herokuapp</a:t>
+            </a:r>
+            <a:r>
+              <a:rPr lang="en-US">
+                <a:hlinkClick r:id="rId2"/>
+              </a:rPr>
+              <a:t>.co</a:t>
+            </a:r>
+            <a:r>
+              <a:rPr lang="en-US" altLang="zh-CN">
+                <a:hlinkClick r:id="rId2"/>
+              </a:rPr>
+              <a:t>m</a:t>
+            </a:r>
+            <a:endParaRPr lang="en-US" altLang="zh-CN"/>
+          </a:p>
+          <a:p>
             <a:endParaRPr lang="en-US" dirty="0"/>
           </a:p>
           <a:p>
